--- a/first part/Improved bounds for planar k-sets.pptx
+++ b/first part/Improved bounds for planar k-sets.pptx
@@ -10,6 +10,11 @@
     <p:sldId id="258" r:id="rId4"/>
     <p:sldId id="259" r:id="rId5"/>
     <p:sldId id="260" r:id="rId6"/>
+    <p:sldId id="261" r:id="rId7"/>
+    <p:sldId id="263" r:id="rId8"/>
+    <p:sldId id="264" r:id="rId9"/>
+    <p:sldId id="265" r:id="rId10"/>
+    <p:sldId id="262" r:id="rId11"/>
   </p:sldIdLst>
   <p:sldSz cx="12192000" cy="6858000"/>
   <p:notesSz cx="6858000" cy="9144000"/>
@@ -108,6 +113,11 @@
       </a:defRPr>
     </a:lvl9pPr>
   </p:defaultTextStyle>
+  <p:extLst>
+    <p:ext uri="{EFAFB233-063F-42B5-8137-9DF3F51BA10A}">
+      <p15:sldGuideLst xmlns:p15="http://schemas.microsoft.com/office/powerpoint/2012/main"/>
+    </p:ext>
+  </p:extLst>
 </p:presentation>
 </file>
 
@@ -274,7 +284,7 @@
           <a:p>
             <a:fld id="{1160EA64-D806-43AC-9DF2-F8C432F32B4C}" type="datetimeFigureOut">
               <a:rPr lang="en-US" smtClean="0"/>
-              <a:t>5/22/2020</a:t>
+              <a:t>5/23/2020</a:t>
             </a:fld>
             <a:endParaRPr lang="en-US" dirty="0"/>
           </a:p>
@@ -445,7 +455,7 @@
           <a:p>
             <a:fld id="{E9F9C37B-1D36-470B-8223-D6C91242EC14}" type="datetimeFigureOut">
               <a:rPr lang="en-US" smtClean="0"/>
-              <a:t>5/22/2020</a:t>
+              <a:t>5/23/2020</a:t>
             </a:fld>
             <a:endParaRPr lang="en-US" dirty="0"/>
           </a:p>
@@ -625,7 +635,7 @@
           <a:p>
             <a:fld id="{67C6F52A-A82B-47A2-A83A-8C4C91F2D59F}" type="datetimeFigureOut">
               <a:rPr lang="en-US" smtClean="0"/>
-              <a:t>5/22/2020</a:t>
+              <a:t>5/23/2020</a:t>
             </a:fld>
             <a:endParaRPr lang="en-US" dirty="0"/>
           </a:p>
@@ -795,7 +805,7 @@
           <a:p>
             <a:fld id="{F070A7B3-6521-4DCA-87E5-044747A908C1}" type="datetimeFigureOut">
               <a:rPr lang="en-US" smtClean="0"/>
-              <a:t>5/22/2020</a:t>
+              <a:t>5/23/2020</a:t>
             </a:fld>
             <a:endParaRPr lang="en-US" dirty="0"/>
           </a:p>
@@ -1064,7 +1074,7 @@
           <a:p>
             <a:fld id="{1160EA64-D806-43AC-9DF2-F8C432F32B4C}" type="datetimeFigureOut">
               <a:rPr lang="en-US" smtClean="0"/>
-              <a:t>5/22/2020</a:t>
+              <a:t>5/23/2020</a:t>
             </a:fld>
             <a:endParaRPr lang="en-US" dirty="0"/>
           </a:p>
@@ -1297,7 +1307,7 @@
           <a:p>
             <a:fld id="{AB134690-1557-4C89-A502-4959FE7FAD70}" type="datetimeFigureOut">
               <a:rPr lang="en-US" smtClean="0"/>
-              <a:t>5/22/2020</a:t>
+              <a:t>5/23/2020</a:t>
             </a:fld>
             <a:endParaRPr lang="en-US" dirty="0"/>
           </a:p>
@@ -1656,7 +1666,7 @@
           <a:p>
             <a:fld id="{4F7D4976-E339-4826-83B7-FBD03F55ECF8}" type="datetimeFigureOut">
               <a:rPr lang="en-US" smtClean="0"/>
-              <a:t>5/22/2020</a:t>
+              <a:t>5/23/2020</a:t>
             </a:fld>
             <a:endParaRPr lang="en-US" dirty="0"/>
           </a:p>
@@ -1797,7 +1807,7 @@
           <a:p>
             <a:fld id="{E1037C31-9E7A-4F99-8774-A0E530DE1A42}" type="datetimeFigureOut">
               <a:rPr lang="en-US" smtClean="0"/>
-              <a:t>5/22/2020</a:t>
+              <a:t>5/23/2020</a:t>
             </a:fld>
             <a:endParaRPr lang="en-US" dirty="0"/>
           </a:p>
@@ -1892,7 +1902,7 @@
           <a:p>
             <a:fld id="{C278504F-A551-4DE0-9316-4DCD1D8CC752}" type="datetimeFigureOut">
               <a:rPr lang="en-US" smtClean="0"/>
-              <a:t>5/22/2020</a:t>
+              <a:t>5/23/2020</a:t>
             </a:fld>
             <a:endParaRPr lang="en-US" dirty="0"/>
           </a:p>
@@ -2249,7 +2259,7 @@
           <a:p>
             <a:fld id="{D1BE4249-C0D0-4B06-8692-E8BB871AF643}" type="datetimeFigureOut">
               <a:rPr lang="en-US" smtClean="0"/>
-              <a:t>5/22/2020</a:t>
+              <a:t>5/23/2020</a:t>
             </a:fld>
             <a:endParaRPr lang="en-US" dirty="0"/>
           </a:p>
@@ -2606,7 +2616,7 @@
           <a:p>
             <a:fld id="{042B0DB6-F5C7-45FB-8CF3-31B45F9C2DAC}" type="datetimeFigureOut">
               <a:rPr lang="en-US" smtClean="0"/>
-              <a:t>5/22/2020</a:t>
+              <a:t>5/23/2020</a:t>
             </a:fld>
             <a:endParaRPr lang="en-US" dirty="0"/>
           </a:p>
@@ -2848,7 +2858,7 @@
           <a:p>
             <a:fld id="{1160EA64-D806-43AC-9DF2-F8C432F32B4C}" type="datetimeFigureOut">
               <a:rPr lang="en-US" smtClean="0"/>
-              <a:t>5/22/2020</a:t>
+              <a:t>5/23/2020</a:t>
             </a:fld>
             <a:endParaRPr lang="en-US" dirty="0"/>
           </a:p>
@@ -3391,6 +3401,394 @@
 </p:sld>
 </file>
 
+<file path=ppt/slides/slide10.xml><?xml version="1.0" encoding="utf-8"?>
+<p:sld xmlns:a="http://schemas.openxmlformats.org/drawingml/2006/main" xmlns:r="http://schemas.openxmlformats.org/officeDocument/2006/relationships" xmlns:p="http://schemas.openxmlformats.org/presentationml/2006/main">
+  <p:cSld>
+    <p:spTree>
+      <p:nvGrpSpPr>
+        <p:cNvPr id="1" name=""/>
+        <p:cNvGrpSpPr/>
+        <p:nvPr/>
+      </p:nvGrpSpPr>
+      <p:grpSpPr>
+        <a:xfrm>
+          <a:off x="0" y="0"/>
+          <a:ext cx="0" cy="0"/>
+          <a:chOff x="0" y="0"/>
+          <a:chExt cx="0" cy="0"/>
+        </a:xfrm>
+      </p:grpSpPr>
+      <p:sp>
+        <p:nvSpPr>
+          <p:cNvPr id="2" name="Title 1">
+            <a:extLst>
+              <a:ext uri="{FF2B5EF4-FFF2-40B4-BE49-F238E27FC236}">
+                <a16:creationId xmlns:a16="http://schemas.microsoft.com/office/drawing/2014/main" id="{0ED3C801-6C96-4123-BDB9-1AD8CF3EC460}"/>
+              </a:ext>
+            </a:extLst>
+          </p:cNvPr>
+          <p:cNvSpPr>
+            <a:spLocks noGrp="1"/>
+          </p:cNvSpPr>
+          <p:nvPr>
+            <p:ph type="title"/>
+          </p:nvPr>
+        </p:nvSpPr>
+        <p:spPr/>
+        <p:txBody>
+          <a:bodyPr/>
+          <a:lstStyle/>
+          <a:p>
+            <a:r>
+              <a:rPr lang="he-IL" dirty="0"/>
+              <a:t>היסטוריה</a:t>
+            </a:r>
+          </a:p>
+        </p:txBody>
+      </p:sp>
+      <p:sp>
+        <p:nvSpPr>
+          <p:cNvPr id="3" name="Content Placeholder 2">
+            <a:extLst>
+              <a:ext uri="{FF2B5EF4-FFF2-40B4-BE49-F238E27FC236}">
+                <a16:creationId xmlns:a16="http://schemas.microsoft.com/office/drawing/2014/main" id="{8DE18717-999B-498B-B6D5-5F0AC39DFDD1}"/>
+              </a:ext>
+            </a:extLst>
+          </p:cNvPr>
+          <p:cNvSpPr>
+            <a:spLocks noGrp="1"/>
+          </p:cNvSpPr>
+          <p:nvPr>
+            <p:ph idx="1"/>
+          </p:nvPr>
+        </p:nvSpPr>
+        <p:spPr>
+          <a:xfrm>
+            <a:off x="2231136" y="2319262"/>
+            <a:ext cx="7729728" cy="3930536"/>
+          </a:xfrm>
+        </p:spPr>
+        <p:txBody>
+          <a:bodyPr>
+            <a:normAutofit lnSpcReduction="10000"/>
+          </a:bodyPr>
+          <a:lstStyle/>
+          <a:p>
+            <a:r>
+              <a:rPr lang="he-IL" dirty="0"/>
+              <a:t>החסם הראשון שאי פעם הוצע לבעיה הוצע על ידי </a:t>
+            </a:r>
+            <a:r>
+              <a:rPr lang="en-US" dirty="0"/>
+              <a:t>László </a:t>
+            </a:r>
+            <a:r>
+              <a:rPr lang="en-US" dirty="0" err="1"/>
+              <a:t>Lovász</a:t>
+            </a:r>
+            <a:r>
+              <a:rPr lang="he-IL" dirty="0"/>
+              <a:t> (מתמטיקאי הונגרי זוכה פרס וולף) ב-1971, בפועל החסם נקבע עבור בעיה שהוכח בהמשך שכל חסם עליה שווה גם לחסם של </a:t>
+            </a:r>
+            <a:r>
+              <a:rPr lang="en-US" dirty="0"/>
+              <a:t>k-sets</a:t>
+            </a:r>
+            <a:r>
+              <a:rPr lang="he-IL" dirty="0"/>
+              <a:t> והיא </a:t>
+            </a:r>
+            <a:r>
+              <a:rPr lang="en-US" dirty="0"/>
+              <a:t>halving lines</a:t>
+            </a:r>
+            <a:r>
+              <a:rPr lang="he-IL" dirty="0"/>
+              <a:t> (עוד על בעיות קשורות בהמשך)</a:t>
+            </a:r>
+          </a:p>
+          <a:p>
+            <a:r>
+              <a:rPr lang="he-IL" dirty="0"/>
+              <a:t>הגדרה: עבור קבוצה </a:t>
+            </a:r>
+            <a:r>
+              <a:rPr lang="en-US" dirty="0"/>
+              <a:t>S</a:t>
+            </a:r>
+            <a:r>
+              <a:rPr lang="he-IL" dirty="0"/>
+              <a:t> בגודל </a:t>
+            </a:r>
+            <a:r>
+              <a:rPr lang="en-US" dirty="0"/>
+              <a:t>n</a:t>
+            </a:r>
+            <a:r>
+              <a:rPr lang="he-IL" dirty="0"/>
+              <a:t> של נקודות במישור </a:t>
+            </a:r>
+            <a:r>
+              <a:rPr lang="en-US" dirty="0"/>
+              <a:t>halving line</a:t>
+            </a:r>
+            <a:r>
+              <a:rPr lang="he-IL" dirty="0"/>
+              <a:t> הוא קטע שעובר בין שני נקודות של </a:t>
+            </a:r>
+            <a:r>
+              <a:rPr lang="en-US" dirty="0"/>
+              <a:t>S</a:t>
+            </a:r>
+            <a:r>
+              <a:rPr lang="he-IL" dirty="0"/>
+              <a:t> ומחלק את קבוצה </a:t>
+            </a:r>
+            <a:r>
+              <a:rPr lang="en-US" dirty="0"/>
+              <a:t>S</a:t>
+            </a:r>
+            <a:r>
+              <a:rPr lang="he-IL" dirty="0"/>
+              <a:t> לשני חלקים שווים.</a:t>
+            </a:r>
+          </a:p>
+          <a:p>
+            <a:r>
+              <a:rPr lang="he-IL" i="1" dirty="0"/>
+              <a:t>כמות </a:t>
+            </a:r>
+            <a:r>
+              <a:rPr lang="en-US" i="1" dirty="0"/>
+              <a:t>halving lines</a:t>
+            </a:r>
+            <a:r>
+              <a:rPr lang="he-IL" i="1" dirty="0"/>
+              <a:t> מקסימלית בקבוצה בגודל </a:t>
+            </a:r>
+            <a:r>
+              <a:rPr lang="en-US" i="1" dirty="0"/>
+              <a:t>n</a:t>
+            </a:r>
+            <a:r>
+              <a:rPr lang="he-IL" i="1" dirty="0"/>
+              <a:t>: </a:t>
+            </a:r>
+            <a:r>
+              <a:rPr lang="en-US" i="1" dirty="0"/>
+              <a:t>O(n</a:t>
+            </a:r>
+            <a:r>
+              <a:rPr lang="en-US" i="1" baseline="30000" dirty="0"/>
+              <a:t>3/2</a:t>
+            </a:r>
+            <a:r>
+              <a:rPr lang="en-US" i="1" dirty="0"/>
+              <a:t>)</a:t>
+            </a:r>
+          </a:p>
+          <a:p>
+            <a:r>
+              <a:rPr lang="he-IL" i="1" dirty="0"/>
+              <a:t>מאוחר יותר, ב1973 </a:t>
+            </a:r>
+            <a:r>
+              <a:rPr lang="en-US" dirty="0"/>
+              <a:t> </a:t>
+            </a:r>
+            <a:r>
+              <a:rPr lang="en-US" dirty="0" err="1"/>
+              <a:t>Erdõs</a:t>
+            </a:r>
+            <a:r>
+              <a:rPr lang="en-US" dirty="0"/>
+              <a:t>, </a:t>
+            </a:r>
+            <a:r>
+              <a:rPr lang="en-US" dirty="0" err="1"/>
+              <a:t>Lovász</a:t>
+            </a:r>
+            <a:r>
+              <a:rPr lang="en-US" dirty="0"/>
+              <a:t>, Simmons</a:t>
+            </a:r>
+            <a:r>
+              <a:rPr lang="he-IL" dirty="0"/>
+              <a:t> ו-</a:t>
+            </a:r>
+            <a:r>
+              <a:rPr lang="en-US" dirty="0"/>
+              <a:t> Strauss </a:t>
+            </a:r>
+            <a:r>
+              <a:rPr lang="he-IL" dirty="0"/>
+              <a:t> שיפרו את החסם עבור </a:t>
+            </a:r>
+            <a:r>
+              <a:rPr lang="en-US" dirty="0"/>
+              <a:t>k-sets</a:t>
+            </a:r>
+            <a:r>
+              <a:rPr lang="he-IL" dirty="0"/>
+              <a:t> לכל מספר </a:t>
+            </a:r>
+            <a:r>
+              <a:rPr lang="en-US" dirty="0"/>
+              <a:t>k</a:t>
+            </a:r>
+            <a:r>
+              <a:rPr lang="he-IL" dirty="0"/>
+              <a:t> ולכל </a:t>
+            </a:r>
+            <a:r>
+              <a:rPr lang="en-US" dirty="0"/>
+              <a:t>n</a:t>
+            </a:r>
+            <a:r>
+              <a:rPr lang="he-IL" dirty="0"/>
+              <a:t> להיות - </a:t>
+            </a:r>
+            <a:r>
+              <a:rPr lang="en-US" i="1" dirty="0"/>
+              <a:t>O(n k</a:t>
+            </a:r>
+            <a:r>
+              <a:rPr lang="en-US" i="1" baseline="30000" dirty="0"/>
+              <a:t>1/2</a:t>
+            </a:r>
+            <a:r>
+              <a:rPr lang="en-US" i="1" dirty="0"/>
+              <a:t>)</a:t>
+            </a:r>
+            <a:r>
+              <a:rPr lang="he-IL" i="1" dirty="0"/>
+              <a:t> – חסם הדוק יותר.</a:t>
+            </a:r>
+          </a:p>
+          <a:p>
+            <a:r>
+              <a:rPr lang="he-IL" i="1" dirty="0"/>
+              <a:t>החסם הנ"ל לא שופר עד 1989 – בה </a:t>
+            </a:r>
+            <a:r>
+              <a:rPr lang="en-US" dirty="0"/>
+              <a:t> </a:t>
+            </a:r>
+            <a:r>
+              <a:rPr lang="en-US" dirty="0" err="1"/>
+              <a:t>Pach</a:t>
+            </a:r>
+            <a:r>
+              <a:rPr lang="en-US" dirty="0"/>
+              <a:t>, </a:t>
+            </a:r>
+            <a:r>
+              <a:rPr lang="en-US" dirty="0" err="1"/>
+              <a:t>Steiger</a:t>
+            </a:r>
+            <a:r>
+              <a:rPr lang="he-IL" dirty="0"/>
+              <a:t> ו-</a:t>
+            </a:r>
+            <a:r>
+              <a:rPr lang="en-US" dirty="0"/>
+              <a:t> </a:t>
+            </a:r>
+            <a:r>
+              <a:rPr lang="en-US" dirty="0" err="1"/>
+              <a:t>Szemerédi</a:t>
+            </a:r>
+            <a:r>
+              <a:rPr lang="en-US" dirty="0"/>
+              <a:t> </a:t>
+            </a:r>
+            <a:r>
+              <a:rPr lang="he-IL" i="1" dirty="0"/>
+              <a:t> הצליחו להדק אותו ל-</a:t>
+            </a:r>
+            <a:r>
+              <a:rPr lang="pt-BR" i="1" dirty="0"/>
+              <a:t> O(n k</a:t>
+            </a:r>
+            <a:r>
+              <a:rPr lang="pt-BR" i="1" baseline="30000" dirty="0"/>
+              <a:t>1/2</a:t>
+            </a:r>
+            <a:r>
+              <a:rPr lang="pt-BR" i="1" dirty="0"/>
+              <a:t> / log</a:t>
+            </a:r>
+            <a:r>
+              <a:rPr lang="pt-BR" i="1" baseline="30000" dirty="0"/>
+              <a:t>*</a:t>
+            </a:r>
+            <a:r>
+              <a:rPr lang="pt-BR" i="1" dirty="0"/>
+              <a:t>n)</a:t>
+            </a:r>
+            <a:r>
+              <a:rPr lang="he-IL" i="1" dirty="0"/>
+              <a:t> – לא שיפור גדול כ"כ ביחס ל16 שנים</a:t>
+            </a:r>
+          </a:p>
+          <a:p>
+            <a:r>
+              <a:rPr lang="he-IL" i="1" dirty="0"/>
+              <a:t>המאמר שלנו מדבר על החסם הטוב ביותר שקיים עד היום </a:t>
+            </a:r>
+            <a:r>
+              <a:rPr lang="en-US" i="1" dirty="0"/>
+              <a:t>O</a:t>
+            </a:r>
+            <a:r>
+              <a:rPr lang="en-US" dirty="0"/>
+              <a:t>(</a:t>
+            </a:r>
+            <a:r>
+              <a:rPr lang="en-US" i="1" dirty="0"/>
+              <a:t>nk</a:t>
+            </a:r>
+            <a:r>
+              <a:rPr lang="en-US" baseline="30000" dirty="0"/>
+              <a:t>1/3</a:t>
+            </a:r>
+            <a:r>
+              <a:rPr lang="en-US" dirty="0"/>
+              <a:t>)</a:t>
+            </a:r>
+            <a:r>
+              <a:rPr lang="he-IL" dirty="0"/>
+              <a:t>- הוכח בשנת 1998 ע"י </a:t>
+            </a:r>
+            <a:r>
+              <a:rPr lang="en-US" b="1" dirty="0" err="1"/>
+              <a:t>Tamal</a:t>
+            </a:r>
+            <a:r>
+              <a:rPr lang="en-US" b="1" dirty="0"/>
+              <a:t> Krishna Dey</a:t>
+            </a:r>
+            <a:r>
+              <a:rPr lang="he-IL" b="1" dirty="0"/>
+              <a:t> פרופ' למדעי המחשב באונ' אוהיו.</a:t>
+            </a:r>
+            <a:endParaRPr lang="he-IL" dirty="0"/>
+          </a:p>
+        </p:txBody>
+      </p:sp>
+    </p:spTree>
+    <p:extLst>
+      <p:ext uri="{BB962C8B-B14F-4D97-AF65-F5344CB8AC3E}">
+        <p14:creationId xmlns:p14="http://schemas.microsoft.com/office/powerpoint/2010/main" val="1346651604"/>
+      </p:ext>
+    </p:extLst>
+  </p:cSld>
+  <p:clrMapOvr>
+    <a:masterClrMapping/>
+  </p:clrMapOvr>
+</p:sld>
+</file>
+
 <file path=ppt/slides/slide2.xml><?xml version="1.0" encoding="utf-8"?>
 <p:sld xmlns:a="http://schemas.openxmlformats.org/drawingml/2006/main" xmlns:r="http://schemas.openxmlformats.org/officeDocument/2006/relationships" xmlns:p="http://schemas.openxmlformats.org/presentationml/2006/main">
   <p:cSld>
@@ -4267,6 +4665,618 @@
     <p:extLst>
       <p:ext uri="{BB962C8B-B14F-4D97-AF65-F5344CB8AC3E}">
         <p14:creationId xmlns:p14="http://schemas.microsoft.com/office/powerpoint/2010/main" val="988722138"/>
+      </p:ext>
+    </p:extLst>
+  </p:cSld>
+  <p:clrMapOvr>
+    <a:masterClrMapping/>
+  </p:clrMapOvr>
+</p:sld>
+</file>
+
+<file path=ppt/slides/slide6.xml><?xml version="1.0" encoding="utf-8"?>
+<p:sld xmlns:a="http://schemas.openxmlformats.org/drawingml/2006/main" xmlns:r="http://schemas.openxmlformats.org/officeDocument/2006/relationships" xmlns:p="http://schemas.openxmlformats.org/presentationml/2006/main">
+  <p:cSld>
+    <p:spTree>
+      <p:nvGrpSpPr>
+        <p:cNvPr id="1" name=""/>
+        <p:cNvGrpSpPr/>
+        <p:nvPr/>
+      </p:nvGrpSpPr>
+      <p:grpSpPr>
+        <a:xfrm>
+          <a:off x="0" y="0"/>
+          <a:ext cx="0" cy="0"/>
+          <a:chOff x="0" y="0"/>
+          <a:chExt cx="0" cy="0"/>
+        </a:xfrm>
+      </p:grpSpPr>
+      <p:sp>
+        <p:nvSpPr>
+          <p:cNvPr id="2" name="Title 1">
+            <a:extLst>
+              <a:ext uri="{FF2B5EF4-FFF2-40B4-BE49-F238E27FC236}">
+                <a16:creationId xmlns:a16="http://schemas.microsoft.com/office/drawing/2014/main" id="{900EFF28-9C18-42A7-AB5D-14D8D378B85D}"/>
+              </a:ext>
+            </a:extLst>
+          </p:cNvPr>
+          <p:cNvSpPr>
+            <a:spLocks noGrp="1"/>
+          </p:cNvSpPr>
+          <p:nvPr>
+            <p:ph type="title"/>
+          </p:nvPr>
+        </p:nvSpPr>
+        <p:spPr/>
+        <p:txBody>
+          <a:bodyPr/>
+          <a:lstStyle/>
+          <a:p>
+            <a:r>
+              <a:rPr lang="he-IL" dirty="0"/>
+              <a:t>מה אנחנו מנסים לעשות?</a:t>
+            </a:r>
+          </a:p>
+        </p:txBody>
+      </p:sp>
+      <p:sp>
+        <p:nvSpPr>
+          <p:cNvPr id="3" name="Content Placeholder 2">
+            <a:extLst>
+              <a:ext uri="{FF2B5EF4-FFF2-40B4-BE49-F238E27FC236}">
+                <a16:creationId xmlns:a16="http://schemas.microsoft.com/office/drawing/2014/main" id="{B74336F3-2439-4757-BB68-406D7857FFF6}"/>
+              </a:ext>
+            </a:extLst>
+          </p:cNvPr>
+          <p:cNvSpPr>
+            <a:spLocks noGrp="1"/>
+          </p:cNvSpPr>
+          <p:nvPr>
+            <p:ph idx="1"/>
+          </p:nvPr>
+        </p:nvSpPr>
+        <p:spPr/>
+        <p:txBody>
+          <a:bodyPr/>
+          <a:lstStyle/>
+          <a:p>
+            <a:r>
+              <a:rPr lang="he-IL" dirty="0"/>
+              <a:t>אנחנו מתעניינים בחסם עליון על כמות ה</a:t>
+            </a:r>
+            <a:r>
+              <a:rPr lang="en-US" dirty="0"/>
+              <a:t>k-sets</a:t>
+            </a:r>
+            <a:r>
+              <a:rPr lang="he-IL" dirty="0"/>
+              <a:t> שיש בקבוצת נקודות כלשהי </a:t>
+            </a:r>
+            <a:r>
+              <a:rPr lang="en-US" dirty="0"/>
+              <a:t> P</a:t>
+            </a:r>
+            <a:r>
+              <a:rPr lang="he-IL" dirty="0"/>
+              <a:t> כפונקציה של</a:t>
+            </a:r>
+            <a:r>
+              <a:rPr lang="en-US" dirty="0"/>
+              <a:t>:</a:t>
+            </a:r>
+            <a:r>
+              <a:rPr lang="he-IL" dirty="0"/>
+              <a:t> </a:t>
+            </a:r>
+            <a:r>
+              <a:rPr lang="en-US" dirty="0"/>
+              <a:t>k</a:t>
+            </a:r>
+            <a:r>
+              <a:rPr lang="he-IL" dirty="0"/>
+              <a:t> – גודל קבוצת הנקודות שצריך להפריד ושל </a:t>
+            </a:r>
+            <a:r>
+              <a:rPr lang="en-US" dirty="0"/>
+              <a:t>n</a:t>
+            </a:r>
+            <a:r>
+              <a:rPr lang="he-IL" dirty="0"/>
+              <a:t> – גודל </a:t>
+            </a:r>
+            <a:r>
+              <a:rPr lang="en-US" dirty="0"/>
+              <a:t>P</a:t>
+            </a:r>
+            <a:endParaRPr lang="he-IL" dirty="0"/>
+          </a:p>
+          <a:p>
+            <a:endParaRPr lang="he-IL" dirty="0"/>
+          </a:p>
+          <a:p>
+            <a:r>
+              <a:rPr lang="he-IL" dirty="0"/>
+              <a:t>מה זה אומר "כמות ה</a:t>
+            </a:r>
+            <a:r>
+              <a:rPr lang="en-US" dirty="0"/>
+              <a:t>k-sets</a:t>
+            </a:r>
+            <a:r>
+              <a:rPr lang="he-IL" dirty="0"/>
+              <a:t>"? כמות תת הקבוצות השונות של </a:t>
+            </a:r>
+            <a:r>
+              <a:rPr lang="en-US" dirty="0"/>
+              <a:t>P</a:t>
+            </a:r>
+            <a:r>
+              <a:rPr lang="he-IL" dirty="0"/>
+              <a:t> בגודל </a:t>
+            </a:r>
+            <a:r>
+              <a:rPr lang="en-US" dirty="0"/>
+              <a:t>k</a:t>
+            </a:r>
+            <a:r>
+              <a:rPr lang="he-IL" dirty="0"/>
+              <a:t> – שניתן להפריד משאר הקבוצה ע"י ישר – את הכמות הזו נרצה לחסום מלמעלה.</a:t>
+            </a:r>
+          </a:p>
+          <a:p>
+            <a:endParaRPr lang="he-IL" dirty="0"/>
+          </a:p>
+          <a:p>
+            <a:endParaRPr lang="he-IL" dirty="0"/>
+          </a:p>
+        </p:txBody>
+      </p:sp>
+    </p:spTree>
+    <p:extLst>
+      <p:ext uri="{BB962C8B-B14F-4D97-AF65-F5344CB8AC3E}">
+        <p14:creationId xmlns:p14="http://schemas.microsoft.com/office/powerpoint/2010/main" val="692940599"/>
+      </p:ext>
+    </p:extLst>
+  </p:cSld>
+  <p:clrMapOvr>
+    <a:masterClrMapping/>
+  </p:clrMapOvr>
+</p:sld>
+</file>
+
+<file path=ppt/slides/slide7.xml><?xml version="1.0" encoding="utf-8"?>
+<p:sld xmlns:a="http://schemas.openxmlformats.org/drawingml/2006/main" xmlns:r="http://schemas.openxmlformats.org/officeDocument/2006/relationships" xmlns:p="http://schemas.openxmlformats.org/presentationml/2006/main">
+  <p:cSld>
+    <p:spTree>
+      <p:nvGrpSpPr>
+        <p:cNvPr id="1" name=""/>
+        <p:cNvGrpSpPr/>
+        <p:nvPr/>
+      </p:nvGrpSpPr>
+      <p:grpSpPr>
+        <a:xfrm>
+          <a:off x="0" y="0"/>
+          <a:ext cx="0" cy="0"/>
+          <a:chOff x="0" y="0"/>
+          <a:chExt cx="0" cy="0"/>
+        </a:xfrm>
+      </p:grpSpPr>
+      <p:sp>
+        <p:nvSpPr>
+          <p:cNvPr id="2" name="Title 1">
+            <a:extLst>
+              <a:ext uri="{FF2B5EF4-FFF2-40B4-BE49-F238E27FC236}">
+                <a16:creationId xmlns:a16="http://schemas.microsoft.com/office/drawing/2014/main" id="{7D95CD0B-61AB-448A-A746-FC6D99735868}"/>
+              </a:ext>
+            </a:extLst>
+          </p:cNvPr>
+          <p:cNvSpPr>
+            <a:spLocks noGrp="1"/>
+          </p:cNvSpPr>
+          <p:nvPr>
+            <p:ph type="title"/>
+          </p:nvPr>
+        </p:nvSpPr>
+        <p:spPr/>
+        <p:txBody>
+          <a:bodyPr/>
+          <a:lstStyle/>
+          <a:p>
+            <a:r>
+              <a:rPr lang="he-IL" dirty="0"/>
+              <a:t>מה מעניין ב</a:t>
+            </a:r>
+            <a:r>
+              <a:rPr lang="en-US" dirty="0"/>
+              <a:t>K-SETS</a:t>
+            </a:r>
+            <a:r>
+              <a:rPr lang="he-IL" dirty="0"/>
+              <a:t> ?</a:t>
+            </a:r>
+          </a:p>
+        </p:txBody>
+      </p:sp>
+      <p:sp>
+        <p:nvSpPr>
+          <p:cNvPr id="3" name="Content Placeholder 2">
+            <a:extLst>
+              <a:ext uri="{FF2B5EF4-FFF2-40B4-BE49-F238E27FC236}">
+                <a16:creationId xmlns:a16="http://schemas.microsoft.com/office/drawing/2014/main" id="{0CA7BF0B-8B23-45E6-9D6E-AD7D18561296}"/>
+              </a:ext>
+            </a:extLst>
+          </p:cNvPr>
+          <p:cNvSpPr>
+            <a:spLocks noGrp="1"/>
+          </p:cNvSpPr>
+          <p:nvPr>
+            <p:ph idx="1"/>
+          </p:nvPr>
+        </p:nvSpPr>
+        <p:spPr/>
+        <p:txBody>
+          <a:bodyPr>
+            <a:normAutofit lnSpcReduction="10000"/>
+          </a:bodyPr>
+          <a:lstStyle/>
+          <a:p>
+            <a:r>
+              <a:rPr lang="he-IL" dirty="0"/>
+              <a:t>ראשית, נתינת חסם עליון הדוק ביותר לכמות ה</a:t>
+            </a:r>
+            <a:r>
+              <a:rPr lang="en-US" dirty="0"/>
+              <a:t>K-SETS</a:t>
+            </a:r>
+            <a:r>
+              <a:rPr lang="he-IL" dirty="0"/>
+              <a:t> על כל קבוצה של </a:t>
+            </a:r>
+            <a:r>
+              <a:rPr lang="en-US" dirty="0"/>
+              <a:t>n</a:t>
+            </a:r>
+            <a:r>
+              <a:rPr lang="he-IL" dirty="0"/>
+              <a:t> נ"ק במישור היא בעיה קומבינטורית פתוחה, כלומר מאז</a:t>
+            </a:r>
+            <a:r>
+              <a:rPr lang="en-US" dirty="0"/>
+              <a:t> </a:t>
+            </a:r>
+            <a:r>
+              <a:rPr lang="he-IL" dirty="0"/>
+              <a:t>1998 השנה בה הוכח החסם ההדוק ביותר – החסם שאנחנו מציגים, לא ניתן חסם הדוק יותר ולא הוכח שהחסם הנ"ל הוא ההדוק ביותר האפשרי, בנוסף, עבור </a:t>
+            </a:r>
+            <a:r>
+              <a:rPr lang="en-US" dirty="0"/>
+              <a:t>K-SETS</a:t>
+            </a:r>
+            <a:r>
+              <a:rPr lang="he-IL" dirty="0"/>
+              <a:t> במרחב יותר מדו מימדי, אין כמעט התקדמות בנושא, כלומר קשה מאד להוכיח חסמים עבור הבעיה – מה שכבר הופך אותה למעניינת</a:t>
+            </a:r>
+          </a:p>
+          <a:p>
+            <a:r>
+              <a:rPr lang="he-IL" dirty="0"/>
+              <a:t>לחסם עליון הדוק על כמות </a:t>
+            </a:r>
+            <a:r>
+              <a:rPr lang="en-US" dirty="0"/>
+              <a:t>K-SETS</a:t>
+            </a:r>
+            <a:r>
+              <a:rPr lang="he-IL" dirty="0"/>
+              <a:t> יש השפעה על ניתוח של אלגורתמים גאומטריים רבים – למשל </a:t>
+            </a:r>
+            <a:r>
+              <a:rPr lang="en-US" dirty="0"/>
+              <a:t>Half-space range search</a:t>
+            </a:r>
+            <a:r>
+              <a:rPr lang="he-IL" dirty="0"/>
+              <a:t> (ועוד רבים אחרים)</a:t>
+            </a:r>
+          </a:p>
+          <a:p>
+            <a:r>
+              <a:rPr lang="en-US" dirty="0"/>
+              <a:t>K-SETS</a:t>
+            </a:r>
+            <a:r>
+              <a:rPr lang="he-IL" dirty="0"/>
+              <a:t> מקיימים "דואליוט" (דימיון, סימטריה) עם בעיות אחרות כמו</a:t>
+            </a:r>
+          </a:p>
+          <a:p>
+            <a:pPr marL="0" indent="0">
+              <a:buNone/>
+            </a:pPr>
+            <a:r>
+              <a:rPr lang="en-US" dirty="0"/>
+              <a:t>k-level line arrangement</a:t>
+            </a:r>
+            <a:endParaRPr lang="he-IL" dirty="0"/>
+          </a:p>
+        </p:txBody>
+      </p:sp>
+    </p:spTree>
+    <p:extLst>
+      <p:ext uri="{BB962C8B-B14F-4D97-AF65-F5344CB8AC3E}">
+        <p14:creationId xmlns:p14="http://schemas.microsoft.com/office/powerpoint/2010/main" val="304772737"/>
+      </p:ext>
+    </p:extLst>
+  </p:cSld>
+  <p:clrMapOvr>
+    <a:masterClrMapping/>
+  </p:clrMapOvr>
+</p:sld>
+</file>
+
+<file path=ppt/slides/slide8.xml><?xml version="1.0" encoding="utf-8"?>
+<p:sld xmlns:a="http://schemas.openxmlformats.org/drawingml/2006/main" xmlns:r="http://schemas.openxmlformats.org/officeDocument/2006/relationships" xmlns:p="http://schemas.openxmlformats.org/presentationml/2006/main">
+  <p:cSld>
+    <p:spTree>
+      <p:nvGrpSpPr>
+        <p:cNvPr id="1" name=""/>
+        <p:cNvGrpSpPr/>
+        <p:nvPr/>
+      </p:nvGrpSpPr>
+      <p:grpSpPr>
+        <a:xfrm>
+          <a:off x="0" y="0"/>
+          <a:ext cx="0" cy="0"/>
+          <a:chOff x="0" y="0"/>
+          <a:chExt cx="0" cy="0"/>
+        </a:xfrm>
+      </p:grpSpPr>
+      <p:sp>
+        <p:nvSpPr>
+          <p:cNvPr id="2" name="Title 1">
+            <a:extLst>
+              <a:ext uri="{FF2B5EF4-FFF2-40B4-BE49-F238E27FC236}">
+                <a16:creationId xmlns:a16="http://schemas.microsoft.com/office/drawing/2014/main" id="{A45267BD-DC07-4513-87D0-485A25F5632F}"/>
+              </a:ext>
+            </a:extLst>
+          </p:cNvPr>
+          <p:cNvSpPr>
+            <a:spLocks noGrp="1"/>
+          </p:cNvSpPr>
+          <p:nvPr>
+            <p:ph type="title"/>
+          </p:nvPr>
+        </p:nvSpPr>
+        <p:spPr/>
+        <p:txBody>
+          <a:bodyPr/>
+          <a:lstStyle/>
+          <a:p>
+            <a:r>
+              <a:rPr lang="he-IL" dirty="0"/>
+              <a:t>בעיות קשורות ואפליקציות של </a:t>
+            </a:r>
+            <a:r>
+              <a:rPr lang="en-US" dirty="0"/>
+              <a:t>  (1)K-SETS</a:t>
+            </a:r>
+            <a:endParaRPr lang="he-IL" dirty="0"/>
+          </a:p>
+        </p:txBody>
+      </p:sp>
+      <p:sp>
+        <p:nvSpPr>
+          <p:cNvPr id="3" name="Content Placeholder 2">
+            <a:extLst>
+              <a:ext uri="{FF2B5EF4-FFF2-40B4-BE49-F238E27FC236}">
+                <a16:creationId xmlns:a16="http://schemas.microsoft.com/office/drawing/2014/main" id="{46B19D31-3589-487D-84A7-7DA85A7B697D}"/>
+              </a:ext>
+            </a:extLst>
+          </p:cNvPr>
+          <p:cNvSpPr>
+            <a:spLocks noGrp="1"/>
+          </p:cNvSpPr>
+          <p:nvPr>
+            <p:ph idx="1"/>
+          </p:nvPr>
+        </p:nvSpPr>
+        <p:spPr/>
+        <p:txBody>
+          <a:bodyPr/>
+          <a:lstStyle/>
+          <a:p>
+            <a:r>
+              <a:rPr lang="he-IL" dirty="0"/>
+              <a:t>ע"מ להסביר כיצד בעיות גאו' אחרות קשורות לבעיה המתוארת, נצטרך להציג את מושג ה-</a:t>
+            </a:r>
+            <a:r>
+              <a:rPr lang="en-US" dirty="0"/>
+              <a:t>Duality</a:t>
+            </a:r>
+          </a:p>
+          <a:p>
+            <a:r>
+              <a:rPr lang="he-IL" dirty="0"/>
+              <a:t>באופן כללי, ברמה המתמטית הכללית (ולא בעולם של גאו' בהכרח) </a:t>
+            </a:r>
+            <a:r>
+              <a:rPr lang="en-US" dirty="0"/>
+              <a:t>Duality</a:t>
+            </a:r>
+            <a:r>
+              <a:rPr lang="he-IL" dirty="0"/>
+              <a:t> הוא הרעיון של "להמיר" קונספטים, משפטים ומבנים מתמטיים לקונספטים, משפטים ומבנים שונים מהם, בצורה חח"ע, בגאו' – בעיקר ב</a:t>
+            </a:r>
+            <a:r>
+              <a:rPr lang="he-IL" b="1" dirty="0"/>
+              <a:t>מישורים פרויקטיבים, דואליות היא היכולת למפות נקודות לישרים וישירם לנקודות – בין שני מרחבים של בעיות שונות ע"י פונ חח"ע, דוגמא לפונ כזו בכיוון שמנקודות לישירים היא: כל נקודה (</a:t>
+            </a:r>
+            <a:r>
+              <a:rPr lang="en-US" b="1" dirty="0" err="1"/>
+              <a:t>a,b</a:t>
+            </a:r>
+            <a:r>
+              <a:rPr lang="he-IL" b="1" dirty="0"/>
+              <a:t>) נמפה לישר </a:t>
+            </a:r>
+            <a:r>
+              <a:rPr lang="en-US" b="1" dirty="0"/>
+              <a:t>y=ax-b</a:t>
+            </a:r>
+            <a:r>
+              <a:rPr lang="he-IL" b="1" dirty="0"/>
+              <a:t>, בשביל לעבור מישרים לנקודות נפעיל את הפונ ההפוכה, מ-</a:t>
+            </a:r>
+            <a:r>
+              <a:rPr lang="en-US" b="1" dirty="0"/>
+              <a:t> y=ax-b</a:t>
+            </a:r>
+            <a:r>
+              <a:rPr lang="he-IL" b="1" dirty="0"/>
+              <a:t> ל- (</a:t>
+            </a:r>
+            <a:r>
+              <a:rPr lang="en-US" b="1" dirty="0" err="1"/>
+              <a:t>a,b</a:t>
+            </a:r>
+            <a:r>
+              <a:rPr lang="he-IL" b="1" dirty="0"/>
+              <a:t>).</a:t>
+            </a:r>
+            <a:endParaRPr lang="he-IL" dirty="0"/>
+          </a:p>
+          <a:p>
+            <a:endParaRPr lang="he-IL" dirty="0"/>
+          </a:p>
+        </p:txBody>
+      </p:sp>
+    </p:spTree>
+    <p:extLst>
+      <p:ext uri="{BB962C8B-B14F-4D97-AF65-F5344CB8AC3E}">
+        <p14:creationId xmlns:p14="http://schemas.microsoft.com/office/powerpoint/2010/main" val="2371396916"/>
+      </p:ext>
+    </p:extLst>
+  </p:cSld>
+  <p:clrMapOvr>
+    <a:masterClrMapping/>
+  </p:clrMapOvr>
+</p:sld>
+</file>
+
+<file path=ppt/slides/slide9.xml><?xml version="1.0" encoding="utf-8"?>
+<p:sld xmlns:a="http://schemas.openxmlformats.org/drawingml/2006/main" xmlns:r="http://schemas.openxmlformats.org/officeDocument/2006/relationships" xmlns:p="http://schemas.openxmlformats.org/presentationml/2006/main">
+  <p:cSld>
+    <p:spTree>
+      <p:nvGrpSpPr>
+        <p:cNvPr id="1" name=""/>
+        <p:cNvGrpSpPr/>
+        <p:nvPr/>
+      </p:nvGrpSpPr>
+      <p:grpSpPr>
+        <a:xfrm>
+          <a:off x="0" y="0"/>
+          <a:ext cx="0" cy="0"/>
+          <a:chOff x="0" y="0"/>
+          <a:chExt cx="0" cy="0"/>
+        </a:xfrm>
+      </p:grpSpPr>
+      <p:sp>
+        <p:nvSpPr>
+          <p:cNvPr id="2" name="Title 1">
+            <a:extLst>
+              <a:ext uri="{FF2B5EF4-FFF2-40B4-BE49-F238E27FC236}">
+                <a16:creationId xmlns:a16="http://schemas.microsoft.com/office/drawing/2014/main" id="{3B221E8D-B790-422D-8EF1-9617095647D6}"/>
+              </a:ext>
+            </a:extLst>
+          </p:cNvPr>
+          <p:cNvSpPr>
+            <a:spLocks noGrp="1"/>
+          </p:cNvSpPr>
+          <p:nvPr>
+            <p:ph type="title"/>
+          </p:nvPr>
+        </p:nvSpPr>
+        <p:spPr/>
+        <p:txBody>
+          <a:bodyPr/>
+          <a:lstStyle/>
+          <a:p>
+            <a:r>
+              <a:rPr lang="he-IL" dirty="0"/>
+              <a:t>בעיות קשורות ואפליקציות של </a:t>
+            </a:r>
+            <a:r>
+              <a:rPr lang="en-US" dirty="0"/>
+              <a:t>  (2)K-SETS</a:t>
+            </a:r>
+            <a:endParaRPr lang="he-IL" dirty="0"/>
+          </a:p>
+        </p:txBody>
+      </p:sp>
+      <p:sp>
+        <p:nvSpPr>
+          <p:cNvPr id="3" name="Content Placeholder 2">
+            <a:extLst>
+              <a:ext uri="{FF2B5EF4-FFF2-40B4-BE49-F238E27FC236}">
+                <a16:creationId xmlns:a16="http://schemas.microsoft.com/office/drawing/2014/main" id="{1D1C6748-7F69-4891-83A4-CD2F70205774}"/>
+              </a:ext>
+            </a:extLst>
+          </p:cNvPr>
+          <p:cNvSpPr>
+            <a:spLocks noGrp="1"/>
+          </p:cNvSpPr>
+          <p:nvPr>
+            <p:ph idx="1"/>
+          </p:nvPr>
+        </p:nvSpPr>
+        <p:spPr/>
+        <p:txBody>
+          <a:bodyPr/>
+          <a:lstStyle/>
+          <a:p>
+            <a:r>
+              <a:rPr lang="he-IL" dirty="0"/>
+              <a:t>ע"י שימוש בפונ' ההמרה הדואליט שהראינו בשקף הקודם, נוכל להמיר את בעיית ה</a:t>
+            </a:r>
+            <a:r>
+              <a:rPr lang="en-US" dirty="0"/>
+              <a:t>K-SETS</a:t>
+            </a:r>
+            <a:r>
+              <a:rPr lang="he-IL" dirty="0"/>
+              <a:t> לבעיית ה</a:t>
+            </a:r>
+            <a:r>
+              <a:rPr lang="en-US" dirty="0"/>
+              <a:t>K-LEVELS</a:t>
+            </a:r>
+            <a:endParaRPr lang="he-IL" dirty="0"/>
+          </a:p>
+          <a:p>
+            <a:r>
+              <a:rPr lang="he-IL" dirty="0"/>
+              <a:t>הגדרה: קבוצת כל הנקודות על ישרים נתונים שיש להם בדיוק </a:t>
+            </a:r>
+            <a:r>
+              <a:rPr lang="en-US" dirty="0"/>
+              <a:t>K</a:t>
+            </a:r>
+            <a:r>
+              <a:rPr lang="he-IL" dirty="0"/>
+              <a:t> </a:t>
+            </a:r>
+            <a:r>
+              <a:rPr lang="he-IL"/>
+              <a:t>ישרים מתחתיהם </a:t>
+            </a:r>
+            <a:endParaRPr lang="he-IL" dirty="0"/>
+          </a:p>
+        </p:txBody>
+      </p:sp>
+    </p:spTree>
+    <p:extLst>
+      <p:ext uri="{BB962C8B-B14F-4D97-AF65-F5344CB8AC3E}">
+        <p14:creationId xmlns:p14="http://schemas.microsoft.com/office/powerpoint/2010/main" val="223484381"/>
       </p:ext>
     </p:extLst>
   </p:cSld>

--- a/first part/Improved bounds for planar k-sets.pptx
+++ b/first part/Improved bounds for planar k-sets.pptx
@@ -15,6 +15,16 @@
     <p:sldId id="264" r:id="rId9"/>
     <p:sldId id="265" r:id="rId10"/>
     <p:sldId id="262" r:id="rId11"/>
+    <p:sldId id="266" r:id="rId12"/>
+    <p:sldId id="267" r:id="rId13"/>
+    <p:sldId id="268" r:id="rId14"/>
+    <p:sldId id="269" r:id="rId15"/>
+    <p:sldId id="270" r:id="rId16"/>
+    <p:sldId id="271" r:id="rId17"/>
+    <p:sldId id="272" r:id="rId18"/>
+    <p:sldId id="273" r:id="rId19"/>
+    <p:sldId id="275" r:id="rId20"/>
+    <p:sldId id="274" r:id="rId21"/>
   </p:sldIdLst>
   <p:sldSz cx="12192000" cy="6858000"/>
   <p:notesSz cx="6858000" cy="9144000"/>
@@ -284,7 +294,7 @@
           <a:p>
             <a:fld id="{1160EA64-D806-43AC-9DF2-F8C432F32B4C}" type="datetimeFigureOut">
               <a:rPr lang="en-US" smtClean="0"/>
-              <a:t>5/23/2020</a:t>
+              <a:t>5/24/2020</a:t>
             </a:fld>
             <a:endParaRPr lang="en-US" dirty="0"/>
           </a:p>
@@ -455,7 +465,7 @@
           <a:p>
             <a:fld id="{E9F9C37B-1D36-470B-8223-D6C91242EC14}" type="datetimeFigureOut">
               <a:rPr lang="en-US" smtClean="0"/>
-              <a:t>5/23/2020</a:t>
+              <a:t>5/24/2020</a:t>
             </a:fld>
             <a:endParaRPr lang="en-US" dirty="0"/>
           </a:p>
@@ -635,7 +645,7 @@
           <a:p>
             <a:fld id="{67C6F52A-A82B-47A2-A83A-8C4C91F2D59F}" type="datetimeFigureOut">
               <a:rPr lang="en-US" smtClean="0"/>
-              <a:t>5/23/2020</a:t>
+              <a:t>5/24/2020</a:t>
             </a:fld>
             <a:endParaRPr lang="en-US" dirty="0"/>
           </a:p>
@@ -805,7 +815,7 @@
           <a:p>
             <a:fld id="{F070A7B3-6521-4DCA-87E5-044747A908C1}" type="datetimeFigureOut">
               <a:rPr lang="en-US" smtClean="0"/>
-              <a:t>5/23/2020</a:t>
+              <a:t>5/24/2020</a:t>
             </a:fld>
             <a:endParaRPr lang="en-US" dirty="0"/>
           </a:p>
@@ -1074,7 +1084,7 @@
           <a:p>
             <a:fld id="{1160EA64-D806-43AC-9DF2-F8C432F32B4C}" type="datetimeFigureOut">
               <a:rPr lang="en-US" smtClean="0"/>
-              <a:t>5/23/2020</a:t>
+              <a:t>5/24/2020</a:t>
             </a:fld>
             <a:endParaRPr lang="en-US" dirty="0"/>
           </a:p>
@@ -1307,7 +1317,7 @@
           <a:p>
             <a:fld id="{AB134690-1557-4C89-A502-4959FE7FAD70}" type="datetimeFigureOut">
               <a:rPr lang="en-US" smtClean="0"/>
-              <a:t>5/23/2020</a:t>
+              <a:t>5/24/2020</a:t>
             </a:fld>
             <a:endParaRPr lang="en-US" dirty="0"/>
           </a:p>
@@ -1666,7 +1676,7 @@
           <a:p>
             <a:fld id="{4F7D4976-E339-4826-83B7-FBD03F55ECF8}" type="datetimeFigureOut">
               <a:rPr lang="en-US" smtClean="0"/>
-              <a:t>5/23/2020</a:t>
+              <a:t>5/24/2020</a:t>
             </a:fld>
             <a:endParaRPr lang="en-US" dirty="0"/>
           </a:p>
@@ -1807,7 +1817,7 @@
           <a:p>
             <a:fld id="{E1037C31-9E7A-4F99-8774-A0E530DE1A42}" type="datetimeFigureOut">
               <a:rPr lang="en-US" smtClean="0"/>
-              <a:t>5/23/2020</a:t>
+              <a:t>5/24/2020</a:t>
             </a:fld>
             <a:endParaRPr lang="en-US" dirty="0"/>
           </a:p>
@@ -1902,7 +1912,7 @@
           <a:p>
             <a:fld id="{C278504F-A551-4DE0-9316-4DCD1D8CC752}" type="datetimeFigureOut">
               <a:rPr lang="en-US" smtClean="0"/>
-              <a:t>5/23/2020</a:t>
+              <a:t>5/24/2020</a:t>
             </a:fld>
             <a:endParaRPr lang="en-US" dirty="0"/>
           </a:p>
@@ -2259,7 +2269,7 @@
           <a:p>
             <a:fld id="{D1BE4249-C0D0-4B06-8692-E8BB871AF643}" type="datetimeFigureOut">
               <a:rPr lang="en-US" smtClean="0"/>
-              <a:t>5/23/2020</a:t>
+              <a:t>5/24/2020</a:t>
             </a:fld>
             <a:endParaRPr lang="en-US" dirty="0"/>
           </a:p>
@@ -2616,7 +2626,7 @@
           <a:p>
             <a:fld id="{042B0DB6-F5C7-45FB-8CF3-31B45F9C2DAC}" type="datetimeFigureOut">
               <a:rPr lang="en-US" smtClean="0"/>
-              <a:t>5/23/2020</a:t>
+              <a:t>5/24/2020</a:t>
             </a:fld>
             <a:endParaRPr lang="en-US" dirty="0"/>
           </a:p>
@@ -2858,7 +2868,7 @@
           <a:p>
             <a:fld id="{1160EA64-D806-43AC-9DF2-F8C432F32B4C}" type="datetimeFigureOut">
               <a:rPr lang="en-US" smtClean="0"/>
-              <a:t>5/23/2020</a:t>
+              <a:t>5/24/2020</a:t>
             </a:fld>
             <a:endParaRPr lang="en-US" dirty="0"/>
           </a:p>
@@ -3789,6 +3799,2255 @@
 </p:sld>
 </file>
 
+<file path=ppt/slides/slide11.xml><?xml version="1.0" encoding="utf-8"?>
+<p:sld xmlns:a="http://schemas.openxmlformats.org/drawingml/2006/main" xmlns:r="http://schemas.openxmlformats.org/officeDocument/2006/relationships" xmlns:p="http://schemas.openxmlformats.org/presentationml/2006/main">
+  <p:cSld>
+    <p:spTree>
+      <p:nvGrpSpPr>
+        <p:cNvPr id="1" name=""/>
+        <p:cNvGrpSpPr/>
+        <p:nvPr/>
+      </p:nvGrpSpPr>
+      <p:grpSpPr>
+        <a:xfrm>
+          <a:off x="0" y="0"/>
+          <a:ext cx="0" cy="0"/>
+          <a:chOff x="0" y="0"/>
+          <a:chExt cx="0" cy="0"/>
+        </a:xfrm>
+      </p:grpSpPr>
+      <p:sp>
+        <p:nvSpPr>
+          <p:cNvPr id="2" name="Title 1">
+            <a:extLst>
+              <a:ext uri="{FF2B5EF4-FFF2-40B4-BE49-F238E27FC236}">
+                <a16:creationId xmlns:a16="http://schemas.microsoft.com/office/drawing/2014/main" id="{CEB86A80-141A-4ABC-A8F0-B9062A0C2B85}"/>
+              </a:ext>
+            </a:extLst>
+          </p:cNvPr>
+          <p:cNvSpPr>
+            <a:spLocks noGrp="1"/>
+          </p:cNvSpPr>
+          <p:nvPr>
+            <p:ph type="title"/>
+          </p:nvPr>
+        </p:nvSpPr>
+        <p:spPr/>
+        <p:txBody>
+          <a:bodyPr/>
+          <a:lstStyle/>
+          <a:p>
+            <a:r>
+              <a:rPr lang="en-US" dirty="0"/>
+              <a:t>Improved Bounds for Planar k-Sets</a:t>
+            </a:r>
+          </a:p>
+        </p:txBody>
+      </p:sp>
+      <p:sp>
+        <p:nvSpPr>
+          <p:cNvPr id="3" name="Content Placeholder 2">
+            <a:extLst>
+              <a:ext uri="{FF2B5EF4-FFF2-40B4-BE49-F238E27FC236}">
+                <a16:creationId xmlns:a16="http://schemas.microsoft.com/office/drawing/2014/main" id="{C7C290CE-0620-4802-A082-0A7642035E52}"/>
+              </a:ext>
+            </a:extLst>
+          </p:cNvPr>
+          <p:cNvSpPr>
+            <a:spLocks noGrp="1"/>
+          </p:cNvSpPr>
+          <p:nvPr>
+            <p:ph idx="1"/>
+          </p:nvPr>
+        </p:nvSpPr>
+        <p:spPr/>
+        <p:txBody>
+          <a:bodyPr/>
+          <a:lstStyle/>
+          <a:p>
+            <a:r>
+              <a:rPr lang="he-IL" dirty="0"/>
+              <a:t>במאמר זה מוכיחים חסם חדש למציאת כמות </a:t>
+            </a:r>
+            <a:r>
+              <a:rPr lang="en-US" dirty="0"/>
+              <a:t>k+1 sets</a:t>
+            </a:r>
+            <a:r>
+              <a:rPr lang="he-IL" dirty="0"/>
+              <a:t> בסט של נקודות הנמצאות במיקומים אקראיים במרחב דו מימדי בסיבוכיות </a:t>
+            </a:r>
+            <a:r>
+              <a:rPr lang="en-US" dirty="0"/>
+              <a:t>O(n(k+1)^1/3)</a:t>
+            </a:r>
+            <a:r>
+              <a:rPr lang="he-IL" dirty="0"/>
+              <a:t>.</a:t>
+            </a:r>
+          </a:p>
+          <a:p>
+            <a:r>
+              <a:rPr lang="he-IL" dirty="0"/>
+              <a:t>חסם זה הוא השיפור הראשון שהוצע למציאת כמות </a:t>
+            </a:r>
+            <a:r>
+              <a:rPr lang="en-US" dirty="0"/>
+              <a:t>k-sets</a:t>
+            </a:r>
+            <a:r>
+              <a:rPr lang="he-IL" dirty="0"/>
+              <a:t> ב27 שנים שקדמו לו והוא החסם הטוב ביותר עד היום</a:t>
+            </a:r>
+          </a:p>
+          <a:p>
+            <a:r>
+              <a:rPr lang="he-IL" dirty="0"/>
+              <a:t>חסם זה עוזר לפתור בעיות נוספות רבות כמו </a:t>
+            </a:r>
+            <a:r>
+              <a:rPr lang="en-US" dirty="0">
+                <a:latin typeface="Arial" panose="020B0604020202020204" pitchFamily="34" charset="0"/>
+                <a:cs typeface="Arial" panose="020B0604020202020204" pitchFamily="34" charset="0"/>
+              </a:rPr>
+              <a:t>s, k convex polygons in the union of n lines, parametric minimum spanning trees, and parametric matroids in general</a:t>
+            </a:r>
+          </a:p>
+        </p:txBody>
+      </p:sp>
+    </p:spTree>
+    <p:extLst>
+      <p:ext uri="{BB962C8B-B14F-4D97-AF65-F5344CB8AC3E}">
+        <p14:creationId xmlns:p14="http://schemas.microsoft.com/office/powerpoint/2010/main" val="1473864566"/>
+      </p:ext>
+    </p:extLst>
+  </p:cSld>
+  <p:clrMapOvr>
+    <a:masterClrMapping/>
+  </p:clrMapOvr>
+</p:sld>
+</file>
+
+<file path=ppt/slides/slide12.xml><?xml version="1.0" encoding="utf-8"?>
+<p:sld xmlns:a="http://schemas.openxmlformats.org/drawingml/2006/main" xmlns:r="http://schemas.openxmlformats.org/officeDocument/2006/relationships" xmlns:p="http://schemas.openxmlformats.org/presentationml/2006/main">
+  <p:cSld>
+    <p:spTree>
+      <p:nvGrpSpPr>
+        <p:cNvPr id="1" name=""/>
+        <p:cNvGrpSpPr/>
+        <p:nvPr/>
+      </p:nvGrpSpPr>
+      <p:grpSpPr>
+        <a:xfrm>
+          <a:off x="0" y="0"/>
+          <a:ext cx="0" cy="0"/>
+          <a:chOff x="0" y="0"/>
+          <a:chExt cx="0" cy="0"/>
+        </a:xfrm>
+      </p:grpSpPr>
+      <p:sp>
+        <p:nvSpPr>
+          <p:cNvPr id="2" name="Title 1">
+            <a:extLst>
+              <a:ext uri="{FF2B5EF4-FFF2-40B4-BE49-F238E27FC236}">
+                <a16:creationId xmlns:a16="http://schemas.microsoft.com/office/drawing/2014/main" id="{4085C7D0-8C9D-4AEB-BBEF-D15A43BE7A9E}"/>
+              </a:ext>
+            </a:extLst>
+          </p:cNvPr>
+          <p:cNvSpPr>
+            <a:spLocks noGrp="1"/>
+          </p:cNvSpPr>
+          <p:nvPr>
+            <p:ph type="title"/>
+          </p:nvPr>
+        </p:nvSpPr>
+        <p:spPr/>
+        <p:txBody>
+          <a:bodyPr/>
+          <a:lstStyle/>
+          <a:p>
+            <a:r>
+              <a:rPr lang="en-US" dirty="0"/>
+              <a:t>K-set edge</a:t>
+            </a:r>
+          </a:p>
+        </p:txBody>
+      </p:sp>
+      <p:sp>
+        <p:nvSpPr>
+          <p:cNvPr id="3" name="Content Placeholder 2">
+            <a:extLst>
+              <a:ext uri="{FF2B5EF4-FFF2-40B4-BE49-F238E27FC236}">
+                <a16:creationId xmlns:a16="http://schemas.microsoft.com/office/drawing/2014/main" id="{C14E0A37-CF84-4E2A-8661-2E4227CC1472}"/>
+              </a:ext>
+            </a:extLst>
+          </p:cNvPr>
+          <p:cNvSpPr>
+            <a:spLocks noGrp="1"/>
+          </p:cNvSpPr>
+          <p:nvPr>
+            <p:ph idx="1"/>
+          </p:nvPr>
+        </p:nvSpPr>
+        <p:spPr/>
+        <p:txBody>
+          <a:bodyPr/>
+          <a:lstStyle/>
+          <a:p>
+            <a:r>
+              <a:rPr lang="he-IL" dirty="0"/>
+              <a:t>בהנתן סט נקודות במיקומים כלליים </a:t>
+            </a:r>
+            <a:r>
+              <a:rPr lang="en-US" dirty="0"/>
+              <a:t>P</a:t>
+            </a:r>
+            <a:r>
+              <a:rPr lang="he-IL" dirty="0"/>
+              <a:t>, </a:t>
+            </a:r>
+            <a:r>
+              <a:rPr lang="en-US" dirty="0"/>
+              <a:t>k-set edge</a:t>
+            </a:r>
+            <a:r>
+              <a:rPr lang="he-IL" dirty="0"/>
+              <a:t> היא צלע המחברת בין 2 נקודות </a:t>
+            </a:r>
+            <a:r>
+              <a:rPr lang="en-US" dirty="0" err="1"/>
+              <a:t>p,q</a:t>
+            </a:r>
+            <a:r>
+              <a:rPr lang="he-IL" dirty="0"/>
+              <a:t> ששיכות ל</a:t>
+            </a:r>
+            <a:r>
+              <a:rPr lang="en-US" dirty="0"/>
+              <a:t>P</a:t>
+            </a:r>
+            <a:r>
+              <a:rPr lang="he-IL" dirty="0"/>
+              <a:t> וה</a:t>
+            </a:r>
+            <a:r>
+              <a:rPr lang="en-US" dirty="0"/>
+              <a:t>supporting line</a:t>
+            </a:r>
+            <a:r>
+              <a:rPr lang="he-IL" dirty="0"/>
+              <a:t> (הקו המכיל את שתי הנקודות </a:t>
+            </a:r>
+            <a:r>
+              <a:rPr lang="en-US" dirty="0" err="1"/>
+              <a:t>p,q</a:t>
+            </a:r>
+            <a:r>
+              <a:rPr lang="he-IL" dirty="0"/>
+              <a:t>) שלה מפריד </a:t>
+            </a:r>
+            <a:r>
+              <a:rPr lang="en-US" dirty="0"/>
+              <a:t>k</a:t>
+            </a:r>
+            <a:r>
+              <a:rPr lang="he-IL" dirty="0"/>
+              <a:t> נקודות באחד הצדדים שלה</a:t>
+            </a:r>
+          </a:p>
+          <a:p>
+            <a:r>
+              <a:rPr lang="he-IL" dirty="0"/>
+              <a:t>כל </a:t>
+            </a:r>
+            <a:r>
+              <a:rPr lang="en-US" dirty="0"/>
+              <a:t>k-set edge</a:t>
+            </a:r>
+            <a:r>
+              <a:rPr lang="he-IL" dirty="0"/>
+              <a:t> היא צלע מכוון, בונים אותם כך שכל הצלעות יהיו מכוונת מימין לשמאלף קבוצת צלעות אלו נקראת </a:t>
+            </a:r>
+            <a:r>
+              <a:rPr lang="en-US" dirty="0" err="1"/>
+              <a:t>Ek</a:t>
+            </a:r>
+            <a:endParaRPr lang="en-US" dirty="0"/>
+          </a:p>
+          <a:p>
+            <a:r>
+              <a:rPr lang="he-IL" dirty="0"/>
+              <a:t>על ידי סיבוב מתאים של הצלעות ב</a:t>
+            </a:r>
+            <a:r>
+              <a:rPr lang="en-US" dirty="0" err="1"/>
+              <a:t>Ek</a:t>
+            </a:r>
+            <a:r>
+              <a:rPr lang="he-IL" dirty="0"/>
+              <a:t> ניתן להניח שאף צלע לא מאונכת</a:t>
+            </a:r>
+          </a:p>
+          <a:p>
+            <a:r>
+              <a:rPr lang="he-IL" dirty="0"/>
+              <a:t>נניח ללא הגבלת הכלליות שלפחות חצי מהצלעות של </a:t>
+            </a:r>
+            <a:r>
+              <a:rPr lang="en-US" dirty="0" err="1"/>
+              <a:t>Ek</a:t>
+            </a:r>
+            <a:r>
+              <a:rPr lang="he-IL" dirty="0"/>
+              <a:t> מפרידות</a:t>
+            </a:r>
+            <a:br>
+              <a:rPr lang="en-US" dirty="0"/>
+            </a:br>
+            <a:r>
+              <a:rPr lang="en-US" dirty="0"/>
+              <a:t>k</a:t>
+            </a:r>
+            <a:r>
+              <a:rPr lang="he-IL" dirty="0"/>
+              <a:t> איברים מהצד השמאלי שלה</a:t>
+            </a:r>
+            <a:endParaRPr lang="en-US" dirty="0"/>
+          </a:p>
+        </p:txBody>
+      </p:sp>
+      <p:pic>
+        <p:nvPicPr>
+          <p:cNvPr id="7" name="Picture 6" descr="A picture containing red, photo, different, flying&#10;&#10;Description automatically generated">
+            <a:extLst>
+              <a:ext uri="{FF2B5EF4-FFF2-40B4-BE49-F238E27FC236}">
+                <a16:creationId xmlns:a16="http://schemas.microsoft.com/office/drawing/2014/main" id="{8A602723-78A0-4FAB-97E9-29DFFC0DE30F}"/>
+              </a:ext>
+            </a:extLst>
+          </p:cNvPr>
+          <p:cNvPicPr>
+            <a:picLocks noChangeAspect="1"/>
+          </p:cNvPicPr>
+          <p:nvPr/>
+        </p:nvPicPr>
+        <p:blipFill>
+          <a:blip r:embed="rId2"/>
+          <a:stretch>
+            <a:fillRect/>
+          </a:stretch>
+        </p:blipFill>
+        <p:spPr>
+          <a:xfrm>
+            <a:off x="359667" y="4268364"/>
+            <a:ext cx="2845546" cy="2343392"/>
+          </a:xfrm>
+          <a:prstGeom prst="rect">
+            <a:avLst/>
+          </a:prstGeom>
+        </p:spPr>
+      </p:pic>
+    </p:spTree>
+    <p:extLst>
+      <p:ext uri="{BB962C8B-B14F-4D97-AF65-F5344CB8AC3E}">
+        <p14:creationId xmlns:p14="http://schemas.microsoft.com/office/powerpoint/2010/main" val="557478114"/>
+      </p:ext>
+    </p:extLst>
+  </p:cSld>
+  <p:clrMapOvr>
+    <a:masterClrMapping/>
+  </p:clrMapOvr>
+</p:sld>
+</file>
+
+<file path=ppt/slides/slide13.xml><?xml version="1.0" encoding="utf-8"?>
+<p:sld xmlns:a="http://schemas.openxmlformats.org/drawingml/2006/main" xmlns:r="http://schemas.openxmlformats.org/officeDocument/2006/relationships" xmlns:p="http://schemas.openxmlformats.org/presentationml/2006/main">
+  <p:cSld>
+    <p:spTree>
+      <p:nvGrpSpPr>
+        <p:cNvPr id="1" name=""/>
+        <p:cNvGrpSpPr/>
+        <p:nvPr/>
+      </p:nvGrpSpPr>
+      <p:grpSpPr>
+        <a:xfrm>
+          <a:off x="0" y="0"/>
+          <a:ext cx="0" cy="0"/>
+          <a:chOff x="0" y="0"/>
+          <a:chExt cx="0" cy="0"/>
+        </a:xfrm>
+      </p:grpSpPr>
+      <p:sp>
+        <p:nvSpPr>
+          <p:cNvPr id="2" name="Title 1">
+            <a:extLst>
+              <a:ext uri="{FF2B5EF4-FFF2-40B4-BE49-F238E27FC236}">
+                <a16:creationId xmlns:a16="http://schemas.microsoft.com/office/drawing/2014/main" id="{355B4170-220A-49D5-B58E-73D95B537AC4}"/>
+              </a:ext>
+            </a:extLst>
+          </p:cNvPr>
+          <p:cNvSpPr>
+            <a:spLocks noGrp="1"/>
+          </p:cNvSpPr>
+          <p:nvPr>
+            <p:ph type="title"/>
+          </p:nvPr>
+        </p:nvSpPr>
+        <p:spPr/>
+        <p:txBody>
+          <a:bodyPr/>
+          <a:lstStyle/>
+          <a:p>
+            <a:r>
+              <a:rPr lang="he-IL" dirty="0"/>
+              <a:t>הגרף </a:t>
+            </a:r>
+            <a:r>
+              <a:rPr lang="en-US" dirty="0"/>
+              <a:t>GK</a:t>
+            </a:r>
+          </a:p>
+        </p:txBody>
+      </p:sp>
+      <p:sp>
+        <p:nvSpPr>
+          <p:cNvPr id="3" name="Content Placeholder 2">
+            <a:extLst>
+              <a:ext uri="{FF2B5EF4-FFF2-40B4-BE49-F238E27FC236}">
+                <a16:creationId xmlns:a16="http://schemas.microsoft.com/office/drawing/2014/main" id="{821E98C3-EEEB-4225-A136-814FF317A687}"/>
+              </a:ext>
+            </a:extLst>
+          </p:cNvPr>
+          <p:cNvSpPr>
+            <a:spLocks noGrp="1"/>
+          </p:cNvSpPr>
+          <p:nvPr>
+            <p:ph idx="1"/>
+          </p:nvPr>
+        </p:nvSpPr>
+        <p:spPr/>
+        <p:txBody>
+          <a:bodyPr/>
+          <a:lstStyle/>
+          <a:p>
+            <a:r>
+              <a:rPr lang="he-IL" dirty="0"/>
+              <a:t>לגרף המכוון </a:t>
+            </a:r>
+            <a:r>
+              <a:rPr lang="en-US" dirty="0" err="1"/>
+              <a:t>Gk</a:t>
+            </a:r>
+            <a:r>
+              <a:rPr lang="en-US" dirty="0"/>
+              <a:t>=(P, </a:t>
+            </a:r>
+            <a:r>
+              <a:rPr lang="en-US" dirty="0" err="1"/>
+              <a:t>Ek</a:t>
+            </a:r>
+            <a:r>
+              <a:rPr lang="en-US" dirty="0"/>
+              <a:t>)</a:t>
+            </a:r>
+            <a:r>
+              <a:rPr lang="he-IL" dirty="0"/>
+              <a:t> יש תכונה חשובה </a:t>
+            </a:r>
+            <a:r>
+              <a:rPr lang="he-IL" dirty="0">
+                <a:cs typeface="+mj-cs"/>
+              </a:rPr>
+              <a:t>שגולתה על ידי </a:t>
+            </a:r>
+            <a:r>
+              <a:rPr lang="en-US" dirty="0" err="1">
+                <a:cs typeface="+mj-cs"/>
+              </a:rPr>
+              <a:t>Lov´asz</a:t>
+            </a:r>
+            <a:endParaRPr lang="en-US" dirty="0">
+              <a:cs typeface="+mj-cs"/>
+            </a:endParaRPr>
+          </a:p>
+          <a:p>
+            <a:r>
+              <a:rPr lang="he-IL" dirty="0">
+                <a:cs typeface="+mj-cs"/>
+              </a:rPr>
+              <a:t>בהנתן צלע </a:t>
+            </a:r>
+            <a:r>
+              <a:rPr lang="en-US" dirty="0">
+                <a:cs typeface="+mj-cs"/>
+              </a:rPr>
+              <a:t>e</a:t>
+            </a:r>
+            <a:r>
+              <a:rPr lang="he-IL" dirty="0">
+                <a:cs typeface="+mj-cs"/>
+              </a:rPr>
+              <a:t> נסמן ב</a:t>
+            </a:r>
+            <a:r>
+              <a:rPr lang="en-US" dirty="0">
+                <a:cs typeface="+mj-cs"/>
+              </a:rPr>
+              <a:t>s(e)</a:t>
+            </a:r>
+            <a:r>
+              <a:rPr lang="he-IL" dirty="0">
+                <a:cs typeface="+mj-cs"/>
+              </a:rPr>
+              <a:t> את השיפוע של הצלע</a:t>
+            </a:r>
+          </a:p>
+          <a:p>
+            <a:r>
+              <a:rPr lang="he-IL" dirty="0">
+                <a:cs typeface="+mj-cs"/>
+              </a:rPr>
+              <a:t>לפי התכונה של </a:t>
+            </a:r>
+            <a:r>
+              <a:rPr lang="en-US" dirty="0" err="1">
+                <a:cs typeface="+mj-cs"/>
+              </a:rPr>
+              <a:t>Lov’asz</a:t>
+            </a:r>
+            <a:r>
+              <a:rPr lang="he-IL" dirty="0">
+                <a:cs typeface="+mj-cs"/>
+              </a:rPr>
+              <a:t> בהנתן 2 צלעות </a:t>
+            </a:r>
+            <a:r>
+              <a:rPr lang="en-US" dirty="0" err="1">
+                <a:cs typeface="+mj-cs"/>
+              </a:rPr>
+              <a:t>a,b</a:t>
+            </a:r>
+            <a:r>
+              <a:rPr lang="he-IL" dirty="0">
+                <a:cs typeface="+mj-cs"/>
+              </a:rPr>
+              <a:t> שנכנסות להקודה </a:t>
+            </a:r>
+            <a:r>
+              <a:rPr lang="en-US" dirty="0">
+                <a:cs typeface="+mj-cs"/>
+              </a:rPr>
+              <a:t>p</a:t>
+            </a:r>
+            <a:r>
+              <a:rPr lang="he-IL" dirty="0">
+                <a:cs typeface="+mj-cs"/>
+              </a:rPr>
+              <a:t> כך ש</a:t>
+            </a:r>
+            <a:r>
+              <a:rPr lang="en-US" dirty="0">
+                <a:cs typeface="+mj-cs"/>
+              </a:rPr>
+              <a:t>s(b)&gt;s(a)</a:t>
+            </a:r>
+            <a:r>
+              <a:rPr lang="he-IL" dirty="0">
+                <a:cs typeface="+mj-cs"/>
+              </a:rPr>
+              <a:t>, אזי חייבת להיות צלע נוספת </a:t>
+            </a:r>
+            <a:r>
+              <a:rPr lang="en-US" dirty="0">
+                <a:cs typeface="+mj-cs"/>
+              </a:rPr>
+              <a:t>e</a:t>
+            </a:r>
+            <a:r>
+              <a:rPr lang="he-IL" dirty="0">
+                <a:cs typeface="+mj-cs"/>
+              </a:rPr>
+              <a:t> שיוצאת מ</a:t>
+            </a:r>
+            <a:r>
+              <a:rPr lang="en-US" dirty="0">
+                <a:cs typeface="+mj-cs"/>
+              </a:rPr>
+              <a:t>p</a:t>
+            </a:r>
+            <a:r>
+              <a:rPr lang="he-IL" dirty="0">
+                <a:cs typeface="+mj-cs"/>
+              </a:rPr>
+              <a:t> כך ש</a:t>
+            </a:r>
+            <a:r>
+              <a:rPr lang="en-US" dirty="0">
+                <a:cs typeface="+mj-cs"/>
+              </a:rPr>
+              <a:t>s(b)&gt;s(e)&gt;s(a)</a:t>
+            </a:r>
+          </a:p>
+          <a:p>
+            <a:r>
+              <a:rPr lang="he-IL" dirty="0">
+                <a:cs typeface="+mj-cs"/>
+              </a:rPr>
+              <a:t>באותו האופן בהנתן 2 צלעות </a:t>
+            </a:r>
+            <a:r>
+              <a:rPr lang="en-US" dirty="0" err="1">
+                <a:cs typeface="+mj-cs"/>
+              </a:rPr>
+              <a:t>d,e</a:t>
+            </a:r>
+            <a:r>
+              <a:rPr lang="he-IL" dirty="0">
+                <a:cs typeface="+mj-cs"/>
+              </a:rPr>
+              <a:t> שיוצאות מ</a:t>
+            </a:r>
+            <a:r>
+              <a:rPr lang="en-US" dirty="0">
+                <a:cs typeface="+mj-cs"/>
+              </a:rPr>
+              <a:t>p</a:t>
+            </a:r>
+            <a:r>
+              <a:rPr lang="he-IL" dirty="0">
+                <a:cs typeface="+mj-cs"/>
+              </a:rPr>
+              <a:t> כך ש</a:t>
+            </a:r>
+            <a:r>
+              <a:rPr lang="en-US" dirty="0">
+                <a:cs typeface="+mj-cs"/>
+              </a:rPr>
+              <a:t>s(d)&gt;s(e)</a:t>
+            </a:r>
+            <a:r>
+              <a:rPr lang="he-IL" dirty="0">
+                <a:cs typeface="+mj-cs"/>
+              </a:rPr>
+              <a:t>, חייבת להיות צלע נוספת </a:t>
+            </a:r>
+            <a:r>
+              <a:rPr lang="en-US" dirty="0">
+                <a:cs typeface="+mj-cs"/>
+              </a:rPr>
+              <a:t>b</a:t>
+            </a:r>
+            <a:r>
+              <a:rPr lang="he-IL" dirty="0">
+                <a:cs typeface="+mj-cs"/>
+              </a:rPr>
+              <a:t> שנכנסת ל</a:t>
+            </a:r>
+            <a:r>
+              <a:rPr lang="en-US" dirty="0">
+                <a:cs typeface="+mj-cs"/>
+              </a:rPr>
+              <a:t>p</a:t>
+            </a:r>
+            <a:r>
+              <a:rPr lang="he-IL" dirty="0">
+                <a:cs typeface="+mj-cs"/>
+              </a:rPr>
+              <a:t> כך ש</a:t>
+            </a:r>
+            <a:r>
+              <a:rPr lang="en-US" dirty="0">
+                <a:cs typeface="+mj-cs"/>
+              </a:rPr>
+              <a:t>s(d)&gt;s(b)&gt;s(</a:t>
+            </a:r>
+            <a:br>
+              <a:rPr lang="en-US" dirty="0"/>
+            </a:br>
+            <a:endParaRPr lang="en-US" dirty="0"/>
+          </a:p>
+        </p:txBody>
+      </p:sp>
+      <p:pic>
+        <p:nvPicPr>
+          <p:cNvPr id="5" name="Picture 4" descr="A close up of a logo&#10;&#10;Description automatically generated">
+            <a:extLst>
+              <a:ext uri="{FF2B5EF4-FFF2-40B4-BE49-F238E27FC236}">
+                <a16:creationId xmlns:a16="http://schemas.microsoft.com/office/drawing/2014/main" id="{44160A2C-1169-4980-B14F-D03B29672793}"/>
+              </a:ext>
+            </a:extLst>
+          </p:cNvPr>
+          <p:cNvPicPr>
+            <a:picLocks noChangeAspect="1"/>
+          </p:cNvPicPr>
+          <p:nvPr/>
+        </p:nvPicPr>
+        <p:blipFill>
+          <a:blip r:embed="rId2"/>
+          <a:stretch>
+            <a:fillRect/>
+          </a:stretch>
+        </p:blipFill>
+        <p:spPr>
+          <a:xfrm>
+            <a:off x="868591" y="4932227"/>
+            <a:ext cx="4557885" cy="1292432"/>
+          </a:xfrm>
+          <a:prstGeom prst="rect">
+            <a:avLst/>
+          </a:prstGeom>
+        </p:spPr>
+      </p:pic>
+    </p:spTree>
+    <p:extLst>
+      <p:ext uri="{BB962C8B-B14F-4D97-AF65-F5344CB8AC3E}">
+        <p14:creationId xmlns:p14="http://schemas.microsoft.com/office/powerpoint/2010/main" val="763126345"/>
+      </p:ext>
+    </p:extLst>
+  </p:cSld>
+  <p:clrMapOvr>
+    <a:masterClrMapping/>
+  </p:clrMapOvr>
+</p:sld>
+</file>
+
+<file path=ppt/slides/slide14.xml><?xml version="1.0" encoding="utf-8"?>
+<p:sld xmlns:a="http://schemas.openxmlformats.org/drawingml/2006/main" xmlns:r="http://schemas.openxmlformats.org/officeDocument/2006/relationships" xmlns:p="http://schemas.openxmlformats.org/presentationml/2006/main">
+  <p:cSld>
+    <p:spTree>
+      <p:nvGrpSpPr>
+        <p:cNvPr id="1" name=""/>
+        <p:cNvGrpSpPr/>
+        <p:nvPr/>
+      </p:nvGrpSpPr>
+      <p:grpSpPr>
+        <a:xfrm>
+          <a:off x="0" y="0"/>
+          <a:ext cx="0" cy="0"/>
+          <a:chOff x="0" y="0"/>
+          <a:chExt cx="0" cy="0"/>
+        </a:xfrm>
+      </p:grpSpPr>
+      <p:sp>
+        <p:nvSpPr>
+          <p:cNvPr id="2" name="Title 1">
+            <a:extLst>
+              <a:ext uri="{FF2B5EF4-FFF2-40B4-BE49-F238E27FC236}">
+                <a16:creationId xmlns:a16="http://schemas.microsoft.com/office/drawing/2014/main" id="{2E1DC2E9-7C2E-4941-975D-CB88D65C2EC3}"/>
+              </a:ext>
+            </a:extLst>
+          </p:cNvPr>
+          <p:cNvSpPr>
+            <a:spLocks noGrp="1"/>
+          </p:cNvSpPr>
+          <p:nvPr>
+            <p:ph type="title"/>
+          </p:nvPr>
+        </p:nvSpPr>
+        <p:spPr/>
+        <p:txBody>
+          <a:bodyPr/>
+          <a:lstStyle/>
+          <a:p>
+            <a:r>
+              <a:rPr lang="en-US" dirty="0"/>
+              <a:t>Convex chain</a:t>
+            </a:r>
+            <a:r>
+              <a:rPr lang="he-IL" dirty="0"/>
+              <a:t> ויחס </a:t>
+            </a:r>
+            <a:r>
+              <a:rPr lang="en-US" dirty="0"/>
+              <a:t>R</a:t>
+            </a:r>
+          </a:p>
+        </p:txBody>
+      </p:sp>
+      <p:sp>
+        <p:nvSpPr>
+          <p:cNvPr id="3" name="Content Placeholder 2">
+            <a:extLst>
+              <a:ext uri="{FF2B5EF4-FFF2-40B4-BE49-F238E27FC236}">
+                <a16:creationId xmlns:a16="http://schemas.microsoft.com/office/drawing/2014/main" id="{4568C266-E7C8-4870-8C9E-4CCCF952A7FA}"/>
+              </a:ext>
+            </a:extLst>
+          </p:cNvPr>
+          <p:cNvSpPr>
+            <a:spLocks noGrp="1"/>
+          </p:cNvSpPr>
+          <p:nvPr>
+            <p:ph idx="1"/>
+          </p:nvPr>
+        </p:nvSpPr>
+        <p:spPr/>
+        <p:txBody>
+          <a:bodyPr/>
+          <a:lstStyle/>
+          <a:p>
+            <a:r>
+              <a:rPr lang="he-IL" dirty="0"/>
+              <a:t>אנחנו רוצים לחלק את </a:t>
+            </a:r>
+            <a:r>
+              <a:rPr lang="en-US" dirty="0" err="1"/>
+              <a:t>Ek</a:t>
+            </a:r>
+            <a:r>
+              <a:rPr lang="he-IL" dirty="0"/>
+              <a:t> כך שכל חלק בו יצור </a:t>
+            </a:r>
+            <a:r>
+              <a:rPr lang="en-US" dirty="0"/>
+              <a:t>convex chain</a:t>
+            </a:r>
+            <a:r>
+              <a:rPr lang="he-IL" dirty="0"/>
+              <a:t>, לצורך כך נגדיר את היחס </a:t>
+            </a:r>
+            <a:r>
+              <a:rPr lang="en-US" dirty="0"/>
+              <a:t>R</a:t>
+            </a:r>
+          </a:p>
+          <a:p>
+            <a:r>
+              <a:rPr lang="he-IL" dirty="0"/>
+              <a:t>בהנתן צלע נכנסת </a:t>
+            </a:r>
+            <a:r>
+              <a:rPr lang="en-US" dirty="0"/>
+              <a:t>e</a:t>
+            </a:r>
+            <a:r>
+              <a:rPr lang="he-IL" dirty="0"/>
+              <a:t> וצלע יוצאת </a:t>
+            </a:r>
+            <a:r>
+              <a:rPr lang="en-US" dirty="0"/>
+              <a:t>f</a:t>
+            </a:r>
+            <a:r>
+              <a:rPr lang="he-IL" dirty="0"/>
+              <a:t> נגיד שמתקיים </a:t>
+            </a:r>
+            <a:r>
+              <a:rPr lang="en-US" dirty="0" err="1"/>
+              <a:t>eRf</a:t>
+            </a:r>
+            <a:r>
+              <a:rPr lang="he-IL" dirty="0"/>
+              <a:t> רק אם </a:t>
+            </a:r>
+            <a:r>
+              <a:rPr lang="en-US" dirty="0"/>
+              <a:t>s(e)&gt;s(f)</a:t>
+            </a:r>
+            <a:r>
+              <a:rPr lang="he-IL" dirty="0"/>
+              <a:t> ולא קיימת צלע יוצאת </a:t>
+            </a:r>
+            <a:r>
+              <a:rPr lang="en-US" dirty="0"/>
+              <a:t>f’</a:t>
+            </a:r>
+            <a:r>
+              <a:rPr lang="he-IL" dirty="0"/>
+              <a:t> כך ש</a:t>
+            </a:r>
+            <a:r>
+              <a:rPr lang="en-US" dirty="0"/>
+              <a:t>s(e)&gt;s(f’)&gt;s(f)</a:t>
+            </a:r>
+            <a:r>
+              <a:rPr lang="he-IL" dirty="0"/>
+              <a:t>, למעשה בוחרים את הצלע היוצאת שהשיפוע שלה הוא הקרוב ביותר לצלע הנכנסת</a:t>
+            </a:r>
+            <a:endParaRPr lang="en-US" dirty="0"/>
+          </a:p>
+          <a:p>
+            <a:r>
+              <a:rPr lang="he-IL" dirty="0"/>
+              <a:t>לדוגמא במתמונה למטה, מתקיים </a:t>
+            </a:r>
+            <a:r>
+              <a:rPr lang="en-US" dirty="0" err="1"/>
+              <a:t>aRb</a:t>
+            </a:r>
+            <a:r>
+              <a:rPr lang="he-IL" dirty="0"/>
+              <a:t> אבל לא מתקיים </a:t>
+            </a:r>
+            <a:r>
+              <a:rPr lang="en-US" dirty="0" err="1"/>
+              <a:t>aRc</a:t>
+            </a:r>
+            <a:endParaRPr lang="en-US" dirty="0"/>
+          </a:p>
+        </p:txBody>
+      </p:sp>
+      <p:pic>
+        <p:nvPicPr>
+          <p:cNvPr id="11" name="Picture 10" descr="A close up of a tripod&#10;&#10;Description automatically generated">
+            <a:extLst>
+              <a:ext uri="{FF2B5EF4-FFF2-40B4-BE49-F238E27FC236}">
+                <a16:creationId xmlns:a16="http://schemas.microsoft.com/office/drawing/2014/main" id="{48BB1FB1-075F-4BB1-8A89-7DD470927532}"/>
+              </a:ext>
+            </a:extLst>
+          </p:cNvPr>
+          <p:cNvPicPr>
+            <a:picLocks noChangeAspect="1"/>
+          </p:cNvPicPr>
+          <p:nvPr/>
+        </p:nvPicPr>
+        <p:blipFill>
+          <a:blip r:embed="rId2"/>
+          <a:stretch>
+            <a:fillRect/>
+          </a:stretch>
+        </p:blipFill>
+        <p:spPr>
+          <a:xfrm>
+            <a:off x="1192486" y="5111015"/>
+            <a:ext cx="4303539" cy="1316377"/>
+          </a:xfrm>
+          <a:prstGeom prst="rect">
+            <a:avLst/>
+          </a:prstGeom>
+        </p:spPr>
+      </p:pic>
+      <p:pic>
+        <p:nvPicPr>
+          <p:cNvPr id="13" name="Picture 12" descr="A picture containing object, flying, table&#10;&#10;Description automatically generated">
+            <a:extLst>
+              <a:ext uri="{FF2B5EF4-FFF2-40B4-BE49-F238E27FC236}">
+                <a16:creationId xmlns:a16="http://schemas.microsoft.com/office/drawing/2014/main" id="{CA0855B2-8217-4755-85F5-35FF6AF7B324}"/>
+              </a:ext>
+            </a:extLst>
+          </p:cNvPr>
+          <p:cNvPicPr>
+            <a:picLocks noChangeAspect="1"/>
+          </p:cNvPicPr>
+          <p:nvPr/>
+        </p:nvPicPr>
+        <p:blipFill>
+          <a:blip r:embed="rId3"/>
+          <a:stretch>
+            <a:fillRect/>
+          </a:stretch>
+        </p:blipFill>
+        <p:spPr>
+          <a:xfrm>
+            <a:off x="6847710" y="5111015"/>
+            <a:ext cx="3661411" cy="1258023"/>
+          </a:xfrm>
+          <a:prstGeom prst="rect">
+            <a:avLst/>
+          </a:prstGeom>
+        </p:spPr>
+      </p:pic>
+    </p:spTree>
+    <p:extLst>
+      <p:ext uri="{BB962C8B-B14F-4D97-AF65-F5344CB8AC3E}">
+        <p14:creationId xmlns:p14="http://schemas.microsoft.com/office/powerpoint/2010/main" val="234790611"/>
+      </p:ext>
+    </p:extLst>
+  </p:cSld>
+  <p:clrMapOvr>
+    <a:masterClrMapping/>
+  </p:clrMapOvr>
+</p:sld>
+</file>
+
+<file path=ppt/slides/slide15.xml><?xml version="1.0" encoding="utf-8"?>
+<p:sld xmlns:a="http://schemas.openxmlformats.org/drawingml/2006/main" xmlns:r="http://schemas.openxmlformats.org/officeDocument/2006/relationships" xmlns:p="http://schemas.openxmlformats.org/presentationml/2006/main">
+  <p:cSld>
+    <p:spTree>
+      <p:nvGrpSpPr>
+        <p:cNvPr id="1" name=""/>
+        <p:cNvGrpSpPr/>
+        <p:nvPr/>
+      </p:nvGrpSpPr>
+      <p:grpSpPr>
+        <a:xfrm>
+          <a:off x="0" y="0"/>
+          <a:ext cx="0" cy="0"/>
+          <a:chOff x="0" y="0"/>
+          <a:chExt cx="0" cy="0"/>
+        </a:xfrm>
+      </p:grpSpPr>
+      <p:sp>
+        <p:nvSpPr>
+          <p:cNvPr id="2" name="Title 1">
+            <a:extLst>
+              <a:ext uri="{FF2B5EF4-FFF2-40B4-BE49-F238E27FC236}">
+                <a16:creationId xmlns:a16="http://schemas.microsoft.com/office/drawing/2014/main" id="{9659BF35-3A32-4FD5-A109-BCC3D3563180}"/>
+              </a:ext>
+            </a:extLst>
+          </p:cNvPr>
+          <p:cNvSpPr>
+            <a:spLocks noGrp="1"/>
+          </p:cNvSpPr>
+          <p:nvPr>
+            <p:ph type="title"/>
+          </p:nvPr>
+        </p:nvSpPr>
+        <p:spPr/>
+        <p:txBody>
+          <a:bodyPr/>
+          <a:lstStyle/>
+          <a:p>
+            <a:r>
+              <a:rPr lang="en-US" dirty="0"/>
+              <a:t>Convex chain </a:t>
+            </a:r>
+            <a:r>
+              <a:rPr lang="en-US" dirty="0" err="1"/>
+              <a:t>cont</a:t>
+            </a:r>
+            <a:r>
+              <a:rPr lang="en-US" dirty="0"/>
+              <a:t>’ (lemma 1)</a:t>
+            </a:r>
+          </a:p>
+        </p:txBody>
+      </p:sp>
+      <p:sp>
+        <p:nvSpPr>
+          <p:cNvPr id="3" name="Content Placeholder 2">
+            <a:extLst>
+              <a:ext uri="{FF2B5EF4-FFF2-40B4-BE49-F238E27FC236}">
+                <a16:creationId xmlns:a16="http://schemas.microsoft.com/office/drawing/2014/main" id="{CEB31987-0421-4A48-BAB5-2D2C26A07E90}"/>
+              </a:ext>
+            </a:extLst>
+          </p:cNvPr>
+          <p:cNvSpPr>
+            <a:spLocks noGrp="1"/>
+          </p:cNvSpPr>
+          <p:nvPr>
+            <p:ph idx="1"/>
+          </p:nvPr>
+        </p:nvSpPr>
+        <p:spPr>
+          <a:xfrm>
+            <a:off x="2231136" y="2638044"/>
+            <a:ext cx="8058270" cy="3551000"/>
+          </a:xfrm>
+        </p:spPr>
+        <p:txBody>
+          <a:bodyPr/>
+          <a:lstStyle/>
+          <a:p>
+            <a:r>
+              <a:rPr lang="en-US" dirty="0"/>
+              <a:t>Lemma</a:t>
+            </a:r>
+            <a:r>
+              <a:rPr lang="he-IL" dirty="0"/>
+              <a:t>- לא קיימת אף צלע </a:t>
+            </a:r>
+            <a:r>
+              <a:rPr lang="en-US" dirty="0"/>
+              <a:t>f</a:t>
+            </a:r>
+            <a:r>
+              <a:rPr lang="he-IL" dirty="0"/>
+              <a:t> כך שמתקיים </a:t>
+            </a:r>
+            <a:r>
+              <a:rPr lang="en-US" dirty="0" err="1"/>
+              <a:t>eRf</a:t>
+            </a:r>
+            <a:r>
+              <a:rPr lang="he-IL" dirty="0"/>
+              <a:t> וגם מתקיים </a:t>
+            </a:r>
+            <a:r>
+              <a:rPr lang="en-US" dirty="0" err="1"/>
+              <a:t>gRf</a:t>
+            </a:r>
+            <a:r>
+              <a:rPr lang="he-IL" dirty="0"/>
+              <a:t> עבור </a:t>
+            </a:r>
+            <a:r>
+              <a:rPr lang="en-US" dirty="0"/>
+              <a:t>g!=e</a:t>
+            </a:r>
+          </a:p>
+          <a:p>
+            <a:r>
+              <a:rPr lang="he-IL" dirty="0"/>
+              <a:t>הוכחה:</a:t>
+            </a:r>
+            <a:endParaRPr lang="en-US" dirty="0"/>
+          </a:p>
+          <a:p>
+            <a:pPr lvl="1"/>
+            <a:r>
+              <a:rPr lang="he-IL" dirty="0"/>
+              <a:t> נניח שקיים </a:t>
+            </a:r>
+            <a:r>
+              <a:rPr lang="en-US" dirty="0"/>
+              <a:t>f</a:t>
+            </a:r>
+            <a:r>
+              <a:rPr lang="he-IL" dirty="0"/>
+              <a:t> כזה, יהיו </a:t>
+            </a:r>
+            <a:r>
+              <a:rPr lang="en-US" dirty="0" err="1"/>
+              <a:t>g,e</a:t>
+            </a:r>
+            <a:r>
+              <a:rPr lang="he-IL" dirty="0"/>
+              <a:t> כך ש</a:t>
+            </a:r>
+            <a:r>
+              <a:rPr lang="en-US" dirty="0"/>
+              <a:t>s(e)&gt;s(g)</a:t>
+            </a:r>
+            <a:r>
+              <a:rPr lang="he-IL" dirty="0"/>
+              <a:t> </a:t>
+            </a:r>
+            <a:endParaRPr lang="en-US" dirty="0"/>
+          </a:p>
+          <a:p>
+            <a:pPr lvl="1"/>
+            <a:r>
+              <a:rPr lang="he-IL" dirty="0"/>
+              <a:t>לפי ההגדה </a:t>
+            </a:r>
+            <a:r>
+              <a:rPr lang="en-US" dirty="0"/>
+              <a:t>s(g)&gt;s(f)</a:t>
+            </a:r>
+            <a:r>
+              <a:rPr lang="he-IL" dirty="0"/>
+              <a:t> וגם </a:t>
+            </a:r>
+            <a:r>
+              <a:rPr lang="en-US" dirty="0"/>
+              <a:t>s(e)&gt;s(f)</a:t>
+            </a:r>
+          </a:p>
+          <a:p>
+            <a:pPr lvl="1"/>
+            <a:r>
+              <a:rPr lang="he-IL" dirty="0"/>
+              <a:t>לפי התכונה של </a:t>
+            </a:r>
+            <a:r>
+              <a:rPr lang="en-US" dirty="0" err="1"/>
+              <a:t>Lov’asz</a:t>
+            </a:r>
+            <a:r>
+              <a:rPr lang="he-IL" dirty="0"/>
+              <a:t> חייבת להיות צלע יוצאת </a:t>
+            </a:r>
+            <a:r>
+              <a:rPr lang="en-US" dirty="0"/>
+              <a:t>f’</a:t>
+            </a:r>
+            <a:r>
+              <a:rPr lang="he-IL" dirty="0"/>
+              <a:t> כך ש</a:t>
+            </a:r>
+            <a:r>
+              <a:rPr lang="en-US" dirty="0"/>
+              <a:t>s(e)&gt;s(f’)&gt;s(g)</a:t>
+            </a:r>
+          </a:p>
+          <a:p>
+            <a:pPr lvl="1"/>
+            <a:r>
+              <a:rPr lang="he-IL" dirty="0"/>
+              <a:t>לכן נקבל ש</a:t>
+            </a:r>
+            <a:r>
+              <a:rPr lang="en-US" dirty="0"/>
+              <a:t>s(e)&gt;s(f’)&gt;s(g)&gt;s(f)</a:t>
+            </a:r>
+            <a:r>
+              <a:rPr lang="he-IL" dirty="0"/>
+              <a:t> אבל זו סתירה ל</a:t>
+            </a:r>
+            <a:r>
+              <a:rPr lang="en-US" dirty="0" err="1"/>
+              <a:t>eRf</a:t>
+            </a:r>
+            <a:endParaRPr lang="en-US" dirty="0"/>
+          </a:p>
+          <a:p>
+            <a:r>
+              <a:rPr lang="he-IL" dirty="0"/>
+              <a:t>קבוצת היחסים הרפלקסיבית </a:t>
+            </a:r>
+            <a:r>
+              <a:rPr lang="en-US" dirty="0"/>
+              <a:t>R*</a:t>
+            </a:r>
+            <a:r>
+              <a:rPr lang="he-IL" dirty="0"/>
+              <a:t> מחלקת את </a:t>
+            </a:r>
+            <a:r>
+              <a:rPr lang="en-US" dirty="0" err="1"/>
+              <a:t>Ek</a:t>
+            </a:r>
+            <a:r>
+              <a:rPr lang="he-IL" dirty="0"/>
+              <a:t> לשרשראות לא חופפות לפי הלמה ובנוסף לי הגדרת היחס </a:t>
+            </a:r>
+            <a:r>
+              <a:rPr lang="en-US" dirty="0"/>
+              <a:t>R</a:t>
+            </a:r>
+            <a:r>
+              <a:rPr lang="he-IL" dirty="0"/>
+              <a:t> כל שרשרת כזאת היא קונבקסית (תמיד פונים רק ימינה)</a:t>
+            </a:r>
+            <a:endParaRPr lang="en-US" dirty="0"/>
+          </a:p>
+        </p:txBody>
+      </p:sp>
+    </p:spTree>
+    <p:extLst>
+      <p:ext uri="{BB962C8B-B14F-4D97-AF65-F5344CB8AC3E}">
+        <p14:creationId xmlns:p14="http://schemas.microsoft.com/office/powerpoint/2010/main" val="2295642179"/>
+      </p:ext>
+    </p:extLst>
+  </p:cSld>
+  <p:clrMapOvr>
+    <a:masterClrMapping/>
+  </p:clrMapOvr>
+</p:sld>
+</file>
+
+<file path=ppt/slides/slide16.xml><?xml version="1.0" encoding="utf-8"?>
+<p:sld xmlns:a="http://schemas.openxmlformats.org/drawingml/2006/main" xmlns:r="http://schemas.openxmlformats.org/officeDocument/2006/relationships" xmlns:p="http://schemas.openxmlformats.org/presentationml/2006/main">
+  <p:cSld>
+    <p:spTree>
+      <p:nvGrpSpPr>
+        <p:cNvPr id="1" name=""/>
+        <p:cNvGrpSpPr/>
+        <p:nvPr/>
+      </p:nvGrpSpPr>
+      <p:grpSpPr>
+        <a:xfrm>
+          <a:off x="0" y="0"/>
+          <a:ext cx="0" cy="0"/>
+          <a:chOff x="0" y="0"/>
+          <a:chExt cx="0" cy="0"/>
+        </a:xfrm>
+      </p:grpSpPr>
+      <p:sp>
+        <p:nvSpPr>
+          <p:cNvPr id="2" name="Title 1">
+            <a:extLst>
+              <a:ext uri="{FF2B5EF4-FFF2-40B4-BE49-F238E27FC236}">
+                <a16:creationId xmlns:a16="http://schemas.microsoft.com/office/drawing/2014/main" id="{830960BC-AAC1-42A9-86CF-77F226E2A9DA}"/>
+              </a:ext>
+            </a:extLst>
+          </p:cNvPr>
+          <p:cNvSpPr>
+            <a:spLocks noGrp="1"/>
+          </p:cNvSpPr>
+          <p:nvPr>
+            <p:ph type="title"/>
+          </p:nvPr>
+        </p:nvSpPr>
+        <p:spPr>
+          <a:xfrm>
+            <a:off x="2163486" y="971044"/>
+            <a:ext cx="7865027" cy="1206644"/>
+          </a:xfrm>
+        </p:spPr>
+        <p:txBody>
+          <a:bodyPr/>
+          <a:lstStyle/>
+          <a:p>
+            <a:r>
+              <a:rPr lang="en-US" dirty="0"/>
+              <a:t>Number of convex chains (lemma 2)</a:t>
+            </a:r>
+          </a:p>
+        </p:txBody>
+      </p:sp>
+      <p:sp>
+        <p:nvSpPr>
+          <p:cNvPr id="3" name="Content Placeholder 2">
+            <a:extLst>
+              <a:ext uri="{FF2B5EF4-FFF2-40B4-BE49-F238E27FC236}">
+                <a16:creationId xmlns:a16="http://schemas.microsoft.com/office/drawing/2014/main" id="{8BF5B453-641D-4331-8876-A8AFFA7755B1}"/>
+              </a:ext>
+            </a:extLst>
+          </p:cNvPr>
+          <p:cNvSpPr>
+            <a:spLocks noGrp="1"/>
+          </p:cNvSpPr>
+          <p:nvPr>
+            <p:ph idx="1"/>
+          </p:nvPr>
+        </p:nvSpPr>
+        <p:spPr/>
+        <p:txBody>
+          <a:bodyPr/>
+          <a:lstStyle/>
+          <a:p>
+            <a:r>
+              <a:rPr lang="he-IL" dirty="0"/>
+              <a:t>נרצה להוכיח שיש עד </a:t>
+            </a:r>
+            <a:r>
+              <a:rPr lang="en-US" dirty="0"/>
+              <a:t>k+1</a:t>
+            </a:r>
+            <a:r>
+              <a:rPr lang="he-IL" dirty="0"/>
+              <a:t> </a:t>
+            </a:r>
+            <a:r>
+              <a:rPr lang="en-US" dirty="0"/>
+              <a:t>convex chains</a:t>
+            </a:r>
+            <a:r>
+              <a:rPr lang="he-IL" dirty="0"/>
+              <a:t> עבור כל סט נקודות</a:t>
+            </a:r>
+          </a:p>
+          <a:p>
+            <a:r>
+              <a:rPr lang="en-US" dirty="0"/>
+              <a:t>Lemma 2</a:t>
+            </a:r>
+            <a:r>
+              <a:rPr lang="he-IL" dirty="0"/>
+              <a:t>- בהנתן </a:t>
+            </a:r>
+            <a:r>
+              <a:rPr lang="en-US" dirty="0"/>
+              <a:t>C1, C2…Cm</a:t>
+            </a:r>
+            <a:r>
+              <a:rPr lang="he-IL" dirty="0"/>
+              <a:t> </a:t>
+            </a:r>
+            <a:r>
+              <a:rPr lang="en-US" dirty="0"/>
+              <a:t>convex chains</a:t>
+            </a:r>
+            <a:r>
+              <a:rPr lang="he-IL" dirty="0"/>
+              <a:t> שהתקבלו על ידי היחס </a:t>
+            </a:r>
+            <a:r>
+              <a:rPr lang="en-US" dirty="0"/>
+              <a:t>R*</a:t>
+            </a:r>
+            <a:r>
+              <a:rPr lang="he-IL" dirty="0"/>
+              <a:t>, כל </a:t>
+            </a:r>
+            <a:r>
+              <a:rPr lang="en-US" dirty="0"/>
+              <a:t>Ci</a:t>
+            </a:r>
+            <a:r>
+              <a:rPr lang="he-IL" dirty="0"/>
+              <a:t> מתחיל בנקודה ייחודית שהיא אחת מתוך </a:t>
+            </a:r>
+            <a:r>
+              <a:rPr lang="en-US" dirty="0"/>
+              <a:t>k+1</a:t>
+            </a:r>
+            <a:r>
+              <a:rPr lang="he-IL" dirty="0"/>
+              <a:t> הנקודות ההכי שמאליות ב</a:t>
+            </a:r>
+            <a:r>
+              <a:rPr lang="en-US" dirty="0"/>
+              <a:t>P</a:t>
+            </a:r>
+            <a:endParaRPr lang="he-IL" dirty="0"/>
+          </a:p>
+          <a:p>
+            <a:r>
+              <a:rPr lang="he-IL" dirty="0"/>
+              <a:t>מפה ניתן להסיק שיש לכל היותר </a:t>
+            </a:r>
+            <a:r>
+              <a:rPr lang="en-US" dirty="0"/>
+              <a:t>k+1</a:t>
+            </a:r>
+            <a:r>
+              <a:rPr lang="he-IL" dirty="0"/>
+              <a:t> </a:t>
+            </a:r>
+            <a:r>
+              <a:rPr lang="en-US" dirty="0"/>
+              <a:t>convex chains</a:t>
+            </a:r>
+            <a:endParaRPr lang="he-IL" dirty="0"/>
+          </a:p>
+          <a:p>
+            <a:r>
+              <a:rPr lang="he-IL" dirty="0"/>
+              <a:t> </a:t>
+            </a:r>
+            <a:r>
+              <a:rPr lang="he-IL" sz="5400" dirty="0">
+                <a:solidFill>
+                  <a:srgbClr val="FF0000"/>
+                </a:solidFill>
+              </a:rPr>
+              <a:t>להוסיף הוכחה</a:t>
+            </a:r>
+            <a:endParaRPr lang="en-US" dirty="0"/>
+          </a:p>
+        </p:txBody>
+      </p:sp>
+    </p:spTree>
+    <p:extLst>
+      <p:ext uri="{BB962C8B-B14F-4D97-AF65-F5344CB8AC3E}">
+        <p14:creationId xmlns:p14="http://schemas.microsoft.com/office/powerpoint/2010/main" val="138650407"/>
+      </p:ext>
+    </p:extLst>
+  </p:cSld>
+  <p:clrMapOvr>
+    <a:masterClrMapping/>
+  </p:clrMapOvr>
+</p:sld>
+</file>
+
+<file path=ppt/slides/slide17.xml><?xml version="1.0" encoding="utf-8"?>
+<p:sld xmlns:a="http://schemas.openxmlformats.org/drawingml/2006/main" xmlns:r="http://schemas.openxmlformats.org/officeDocument/2006/relationships" xmlns:p="http://schemas.openxmlformats.org/presentationml/2006/main">
+  <p:cSld>
+    <p:spTree>
+      <p:nvGrpSpPr>
+        <p:cNvPr id="1" name=""/>
+        <p:cNvGrpSpPr/>
+        <p:nvPr/>
+      </p:nvGrpSpPr>
+      <p:grpSpPr>
+        <a:xfrm>
+          <a:off x="0" y="0"/>
+          <a:ext cx="0" cy="0"/>
+          <a:chOff x="0" y="0"/>
+          <a:chExt cx="0" cy="0"/>
+        </a:xfrm>
+      </p:grpSpPr>
+      <p:sp>
+        <p:nvSpPr>
+          <p:cNvPr id="2" name="Title 1">
+            <a:extLst>
+              <a:ext uri="{FF2B5EF4-FFF2-40B4-BE49-F238E27FC236}">
+                <a16:creationId xmlns:a16="http://schemas.microsoft.com/office/drawing/2014/main" id="{254CC3E5-610F-4389-9680-4DF01A48A5F9}"/>
+              </a:ext>
+            </a:extLst>
+          </p:cNvPr>
+          <p:cNvSpPr>
+            <a:spLocks noGrp="1"/>
+          </p:cNvSpPr>
+          <p:nvPr>
+            <p:ph type="title"/>
+          </p:nvPr>
+        </p:nvSpPr>
+        <p:spPr/>
+        <p:txBody>
+          <a:bodyPr/>
+          <a:lstStyle/>
+          <a:p>
+            <a:r>
+              <a:rPr lang="en-US" dirty="0"/>
+              <a:t>Convex chain intersection and common tangent</a:t>
+            </a:r>
+          </a:p>
+        </p:txBody>
+      </p:sp>
+      <p:sp>
+        <p:nvSpPr>
+          <p:cNvPr id="3" name="Content Placeholder 2">
+            <a:extLst>
+              <a:ext uri="{FF2B5EF4-FFF2-40B4-BE49-F238E27FC236}">
+                <a16:creationId xmlns:a16="http://schemas.microsoft.com/office/drawing/2014/main" id="{0CCB29D8-1169-4FC3-BD8F-B68703893F56}"/>
+              </a:ext>
+            </a:extLst>
+          </p:cNvPr>
+          <p:cNvSpPr>
+            <a:spLocks noGrp="1"/>
+          </p:cNvSpPr>
+          <p:nvPr>
+            <p:ph idx="1"/>
+          </p:nvPr>
+        </p:nvSpPr>
+        <p:spPr/>
+        <p:txBody>
+          <a:bodyPr>
+            <a:normAutofit lnSpcReduction="10000"/>
+          </a:bodyPr>
+          <a:lstStyle/>
+          <a:p>
+            <a:r>
+              <a:rPr lang="he-IL" dirty="0"/>
+              <a:t>אנחנו רוצים לחסום את מספר השרשראות שנחתכות אחת עם השניה, חיתוכים אלה נקראים </a:t>
+            </a:r>
+            <a:r>
+              <a:rPr lang="en-US" dirty="0"/>
+              <a:t>“crossings”</a:t>
+            </a:r>
+            <a:r>
+              <a:rPr lang="he-IL" dirty="0"/>
+              <a:t> נעשה זאת על ידי חסימה של מספר המשיקים המשותפים בכל נקודת חיתוך</a:t>
+            </a:r>
+          </a:p>
+          <a:p>
+            <a:r>
+              <a:rPr lang="he-IL" dirty="0"/>
+              <a:t>בהנתן שתי צלעות מ</a:t>
+            </a:r>
+            <a:r>
+              <a:rPr lang="en-US" dirty="0" err="1"/>
+              <a:t>Ek</a:t>
+            </a:r>
+            <a:r>
+              <a:rPr lang="he-IL" dirty="0"/>
+              <a:t> </a:t>
+            </a:r>
+            <a:r>
+              <a:rPr lang="en-US" dirty="0" err="1"/>
+              <a:t>e,f</a:t>
+            </a:r>
+            <a:r>
+              <a:rPr lang="he-IL" dirty="0"/>
+              <a:t> שנחתכות נסתכל על שתי השרשראות שמכילות את הצלע הזו </a:t>
+            </a:r>
+            <a:r>
+              <a:rPr lang="en-US" dirty="0"/>
+              <a:t>Ci, </a:t>
+            </a:r>
+            <a:r>
+              <a:rPr lang="en-US" dirty="0" err="1"/>
+              <a:t>Cj</a:t>
+            </a:r>
+            <a:endParaRPr lang="he-IL" dirty="0"/>
+          </a:p>
+          <a:p>
+            <a:r>
+              <a:rPr lang="he-IL" dirty="0"/>
+              <a:t>נתאם עבור </a:t>
+            </a:r>
+            <a:r>
+              <a:rPr lang="en-US" dirty="0"/>
+              <a:t>Ci, </a:t>
+            </a:r>
+            <a:r>
+              <a:rPr lang="en-US" dirty="0" err="1"/>
+              <a:t>Cj</a:t>
+            </a:r>
+            <a:r>
+              <a:rPr lang="he-IL" dirty="0"/>
+              <a:t> משיק משותף ייחודי לפי הסכמה הבאה:</a:t>
+            </a:r>
+          </a:p>
+          <a:p>
+            <a:pPr lvl="1"/>
+            <a:r>
+              <a:rPr lang="he-IL" dirty="0"/>
+              <a:t>נרצה לתאם משיק משותף כך שהמשיק יחבר נקודה אחת מ</a:t>
+            </a:r>
+            <a:r>
+              <a:rPr lang="en-US" dirty="0"/>
+              <a:t>Ci</a:t>
+            </a:r>
+            <a:r>
+              <a:rPr lang="he-IL" dirty="0"/>
+              <a:t> עם נקודה מ</a:t>
+            </a:r>
+            <a:r>
+              <a:rPr lang="en-US" dirty="0" err="1"/>
+              <a:t>Cj</a:t>
+            </a:r>
+            <a:r>
+              <a:rPr lang="he-IL" dirty="0"/>
+              <a:t> כך שכל שאר הנקודות של שתיהן יהיו מתחת ל</a:t>
+            </a:r>
+            <a:r>
+              <a:rPr lang="en-US" dirty="0"/>
+              <a:t>supporting line</a:t>
+            </a:r>
+            <a:r>
+              <a:rPr lang="he-IL" dirty="0"/>
+              <a:t> של משיק זה</a:t>
+            </a:r>
+          </a:p>
+          <a:p>
+            <a:pPr lvl="1"/>
+            <a:r>
+              <a:rPr lang="he-IL" dirty="0"/>
+              <a:t>נסתכל על נקודת חיתוך </a:t>
+            </a:r>
+            <a:r>
+              <a:rPr lang="en-US" dirty="0"/>
+              <a:t>X</a:t>
+            </a:r>
+            <a:r>
+              <a:rPr lang="he-IL" dirty="0"/>
+              <a:t>, וקו האנכי שיוצא מ</a:t>
+            </a:r>
+            <a:r>
+              <a:rPr lang="en-US" dirty="0"/>
+              <a:t>X</a:t>
+            </a:r>
+            <a:r>
+              <a:rPr lang="he-IL" dirty="0"/>
+              <a:t> חותך צלע ייחודית במעטפת של החלל העליון שמעל החיתוך, צלע זו היא המשיק המשותף </a:t>
+            </a:r>
+          </a:p>
+        </p:txBody>
+      </p:sp>
+      <p:pic>
+        <p:nvPicPr>
+          <p:cNvPr id="7" name="Picture 6" descr="A picture containing map, text, wire, bird&#10;&#10;Description automatically generated">
+            <a:extLst>
+              <a:ext uri="{FF2B5EF4-FFF2-40B4-BE49-F238E27FC236}">
+                <a16:creationId xmlns:a16="http://schemas.microsoft.com/office/drawing/2014/main" id="{45486F96-BFB3-4FB7-92A7-25AD7077674D}"/>
+              </a:ext>
+            </a:extLst>
+          </p:cNvPr>
+          <p:cNvPicPr>
+            <a:picLocks noChangeAspect="1"/>
+          </p:cNvPicPr>
+          <p:nvPr/>
+        </p:nvPicPr>
+        <p:blipFill>
+          <a:blip r:embed="rId2"/>
+          <a:stretch>
+            <a:fillRect/>
+          </a:stretch>
+        </p:blipFill>
+        <p:spPr>
+          <a:xfrm>
+            <a:off x="592607" y="5384991"/>
+            <a:ext cx="3277057" cy="1324160"/>
+          </a:xfrm>
+          <a:prstGeom prst="rect">
+            <a:avLst/>
+          </a:prstGeom>
+        </p:spPr>
+      </p:pic>
+    </p:spTree>
+    <p:extLst>
+      <p:ext uri="{BB962C8B-B14F-4D97-AF65-F5344CB8AC3E}">
+        <p14:creationId xmlns:p14="http://schemas.microsoft.com/office/powerpoint/2010/main" val="2383138185"/>
+      </p:ext>
+    </p:extLst>
+  </p:cSld>
+  <p:clrMapOvr>
+    <a:masterClrMapping/>
+  </p:clrMapOvr>
+</p:sld>
+</file>
+
+<file path=ppt/slides/slide18.xml><?xml version="1.0" encoding="utf-8"?>
+<p:sld xmlns:a="http://schemas.openxmlformats.org/drawingml/2006/main" xmlns:r="http://schemas.openxmlformats.org/officeDocument/2006/relationships" xmlns:p="http://schemas.openxmlformats.org/presentationml/2006/main">
+  <p:cSld>
+    <p:spTree>
+      <p:nvGrpSpPr>
+        <p:cNvPr id="1" name=""/>
+        <p:cNvGrpSpPr/>
+        <p:nvPr/>
+      </p:nvGrpSpPr>
+      <p:grpSpPr>
+        <a:xfrm>
+          <a:off x="0" y="0"/>
+          <a:ext cx="0" cy="0"/>
+          <a:chOff x="0" y="0"/>
+          <a:chExt cx="0" cy="0"/>
+        </a:xfrm>
+      </p:grpSpPr>
+      <p:sp>
+        <p:nvSpPr>
+          <p:cNvPr id="2" name="Title 1">
+            <a:extLst>
+              <a:ext uri="{FF2B5EF4-FFF2-40B4-BE49-F238E27FC236}">
+                <a16:creationId xmlns:a16="http://schemas.microsoft.com/office/drawing/2014/main" id="{53606D23-0D3B-4F9D-9A51-351B90D19E25}"/>
+              </a:ext>
+            </a:extLst>
+          </p:cNvPr>
+          <p:cNvSpPr>
+            <a:spLocks noGrp="1"/>
+          </p:cNvSpPr>
+          <p:nvPr>
+            <p:ph type="title"/>
+          </p:nvPr>
+        </p:nvSpPr>
+        <p:spPr>
+          <a:xfrm>
+            <a:off x="2231136" y="666309"/>
+            <a:ext cx="7729728" cy="1188720"/>
+          </a:xfrm>
+        </p:spPr>
+        <p:txBody>
+          <a:bodyPr/>
+          <a:lstStyle/>
+          <a:p>
+            <a:r>
+              <a:rPr lang="en-US" dirty="0"/>
+              <a:t>Convex chain intersection and common tangent (</a:t>
+            </a:r>
+            <a:r>
+              <a:rPr lang="en-US" dirty="0" err="1"/>
+              <a:t>cont</a:t>
+            </a:r>
+            <a:r>
+              <a:rPr lang="en-US" dirty="0"/>
+              <a:t>’) </a:t>
+            </a:r>
+          </a:p>
+        </p:txBody>
+      </p:sp>
+      <p:sp>
+        <p:nvSpPr>
+          <p:cNvPr id="3" name="Content Placeholder 2">
+            <a:extLst>
+              <a:ext uri="{FF2B5EF4-FFF2-40B4-BE49-F238E27FC236}">
+                <a16:creationId xmlns:a16="http://schemas.microsoft.com/office/drawing/2014/main" id="{7AC8C01E-0551-420B-A3DD-B81157CBEB89}"/>
+              </a:ext>
+            </a:extLst>
+          </p:cNvPr>
+          <p:cNvSpPr>
+            <a:spLocks noGrp="1"/>
+          </p:cNvSpPr>
+          <p:nvPr>
+            <p:ph idx="1"/>
+          </p:nvPr>
+        </p:nvSpPr>
+        <p:spPr>
+          <a:xfrm>
+            <a:off x="2231136" y="2234211"/>
+            <a:ext cx="7729728" cy="3445122"/>
+          </a:xfrm>
+        </p:spPr>
+        <p:txBody>
+          <a:bodyPr>
+            <a:normAutofit fontScale="92500" lnSpcReduction="20000"/>
+          </a:bodyPr>
+          <a:lstStyle/>
+          <a:p>
+            <a:r>
+              <a:rPr lang="en-US" dirty="0"/>
+              <a:t>Lemma 3</a:t>
+            </a:r>
+            <a:r>
+              <a:rPr lang="he-IL" dirty="0"/>
+              <a:t>- כל משיק משותף מתואם רק פעם אחת עבור כל זוגות של ה</a:t>
+            </a:r>
+            <a:r>
+              <a:rPr lang="en-US" dirty="0"/>
+              <a:t>convex chains</a:t>
+            </a:r>
+          </a:p>
+          <a:p>
+            <a:r>
+              <a:rPr lang="he-IL" dirty="0"/>
+              <a:t>הוכחה:</a:t>
+            </a:r>
+          </a:p>
+          <a:p>
+            <a:pPr lvl="1"/>
+            <a:r>
+              <a:rPr lang="he-IL" dirty="0"/>
+              <a:t>נניח בשלילה שמשיק </a:t>
+            </a:r>
+            <a:r>
+              <a:rPr lang="en-US" dirty="0"/>
+              <a:t>T</a:t>
+            </a:r>
+            <a:r>
+              <a:rPr lang="he-IL" dirty="0"/>
+              <a:t> מתואם עבור 2 זוגות שונים של שרשראות </a:t>
+            </a:r>
+            <a:r>
+              <a:rPr lang="en-US" dirty="0"/>
+              <a:t>Ci1, Cj1</a:t>
+            </a:r>
+            <a:r>
+              <a:rPr lang="he-IL" dirty="0"/>
+              <a:t> ו</a:t>
+            </a:r>
+            <a:r>
+              <a:rPr lang="en-US" dirty="0"/>
+              <a:t>Ci2, Cj2</a:t>
+            </a:r>
+          </a:p>
+          <a:p>
+            <a:pPr lvl="1"/>
+            <a:r>
+              <a:rPr lang="he-IL" dirty="0"/>
+              <a:t>נסתכל על נקודה </a:t>
+            </a:r>
+            <a:r>
+              <a:rPr lang="en-US" dirty="0"/>
+              <a:t>p</a:t>
+            </a:r>
+            <a:r>
+              <a:rPr lang="he-IL" dirty="0"/>
+              <a:t> שהיא הנקודה השמאלית של </a:t>
+            </a:r>
+            <a:r>
+              <a:rPr lang="en-US" dirty="0"/>
+              <a:t>T</a:t>
+            </a:r>
+            <a:r>
+              <a:rPr lang="he-IL" dirty="0"/>
+              <a:t>, </a:t>
+            </a:r>
+            <a:r>
+              <a:rPr lang="en-US" dirty="0"/>
+              <a:t>p</a:t>
+            </a:r>
+            <a:r>
+              <a:rPr lang="he-IL" dirty="0"/>
+              <a:t> היא לא הנקודה הראשונה של שרשרת אחת בוודאות לפי למה - 2 נניח ששרשרת </a:t>
+            </a:r>
+            <a:r>
+              <a:rPr lang="en-US" dirty="0"/>
+              <a:t>Ci1</a:t>
+            </a:r>
+          </a:p>
+          <a:p>
+            <a:pPr lvl="1"/>
+            <a:r>
+              <a:rPr lang="he-IL" dirty="0"/>
+              <a:t>נסמן ב</a:t>
+            </a:r>
+            <a:r>
+              <a:rPr lang="en-US" dirty="0"/>
+              <a:t>ei1</a:t>
+            </a:r>
+            <a:r>
+              <a:rPr lang="he-IL" dirty="0"/>
+              <a:t> ו</a:t>
+            </a:r>
+            <a:r>
+              <a:rPr lang="en-US" dirty="0"/>
+              <a:t>fi1</a:t>
+            </a:r>
+            <a:r>
+              <a:rPr lang="he-IL" dirty="0"/>
+              <a:t> את הצלע הנכנסת והיוצאת של </a:t>
+            </a:r>
+            <a:r>
+              <a:rPr lang="en-US" dirty="0"/>
+              <a:t>Ci1</a:t>
+            </a:r>
+            <a:r>
+              <a:rPr lang="he-IL" dirty="0"/>
+              <a:t> מנקודה</a:t>
+            </a:r>
+            <a:r>
+              <a:rPr lang="en-US" dirty="0"/>
+              <a:t>p </a:t>
+            </a:r>
+            <a:r>
+              <a:rPr lang="he-IL" dirty="0"/>
+              <a:t> ונסמן ב</a:t>
+            </a:r>
+            <a:r>
+              <a:rPr lang="en-US" dirty="0"/>
+              <a:t>fi2</a:t>
+            </a:r>
+            <a:r>
+              <a:rPr lang="he-IL" dirty="0"/>
+              <a:t> את הצלע היוצאת של </a:t>
+            </a:r>
+            <a:r>
+              <a:rPr lang="en-US" dirty="0"/>
+              <a:t>Ci2</a:t>
+            </a:r>
+          </a:p>
+          <a:p>
+            <a:pPr lvl="1"/>
+            <a:r>
+              <a:rPr lang="he-IL" dirty="0"/>
+              <a:t>בכלל ש</a:t>
+            </a:r>
+            <a:r>
+              <a:rPr lang="en-US" dirty="0"/>
+              <a:t>T</a:t>
+            </a:r>
+            <a:r>
+              <a:rPr lang="he-IL" dirty="0"/>
+              <a:t> הוא המשיק המשותף של של </a:t>
+            </a:r>
+            <a:r>
+              <a:rPr lang="en-US" dirty="0"/>
+              <a:t>Ci1, Ci2</a:t>
+            </a:r>
+            <a:r>
+              <a:rPr lang="he-IL" dirty="0"/>
+              <a:t> אזי חייב להתקיים ש</a:t>
+            </a:r>
+            <a:r>
+              <a:rPr lang="en-US" dirty="0"/>
+              <a:t>s(ei1)&gt;s(fi1)&gt;s(fi2)</a:t>
+            </a:r>
+            <a:r>
+              <a:rPr lang="he-IL" dirty="0"/>
+              <a:t> או </a:t>
+            </a:r>
+            <a:r>
+              <a:rPr lang="en-US" dirty="0"/>
+              <a:t>s(ei1)&gt;s(fi2)&gt;s(fi1)</a:t>
+            </a:r>
+            <a:r>
+              <a:rPr lang="he-IL" dirty="0"/>
+              <a:t> כי אחרת הנקודה </a:t>
+            </a:r>
+            <a:r>
+              <a:rPr lang="en-US" dirty="0"/>
+              <a:t>p</a:t>
+            </a:r>
+            <a:r>
+              <a:rPr lang="he-IL" dirty="0"/>
+              <a:t> לא הייתה נקודת ההתחלה של </a:t>
+            </a:r>
+            <a:r>
+              <a:rPr lang="en-US" dirty="0"/>
+              <a:t>T</a:t>
+            </a:r>
+            <a:endParaRPr lang="he-IL" dirty="0"/>
+          </a:p>
+          <a:p>
+            <a:pPr lvl="1"/>
+            <a:r>
+              <a:rPr lang="he-IL" dirty="0"/>
+              <a:t>האופצייה הראשונה לא יכולה להתקיים בגלל העובדה שמתקיים </a:t>
+            </a:r>
+            <a:r>
+              <a:rPr lang="en-US" dirty="0"/>
+              <a:t>ei1Rfi1</a:t>
+            </a:r>
+            <a:r>
+              <a:rPr lang="he-IL" dirty="0"/>
+              <a:t> </a:t>
+            </a:r>
+          </a:p>
+          <a:p>
+            <a:pPr lvl="1"/>
+            <a:r>
+              <a:rPr lang="he-IL" dirty="0"/>
+              <a:t>בשביל האופצייה השנייה צריך שתהיה צלע נכנסת </a:t>
+            </a:r>
+            <a:r>
+              <a:rPr lang="en-US" dirty="0"/>
+              <a:t>ei2</a:t>
+            </a:r>
+            <a:r>
+              <a:rPr lang="he-IL" dirty="0"/>
+              <a:t> של </a:t>
+            </a:r>
+            <a:r>
+              <a:rPr lang="en-US" dirty="0"/>
+              <a:t>Ci2</a:t>
+            </a:r>
+            <a:r>
+              <a:rPr lang="he-IL" dirty="0"/>
+              <a:t> כך ש</a:t>
+            </a:r>
+            <a:r>
+              <a:rPr lang="en-US" dirty="0"/>
+              <a:t>s(fi1)&gt;s(ei2)&gt;s(fi2)</a:t>
+            </a:r>
+            <a:r>
+              <a:rPr lang="he-IL" dirty="0"/>
+              <a:t> (התכונה של </a:t>
+            </a:r>
+            <a:r>
+              <a:rPr lang="en-US" dirty="0" err="1"/>
+              <a:t>Lov’asz</a:t>
+            </a:r>
+            <a:r>
+              <a:rPr lang="he-IL" dirty="0"/>
+              <a:t>) אבל אם זה המצב </a:t>
+            </a:r>
+            <a:r>
+              <a:rPr lang="en-US" dirty="0"/>
+              <a:t>T</a:t>
+            </a:r>
+            <a:r>
+              <a:rPr lang="he-IL" dirty="0"/>
+              <a:t> לא יכול להיות המשיק של </a:t>
+            </a:r>
+            <a:r>
+              <a:rPr lang="en-US" dirty="0"/>
+              <a:t>Ci2</a:t>
+            </a:r>
+            <a:r>
+              <a:rPr lang="he-IL" dirty="0"/>
+              <a:t> (כי נקודת ההתחלה של </a:t>
+            </a:r>
+            <a:r>
+              <a:rPr lang="en-US" dirty="0"/>
+              <a:t>ei2</a:t>
+            </a:r>
+            <a:r>
+              <a:rPr lang="he-IL" dirty="0"/>
+              <a:t> לא </a:t>
+            </a:r>
+            <a:br>
+              <a:rPr lang="en-US" dirty="0"/>
+            </a:br>
+            <a:r>
+              <a:rPr lang="he-IL" dirty="0"/>
+              <a:t>תהיה מתחת למשיק כי </a:t>
+            </a:r>
+            <a:r>
+              <a:rPr lang="en-US" dirty="0"/>
+              <a:t>s(ei1)&gt;s(ei2)</a:t>
+            </a:r>
+            <a:r>
+              <a:rPr lang="he-IL" dirty="0"/>
+              <a:t>)</a:t>
+            </a:r>
+          </a:p>
+        </p:txBody>
+      </p:sp>
+      <p:pic>
+        <p:nvPicPr>
+          <p:cNvPr id="7" name="Picture 6" descr="A picture containing object, clock&#10;&#10;Description automatically generated">
+            <a:extLst>
+              <a:ext uri="{FF2B5EF4-FFF2-40B4-BE49-F238E27FC236}">
+                <a16:creationId xmlns:a16="http://schemas.microsoft.com/office/drawing/2014/main" id="{E340E616-836D-4EDB-9491-2FDD8B05109B}"/>
+              </a:ext>
+            </a:extLst>
+          </p:cNvPr>
+          <p:cNvPicPr>
+            <a:picLocks noChangeAspect="1"/>
+          </p:cNvPicPr>
+          <p:nvPr/>
+        </p:nvPicPr>
+        <p:blipFill>
+          <a:blip r:embed="rId2"/>
+          <a:stretch>
+            <a:fillRect/>
+          </a:stretch>
+        </p:blipFill>
+        <p:spPr>
+          <a:xfrm>
+            <a:off x="561257" y="5218574"/>
+            <a:ext cx="3173345" cy="1534572"/>
+          </a:xfrm>
+          <a:prstGeom prst="rect">
+            <a:avLst/>
+          </a:prstGeom>
+        </p:spPr>
+      </p:pic>
+    </p:spTree>
+    <p:extLst>
+      <p:ext uri="{BB962C8B-B14F-4D97-AF65-F5344CB8AC3E}">
+        <p14:creationId xmlns:p14="http://schemas.microsoft.com/office/powerpoint/2010/main" val="2945932210"/>
+      </p:ext>
+    </p:extLst>
+  </p:cSld>
+  <p:clrMapOvr>
+    <a:masterClrMapping/>
+  </p:clrMapOvr>
+</p:sld>
+</file>
+
+<file path=ppt/slides/slide19.xml><?xml version="1.0" encoding="utf-8"?>
+<p:sld xmlns:a="http://schemas.openxmlformats.org/drawingml/2006/main" xmlns:r="http://schemas.openxmlformats.org/officeDocument/2006/relationships" xmlns:p="http://schemas.openxmlformats.org/presentationml/2006/main">
+  <p:cSld>
+    <p:spTree>
+      <p:nvGrpSpPr>
+        <p:cNvPr id="1" name=""/>
+        <p:cNvGrpSpPr/>
+        <p:nvPr/>
+      </p:nvGrpSpPr>
+      <p:grpSpPr>
+        <a:xfrm>
+          <a:off x="0" y="0"/>
+          <a:ext cx="0" cy="0"/>
+          <a:chOff x="0" y="0"/>
+          <a:chExt cx="0" cy="0"/>
+        </a:xfrm>
+      </p:grpSpPr>
+      <p:sp>
+        <p:nvSpPr>
+          <p:cNvPr id="2" name="Title 1">
+            <a:extLst>
+              <a:ext uri="{FF2B5EF4-FFF2-40B4-BE49-F238E27FC236}">
+                <a16:creationId xmlns:a16="http://schemas.microsoft.com/office/drawing/2014/main" id="{53606D23-0D3B-4F9D-9A51-351B90D19E25}"/>
+              </a:ext>
+            </a:extLst>
+          </p:cNvPr>
+          <p:cNvSpPr>
+            <a:spLocks noGrp="1"/>
+          </p:cNvSpPr>
+          <p:nvPr>
+            <p:ph type="title"/>
+          </p:nvPr>
+        </p:nvSpPr>
+        <p:spPr>
+          <a:xfrm>
+            <a:off x="2231136" y="666309"/>
+            <a:ext cx="7729728" cy="1188720"/>
+          </a:xfrm>
+        </p:spPr>
+        <p:txBody>
+          <a:bodyPr/>
+          <a:lstStyle/>
+          <a:p>
+            <a:r>
+              <a:rPr lang="en-US" dirty="0"/>
+              <a:t>Convex chain intersection and common tangent (</a:t>
+            </a:r>
+            <a:r>
+              <a:rPr lang="en-US" dirty="0" err="1"/>
+              <a:t>cont</a:t>
+            </a:r>
+            <a:r>
+              <a:rPr lang="en-US" dirty="0"/>
+              <a:t>’) </a:t>
+            </a:r>
+          </a:p>
+        </p:txBody>
+      </p:sp>
+      <p:sp>
+        <p:nvSpPr>
+          <p:cNvPr id="3" name="Content Placeholder 2">
+            <a:extLst>
+              <a:ext uri="{FF2B5EF4-FFF2-40B4-BE49-F238E27FC236}">
+                <a16:creationId xmlns:a16="http://schemas.microsoft.com/office/drawing/2014/main" id="{7AC8C01E-0551-420B-A3DD-B81157CBEB89}"/>
+              </a:ext>
+            </a:extLst>
+          </p:cNvPr>
+          <p:cNvSpPr>
+            <a:spLocks noGrp="1"/>
+          </p:cNvSpPr>
+          <p:nvPr>
+            <p:ph idx="1"/>
+          </p:nvPr>
+        </p:nvSpPr>
+        <p:spPr>
+          <a:xfrm>
+            <a:off x="2231136" y="2234211"/>
+            <a:ext cx="7729728" cy="3445122"/>
+          </a:xfrm>
+        </p:spPr>
+        <p:txBody>
+          <a:bodyPr>
+            <a:normAutofit/>
+          </a:bodyPr>
+          <a:lstStyle/>
+          <a:p>
+            <a:r>
+              <a:rPr lang="en-US" dirty="0"/>
+              <a:t>Lemma 4</a:t>
+            </a:r>
+            <a:r>
+              <a:rPr lang="he-IL" dirty="0"/>
+              <a:t>- יש בסה"כ מקסימום </a:t>
+            </a:r>
+            <a:r>
+              <a:rPr lang="en-US" dirty="0"/>
+              <a:t>n(k+1)</a:t>
+            </a:r>
+            <a:r>
+              <a:rPr lang="he-IL" dirty="0"/>
+              <a:t> משיקים משותפים</a:t>
+            </a:r>
+          </a:p>
+          <a:p>
+            <a:r>
+              <a:rPr lang="he-IL" dirty="0"/>
+              <a:t>הוכחה:</a:t>
+            </a:r>
+          </a:p>
+          <a:p>
+            <a:pPr lvl="1"/>
+            <a:r>
+              <a:rPr lang="he-IL" dirty="0"/>
+              <a:t>כל נקודה </a:t>
+            </a:r>
+            <a:r>
+              <a:rPr lang="en-US" dirty="0"/>
+              <a:t>p</a:t>
+            </a:r>
+            <a:r>
+              <a:rPr lang="he-IL" dirty="0"/>
+              <a:t> ב</a:t>
+            </a:r>
+            <a:r>
+              <a:rPr lang="en-US" dirty="0" err="1"/>
+              <a:t>Gk</a:t>
+            </a:r>
+            <a:r>
+              <a:rPr lang="he-IL" dirty="0"/>
+              <a:t> יכולה לשמש במקסימום פעם אחת בתור הנקודה השמאלית ביותר של כל משיק משותף לכל </a:t>
+            </a:r>
+            <a:r>
+              <a:rPr lang="en-US" dirty="0"/>
+              <a:t>convex chain</a:t>
+            </a:r>
+            <a:r>
+              <a:rPr lang="he-IL" dirty="0"/>
+              <a:t> שלא מכיל את </a:t>
+            </a:r>
+            <a:r>
+              <a:rPr lang="en-US" dirty="0"/>
+              <a:t>p</a:t>
+            </a:r>
+          </a:p>
+          <a:p>
+            <a:pPr lvl="1"/>
+            <a:r>
+              <a:rPr lang="he-IL" dirty="0"/>
+              <a:t>בגלל שיש </a:t>
+            </a:r>
+            <a:r>
+              <a:rPr lang="en-US" dirty="0"/>
+              <a:t>n</a:t>
+            </a:r>
+            <a:r>
+              <a:rPr lang="he-IL" dirty="0"/>
+              <a:t> נקודות ו</a:t>
+            </a:r>
+            <a:r>
+              <a:rPr lang="en-US" dirty="0"/>
+              <a:t>k+1</a:t>
+            </a:r>
+            <a:r>
+              <a:rPr lang="he-IL" dirty="0"/>
+              <a:t> </a:t>
+            </a:r>
+            <a:r>
+              <a:rPr lang="en-US" dirty="0"/>
+              <a:t>convex chains</a:t>
+            </a:r>
+            <a:r>
+              <a:rPr lang="he-IL" dirty="0"/>
+              <a:t> לפי למה 2 הטענה מתקיימת </a:t>
+            </a:r>
+          </a:p>
+        </p:txBody>
+      </p:sp>
+    </p:spTree>
+    <p:extLst>
+      <p:ext uri="{BB962C8B-B14F-4D97-AF65-F5344CB8AC3E}">
+        <p14:creationId xmlns:p14="http://schemas.microsoft.com/office/powerpoint/2010/main" val="4230362361"/>
+      </p:ext>
+    </p:extLst>
+  </p:cSld>
+  <p:clrMapOvr>
+    <a:masterClrMapping/>
+  </p:clrMapOvr>
+</p:sld>
+</file>
+
 <file path=ppt/slides/slide2.xml><?xml version="1.0" encoding="utf-8"?>
 <p:sld xmlns:a="http://schemas.openxmlformats.org/drawingml/2006/main" xmlns:r="http://schemas.openxmlformats.org/officeDocument/2006/relationships" xmlns:p="http://schemas.openxmlformats.org/presentationml/2006/main">
   <p:cSld>
@@ -4016,6 +6275,265 @@
     <p:extLst>
       <p:ext uri="{BB962C8B-B14F-4D97-AF65-F5344CB8AC3E}">
         <p14:creationId xmlns:p14="http://schemas.microsoft.com/office/powerpoint/2010/main" val="2976200407"/>
+      </p:ext>
+    </p:extLst>
+  </p:cSld>
+  <p:clrMapOvr>
+    <a:masterClrMapping/>
+  </p:clrMapOvr>
+</p:sld>
+</file>
+
+<file path=ppt/slides/slide20.xml><?xml version="1.0" encoding="utf-8"?>
+<p:sld xmlns:a="http://schemas.openxmlformats.org/drawingml/2006/main" xmlns:r="http://schemas.openxmlformats.org/officeDocument/2006/relationships" xmlns:p="http://schemas.openxmlformats.org/presentationml/2006/main">
+  <p:cSld>
+    <p:spTree>
+      <p:nvGrpSpPr>
+        <p:cNvPr id="1" name=""/>
+        <p:cNvGrpSpPr/>
+        <p:nvPr/>
+      </p:nvGrpSpPr>
+      <p:grpSpPr>
+        <a:xfrm>
+          <a:off x="0" y="0"/>
+          <a:ext cx="0" cy="0"/>
+          <a:chOff x="0" y="0"/>
+          <a:chExt cx="0" cy="0"/>
+        </a:xfrm>
+      </p:grpSpPr>
+      <p:sp>
+        <p:nvSpPr>
+          <p:cNvPr id="2" name="Title 1">
+            <a:extLst>
+              <a:ext uri="{FF2B5EF4-FFF2-40B4-BE49-F238E27FC236}">
+                <a16:creationId xmlns:a16="http://schemas.microsoft.com/office/drawing/2014/main" id="{65844BFE-89C4-465C-9CBA-37DD078B291A}"/>
+              </a:ext>
+            </a:extLst>
+          </p:cNvPr>
+          <p:cNvSpPr>
+            <a:spLocks noGrp="1"/>
+          </p:cNvSpPr>
+          <p:nvPr>
+            <p:ph type="title"/>
+          </p:nvPr>
+        </p:nvSpPr>
+        <p:spPr/>
+        <p:txBody>
+          <a:bodyPr/>
+          <a:lstStyle/>
+          <a:p>
+            <a:r>
+              <a:rPr lang="he-IL" dirty="0"/>
+              <a:t>הוכחת החסם</a:t>
+            </a:r>
+            <a:endParaRPr lang="en-US" dirty="0"/>
+          </a:p>
+        </p:txBody>
+      </p:sp>
+      <p:sp>
+        <p:nvSpPr>
+          <p:cNvPr id="3" name="Content Placeholder 2">
+            <a:extLst>
+              <a:ext uri="{FF2B5EF4-FFF2-40B4-BE49-F238E27FC236}">
+                <a16:creationId xmlns:a16="http://schemas.microsoft.com/office/drawing/2014/main" id="{017FA2CC-9597-4B51-9C2D-9A714491F2E9}"/>
+              </a:ext>
+            </a:extLst>
+          </p:cNvPr>
+          <p:cNvSpPr>
+            <a:spLocks noGrp="1"/>
+          </p:cNvSpPr>
+          <p:nvPr>
+            <p:ph idx="1"/>
+          </p:nvPr>
+        </p:nvSpPr>
+        <p:spPr/>
+        <p:txBody>
+          <a:bodyPr>
+            <a:normAutofit fontScale="92500" lnSpcReduction="10000"/>
+          </a:bodyPr>
+          <a:lstStyle/>
+          <a:p>
+            <a:r>
+              <a:rPr lang="he-IL" dirty="0"/>
+              <a:t>משפט- מספר ה</a:t>
+            </a:r>
+            <a:r>
+              <a:rPr lang="en-US" dirty="0"/>
+              <a:t>(k+1) sets</a:t>
+            </a:r>
+            <a:r>
+              <a:rPr lang="he-IL" dirty="0"/>
+              <a:t> שאפשר לבנות עם </a:t>
+            </a:r>
+            <a:r>
+              <a:rPr lang="en-US" dirty="0"/>
+              <a:t>n</a:t>
+            </a:r>
+            <a:r>
+              <a:rPr lang="he-IL" dirty="0"/>
+              <a:t> נקודות הוא לכל היותר </a:t>
+            </a:r>
+            <a:r>
+              <a:rPr lang="en-US" dirty="0"/>
+              <a:t>6.48n(k+2)^1/3</a:t>
+            </a:r>
+          </a:p>
+          <a:p>
+            <a:r>
+              <a:rPr lang="he-IL" dirty="0"/>
+              <a:t>הוכחה:</a:t>
+            </a:r>
+          </a:p>
+          <a:p>
+            <a:pPr lvl="1"/>
+            <a:r>
+              <a:rPr lang="he-IL" dirty="0"/>
+              <a:t>כל חיתוך של 2 צלעות ב</a:t>
+            </a:r>
+            <a:r>
+              <a:rPr lang="en-US" dirty="0" err="1"/>
+              <a:t>Ek</a:t>
+            </a:r>
+            <a:r>
+              <a:rPr lang="he-IL" dirty="0"/>
+              <a:t> מופיע כחיתוך של 2 ה</a:t>
+            </a:r>
+            <a:r>
+              <a:rPr lang="en-US" dirty="0"/>
+              <a:t>convex chains</a:t>
+            </a:r>
+            <a:r>
+              <a:rPr lang="he-IL" dirty="0"/>
+              <a:t> המכילים את צלעות אלו ולפי למה 3 ולמה 4 מספר החיתוכים הוא לכל היותר </a:t>
+            </a:r>
+            <a:r>
+              <a:rPr lang="en-US" dirty="0"/>
+              <a:t>n(k+1)</a:t>
+            </a:r>
+          </a:p>
+          <a:p>
+            <a:pPr lvl="1"/>
+            <a:r>
+              <a:rPr lang="he-IL" dirty="0"/>
+              <a:t>נסמן </a:t>
+            </a:r>
+            <a:r>
+              <a:rPr lang="en-US" dirty="0"/>
+              <a:t>t=|</a:t>
+            </a:r>
+            <a:r>
+              <a:rPr lang="en-US" dirty="0" err="1"/>
+              <a:t>Ek</a:t>
+            </a:r>
+            <a:r>
+              <a:rPr lang="en-US" dirty="0"/>
+              <a:t>|</a:t>
+            </a:r>
+            <a:endParaRPr lang="he-IL" dirty="0"/>
+          </a:p>
+          <a:p>
+            <a:pPr lvl="1"/>
+            <a:r>
+              <a:rPr lang="he-IL" dirty="0"/>
+              <a:t>החסם התחתון הידוע הטוב ביותר לכמות החיתוכים של צלעות ב</a:t>
+            </a:r>
+            <a:r>
+              <a:rPr lang="en-US" dirty="0" err="1"/>
+              <a:t>Ek</a:t>
+            </a:r>
+            <a:r>
+              <a:rPr lang="he-IL" dirty="0"/>
+              <a:t> שמתאים לכל </a:t>
+            </a:r>
+            <a:r>
+              <a:rPr lang="en-US" dirty="0"/>
+              <a:t>t</a:t>
+            </a:r>
+            <a:r>
+              <a:rPr lang="he-IL" dirty="0"/>
+              <a:t> נמצא על ידי </a:t>
+            </a:r>
+            <a:r>
+              <a:rPr lang="en-US" dirty="0" err="1"/>
+              <a:t>Pach</a:t>
+            </a:r>
+            <a:r>
+              <a:rPr lang="en-US" dirty="0"/>
+              <a:t> and </a:t>
+            </a:r>
+            <a:r>
+              <a:rPr lang="en-US" dirty="0" err="1"/>
+              <a:t>To’th</a:t>
+            </a:r>
+            <a:r>
+              <a:rPr lang="he-IL" dirty="0"/>
+              <a:t> והוא </a:t>
+            </a:r>
+            <a:r>
+              <a:rPr lang="en-US" dirty="0"/>
+              <a:t>(1/33.75)t^3/n^2</a:t>
+            </a:r>
+          </a:p>
+          <a:p>
+            <a:pPr lvl="1"/>
+            <a:r>
+              <a:rPr lang="he-IL" dirty="0"/>
+              <a:t>ניצור את האי שיוויון הבא: </a:t>
+            </a:r>
+            <a:r>
+              <a:rPr lang="en-US" dirty="0"/>
+              <a:t>(1/33.75)t^3/n^2 &lt; n(k+1)</a:t>
+            </a:r>
+            <a:r>
+              <a:rPr lang="he-IL" dirty="0"/>
+              <a:t> ובעזרת אלגברה פשוטה נחסום את </a:t>
+            </a:r>
+            <a:r>
+              <a:rPr lang="en-US" dirty="0"/>
+              <a:t>t </a:t>
+            </a:r>
+          </a:p>
+          <a:p>
+            <a:pPr lvl="1"/>
+            <a:r>
+              <a:rPr lang="he-IL" dirty="0"/>
+              <a:t>נקבל </a:t>
+            </a:r>
+            <a:r>
+              <a:rPr lang="en-US" dirty="0"/>
+              <a:t>t &lt; 3.24n(k+2)^1/3</a:t>
+            </a:r>
+          </a:p>
+          <a:p>
+            <a:pPr lvl="1"/>
+            <a:r>
+              <a:rPr lang="he-IL" dirty="0"/>
+              <a:t>ידוע שמספר ה</a:t>
+            </a:r>
+            <a:r>
+              <a:rPr lang="en-US" dirty="0"/>
+              <a:t>(k+1) sets</a:t>
+            </a:r>
+            <a:r>
+              <a:rPr lang="he-IL" dirty="0"/>
+              <a:t> קטן מ</a:t>
+            </a:r>
+            <a:r>
+              <a:rPr lang="en-US" dirty="0"/>
+              <a:t>2t</a:t>
+            </a:r>
+            <a:r>
+              <a:rPr lang="he-IL" dirty="0"/>
+              <a:t> במקרה הגרוע ביותר, לכן החסם מתקיים</a:t>
+            </a:r>
+            <a:endParaRPr lang="en-US" dirty="0"/>
+          </a:p>
+        </p:txBody>
+      </p:sp>
+    </p:spTree>
+    <p:extLst>
+      <p:ext uri="{BB962C8B-B14F-4D97-AF65-F5344CB8AC3E}">
+        <p14:creationId xmlns:p14="http://schemas.microsoft.com/office/powerpoint/2010/main" val="2236736"/>
       </p:ext>
     </p:extLst>
   </p:cSld>

--- a/first part/Improved bounds for planar k-sets.pptx
+++ b/first part/Improved bounds for planar k-sets.pptx
@@ -13,18 +13,23 @@
     <p:sldId id="261" r:id="rId7"/>
     <p:sldId id="263" r:id="rId8"/>
     <p:sldId id="264" r:id="rId9"/>
-    <p:sldId id="265" r:id="rId10"/>
-    <p:sldId id="262" r:id="rId11"/>
-    <p:sldId id="266" r:id="rId12"/>
-    <p:sldId id="267" r:id="rId13"/>
-    <p:sldId id="268" r:id="rId14"/>
-    <p:sldId id="269" r:id="rId15"/>
-    <p:sldId id="270" r:id="rId16"/>
-    <p:sldId id="271" r:id="rId17"/>
-    <p:sldId id="272" r:id="rId18"/>
-    <p:sldId id="273" r:id="rId19"/>
-    <p:sldId id="275" r:id="rId20"/>
-    <p:sldId id="274" r:id="rId21"/>
+    <p:sldId id="276" r:id="rId10"/>
+    <p:sldId id="277" r:id="rId11"/>
+    <p:sldId id="265" r:id="rId12"/>
+    <p:sldId id="278" r:id="rId13"/>
+    <p:sldId id="279" r:id="rId14"/>
+    <p:sldId id="280" r:id="rId15"/>
+    <p:sldId id="262" r:id="rId16"/>
+    <p:sldId id="266" r:id="rId17"/>
+    <p:sldId id="267" r:id="rId18"/>
+    <p:sldId id="268" r:id="rId19"/>
+    <p:sldId id="269" r:id="rId20"/>
+    <p:sldId id="270" r:id="rId21"/>
+    <p:sldId id="271" r:id="rId22"/>
+    <p:sldId id="272" r:id="rId23"/>
+    <p:sldId id="273" r:id="rId24"/>
+    <p:sldId id="275" r:id="rId25"/>
+    <p:sldId id="274" r:id="rId26"/>
   </p:sldIdLst>
   <p:sldSz cx="12192000" cy="6858000"/>
   <p:notesSz cx="6858000" cy="9144000"/>
@@ -294,7 +299,7 @@
           <a:p>
             <a:fld id="{1160EA64-D806-43AC-9DF2-F8C432F32B4C}" type="datetimeFigureOut">
               <a:rPr lang="en-US" smtClean="0"/>
-              <a:t>5/24/2020</a:t>
+              <a:t>5/25/2020</a:t>
             </a:fld>
             <a:endParaRPr lang="en-US" dirty="0"/>
           </a:p>
@@ -465,7 +470,7 @@
           <a:p>
             <a:fld id="{E9F9C37B-1D36-470B-8223-D6C91242EC14}" type="datetimeFigureOut">
               <a:rPr lang="en-US" smtClean="0"/>
-              <a:t>5/24/2020</a:t>
+              <a:t>5/25/2020</a:t>
             </a:fld>
             <a:endParaRPr lang="en-US" dirty="0"/>
           </a:p>
@@ -645,7 +650,7 @@
           <a:p>
             <a:fld id="{67C6F52A-A82B-47A2-A83A-8C4C91F2D59F}" type="datetimeFigureOut">
               <a:rPr lang="en-US" smtClean="0"/>
-              <a:t>5/24/2020</a:t>
+              <a:t>5/25/2020</a:t>
             </a:fld>
             <a:endParaRPr lang="en-US" dirty="0"/>
           </a:p>
@@ -815,7 +820,7 @@
           <a:p>
             <a:fld id="{F070A7B3-6521-4DCA-87E5-044747A908C1}" type="datetimeFigureOut">
               <a:rPr lang="en-US" smtClean="0"/>
-              <a:t>5/24/2020</a:t>
+              <a:t>5/25/2020</a:t>
             </a:fld>
             <a:endParaRPr lang="en-US" dirty="0"/>
           </a:p>
@@ -1084,7 +1089,7 @@
           <a:p>
             <a:fld id="{1160EA64-D806-43AC-9DF2-F8C432F32B4C}" type="datetimeFigureOut">
               <a:rPr lang="en-US" smtClean="0"/>
-              <a:t>5/24/2020</a:t>
+              <a:t>5/25/2020</a:t>
             </a:fld>
             <a:endParaRPr lang="en-US" dirty="0"/>
           </a:p>
@@ -1317,7 +1322,7 @@
           <a:p>
             <a:fld id="{AB134690-1557-4C89-A502-4959FE7FAD70}" type="datetimeFigureOut">
               <a:rPr lang="en-US" smtClean="0"/>
-              <a:t>5/24/2020</a:t>
+              <a:t>5/25/2020</a:t>
             </a:fld>
             <a:endParaRPr lang="en-US" dirty="0"/>
           </a:p>
@@ -1676,7 +1681,7 @@
           <a:p>
             <a:fld id="{4F7D4976-E339-4826-83B7-FBD03F55ECF8}" type="datetimeFigureOut">
               <a:rPr lang="en-US" smtClean="0"/>
-              <a:t>5/24/2020</a:t>
+              <a:t>5/25/2020</a:t>
             </a:fld>
             <a:endParaRPr lang="en-US" dirty="0"/>
           </a:p>
@@ -1817,7 +1822,7 @@
           <a:p>
             <a:fld id="{E1037C31-9E7A-4F99-8774-A0E530DE1A42}" type="datetimeFigureOut">
               <a:rPr lang="en-US" smtClean="0"/>
-              <a:t>5/24/2020</a:t>
+              <a:t>5/25/2020</a:t>
             </a:fld>
             <a:endParaRPr lang="en-US" dirty="0"/>
           </a:p>
@@ -1912,7 +1917,7 @@
           <a:p>
             <a:fld id="{C278504F-A551-4DE0-9316-4DCD1D8CC752}" type="datetimeFigureOut">
               <a:rPr lang="en-US" smtClean="0"/>
-              <a:t>5/24/2020</a:t>
+              <a:t>5/25/2020</a:t>
             </a:fld>
             <a:endParaRPr lang="en-US" dirty="0"/>
           </a:p>
@@ -2269,7 +2274,7 @@
           <a:p>
             <a:fld id="{D1BE4249-C0D0-4B06-8692-E8BB871AF643}" type="datetimeFigureOut">
               <a:rPr lang="en-US" smtClean="0"/>
-              <a:t>5/24/2020</a:t>
+              <a:t>5/25/2020</a:t>
             </a:fld>
             <a:endParaRPr lang="en-US" dirty="0"/>
           </a:p>
@@ -2626,7 +2631,7 @@
           <a:p>
             <a:fld id="{042B0DB6-F5C7-45FB-8CF3-31B45F9C2DAC}" type="datetimeFigureOut">
               <a:rPr lang="en-US" smtClean="0"/>
-              <a:t>5/24/2020</a:t>
+              <a:t>5/25/2020</a:t>
             </a:fld>
             <a:endParaRPr lang="en-US" dirty="0"/>
           </a:p>
@@ -2868,7 +2873,7 @@
           <a:p>
             <a:fld id="{1160EA64-D806-43AC-9DF2-F8C432F32B4C}" type="datetimeFigureOut">
               <a:rPr lang="en-US" smtClean="0"/>
-              <a:t>5/24/2020</a:t>
+              <a:t>5/25/2020</a:t>
             </a:fld>
             <a:endParaRPr lang="en-US" dirty="0"/>
           </a:p>
@@ -3433,7 +3438,7 @@
           <p:cNvPr id="2" name="Title 1">
             <a:extLst>
               <a:ext uri="{FF2B5EF4-FFF2-40B4-BE49-F238E27FC236}">
-                <a16:creationId xmlns:a16="http://schemas.microsoft.com/office/drawing/2014/main" id="{0ED3C801-6C96-4123-BDB9-1AD8CF3EC460}"/>
+                <a16:creationId xmlns:a16="http://schemas.microsoft.com/office/drawing/2014/main" id="{E318CE65-1778-49C1-9254-133502685D09}"/>
               </a:ext>
             </a:extLst>
           </p:cNvPr>
@@ -3451,345 +3456,233 @@
           <a:p>
             <a:r>
               <a:rPr lang="he-IL" dirty="0"/>
-              <a:t>היסטוריה</a:t>
-            </a:r>
-          </a:p>
-        </p:txBody>
-      </p:sp>
-      <p:sp>
-        <p:nvSpPr>
-          <p:cNvPr id="3" name="Content Placeholder 2">
+              <a:t>דוגמא להפעלת "פונ' דואלית" כזו על           </a:t>
+            </a:r>
+            <a:r>
+              <a:rPr lang="en-US" dirty="0"/>
+              <a:t>K-SET</a:t>
+            </a:r>
+            <a:r>
+              <a:rPr lang="he-IL" dirty="0"/>
+              <a:t>(2)</a:t>
+            </a:r>
+          </a:p>
+        </p:txBody>
+      </p:sp>
+      <p:pic>
+        <p:nvPicPr>
+          <p:cNvPr id="4" name="Picture 3">
             <a:extLst>
               <a:ext uri="{FF2B5EF4-FFF2-40B4-BE49-F238E27FC236}">
-                <a16:creationId xmlns:a16="http://schemas.microsoft.com/office/drawing/2014/main" id="{8DE18717-999B-498B-B6D5-5F0AC39DFDD1}"/>
+                <a16:creationId xmlns:a16="http://schemas.microsoft.com/office/drawing/2014/main" id="{49C6A380-1A76-4B0D-8FDD-FDB142DEFFAB}"/>
               </a:ext>
             </a:extLst>
           </p:cNvPr>
-          <p:cNvSpPr>
-            <a:spLocks noGrp="1"/>
-          </p:cNvSpPr>
-          <p:nvPr>
-            <p:ph idx="1"/>
-          </p:nvPr>
-        </p:nvSpPr>
+          <p:cNvPicPr>
+            <a:picLocks noChangeAspect="1"/>
+          </p:cNvPicPr>
+          <p:nvPr/>
+        </p:nvPicPr>
+        <p:blipFill>
+          <a:blip r:embed="rId2"/>
+          <a:stretch>
+            <a:fillRect/>
+          </a:stretch>
+        </p:blipFill>
         <p:spPr>
           <a:xfrm>
-            <a:off x="2231136" y="2319262"/>
-            <a:ext cx="7729728" cy="3930536"/>
+            <a:off x="7799008" y="3118668"/>
+            <a:ext cx="3949119" cy="3384959"/>
           </a:xfrm>
+          <a:prstGeom prst="rect">
+            <a:avLst/>
+          </a:prstGeom>
         </p:spPr>
-        <p:txBody>
-          <a:bodyPr>
-            <a:normAutofit lnSpcReduction="10000"/>
+      </p:pic>
+      <p:sp>
+        <p:nvSpPr>
+          <p:cNvPr id="5" name="TextBox 4">
+            <a:extLst>
+              <a:ext uri="{FF2B5EF4-FFF2-40B4-BE49-F238E27FC236}">
+                <a16:creationId xmlns:a16="http://schemas.microsoft.com/office/drawing/2014/main" id="{68A03B07-0E6B-41D2-981D-D96572AB9EF4}"/>
+              </a:ext>
+            </a:extLst>
+          </p:cNvPr>
+          <p:cNvSpPr txBox="1"/>
+          <p:nvPr/>
+        </p:nvSpPr>
+        <p:spPr>
+          <a:xfrm>
+            <a:off x="7513973" y="2451374"/>
+            <a:ext cx="4519187" cy="369332"/>
+          </a:xfrm>
+          <a:prstGeom prst="rect">
+            <a:avLst/>
+          </a:prstGeom>
+          <a:noFill/>
+        </p:spPr>
+        <p:txBody>
+          <a:bodyPr wrap="none" rtlCol="1">
+            <a:spAutoFit/>
           </a:bodyPr>
           <a:lstStyle/>
           <a:p>
-            <a:r>
-              <a:rPr lang="he-IL" dirty="0"/>
-              <a:t>החסם הראשון שאי פעם הוצע לבעיה הוצע על ידי </a:t>
-            </a:r>
-            <a:r>
-              <a:rPr lang="en-US" dirty="0"/>
-              <a:t>László </a:t>
-            </a:r>
-            <a:r>
-              <a:rPr lang="en-US" dirty="0" err="1"/>
-              <a:t>Lovász</a:t>
-            </a:r>
-            <a:r>
-              <a:rPr lang="he-IL" dirty="0"/>
-              <a:t> (מתמטיקאי הונגרי זוכה פרס וולף) ב-1971, בפועל החסם נקבע עבור בעיה שהוכח בהמשך שכל חסם עליה שווה גם לחסם של </a:t>
-            </a:r>
-            <a:r>
-              <a:rPr lang="en-US" dirty="0"/>
-              <a:t>k-sets</a:t>
-            </a:r>
-            <a:r>
-              <a:rPr lang="he-IL" dirty="0"/>
-              <a:t> והיא </a:t>
-            </a:r>
-            <a:r>
-              <a:rPr lang="en-US" dirty="0"/>
-              <a:t>halving lines</a:t>
-            </a:r>
-            <a:r>
-              <a:rPr lang="he-IL" dirty="0"/>
-              <a:t> (עוד על בעיות קשורות בהמשך)</a:t>
-            </a:r>
-          </a:p>
-          <a:p>
-            <a:r>
-              <a:rPr lang="he-IL" dirty="0"/>
-              <a:t>הגדרה: עבור קבוצה </a:t>
-            </a:r>
-            <a:r>
-              <a:rPr lang="en-US" dirty="0"/>
-              <a:t>S</a:t>
-            </a:r>
-            <a:r>
-              <a:rPr lang="he-IL" dirty="0"/>
-              <a:t> בגודל </a:t>
-            </a:r>
-            <a:r>
-              <a:rPr lang="en-US" dirty="0"/>
-              <a:t>n</a:t>
-            </a:r>
-            <a:r>
-              <a:rPr lang="he-IL" dirty="0"/>
-              <a:t> של נקודות במישור </a:t>
-            </a:r>
-            <a:r>
-              <a:rPr lang="en-US" dirty="0"/>
-              <a:t>halving line</a:t>
-            </a:r>
-            <a:r>
-              <a:rPr lang="he-IL" dirty="0"/>
-              <a:t> הוא קטע שעובר בין שני נקודות של </a:t>
-            </a:r>
-            <a:r>
-              <a:rPr lang="en-US" dirty="0"/>
-              <a:t>S</a:t>
-            </a:r>
-            <a:r>
-              <a:rPr lang="he-IL" dirty="0"/>
-              <a:t> ומחלק את קבוצה </a:t>
-            </a:r>
-            <a:r>
-              <a:rPr lang="en-US" dirty="0"/>
-              <a:t>S</a:t>
-            </a:r>
-            <a:r>
-              <a:rPr lang="he-IL" dirty="0"/>
-              <a:t> לשני חלקים שווים.</a:t>
-            </a:r>
-          </a:p>
-          <a:p>
-            <a:r>
-              <a:rPr lang="he-IL" i="1" dirty="0"/>
-              <a:t>כמות </a:t>
-            </a:r>
-            <a:r>
-              <a:rPr lang="en-US" i="1" dirty="0"/>
-              <a:t>halving lines</a:t>
-            </a:r>
-            <a:r>
-              <a:rPr lang="he-IL" i="1" dirty="0"/>
-              <a:t> מקסימלית בקבוצה בגודל </a:t>
-            </a:r>
-            <a:r>
-              <a:rPr lang="en-US" i="1" dirty="0"/>
-              <a:t>n</a:t>
-            </a:r>
-            <a:r>
-              <a:rPr lang="he-IL" i="1" dirty="0"/>
-              <a:t>: </a:t>
-            </a:r>
-            <a:r>
-              <a:rPr lang="en-US" i="1" dirty="0"/>
-              <a:t>O(n</a:t>
-            </a:r>
-            <a:r>
-              <a:rPr lang="en-US" i="1" baseline="30000" dirty="0"/>
-              <a:t>3/2</a:t>
-            </a:r>
-            <a:r>
-              <a:rPr lang="en-US" i="1" dirty="0"/>
-              <a:t>)</a:t>
-            </a:r>
-          </a:p>
-          <a:p>
-            <a:r>
-              <a:rPr lang="he-IL" i="1" dirty="0"/>
-              <a:t>מאוחר יותר, ב1973 </a:t>
-            </a:r>
-            <a:r>
-              <a:rPr lang="en-US" dirty="0"/>
-              <a:t> </a:t>
-            </a:r>
-            <a:r>
-              <a:rPr lang="en-US" dirty="0" err="1"/>
-              <a:t>Erdõs</a:t>
-            </a:r>
-            <a:r>
-              <a:rPr lang="en-US" dirty="0"/>
-              <a:t>, </a:t>
-            </a:r>
-            <a:r>
-              <a:rPr lang="en-US" dirty="0" err="1"/>
-              <a:t>Lovász</a:t>
-            </a:r>
-            <a:r>
-              <a:rPr lang="en-US" dirty="0"/>
-              <a:t>, Simmons</a:t>
-            </a:r>
-            <a:r>
-              <a:rPr lang="he-IL" dirty="0"/>
-              <a:t> ו-</a:t>
-            </a:r>
-            <a:r>
-              <a:rPr lang="en-US" dirty="0"/>
-              <a:t> Strauss </a:t>
-            </a:r>
-            <a:r>
-              <a:rPr lang="he-IL" dirty="0"/>
-              <a:t> שיפרו את החסם עבור </a:t>
-            </a:r>
-            <a:r>
-              <a:rPr lang="en-US" dirty="0"/>
-              <a:t>k-sets</a:t>
-            </a:r>
-            <a:r>
-              <a:rPr lang="he-IL" dirty="0"/>
-              <a:t> לכל מספר </a:t>
-            </a:r>
-            <a:r>
-              <a:rPr lang="en-US" dirty="0"/>
-              <a:t>k</a:t>
-            </a:r>
-            <a:r>
-              <a:rPr lang="he-IL" dirty="0"/>
-              <a:t> ולכל </a:t>
-            </a:r>
-            <a:r>
-              <a:rPr lang="en-US" dirty="0"/>
-              <a:t>n</a:t>
-            </a:r>
-            <a:r>
-              <a:rPr lang="he-IL" dirty="0"/>
-              <a:t> להיות - </a:t>
-            </a:r>
-            <a:r>
-              <a:rPr lang="en-US" i="1" dirty="0"/>
-              <a:t>O(n k</a:t>
-            </a:r>
-            <a:r>
-              <a:rPr lang="en-US" i="1" baseline="30000" dirty="0"/>
-              <a:t>1/2</a:t>
-            </a:r>
-            <a:r>
-              <a:rPr lang="en-US" i="1" dirty="0"/>
-              <a:t>)</a:t>
-            </a:r>
-            <a:r>
-              <a:rPr lang="he-IL" i="1" dirty="0"/>
-              <a:t> – חסם הדוק יותר.</a:t>
-            </a:r>
-          </a:p>
-          <a:p>
-            <a:r>
-              <a:rPr lang="he-IL" i="1" dirty="0"/>
-              <a:t>החסם הנ"ל לא שופר עד 1989 – בה </a:t>
-            </a:r>
-            <a:r>
-              <a:rPr lang="en-US" dirty="0"/>
-              <a:t> </a:t>
-            </a:r>
-            <a:r>
-              <a:rPr lang="en-US" dirty="0" err="1"/>
-              <a:t>Pach</a:t>
-            </a:r>
-            <a:r>
-              <a:rPr lang="en-US" dirty="0"/>
-              <a:t>, </a:t>
-            </a:r>
-            <a:r>
-              <a:rPr lang="en-US" dirty="0" err="1"/>
-              <a:t>Steiger</a:t>
-            </a:r>
-            <a:r>
-              <a:rPr lang="he-IL" dirty="0"/>
-              <a:t> ו-</a:t>
-            </a:r>
-            <a:r>
-              <a:rPr lang="en-US" dirty="0"/>
-              <a:t> </a:t>
-            </a:r>
-            <a:r>
-              <a:rPr lang="en-US" dirty="0" err="1"/>
-              <a:t>Szemerédi</a:t>
-            </a:r>
-            <a:r>
-              <a:rPr lang="en-US" dirty="0"/>
-              <a:t> </a:t>
-            </a:r>
-            <a:r>
-              <a:rPr lang="he-IL" i="1" dirty="0"/>
-              <a:t> הצליחו להדק אותו ל-</a:t>
-            </a:r>
-            <a:r>
-              <a:rPr lang="pt-BR" i="1" dirty="0"/>
-              <a:t> O(n k</a:t>
-            </a:r>
-            <a:r>
-              <a:rPr lang="pt-BR" i="1" baseline="30000" dirty="0"/>
-              <a:t>1/2</a:t>
-            </a:r>
-            <a:r>
-              <a:rPr lang="pt-BR" i="1" dirty="0"/>
-              <a:t> / log</a:t>
-            </a:r>
-            <a:r>
-              <a:rPr lang="pt-BR" i="1" baseline="30000" dirty="0"/>
-              <a:t>*</a:t>
-            </a:r>
-            <a:r>
-              <a:rPr lang="pt-BR" i="1" dirty="0"/>
-              <a:t>n)</a:t>
-            </a:r>
-            <a:r>
-              <a:rPr lang="he-IL" i="1" dirty="0"/>
-              <a:t> – לא שיפור גדול כ"כ ביחס ל16 שנים</a:t>
-            </a:r>
-          </a:p>
-          <a:p>
-            <a:r>
-              <a:rPr lang="he-IL" i="1" dirty="0"/>
-              <a:t>המאמר שלנו מדבר על החסם הטוב ביותר שקיים עד היום </a:t>
-            </a:r>
-            <a:r>
-              <a:rPr lang="en-US" i="1" dirty="0"/>
-              <a:t>O</a:t>
-            </a:r>
-            <a:r>
-              <a:rPr lang="en-US" dirty="0"/>
-              <a:t>(</a:t>
-            </a:r>
-            <a:r>
-              <a:rPr lang="en-US" i="1" dirty="0"/>
-              <a:t>nk</a:t>
-            </a:r>
-            <a:r>
-              <a:rPr lang="en-US" baseline="30000" dirty="0"/>
-              <a:t>1/3</a:t>
-            </a:r>
-            <a:r>
-              <a:rPr lang="en-US" dirty="0"/>
-              <a:t>)</a:t>
-            </a:r>
-            <a:r>
-              <a:rPr lang="he-IL" dirty="0"/>
-              <a:t>- הוכח בשנת 1998 ע"י </a:t>
-            </a:r>
-            <a:r>
-              <a:rPr lang="en-US" b="1" dirty="0" err="1"/>
-              <a:t>Tamal</a:t>
-            </a:r>
-            <a:r>
-              <a:rPr lang="en-US" b="1" dirty="0"/>
-              <a:t> Krishna Dey</a:t>
-            </a:r>
-            <a:r>
-              <a:rPr lang="he-IL" b="1" dirty="0"/>
-              <a:t> פרופ' למדעי המחשב באונ' אוהיו.</a:t>
-            </a:r>
-            <a:endParaRPr lang="he-IL" dirty="0"/>
-          </a:p>
-        </p:txBody>
-      </p:sp>
+            <a:pPr algn="r" rtl="1"/>
+            <a:r>
+              <a:rPr lang="he-IL" dirty="0"/>
+              <a:t>עבור ה</a:t>
+            </a:r>
+            <a:r>
+              <a:rPr lang="en-US" dirty="0"/>
+              <a:t>k-set</a:t>
+            </a:r>
+            <a:r>
+              <a:rPr lang="he-IL" dirty="0"/>
+              <a:t> הזה נפעיל את פונ הדואליות - ונקבל</a:t>
+            </a:r>
+          </a:p>
+        </p:txBody>
+      </p:sp>
+      <p:sp>
+        <p:nvSpPr>
+          <p:cNvPr id="6" name="Arrow: Right 5">
+            <a:extLst>
+              <a:ext uri="{FF2B5EF4-FFF2-40B4-BE49-F238E27FC236}">
+                <a16:creationId xmlns:a16="http://schemas.microsoft.com/office/drawing/2014/main" id="{511B7967-1A83-41DA-8036-C8B9FBD623AC}"/>
+              </a:ext>
+            </a:extLst>
+          </p:cNvPr>
+          <p:cNvSpPr/>
+          <p:nvPr/>
+        </p:nvSpPr>
+        <p:spPr>
+          <a:xfrm rot="10800000">
+            <a:off x="5254933" y="4026715"/>
+            <a:ext cx="991499" cy="587230"/>
+          </a:xfrm>
+          <a:prstGeom prst="rightArrow">
+            <a:avLst/>
+          </a:prstGeom>
+        </p:spPr>
+        <p:style>
+          <a:lnRef idx="2">
+            <a:schemeClr val="accent1">
+              <a:shade val="50000"/>
+            </a:schemeClr>
+          </a:lnRef>
+          <a:fillRef idx="1">
+            <a:schemeClr val="accent1"/>
+          </a:fillRef>
+          <a:effectRef idx="0">
+            <a:schemeClr val="accent1"/>
+          </a:effectRef>
+          <a:fontRef idx="minor">
+            <a:schemeClr val="lt1"/>
+          </a:fontRef>
+        </p:style>
+        <p:txBody>
+          <a:bodyPr rtlCol="1" anchor="ctr"/>
+          <a:lstStyle/>
+          <a:p>
+            <a:pPr algn="ctr"/>
+            <a:endParaRPr lang="he-IL"/>
+          </a:p>
+        </p:txBody>
+      </p:sp>
+      <p:pic>
+        <p:nvPicPr>
+          <p:cNvPr id="7" name="Picture 6">
+            <a:extLst>
+              <a:ext uri="{FF2B5EF4-FFF2-40B4-BE49-F238E27FC236}">
+                <a16:creationId xmlns:a16="http://schemas.microsoft.com/office/drawing/2014/main" id="{C65629EF-058F-461D-B1D7-26D462891D6C}"/>
+              </a:ext>
+            </a:extLst>
+          </p:cNvPr>
+          <p:cNvPicPr>
+            <a:picLocks noChangeAspect="1"/>
+          </p:cNvPicPr>
+          <p:nvPr/>
+        </p:nvPicPr>
+        <p:blipFill>
+          <a:blip r:embed="rId3"/>
+          <a:stretch>
+            <a:fillRect/>
+          </a:stretch>
+        </p:blipFill>
+        <p:spPr>
+          <a:xfrm>
+            <a:off x="6246433" y="3178683"/>
+            <a:ext cx="1552575" cy="2714625"/>
+          </a:xfrm>
+          <a:prstGeom prst="rect">
+            <a:avLst/>
+          </a:prstGeom>
+        </p:spPr>
+      </p:pic>
+      <p:pic>
+        <p:nvPicPr>
+          <p:cNvPr id="8" name="Picture 7">
+            <a:extLst>
+              <a:ext uri="{FF2B5EF4-FFF2-40B4-BE49-F238E27FC236}">
+                <a16:creationId xmlns:a16="http://schemas.microsoft.com/office/drawing/2014/main" id="{FF58BFC3-F105-4F27-B67B-186F624A82F1}"/>
+              </a:ext>
+            </a:extLst>
+          </p:cNvPr>
+          <p:cNvPicPr>
+            <a:picLocks noChangeAspect="1"/>
+          </p:cNvPicPr>
+          <p:nvPr/>
+        </p:nvPicPr>
+        <p:blipFill>
+          <a:blip r:embed="rId4"/>
+          <a:stretch>
+            <a:fillRect/>
+          </a:stretch>
+        </p:blipFill>
+        <p:spPr>
+          <a:xfrm>
+            <a:off x="343607" y="3118668"/>
+            <a:ext cx="4909686" cy="3471785"/>
+          </a:xfrm>
+          <a:prstGeom prst="rect">
+            <a:avLst/>
+          </a:prstGeom>
+        </p:spPr>
+      </p:pic>
+      <p:pic>
+        <p:nvPicPr>
+          <p:cNvPr id="9" name="Picture 8">
+            <a:extLst>
+              <a:ext uri="{FF2B5EF4-FFF2-40B4-BE49-F238E27FC236}">
+                <a16:creationId xmlns:a16="http://schemas.microsoft.com/office/drawing/2014/main" id="{B15A40AD-967D-4F4D-AE6D-E013812E1A5B}"/>
+              </a:ext>
+            </a:extLst>
+          </p:cNvPr>
+          <p:cNvPicPr>
+            <a:picLocks noChangeAspect="1"/>
+          </p:cNvPicPr>
+          <p:nvPr/>
+        </p:nvPicPr>
+        <p:blipFill>
+          <a:blip r:embed="rId5"/>
+          <a:stretch>
+            <a:fillRect/>
+          </a:stretch>
+        </p:blipFill>
+        <p:spPr>
+          <a:xfrm>
+            <a:off x="3880" y="3094707"/>
+            <a:ext cx="1352550" cy="3038475"/>
+          </a:xfrm>
+          <a:prstGeom prst="rect">
+            <a:avLst/>
+          </a:prstGeom>
+        </p:spPr>
+      </p:pic>
     </p:spTree>
     <p:extLst>
       <p:ext uri="{BB962C8B-B14F-4D97-AF65-F5344CB8AC3E}">
-        <p14:creationId xmlns:p14="http://schemas.microsoft.com/office/powerpoint/2010/main" val="1346651604"/>
+        <p14:creationId xmlns:p14="http://schemas.microsoft.com/office/powerpoint/2010/main" val="1274436357"/>
       </p:ext>
     </p:extLst>
   </p:cSld>
@@ -3821,6 +3714,1174 @@
           <p:cNvPr id="2" name="Title 1">
             <a:extLst>
               <a:ext uri="{FF2B5EF4-FFF2-40B4-BE49-F238E27FC236}">
+                <a16:creationId xmlns:a16="http://schemas.microsoft.com/office/drawing/2014/main" id="{3B221E8D-B790-422D-8EF1-9617095647D6}"/>
+              </a:ext>
+            </a:extLst>
+          </p:cNvPr>
+          <p:cNvSpPr>
+            <a:spLocks noGrp="1"/>
+          </p:cNvSpPr>
+          <p:nvPr>
+            <p:ph type="title"/>
+          </p:nvPr>
+        </p:nvSpPr>
+        <p:spPr/>
+        <p:txBody>
+          <a:bodyPr/>
+          <a:lstStyle/>
+          <a:p>
+            <a:r>
+              <a:rPr lang="he-IL" dirty="0"/>
+              <a:t>בעיות קשורות ואפליקציות של </a:t>
+            </a:r>
+            <a:r>
+              <a:rPr lang="en-US" dirty="0"/>
+              <a:t>  K-SETS</a:t>
+            </a:r>
+            <a:endParaRPr lang="he-IL" dirty="0"/>
+          </a:p>
+        </p:txBody>
+      </p:sp>
+      <p:sp>
+        <p:nvSpPr>
+          <p:cNvPr id="3" name="Content Placeholder 2">
+            <a:extLst>
+              <a:ext uri="{FF2B5EF4-FFF2-40B4-BE49-F238E27FC236}">
+                <a16:creationId xmlns:a16="http://schemas.microsoft.com/office/drawing/2014/main" id="{1D1C6748-7F69-4891-83A4-CD2F70205774}"/>
+              </a:ext>
+            </a:extLst>
+          </p:cNvPr>
+          <p:cNvSpPr>
+            <a:spLocks noGrp="1"/>
+          </p:cNvSpPr>
+          <p:nvPr>
+            <p:ph idx="1"/>
+          </p:nvPr>
+        </p:nvSpPr>
+        <p:spPr/>
+        <p:txBody>
+          <a:bodyPr/>
+          <a:lstStyle/>
+          <a:p>
+            <a:r>
+              <a:rPr lang="he-IL" dirty="0"/>
+              <a:t>ע"י שימוש בפונ' ההמרה הדואלית שהראינו בשקף הקודם, נוכל להמיר את בעיית ה</a:t>
+            </a:r>
+            <a:r>
+              <a:rPr lang="en-US" dirty="0"/>
+              <a:t>K-SETS</a:t>
+            </a:r>
+            <a:r>
+              <a:rPr lang="he-IL" dirty="0"/>
+              <a:t> לבעיית ה</a:t>
+            </a:r>
+            <a:r>
+              <a:rPr lang="en-US" dirty="0"/>
+              <a:t>K-LEVELS</a:t>
+            </a:r>
+            <a:endParaRPr lang="he-IL" dirty="0"/>
+          </a:p>
+          <a:p>
+            <a:r>
+              <a:rPr lang="he-IL" u="sng" dirty="0"/>
+              <a:t>(1)הגדרה</a:t>
+            </a:r>
+            <a:r>
+              <a:rPr lang="he-IL" dirty="0"/>
+              <a:t>: </a:t>
+            </a:r>
+            <a:r>
+              <a:rPr lang="en-US" dirty="0"/>
+              <a:t>K-LEVELS</a:t>
+            </a:r>
+            <a:r>
+              <a:rPr lang="he-IL" dirty="0"/>
+              <a:t> הוא ה-</a:t>
+            </a:r>
+            <a:r>
+              <a:rPr lang="he-IL" sz="2400" dirty="0"/>
+              <a:t>סְגוֹר </a:t>
+            </a:r>
+            <a:r>
+              <a:rPr lang="he-IL" dirty="0"/>
+              <a:t>של כל הנקודות שנמצאות על ישרים נתונים שיש להם בדיוק </a:t>
+            </a:r>
+            <a:r>
+              <a:rPr lang="en-US" dirty="0"/>
+              <a:t>K</a:t>
+            </a:r>
+            <a:r>
+              <a:rPr lang="he-IL" dirty="0"/>
+              <a:t> ישרים מתחתיהם</a:t>
+            </a:r>
+          </a:p>
+          <a:p>
+            <a:r>
+              <a:rPr lang="he-IL" u="sng" dirty="0"/>
+              <a:t>(2)הגדרה</a:t>
+            </a:r>
+            <a:r>
+              <a:rPr lang="he-IL" dirty="0"/>
+              <a:t>: סְגוֹר של קבוצה </a:t>
+            </a:r>
+            <a:r>
+              <a:rPr lang="en-US" dirty="0"/>
+              <a:t>S</a:t>
+            </a:r>
+            <a:r>
+              <a:rPr lang="he-IL" dirty="0"/>
+              <a:t> השייכת למרחב </a:t>
+            </a:r>
+            <a:r>
+              <a:rPr lang="en-US" dirty="0"/>
+              <a:t>X</a:t>
+            </a:r>
+            <a:r>
+              <a:rPr lang="he-IL" dirty="0"/>
+              <a:t> (פחות רלוונטי לנו כרגע) – הוא הקבוצה הסגורה הקטנה ביותר המכילה את </a:t>
+            </a:r>
+            <a:r>
+              <a:rPr lang="en-US" dirty="0"/>
+              <a:t>S</a:t>
+            </a:r>
+            <a:r>
+              <a:rPr lang="he-IL" dirty="0"/>
+              <a:t> </a:t>
+            </a:r>
+          </a:p>
+          <a:p>
+            <a:r>
+              <a:rPr lang="he-IL" u="sng" dirty="0"/>
+              <a:t>(3)הגדרה</a:t>
+            </a:r>
+            <a:r>
+              <a:rPr lang="he-IL" dirty="0"/>
+              <a:t>: קבוצה סגורה, היא בגדול קבוצה שכוללת גם את הקצוות שלה – בצורה כללית יותר את "השפה שלה" - הסביבה שלה, למשל [0,1] במישור –</a:t>
+            </a:r>
+            <a:r>
+              <a:rPr lang="en-US" dirty="0"/>
+              <a:t> R^2</a:t>
+            </a:r>
+            <a:endParaRPr lang="he-IL" dirty="0"/>
+          </a:p>
+        </p:txBody>
+      </p:sp>
+    </p:spTree>
+    <p:extLst>
+      <p:ext uri="{BB962C8B-B14F-4D97-AF65-F5344CB8AC3E}">
+        <p14:creationId xmlns:p14="http://schemas.microsoft.com/office/powerpoint/2010/main" val="223484381"/>
+      </p:ext>
+    </p:extLst>
+  </p:cSld>
+  <p:clrMapOvr>
+    <a:masterClrMapping/>
+  </p:clrMapOvr>
+</p:sld>
+</file>
+
+<file path=ppt/slides/slide12.xml><?xml version="1.0" encoding="utf-8"?>
+<p:sld xmlns:a="http://schemas.openxmlformats.org/drawingml/2006/main" xmlns:r="http://schemas.openxmlformats.org/officeDocument/2006/relationships" xmlns:p="http://schemas.openxmlformats.org/presentationml/2006/main">
+  <p:cSld>
+    <p:spTree>
+      <p:nvGrpSpPr>
+        <p:cNvPr id="1" name=""/>
+        <p:cNvGrpSpPr/>
+        <p:nvPr/>
+      </p:nvGrpSpPr>
+      <p:grpSpPr>
+        <a:xfrm>
+          <a:off x="0" y="0"/>
+          <a:ext cx="0" cy="0"/>
+          <a:chOff x="0" y="0"/>
+          <a:chExt cx="0" cy="0"/>
+        </a:xfrm>
+      </p:grpSpPr>
+      <p:sp>
+        <p:nvSpPr>
+          <p:cNvPr id="2" name="Title 1">
+            <a:extLst>
+              <a:ext uri="{FF2B5EF4-FFF2-40B4-BE49-F238E27FC236}">
+                <a16:creationId xmlns:a16="http://schemas.microsoft.com/office/drawing/2014/main" id="{0248CA84-48C3-4DD8-9E67-DDF4F4E24875}"/>
+              </a:ext>
+            </a:extLst>
+          </p:cNvPr>
+          <p:cNvSpPr>
+            <a:spLocks noGrp="1"/>
+          </p:cNvSpPr>
+          <p:nvPr>
+            <p:ph type="title"/>
+          </p:nvPr>
+        </p:nvSpPr>
+        <p:spPr>
+          <a:xfrm>
+            <a:off x="2231136" y="645952"/>
+            <a:ext cx="7729728" cy="1507460"/>
+          </a:xfrm>
+        </p:spPr>
+        <p:txBody>
+          <a:bodyPr>
+            <a:normAutofit fontScale="90000"/>
+          </a:bodyPr>
+          <a:lstStyle/>
+          <a:p>
+            <a:r>
+              <a:rPr lang="he-IL" dirty="0"/>
+              <a:t>בעיות קשורות ואפליקציות של </a:t>
+            </a:r>
+            <a:r>
+              <a:rPr lang="en-US" dirty="0"/>
+              <a:t>  </a:t>
+            </a:r>
+            <a:br>
+              <a:rPr lang="en-US" dirty="0"/>
+            </a:br>
+            <a:r>
+              <a:rPr lang="en-US" dirty="0"/>
+              <a:t>:K-SETS</a:t>
+            </a:r>
+            <a:br>
+              <a:rPr lang="en-US" dirty="0"/>
+            </a:br>
+            <a:r>
+              <a:rPr lang="en-US" dirty="0"/>
+              <a:t>k-Levels in Arrangement of Line Segments</a:t>
+            </a:r>
+            <a:endParaRPr lang="he-IL" dirty="0"/>
+          </a:p>
+        </p:txBody>
+      </p:sp>
+      <p:sp>
+        <p:nvSpPr>
+          <p:cNvPr id="3" name="Content Placeholder 2">
+            <a:extLst>
+              <a:ext uri="{FF2B5EF4-FFF2-40B4-BE49-F238E27FC236}">
+                <a16:creationId xmlns:a16="http://schemas.microsoft.com/office/drawing/2014/main" id="{37543E40-B995-4008-8547-E161B76D8BC1}"/>
+              </a:ext>
+            </a:extLst>
+          </p:cNvPr>
+          <p:cNvSpPr>
+            <a:spLocks noGrp="1"/>
+          </p:cNvSpPr>
+          <p:nvPr>
+            <p:ph idx="1"/>
+          </p:nvPr>
+        </p:nvSpPr>
+        <p:spPr/>
+        <p:txBody>
+          <a:bodyPr/>
+          <a:lstStyle/>
+          <a:p>
+            <a:endParaRPr lang="he-IL" dirty="0"/>
+          </a:p>
+        </p:txBody>
+      </p:sp>
+    </p:spTree>
+    <p:extLst>
+      <p:ext uri="{BB962C8B-B14F-4D97-AF65-F5344CB8AC3E}">
+        <p14:creationId xmlns:p14="http://schemas.microsoft.com/office/powerpoint/2010/main" val="2863839901"/>
+      </p:ext>
+    </p:extLst>
+  </p:cSld>
+  <p:clrMapOvr>
+    <a:masterClrMapping/>
+  </p:clrMapOvr>
+</p:sld>
+</file>
+
+<file path=ppt/slides/slide13.xml><?xml version="1.0" encoding="utf-8"?>
+<p:sld xmlns:a="http://schemas.openxmlformats.org/drawingml/2006/main" xmlns:r="http://schemas.openxmlformats.org/officeDocument/2006/relationships" xmlns:p="http://schemas.openxmlformats.org/presentationml/2006/main">
+  <p:cSld>
+    <p:spTree>
+      <p:nvGrpSpPr>
+        <p:cNvPr id="1" name=""/>
+        <p:cNvGrpSpPr/>
+        <p:nvPr/>
+      </p:nvGrpSpPr>
+      <p:grpSpPr>
+        <a:xfrm>
+          <a:off x="0" y="0"/>
+          <a:ext cx="0" cy="0"/>
+          <a:chOff x="0" y="0"/>
+          <a:chExt cx="0" cy="0"/>
+        </a:xfrm>
+      </p:grpSpPr>
+      <p:sp>
+        <p:nvSpPr>
+          <p:cNvPr id="2" name="Title 1">
+            <a:extLst>
+              <a:ext uri="{FF2B5EF4-FFF2-40B4-BE49-F238E27FC236}">
+                <a16:creationId xmlns:a16="http://schemas.microsoft.com/office/drawing/2014/main" id="{C37AE6A8-C2AF-4EFD-97D8-A0B900D52999}"/>
+              </a:ext>
+            </a:extLst>
+          </p:cNvPr>
+          <p:cNvSpPr>
+            <a:spLocks noGrp="1"/>
+          </p:cNvSpPr>
+          <p:nvPr>
+            <p:ph type="title"/>
+          </p:nvPr>
+        </p:nvSpPr>
+        <p:spPr>
+          <a:xfrm>
+            <a:off x="2231136" y="964691"/>
+            <a:ext cx="7729728" cy="1350669"/>
+          </a:xfrm>
+        </p:spPr>
+        <p:txBody>
+          <a:bodyPr>
+            <a:normAutofit fontScale="90000"/>
+          </a:bodyPr>
+          <a:lstStyle/>
+          <a:p>
+            <a:r>
+              <a:rPr lang="he-IL" dirty="0"/>
+              <a:t>בעיות קשורות ואפליקציות של </a:t>
+            </a:r>
+            <a:r>
+              <a:rPr lang="en-US" dirty="0"/>
+              <a:t>  </a:t>
+            </a:r>
+            <a:br>
+              <a:rPr lang="en-US" dirty="0"/>
+            </a:br>
+            <a:r>
+              <a:rPr lang="en-US" dirty="0"/>
+              <a:t>:K-SETS</a:t>
+            </a:r>
+            <a:br>
+              <a:rPr lang="en-US" dirty="0"/>
+            </a:br>
+            <a:r>
+              <a:rPr lang="en-US" dirty="0"/>
+              <a:t>Convex Polygons and Matroid Optimization</a:t>
+            </a:r>
+            <a:endParaRPr lang="he-IL" dirty="0"/>
+          </a:p>
+        </p:txBody>
+      </p:sp>
+      <p:sp>
+        <p:nvSpPr>
+          <p:cNvPr id="3" name="Content Placeholder 2">
+            <a:extLst>
+              <a:ext uri="{FF2B5EF4-FFF2-40B4-BE49-F238E27FC236}">
+                <a16:creationId xmlns:a16="http://schemas.microsoft.com/office/drawing/2014/main" id="{196923CD-A1B1-4124-A00B-10CBA1A1B973}"/>
+              </a:ext>
+            </a:extLst>
+          </p:cNvPr>
+          <p:cNvSpPr>
+            <a:spLocks noGrp="1"/>
+          </p:cNvSpPr>
+          <p:nvPr>
+            <p:ph idx="1"/>
+          </p:nvPr>
+        </p:nvSpPr>
+        <p:spPr/>
+        <p:txBody>
+          <a:bodyPr/>
+          <a:lstStyle/>
+          <a:p>
+            <a:r>
+              <a:rPr lang="en-US" dirty="0"/>
+              <a:t>Polygon</a:t>
+            </a:r>
+            <a:r>
+              <a:rPr lang="he-IL" dirty="0"/>
+              <a:t> = מצולע, חלק ממישור המתוחם על ידי מספר סופי של קטעים.</a:t>
+            </a:r>
+          </a:p>
+          <a:p>
+            <a:pPr marL="0" indent="0">
+              <a:buNone/>
+            </a:pPr>
+            <a:endParaRPr lang="he-IL" dirty="0"/>
+          </a:p>
+          <a:p>
+            <a:pPr marL="0" indent="0">
+              <a:buNone/>
+            </a:pPr>
+            <a:endParaRPr lang="he-IL" dirty="0"/>
+          </a:p>
+          <a:p>
+            <a:pPr marL="0" indent="0">
+              <a:buNone/>
+            </a:pPr>
+            <a:endParaRPr lang="he-IL" dirty="0"/>
+          </a:p>
+          <a:p>
+            <a:r>
+              <a:rPr lang="en-US" dirty="0"/>
+              <a:t>Convex</a:t>
+            </a:r>
+            <a:r>
+              <a:rPr lang="he-IL" dirty="0"/>
+              <a:t> = קמור, צורה סגורה קמורה היא צורה סגורה בה אף צלע או המשכה אינם חותכים את המצולע . בצורה סגורה שאינה קמורה ישנה לפחות צלע אחת שהיא עצמה או המשכה חותכים את המצולע.</a:t>
+            </a:r>
+          </a:p>
+          <a:p>
+            <a:endParaRPr lang="he-IL" dirty="0"/>
+          </a:p>
+        </p:txBody>
+      </p:sp>
+      <p:pic>
+        <p:nvPicPr>
+          <p:cNvPr id="2052" name="Picture 4" descr="שרטוט">
+            <a:extLst>
+              <a:ext uri="{FF2B5EF4-FFF2-40B4-BE49-F238E27FC236}">
+                <a16:creationId xmlns:a16="http://schemas.microsoft.com/office/drawing/2014/main" id="{754BDF87-BD65-48EE-A94C-92C09BDBED82}"/>
+              </a:ext>
+            </a:extLst>
+          </p:cNvPr>
+          <p:cNvPicPr>
+            <a:picLocks noChangeAspect="1" noChangeArrowheads="1"/>
+          </p:cNvPicPr>
+          <p:nvPr/>
+        </p:nvPicPr>
+        <p:blipFill>
+          <a:blip r:embed="rId2">
+            <a:extLst>
+              <a:ext uri="{28A0092B-C50C-407E-A947-70E740481C1C}">
+                <a14:useLocalDpi xmlns:a14="http://schemas.microsoft.com/office/drawing/2010/main" val="0"/>
+              </a:ext>
+            </a:extLst>
+          </a:blip>
+          <a:srcRect/>
+          <a:stretch>
+            <a:fillRect/>
+          </a:stretch>
+        </p:blipFill>
+        <p:spPr bwMode="auto">
+          <a:xfrm>
+            <a:off x="3952875" y="2984471"/>
+            <a:ext cx="4286250" cy="1123950"/>
+          </a:xfrm>
+          <a:prstGeom prst="rect">
+            <a:avLst/>
+          </a:prstGeom>
+          <a:noFill/>
+          <a:extLst>
+            <a:ext uri="{909E8E84-426E-40DD-AFC4-6F175D3DCCD1}">
+              <a14:hiddenFill xmlns:a14="http://schemas.microsoft.com/office/drawing/2010/main">
+                <a:solidFill>
+                  <a:srgbClr val="FFFFFF"/>
+                </a:solidFill>
+              </a14:hiddenFill>
+            </a:ext>
+          </a:extLst>
+        </p:spPr>
+      </p:pic>
+      <p:pic>
+        <p:nvPicPr>
+          <p:cNvPr id="2054" name="Picture 6" descr="שרטוט">
+            <a:extLst>
+              <a:ext uri="{FF2B5EF4-FFF2-40B4-BE49-F238E27FC236}">
+                <a16:creationId xmlns:a16="http://schemas.microsoft.com/office/drawing/2014/main" id="{213430D8-6A94-4F31-8808-7EC2225A9D26}"/>
+              </a:ext>
+            </a:extLst>
+          </p:cNvPr>
+          <p:cNvPicPr>
+            <a:picLocks noChangeAspect="1" noChangeArrowheads="1"/>
+          </p:cNvPicPr>
+          <p:nvPr/>
+        </p:nvPicPr>
+        <p:blipFill>
+          <a:blip r:embed="rId3">
+            <a:extLst>
+              <a:ext uri="{28A0092B-C50C-407E-A947-70E740481C1C}">
+                <a14:useLocalDpi xmlns:a14="http://schemas.microsoft.com/office/drawing/2010/main" val="0"/>
+              </a:ext>
+            </a:extLst>
+          </a:blip>
+          <a:srcRect/>
+          <a:stretch>
+            <a:fillRect/>
+          </a:stretch>
+        </p:blipFill>
+        <p:spPr bwMode="auto">
+          <a:xfrm>
+            <a:off x="2374084" y="4934684"/>
+            <a:ext cx="3496638" cy="1801676"/>
+          </a:xfrm>
+          <a:prstGeom prst="rect">
+            <a:avLst/>
+          </a:prstGeom>
+          <a:noFill/>
+          <a:extLst>
+            <a:ext uri="{909E8E84-426E-40DD-AFC4-6F175D3DCCD1}">
+              <a14:hiddenFill xmlns:a14="http://schemas.microsoft.com/office/drawing/2010/main">
+                <a:solidFill>
+                  <a:srgbClr val="FFFFFF"/>
+                </a:solidFill>
+              </a14:hiddenFill>
+            </a:ext>
+          </a:extLst>
+        </p:spPr>
+      </p:pic>
+      <p:pic>
+        <p:nvPicPr>
+          <p:cNvPr id="2056" name="Picture 8">
+            <a:extLst>
+              <a:ext uri="{FF2B5EF4-FFF2-40B4-BE49-F238E27FC236}">
+                <a16:creationId xmlns:a16="http://schemas.microsoft.com/office/drawing/2014/main" id="{69F94253-D1F5-4518-9EFC-5C7BC87DE1F2}"/>
+              </a:ext>
+            </a:extLst>
+          </p:cNvPr>
+          <p:cNvPicPr>
+            <a:picLocks noChangeAspect="1" noChangeArrowheads="1"/>
+          </p:cNvPicPr>
+          <p:nvPr/>
+        </p:nvPicPr>
+        <p:blipFill>
+          <a:blip r:embed="rId4">
+            <a:extLst>
+              <a:ext uri="{28A0092B-C50C-407E-A947-70E740481C1C}">
+                <a14:useLocalDpi xmlns:a14="http://schemas.microsoft.com/office/drawing/2010/main" val="0"/>
+              </a:ext>
+            </a:extLst>
+          </a:blip>
+          <a:srcRect/>
+          <a:stretch>
+            <a:fillRect/>
+          </a:stretch>
+        </p:blipFill>
+        <p:spPr bwMode="auto">
+          <a:xfrm>
+            <a:off x="6891410" y="5100366"/>
+            <a:ext cx="4369673" cy="1757634"/>
+          </a:xfrm>
+          <a:prstGeom prst="rect">
+            <a:avLst/>
+          </a:prstGeom>
+          <a:noFill/>
+          <a:extLst>
+            <a:ext uri="{909E8E84-426E-40DD-AFC4-6F175D3DCCD1}">
+              <a14:hiddenFill xmlns:a14="http://schemas.microsoft.com/office/drawing/2010/main">
+                <a:solidFill>
+                  <a:srgbClr val="FFFFFF"/>
+                </a:solidFill>
+              </a14:hiddenFill>
+            </a:ext>
+          </a:extLst>
+        </p:spPr>
+      </p:pic>
+    </p:spTree>
+    <p:extLst>
+      <p:ext uri="{BB962C8B-B14F-4D97-AF65-F5344CB8AC3E}">
+        <p14:creationId xmlns:p14="http://schemas.microsoft.com/office/powerpoint/2010/main" val="1039790898"/>
+      </p:ext>
+    </p:extLst>
+  </p:cSld>
+  <p:clrMapOvr>
+    <a:masterClrMapping/>
+  </p:clrMapOvr>
+</p:sld>
+</file>
+
+<file path=ppt/slides/slide14.xml><?xml version="1.0" encoding="utf-8"?>
+<p:sld xmlns:a="http://schemas.openxmlformats.org/drawingml/2006/main" xmlns:r="http://schemas.openxmlformats.org/officeDocument/2006/relationships" xmlns:p="http://schemas.openxmlformats.org/presentationml/2006/main">
+  <p:cSld>
+    <p:spTree>
+      <p:nvGrpSpPr>
+        <p:cNvPr id="1" name=""/>
+        <p:cNvGrpSpPr/>
+        <p:nvPr/>
+      </p:nvGrpSpPr>
+      <p:grpSpPr>
+        <a:xfrm>
+          <a:off x="0" y="0"/>
+          <a:ext cx="0" cy="0"/>
+          <a:chOff x="0" y="0"/>
+          <a:chExt cx="0" cy="0"/>
+        </a:xfrm>
+      </p:grpSpPr>
+      <p:sp>
+        <p:nvSpPr>
+          <p:cNvPr id="2" name="Title 1">
+            <a:extLst>
+              <a:ext uri="{FF2B5EF4-FFF2-40B4-BE49-F238E27FC236}">
+                <a16:creationId xmlns:a16="http://schemas.microsoft.com/office/drawing/2014/main" id="{391ABB79-1B3F-4FC0-8981-51B4E642FB59}"/>
+              </a:ext>
+            </a:extLst>
+          </p:cNvPr>
+          <p:cNvSpPr>
+            <a:spLocks noGrp="1"/>
+          </p:cNvSpPr>
+          <p:nvPr>
+            <p:ph type="title"/>
+          </p:nvPr>
+        </p:nvSpPr>
+        <p:spPr>
+          <a:xfrm>
+            <a:off x="2231136" y="671077"/>
+            <a:ext cx="7729728" cy="1426170"/>
+          </a:xfrm>
+        </p:spPr>
+        <p:txBody>
+          <a:bodyPr>
+            <a:normAutofit fontScale="90000"/>
+          </a:bodyPr>
+          <a:lstStyle/>
+          <a:p>
+            <a:r>
+              <a:rPr lang="he-IL" dirty="0"/>
+              <a:t>בעיות קשורות ואפליקציות של </a:t>
+            </a:r>
+            <a:r>
+              <a:rPr lang="en-US" dirty="0"/>
+              <a:t>  </a:t>
+            </a:r>
+            <a:br>
+              <a:rPr lang="en-US" dirty="0"/>
+            </a:br>
+            <a:r>
+              <a:rPr lang="en-US" dirty="0"/>
+              <a:t>:K-SETS</a:t>
+            </a:r>
+            <a:br>
+              <a:rPr lang="en-US" dirty="0"/>
+            </a:br>
+            <a:r>
+              <a:rPr lang="en-US" dirty="0"/>
+              <a:t>Convex Polygons and Matroid Optimization</a:t>
+            </a:r>
+            <a:endParaRPr lang="he-IL" dirty="0"/>
+          </a:p>
+        </p:txBody>
+      </p:sp>
+      <p:sp>
+        <p:nvSpPr>
+          <p:cNvPr id="3" name="Content Placeholder 2">
+            <a:extLst>
+              <a:ext uri="{FF2B5EF4-FFF2-40B4-BE49-F238E27FC236}">
+                <a16:creationId xmlns:a16="http://schemas.microsoft.com/office/drawing/2014/main" id="{F8FF4061-CEF4-44EA-B780-00EF44A3C875}"/>
+              </a:ext>
+            </a:extLst>
+          </p:cNvPr>
+          <p:cNvSpPr>
+            <a:spLocks noGrp="1"/>
+          </p:cNvSpPr>
+          <p:nvPr>
+            <p:ph idx="1"/>
+          </p:nvPr>
+        </p:nvSpPr>
+        <p:spPr/>
+        <p:txBody>
+          <a:bodyPr/>
+          <a:lstStyle/>
+          <a:p>
+            <a:r>
+              <a:rPr lang="he-IL" dirty="0"/>
+              <a:t>נשקול קבוצה של </a:t>
+            </a:r>
+            <a:r>
+              <a:rPr lang="en-US" dirty="0"/>
+              <a:t>k</a:t>
+            </a:r>
+            <a:r>
+              <a:rPr lang="he-IL" dirty="0"/>
+              <a:t> מצולעים קמורים, הצלעות שלהם לא נחתכות והם מורכבים מ</a:t>
+            </a:r>
+            <a:r>
+              <a:rPr lang="en-US" dirty="0"/>
+              <a:t>n</a:t>
+            </a:r>
+            <a:r>
+              <a:rPr lang="he-IL" dirty="0"/>
+              <a:t> קטעים, דוגמא:</a:t>
+            </a:r>
+          </a:p>
+          <a:p>
+            <a:endParaRPr lang="he-IL" dirty="0"/>
+          </a:p>
+        </p:txBody>
+      </p:sp>
+      <p:pic>
+        <p:nvPicPr>
+          <p:cNvPr id="4" name="Picture 3">
+            <a:extLst>
+              <a:ext uri="{FF2B5EF4-FFF2-40B4-BE49-F238E27FC236}">
+                <a16:creationId xmlns:a16="http://schemas.microsoft.com/office/drawing/2014/main" id="{D08DB70C-4D9F-488F-8171-1EFA41DD794C}"/>
+              </a:ext>
+            </a:extLst>
+          </p:cNvPr>
+          <p:cNvPicPr>
+            <a:picLocks noChangeAspect="1"/>
+          </p:cNvPicPr>
+          <p:nvPr/>
+        </p:nvPicPr>
+        <p:blipFill>
+          <a:blip r:embed="rId2"/>
+          <a:stretch>
+            <a:fillRect/>
+          </a:stretch>
+        </p:blipFill>
+        <p:spPr>
+          <a:xfrm>
+            <a:off x="3435248" y="3037427"/>
+            <a:ext cx="4314825" cy="1924050"/>
+          </a:xfrm>
+          <a:prstGeom prst="rect">
+            <a:avLst/>
+          </a:prstGeom>
+        </p:spPr>
+      </p:pic>
+      <p:sp>
+        <p:nvSpPr>
+          <p:cNvPr id="5" name="TextBox 4">
+            <a:extLst>
+              <a:ext uri="{FF2B5EF4-FFF2-40B4-BE49-F238E27FC236}">
+                <a16:creationId xmlns:a16="http://schemas.microsoft.com/office/drawing/2014/main" id="{336267E4-83A8-4E3F-A8BF-02AF510C0C1C}"/>
+              </a:ext>
+            </a:extLst>
+          </p:cNvPr>
+          <p:cNvSpPr txBox="1"/>
+          <p:nvPr/>
+        </p:nvSpPr>
+        <p:spPr>
+          <a:xfrm>
+            <a:off x="3144714" y="4961477"/>
+            <a:ext cx="4895892" cy="369332"/>
+          </a:xfrm>
+          <a:prstGeom prst="rect">
+            <a:avLst/>
+          </a:prstGeom>
+          <a:noFill/>
+        </p:spPr>
+        <p:txBody>
+          <a:bodyPr wrap="none" rtlCol="1">
+            <a:spAutoFit/>
+          </a:bodyPr>
+          <a:lstStyle/>
+          <a:p>
+            <a:r>
+              <a:rPr lang="he-IL" dirty="0"/>
+              <a:t>זו קבוצה של 6 מצולעים קמורים המורכבים מ5 קטעים</a:t>
+            </a:r>
+          </a:p>
+        </p:txBody>
+      </p:sp>
+    </p:spTree>
+    <p:extLst>
+      <p:ext uri="{BB962C8B-B14F-4D97-AF65-F5344CB8AC3E}">
+        <p14:creationId xmlns:p14="http://schemas.microsoft.com/office/powerpoint/2010/main" val="412100238"/>
+      </p:ext>
+    </p:extLst>
+  </p:cSld>
+  <p:clrMapOvr>
+    <a:masterClrMapping/>
+  </p:clrMapOvr>
+</p:sld>
+</file>
+
+<file path=ppt/slides/slide15.xml><?xml version="1.0" encoding="utf-8"?>
+<p:sld xmlns:a="http://schemas.openxmlformats.org/drawingml/2006/main" xmlns:r="http://schemas.openxmlformats.org/officeDocument/2006/relationships" xmlns:p="http://schemas.openxmlformats.org/presentationml/2006/main">
+  <p:cSld>
+    <p:spTree>
+      <p:nvGrpSpPr>
+        <p:cNvPr id="1" name=""/>
+        <p:cNvGrpSpPr/>
+        <p:nvPr/>
+      </p:nvGrpSpPr>
+      <p:grpSpPr>
+        <a:xfrm>
+          <a:off x="0" y="0"/>
+          <a:ext cx="0" cy="0"/>
+          <a:chOff x="0" y="0"/>
+          <a:chExt cx="0" cy="0"/>
+        </a:xfrm>
+      </p:grpSpPr>
+      <p:sp>
+        <p:nvSpPr>
+          <p:cNvPr id="2" name="Title 1">
+            <a:extLst>
+              <a:ext uri="{FF2B5EF4-FFF2-40B4-BE49-F238E27FC236}">
+                <a16:creationId xmlns:a16="http://schemas.microsoft.com/office/drawing/2014/main" id="{0ED3C801-6C96-4123-BDB9-1AD8CF3EC460}"/>
+              </a:ext>
+            </a:extLst>
+          </p:cNvPr>
+          <p:cNvSpPr>
+            <a:spLocks noGrp="1"/>
+          </p:cNvSpPr>
+          <p:nvPr>
+            <p:ph type="title"/>
+          </p:nvPr>
+        </p:nvSpPr>
+        <p:spPr/>
+        <p:txBody>
+          <a:bodyPr/>
+          <a:lstStyle/>
+          <a:p>
+            <a:r>
+              <a:rPr lang="he-IL" dirty="0"/>
+              <a:t>היסטוריה</a:t>
+            </a:r>
+          </a:p>
+        </p:txBody>
+      </p:sp>
+      <p:sp>
+        <p:nvSpPr>
+          <p:cNvPr id="3" name="Content Placeholder 2">
+            <a:extLst>
+              <a:ext uri="{FF2B5EF4-FFF2-40B4-BE49-F238E27FC236}">
+                <a16:creationId xmlns:a16="http://schemas.microsoft.com/office/drawing/2014/main" id="{8DE18717-999B-498B-B6D5-5F0AC39DFDD1}"/>
+              </a:ext>
+            </a:extLst>
+          </p:cNvPr>
+          <p:cNvSpPr>
+            <a:spLocks noGrp="1"/>
+          </p:cNvSpPr>
+          <p:nvPr>
+            <p:ph idx="1"/>
+          </p:nvPr>
+        </p:nvSpPr>
+        <p:spPr>
+          <a:xfrm>
+            <a:off x="2231136" y="2319262"/>
+            <a:ext cx="7729728" cy="3930536"/>
+          </a:xfrm>
+        </p:spPr>
+        <p:txBody>
+          <a:bodyPr>
+            <a:normAutofit lnSpcReduction="10000"/>
+          </a:bodyPr>
+          <a:lstStyle/>
+          <a:p>
+            <a:r>
+              <a:rPr lang="he-IL" dirty="0"/>
+              <a:t>החסם הראשון שאי פעם הוצע לבעיה הוצע על ידי </a:t>
+            </a:r>
+            <a:r>
+              <a:rPr lang="en-US" dirty="0"/>
+              <a:t>László </a:t>
+            </a:r>
+            <a:r>
+              <a:rPr lang="en-US" dirty="0" err="1"/>
+              <a:t>Lovász</a:t>
+            </a:r>
+            <a:r>
+              <a:rPr lang="he-IL" dirty="0"/>
+              <a:t> (מתמטיקאי הונגרי זוכה פרס וולף) ב-1971, בפועל החסם נקבע עבור בעיה שהוכח בהמשך שכל חסם עליה שווה גם לחסם של </a:t>
+            </a:r>
+            <a:r>
+              <a:rPr lang="en-US" dirty="0"/>
+              <a:t>k-sets</a:t>
+            </a:r>
+            <a:r>
+              <a:rPr lang="he-IL" dirty="0"/>
+              <a:t> והיא </a:t>
+            </a:r>
+            <a:r>
+              <a:rPr lang="en-US" dirty="0"/>
+              <a:t>halving lines</a:t>
+            </a:r>
+            <a:r>
+              <a:rPr lang="he-IL" dirty="0"/>
+              <a:t> (עוד על בעיות קשורות בהמשך)</a:t>
+            </a:r>
+          </a:p>
+          <a:p>
+            <a:r>
+              <a:rPr lang="he-IL" dirty="0"/>
+              <a:t>הגדרה: עבור קבוצה </a:t>
+            </a:r>
+            <a:r>
+              <a:rPr lang="en-US" dirty="0"/>
+              <a:t>S</a:t>
+            </a:r>
+            <a:r>
+              <a:rPr lang="he-IL" dirty="0"/>
+              <a:t> בגודל </a:t>
+            </a:r>
+            <a:r>
+              <a:rPr lang="en-US" dirty="0"/>
+              <a:t>n</a:t>
+            </a:r>
+            <a:r>
+              <a:rPr lang="he-IL" dirty="0"/>
+              <a:t> של נקודות במישור </a:t>
+            </a:r>
+            <a:r>
+              <a:rPr lang="en-US" dirty="0"/>
+              <a:t>halving line</a:t>
+            </a:r>
+            <a:r>
+              <a:rPr lang="he-IL" dirty="0"/>
+              <a:t> הוא קטע שעובר בין שני נקודות של </a:t>
+            </a:r>
+            <a:r>
+              <a:rPr lang="en-US" dirty="0"/>
+              <a:t>S</a:t>
+            </a:r>
+            <a:r>
+              <a:rPr lang="he-IL" dirty="0"/>
+              <a:t> ומחלק את קבוצה </a:t>
+            </a:r>
+            <a:r>
+              <a:rPr lang="en-US" dirty="0"/>
+              <a:t>S</a:t>
+            </a:r>
+            <a:r>
+              <a:rPr lang="he-IL" dirty="0"/>
+              <a:t> לשני חלקים שווים.</a:t>
+            </a:r>
+          </a:p>
+          <a:p>
+            <a:r>
+              <a:rPr lang="he-IL" i="1" dirty="0"/>
+              <a:t>כמות </a:t>
+            </a:r>
+            <a:r>
+              <a:rPr lang="en-US" i="1" dirty="0"/>
+              <a:t>halving lines</a:t>
+            </a:r>
+            <a:r>
+              <a:rPr lang="he-IL" i="1" dirty="0"/>
+              <a:t> מקסימלית בקבוצה בגודל </a:t>
+            </a:r>
+            <a:r>
+              <a:rPr lang="en-US" i="1" dirty="0"/>
+              <a:t>n</a:t>
+            </a:r>
+            <a:r>
+              <a:rPr lang="he-IL" i="1" dirty="0"/>
+              <a:t>: </a:t>
+            </a:r>
+            <a:r>
+              <a:rPr lang="en-US" i="1" dirty="0"/>
+              <a:t>O(n</a:t>
+            </a:r>
+            <a:r>
+              <a:rPr lang="en-US" i="1" baseline="30000" dirty="0"/>
+              <a:t>3/2</a:t>
+            </a:r>
+            <a:r>
+              <a:rPr lang="en-US" i="1" dirty="0"/>
+              <a:t>)</a:t>
+            </a:r>
+          </a:p>
+          <a:p>
+            <a:r>
+              <a:rPr lang="he-IL" i="1" dirty="0"/>
+              <a:t>מאוחר יותר, ב1973 </a:t>
+            </a:r>
+            <a:r>
+              <a:rPr lang="en-US" dirty="0"/>
+              <a:t> </a:t>
+            </a:r>
+            <a:r>
+              <a:rPr lang="en-US" dirty="0" err="1"/>
+              <a:t>Erdõs</a:t>
+            </a:r>
+            <a:r>
+              <a:rPr lang="en-US" dirty="0"/>
+              <a:t>, </a:t>
+            </a:r>
+            <a:r>
+              <a:rPr lang="en-US" dirty="0" err="1"/>
+              <a:t>Lovász</a:t>
+            </a:r>
+            <a:r>
+              <a:rPr lang="en-US" dirty="0"/>
+              <a:t>, Simmons</a:t>
+            </a:r>
+            <a:r>
+              <a:rPr lang="he-IL" dirty="0"/>
+              <a:t> ו-</a:t>
+            </a:r>
+            <a:r>
+              <a:rPr lang="en-US" dirty="0"/>
+              <a:t> Strauss </a:t>
+            </a:r>
+            <a:r>
+              <a:rPr lang="he-IL" dirty="0"/>
+              <a:t> שיפרו את החסם עבור </a:t>
+            </a:r>
+            <a:r>
+              <a:rPr lang="en-US" dirty="0"/>
+              <a:t>k-sets</a:t>
+            </a:r>
+            <a:r>
+              <a:rPr lang="he-IL" dirty="0"/>
+              <a:t> לכל מספר </a:t>
+            </a:r>
+            <a:r>
+              <a:rPr lang="en-US" dirty="0"/>
+              <a:t>k</a:t>
+            </a:r>
+            <a:r>
+              <a:rPr lang="he-IL" dirty="0"/>
+              <a:t> ולכל </a:t>
+            </a:r>
+            <a:r>
+              <a:rPr lang="en-US" dirty="0"/>
+              <a:t>n</a:t>
+            </a:r>
+            <a:r>
+              <a:rPr lang="he-IL" dirty="0"/>
+              <a:t> להיות - </a:t>
+            </a:r>
+            <a:r>
+              <a:rPr lang="en-US" i="1" dirty="0"/>
+              <a:t>O(n k</a:t>
+            </a:r>
+            <a:r>
+              <a:rPr lang="en-US" i="1" baseline="30000" dirty="0"/>
+              <a:t>1/2</a:t>
+            </a:r>
+            <a:r>
+              <a:rPr lang="en-US" i="1" dirty="0"/>
+              <a:t>)</a:t>
+            </a:r>
+            <a:r>
+              <a:rPr lang="he-IL" i="1" dirty="0"/>
+              <a:t> – חסם הדוק יותר.</a:t>
+            </a:r>
+          </a:p>
+          <a:p>
+            <a:r>
+              <a:rPr lang="he-IL" i="1" dirty="0"/>
+              <a:t>החסם הנ"ל לא שופר עד 1989 – בה </a:t>
+            </a:r>
+            <a:r>
+              <a:rPr lang="en-US" dirty="0"/>
+              <a:t> </a:t>
+            </a:r>
+            <a:r>
+              <a:rPr lang="en-US" dirty="0" err="1"/>
+              <a:t>Pach</a:t>
+            </a:r>
+            <a:r>
+              <a:rPr lang="en-US" dirty="0"/>
+              <a:t>, </a:t>
+            </a:r>
+            <a:r>
+              <a:rPr lang="en-US" dirty="0" err="1"/>
+              <a:t>Steiger</a:t>
+            </a:r>
+            <a:r>
+              <a:rPr lang="he-IL" dirty="0"/>
+              <a:t> ו-</a:t>
+            </a:r>
+            <a:r>
+              <a:rPr lang="en-US" dirty="0"/>
+              <a:t> </a:t>
+            </a:r>
+            <a:r>
+              <a:rPr lang="en-US" dirty="0" err="1"/>
+              <a:t>Szemerédi</a:t>
+            </a:r>
+            <a:r>
+              <a:rPr lang="en-US" dirty="0"/>
+              <a:t> </a:t>
+            </a:r>
+            <a:r>
+              <a:rPr lang="he-IL" i="1" dirty="0"/>
+              <a:t> הצליחו להדק אותו ל-</a:t>
+            </a:r>
+            <a:r>
+              <a:rPr lang="pt-BR" i="1" dirty="0"/>
+              <a:t> O(n k</a:t>
+            </a:r>
+            <a:r>
+              <a:rPr lang="pt-BR" i="1" baseline="30000" dirty="0"/>
+              <a:t>1/2</a:t>
+            </a:r>
+            <a:r>
+              <a:rPr lang="pt-BR" i="1" dirty="0"/>
+              <a:t> / log</a:t>
+            </a:r>
+            <a:r>
+              <a:rPr lang="pt-BR" i="1" baseline="30000" dirty="0"/>
+              <a:t>*</a:t>
+            </a:r>
+            <a:r>
+              <a:rPr lang="pt-BR" i="1" dirty="0"/>
+              <a:t>n)</a:t>
+            </a:r>
+            <a:r>
+              <a:rPr lang="he-IL" i="1" dirty="0"/>
+              <a:t> – לא שיפור גדול כ"כ ביחס ל16 שנים</a:t>
+            </a:r>
+          </a:p>
+          <a:p>
+            <a:r>
+              <a:rPr lang="he-IL" i="1" dirty="0"/>
+              <a:t>המאמר שלנו מדבר על החסם הטוב ביותר שקיים עד היום </a:t>
+            </a:r>
+            <a:r>
+              <a:rPr lang="en-US" i="1" dirty="0"/>
+              <a:t>O</a:t>
+            </a:r>
+            <a:r>
+              <a:rPr lang="en-US" dirty="0"/>
+              <a:t>(</a:t>
+            </a:r>
+            <a:r>
+              <a:rPr lang="en-US" i="1" dirty="0"/>
+              <a:t>nk</a:t>
+            </a:r>
+            <a:r>
+              <a:rPr lang="en-US" baseline="30000" dirty="0"/>
+              <a:t>1/3</a:t>
+            </a:r>
+            <a:r>
+              <a:rPr lang="en-US" dirty="0"/>
+              <a:t>)</a:t>
+            </a:r>
+            <a:r>
+              <a:rPr lang="he-IL" dirty="0"/>
+              <a:t>- הוכח בשנת 1998 ע"י </a:t>
+            </a:r>
+            <a:r>
+              <a:rPr lang="en-US" b="1" dirty="0" err="1"/>
+              <a:t>Tamal</a:t>
+            </a:r>
+            <a:r>
+              <a:rPr lang="en-US" b="1" dirty="0"/>
+              <a:t> Krishna Dey</a:t>
+            </a:r>
+            <a:r>
+              <a:rPr lang="he-IL" b="1" dirty="0"/>
+              <a:t> פרופ' למדעי המחשב באונ' אוהיו.</a:t>
+            </a:r>
+            <a:endParaRPr lang="he-IL" dirty="0"/>
+          </a:p>
+        </p:txBody>
+      </p:sp>
+    </p:spTree>
+    <p:extLst>
+      <p:ext uri="{BB962C8B-B14F-4D97-AF65-F5344CB8AC3E}">
+        <p14:creationId xmlns:p14="http://schemas.microsoft.com/office/powerpoint/2010/main" val="1346651604"/>
+      </p:ext>
+    </p:extLst>
+  </p:cSld>
+  <p:clrMapOvr>
+    <a:masterClrMapping/>
+  </p:clrMapOvr>
+</p:sld>
+</file>
+
+<file path=ppt/slides/slide16.xml><?xml version="1.0" encoding="utf-8"?>
+<p:sld xmlns:a="http://schemas.openxmlformats.org/drawingml/2006/main" xmlns:r="http://schemas.openxmlformats.org/officeDocument/2006/relationships" xmlns:p="http://schemas.openxmlformats.org/presentationml/2006/main">
+  <p:cSld>
+    <p:spTree>
+      <p:nvGrpSpPr>
+        <p:cNvPr id="1" name=""/>
+        <p:cNvGrpSpPr/>
+        <p:nvPr/>
+      </p:nvGrpSpPr>
+      <p:grpSpPr>
+        <a:xfrm>
+          <a:off x="0" y="0"/>
+          <a:ext cx="0" cy="0"/>
+          <a:chOff x="0" y="0"/>
+          <a:chExt cx="0" cy="0"/>
+        </a:xfrm>
+      </p:grpSpPr>
+      <p:sp>
+        <p:nvSpPr>
+          <p:cNvPr id="2" name="Title 1">
+            <a:extLst>
+              <a:ext uri="{FF2B5EF4-FFF2-40B4-BE49-F238E27FC236}">
                 <a16:creationId xmlns:a16="http://schemas.microsoft.com/office/drawing/2014/main" id="{CEB86A80-141A-4ABC-A8F0-B9062A0C2B85}"/>
               </a:ext>
             </a:extLst>
@@ -3928,7 +4989,7 @@
 </p:sld>
 </file>
 
-<file path=ppt/slides/slide12.xml><?xml version="1.0" encoding="utf-8"?>
+<file path=ppt/slides/slide17.xml><?xml version="1.0" encoding="utf-8"?>
 <p:sld xmlns:a="http://schemas.openxmlformats.org/drawingml/2006/main" xmlns:r="http://schemas.openxmlformats.org/officeDocument/2006/relationships" xmlns:p="http://schemas.openxmlformats.org/presentationml/2006/main">
   <p:cSld>
     <p:spTree>
@@ -4159,7 +5220,7 @@
 </p:sld>
 </file>
 
-<file path=ppt/slides/slide13.xml><?xml version="1.0" encoding="utf-8"?>
+<file path=ppt/slides/slide18.xml><?xml version="1.0" encoding="utf-8"?>
 <p:sld xmlns:a="http://schemas.openxmlformats.org/drawingml/2006/main" xmlns:r="http://schemas.openxmlformats.org/officeDocument/2006/relationships" xmlns:p="http://schemas.openxmlformats.org/presentationml/2006/main">
   <p:cSld>
     <p:spTree>
@@ -4510,7 +5571,7 @@
 </p:sld>
 </file>
 
-<file path=ppt/slides/slide14.xml><?xml version="1.0" encoding="utf-8"?>
+<file path=ppt/slides/slide19.xml><?xml version="1.0" encoding="utf-8"?>
 <p:sld xmlns:a="http://schemas.openxmlformats.org/drawingml/2006/main" xmlns:r="http://schemas.openxmlformats.org/officeDocument/2006/relationships" xmlns:p="http://schemas.openxmlformats.org/presentationml/2006/main">
   <p:cSld>
     <p:spTree>
@@ -4758,1296 +5819,6 @@
 </p:sld>
 </file>
 
-<file path=ppt/slides/slide15.xml><?xml version="1.0" encoding="utf-8"?>
-<p:sld xmlns:a="http://schemas.openxmlformats.org/drawingml/2006/main" xmlns:r="http://schemas.openxmlformats.org/officeDocument/2006/relationships" xmlns:p="http://schemas.openxmlformats.org/presentationml/2006/main">
-  <p:cSld>
-    <p:spTree>
-      <p:nvGrpSpPr>
-        <p:cNvPr id="1" name=""/>
-        <p:cNvGrpSpPr/>
-        <p:nvPr/>
-      </p:nvGrpSpPr>
-      <p:grpSpPr>
-        <a:xfrm>
-          <a:off x="0" y="0"/>
-          <a:ext cx="0" cy="0"/>
-          <a:chOff x="0" y="0"/>
-          <a:chExt cx="0" cy="0"/>
-        </a:xfrm>
-      </p:grpSpPr>
-      <p:sp>
-        <p:nvSpPr>
-          <p:cNvPr id="2" name="Title 1">
-            <a:extLst>
-              <a:ext uri="{FF2B5EF4-FFF2-40B4-BE49-F238E27FC236}">
-                <a16:creationId xmlns:a16="http://schemas.microsoft.com/office/drawing/2014/main" id="{9659BF35-3A32-4FD5-A109-BCC3D3563180}"/>
-              </a:ext>
-            </a:extLst>
-          </p:cNvPr>
-          <p:cNvSpPr>
-            <a:spLocks noGrp="1"/>
-          </p:cNvSpPr>
-          <p:nvPr>
-            <p:ph type="title"/>
-          </p:nvPr>
-        </p:nvSpPr>
-        <p:spPr/>
-        <p:txBody>
-          <a:bodyPr/>
-          <a:lstStyle/>
-          <a:p>
-            <a:r>
-              <a:rPr lang="en-US" dirty="0"/>
-              <a:t>Convex chain </a:t>
-            </a:r>
-            <a:r>
-              <a:rPr lang="en-US" dirty="0" err="1"/>
-              <a:t>cont</a:t>
-            </a:r>
-            <a:r>
-              <a:rPr lang="en-US" dirty="0"/>
-              <a:t>’ (lemma 1)</a:t>
-            </a:r>
-          </a:p>
-        </p:txBody>
-      </p:sp>
-      <p:sp>
-        <p:nvSpPr>
-          <p:cNvPr id="3" name="Content Placeholder 2">
-            <a:extLst>
-              <a:ext uri="{FF2B5EF4-FFF2-40B4-BE49-F238E27FC236}">
-                <a16:creationId xmlns:a16="http://schemas.microsoft.com/office/drawing/2014/main" id="{CEB31987-0421-4A48-BAB5-2D2C26A07E90}"/>
-              </a:ext>
-            </a:extLst>
-          </p:cNvPr>
-          <p:cNvSpPr>
-            <a:spLocks noGrp="1"/>
-          </p:cNvSpPr>
-          <p:nvPr>
-            <p:ph idx="1"/>
-          </p:nvPr>
-        </p:nvSpPr>
-        <p:spPr>
-          <a:xfrm>
-            <a:off x="2231136" y="2638044"/>
-            <a:ext cx="8058270" cy="3551000"/>
-          </a:xfrm>
-        </p:spPr>
-        <p:txBody>
-          <a:bodyPr/>
-          <a:lstStyle/>
-          <a:p>
-            <a:r>
-              <a:rPr lang="en-US" dirty="0"/>
-              <a:t>Lemma</a:t>
-            </a:r>
-            <a:r>
-              <a:rPr lang="he-IL" dirty="0"/>
-              <a:t>- לא קיימת אף צלע </a:t>
-            </a:r>
-            <a:r>
-              <a:rPr lang="en-US" dirty="0"/>
-              <a:t>f</a:t>
-            </a:r>
-            <a:r>
-              <a:rPr lang="he-IL" dirty="0"/>
-              <a:t> כך שמתקיים </a:t>
-            </a:r>
-            <a:r>
-              <a:rPr lang="en-US" dirty="0" err="1"/>
-              <a:t>eRf</a:t>
-            </a:r>
-            <a:r>
-              <a:rPr lang="he-IL" dirty="0"/>
-              <a:t> וגם מתקיים </a:t>
-            </a:r>
-            <a:r>
-              <a:rPr lang="en-US" dirty="0" err="1"/>
-              <a:t>gRf</a:t>
-            </a:r>
-            <a:r>
-              <a:rPr lang="he-IL" dirty="0"/>
-              <a:t> עבור </a:t>
-            </a:r>
-            <a:r>
-              <a:rPr lang="en-US" dirty="0"/>
-              <a:t>g!=e</a:t>
-            </a:r>
-          </a:p>
-          <a:p>
-            <a:r>
-              <a:rPr lang="he-IL" dirty="0"/>
-              <a:t>הוכחה:</a:t>
-            </a:r>
-            <a:endParaRPr lang="en-US" dirty="0"/>
-          </a:p>
-          <a:p>
-            <a:pPr lvl="1"/>
-            <a:r>
-              <a:rPr lang="he-IL" dirty="0"/>
-              <a:t> נניח שקיים </a:t>
-            </a:r>
-            <a:r>
-              <a:rPr lang="en-US" dirty="0"/>
-              <a:t>f</a:t>
-            </a:r>
-            <a:r>
-              <a:rPr lang="he-IL" dirty="0"/>
-              <a:t> כזה, יהיו </a:t>
-            </a:r>
-            <a:r>
-              <a:rPr lang="en-US" dirty="0" err="1"/>
-              <a:t>g,e</a:t>
-            </a:r>
-            <a:r>
-              <a:rPr lang="he-IL" dirty="0"/>
-              <a:t> כך ש</a:t>
-            </a:r>
-            <a:r>
-              <a:rPr lang="en-US" dirty="0"/>
-              <a:t>s(e)&gt;s(g)</a:t>
-            </a:r>
-            <a:r>
-              <a:rPr lang="he-IL" dirty="0"/>
-              <a:t> </a:t>
-            </a:r>
-            <a:endParaRPr lang="en-US" dirty="0"/>
-          </a:p>
-          <a:p>
-            <a:pPr lvl="1"/>
-            <a:r>
-              <a:rPr lang="he-IL" dirty="0"/>
-              <a:t>לפי ההגדה </a:t>
-            </a:r>
-            <a:r>
-              <a:rPr lang="en-US" dirty="0"/>
-              <a:t>s(g)&gt;s(f)</a:t>
-            </a:r>
-            <a:r>
-              <a:rPr lang="he-IL" dirty="0"/>
-              <a:t> וגם </a:t>
-            </a:r>
-            <a:r>
-              <a:rPr lang="en-US" dirty="0"/>
-              <a:t>s(e)&gt;s(f)</a:t>
-            </a:r>
-          </a:p>
-          <a:p>
-            <a:pPr lvl="1"/>
-            <a:r>
-              <a:rPr lang="he-IL" dirty="0"/>
-              <a:t>לפי התכונה של </a:t>
-            </a:r>
-            <a:r>
-              <a:rPr lang="en-US" dirty="0" err="1"/>
-              <a:t>Lov’asz</a:t>
-            </a:r>
-            <a:r>
-              <a:rPr lang="he-IL" dirty="0"/>
-              <a:t> חייבת להיות צלע יוצאת </a:t>
-            </a:r>
-            <a:r>
-              <a:rPr lang="en-US" dirty="0"/>
-              <a:t>f’</a:t>
-            </a:r>
-            <a:r>
-              <a:rPr lang="he-IL" dirty="0"/>
-              <a:t> כך ש</a:t>
-            </a:r>
-            <a:r>
-              <a:rPr lang="en-US" dirty="0"/>
-              <a:t>s(e)&gt;s(f’)&gt;s(g)</a:t>
-            </a:r>
-          </a:p>
-          <a:p>
-            <a:pPr lvl="1"/>
-            <a:r>
-              <a:rPr lang="he-IL" dirty="0"/>
-              <a:t>לכן נקבל ש</a:t>
-            </a:r>
-            <a:r>
-              <a:rPr lang="en-US" dirty="0"/>
-              <a:t>s(e)&gt;s(f’)&gt;s(g)&gt;s(f)</a:t>
-            </a:r>
-            <a:r>
-              <a:rPr lang="he-IL" dirty="0"/>
-              <a:t> אבל זו סתירה ל</a:t>
-            </a:r>
-            <a:r>
-              <a:rPr lang="en-US" dirty="0" err="1"/>
-              <a:t>eRf</a:t>
-            </a:r>
-            <a:endParaRPr lang="en-US" dirty="0"/>
-          </a:p>
-          <a:p>
-            <a:r>
-              <a:rPr lang="he-IL" dirty="0"/>
-              <a:t>קבוצת היחסים הרפלקסיבית </a:t>
-            </a:r>
-            <a:r>
-              <a:rPr lang="en-US" dirty="0"/>
-              <a:t>R*</a:t>
-            </a:r>
-            <a:r>
-              <a:rPr lang="he-IL" dirty="0"/>
-              <a:t> מחלקת את </a:t>
-            </a:r>
-            <a:r>
-              <a:rPr lang="en-US" dirty="0" err="1"/>
-              <a:t>Ek</a:t>
-            </a:r>
-            <a:r>
-              <a:rPr lang="he-IL" dirty="0"/>
-              <a:t> לשרשראות לא חופפות לפי הלמה ובנוסף לי הגדרת היחס </a:t>
-            </a:r>
-            <a:r>
-              <a:rPr lang="en-US" dirty="0"/>
-              <a:t>R</a:t>
-            </a:r>
-            <a:r>
-              <a:rPr lang="he-IL" dirty="0"/>
-              <a:t> כל שרשרת כזאת היא קונבקסית (תמיד פונים רק ימינה)</a:t>
-            </a:r>
-            <a:endParaRPr lang="en-US" dirty="0"/>
-          </a:p>
-        </p:txBody>
-      </p:sp>
-    </p:spTree>
-    <p:extLst>
-      <p:ext uri="{BB962C8B-B14F-4D97-AF65-F5344CB8AC3E}">
-        <p14:creationId xmlns:p14="http://schemas.microsoft.com/office/powerpoint/2010/main" val="2295642179"/>
-      </p:ext>
-    </p:extLst>
-  </p:cSld>
-  <p:clrMapOvr>
-    <a:masterClrMapping/>
-  </p:clrMapOvr>
-</p:sld>
-</file>
-
-<file path=ppt/slides/slide16.xml><?xml version="1.0" encoding="utf-8"?>
-<p:sld xmlns:a="http://schemas.openxmlformats.org/drawingml/2006/main" xmlns:r="http://schemas.openxmlformats.org/officeDocument/2006/relationships" xmlns:p="http://schemas.openxmlformats.org/presentationml/2006/main">
-  <p:cSld>
-    <p:spTree>
-      <p:nvGrpSpPr>
-        <p:cNvPr id="1" name=""/>
-        <p:cNvGrpSpPr/>
-        <p:nvPr/>
-      </p:nvGrpSpPr>
-      <p:grpSpPr>
-        <a:xfrm>
-          <a:off x="0" y="0"/>
-          <a:ext cx="0" cy="0"/>
-          <a:chOff x="0" y="0"/>
-          <a:chExt cx="0" cy="0"/>
-        </a:xfrm>
-      </p:grpSpPr>
-      <p:sp>
-        <p:nvSpPr>
-          <p:cNvPr id="2" name="Title 1">
-            <a:extLst>
-              <a:ext uri="{FF2B5EF4-FFF2-40B4-BE49-F238E27FC236}">
-                <a16:creationId xmlns:a16="http://schemas.microsoft.com/office/drawing/2014/main" id="{830960BC-AAC1-42A9-86CF-77F226E2A9DA}"/>
-              </a:ext>
-            </a:extLst>
-          </p:cNvPr>
-          <p:cNvSpPr>
-            <a:spLocks noGrp="1"/>
-          </p:cNvSpPr>
-          <p:nvPr>
-            <p:ph type="title"/>
-          </p:nvPr>
-        </p:nvSpPr>
-        <p:spPr>
-          <a:xfrm>
-            <a:off x="2163486" y="971044"/>
-            <a:ext cx="7865027" cy="1206644"/>
-          </a:xfrm>
-        </p:spPr>
-        <p:txBody>
-          <a:bodyPr/>
-          <a:lstStyle/>
-          <a:p>
-            <a:r>
-              <a:rPr lang="en-US" dirty="0"/>
-              <a:t>Number of convex chains (lemma 2)</a:t>
-            </a:r>
-          </a:p>
-        </p:txBody>
-      </p:sp>
-      <p:sp>
-        <p:nvSpPr>
-          <p:cNvPr id="3" name="Content Placeholder 2">
-            <a:extLst>
-              <a:ext uri="{FF2B5EF4-FFF2-40B4-BE49-F238E27FC236}">
-                <a16:creationId xmlns:a16="http://schemas.microsoft.com/office/drawing/2014/main" id="{8BF5B453-641D-4331-8876-A8AFFA7755B1}"/>
-              </a:ext>
-            </a:extLst>
-          </p:cNvPr>
-          <p:cNvSpPr>
-            <a:spLocks noGrp="1"/>
-          </p:cNvSpPr>
-          <p:nvPr>
-            <p:ph idx="1"/>
-          </p:nvPr>
-        </p:nvSpPr>
-        <p:spPr/>
-        <p:txBody>
-          <a:bodyPr/>
-          <a:lstStyle/>
-          <a:p>
-            <a:r>
-              <a:rPr lang="he-IL" dirty="0"/>
-              <a:t>נרצה להוכיח שיש עד </a:t>
-            </a:r>
-            <a:r>
-              <a:rPr lang="en-US" dirty="0"/>
-              <a:t>k+1</a:t>
-            </a:r>
-            <a:r>
-              <a:rPr lang="he-IL" dirty="0"/>
-              <a:t> </a:t>
-            </a:r>
-            <a:r>
-              <a:rPr lang="en-US" dirty="0"/>
-              <a:t>convex chains</a:t>
-            </a:r>
-            <a:r>
-              <a:rPr lang="he-IL" dirty="0"/>
-              <a:t> עבור כל סט נקודות</a:t>
-            </a:r>
-          </a:p>
-          <a:p>
-            <a:r>
-              <a:rPr lang="en-US" dirty="0"/>
-              <a:t>Lemma 2</a:t>
-            </a:r>
-            <a:r>
-              <a:rPr lang="he-IL" dirty="0"/>
-              <a:t>- בהנתן </a:t>
-            </a:r>
-            <a:r>
-              <a:rPr lang="en-US" dirty="0"/>
-              <a:t>C1, C2…Cm</a:t>
-            </a:r>
-            <a:r>
-              <a:rPr lang="he-IL" dirty="0"/>
-              <a:t> </a:t>
-            </a:r>
-            <a:r>
-              <a:rPr lang="en-US" dirty="0"/>
-              <a:t>convex chains</a:t>
-            </a:r>
-            <a:r>
-              <a:rPr lang="he-IL" dirty="0"/>
-              <a:t> שהתקבלו על ידי היחס </a:t>
-            </a:r>
-            <a:r>
-              <a:rPr lang="en-US" dirty="0"/>
-              <a:t>R*</a:t>
-            </a:r>
-            <a:r>
-              <a:rPr lang="he-IL" dirty="0"/>
-              <a:t>, כל </a:t>
-            </a:r>
-            <a:r>
-              <a:rPr lang="en-US" dirty="0"/>
-              <a:t>Ci</a:t>
-            </a:r>
-            <a:r>
-              <a:rPr lang="he-IL" dirty="0"/>
-              <a:t> מתחיל בנקודה ייחודית שהיא אחת מתוך </a:t>
-            </a:r>
-            <a:r>
-              <a:rPr lang="en-US" dirty="0"/>
-              <a:t>k+1</a:t>
-            </a:r>
-            <a:r>
-              <a:rPr lang="he-IL" dirty="0"/>
-              <a:t> הנקודות ההכי שמאליות ב</a:t>
-            </a:r>
-            <a:r>
-              <a:rPr lang="en-US" dirty="0"/>
-              <a:t>P</a:t>
-            </a:r>
-            <a:endParaRPr lang="he-IL" dirty="0"/>
-          </a:p>
-          <a:p>
-            <a:r>
-              <a:rPr lang="he-IL" dirty="0"/>
-              <a:t>מפה ניתן להסיק שיש לכל היותר </a:t>
-            </a:r>
-            <a:r>
-              <a:rPr lang="en-US" dirty="0"/>
-              <a:t>k+1</a:t>
-            </a:r>
-            <a:r>
-              <a:rPr lang="he-IL" dirty="0"/>
-              <a:t> </a:t>
-            </a:r>
-            <a:r>
-              <a:rPr lang="en-US" dirty="0"/>
-              <a:t>convex chains</a:t>
-            </a:r>
-            <a:endParaRPr lang="he-IL" dirty="0"/>
-          </a:p>
-          <a:p>
-            <a:r>
-              <a:rPr lang="he-IL" dirty="0"/>
-              <a:t> </a:t>
-            </a:r>
-            <a:r>
-              <a:rPr lang="he-IL" sz="5400" dirty="0">
-                <a:solidFill>
-                  <a:srgbClr val="FF0000"/>
-                </a:solidFill>
-              </a:rPr>
-              <a:t>להוסיף הוכחה</a:t>
-            </a:r>
-            <a:endParaRPr lang="en-US" dirty="0"/>
-          </a:p>
-        </p:txBody>
-      </p:sp>
-    </p:spTree>
-    <p:extLst>
-      <p:ext uri="{BB962C8B-B14F-4D97-AF65-F5344CB8AC3E}">
-        <p14:creationId xmlns:p14="http://schemas.microsoft.com/office/powerpoint/2010/main" val="138650407"/>
-      </p:ext>
-    </p:extLst>
-  </p:cSld>
-  <p:clrMapOvr>
-    <a:masterClrMapping/>
-  </p:clrMapOvr>
-</p:sld>
-</file>
-
-<file path=ppt/slides/slide17.xml><?xml version="1.0" encoding="utf-8"?>
-<p:sld xmlns:a="http://schemas.openxmlformats.org/drawingml/2006/main" xmlns:r="http://schemas.openxmlformats.org/officeDocument/2006/relationships" xmlns:p="http://schemas.openxmlformats.org/presentationml/2006/main">
-  <p:cSld>
-    <p:spTree>
-      <p:nvGrpSpPr>
-        <p:cNvPr id="1" name=""/>
-        <p:cNvGrpSpPr/>
-        <p:nvPr/>
-      </p:nvGrpSpPr>
-      <p:grpSpPr>
-        <a:xfrm>
-          <a:off x="0" y="0"/>
-          <a:ext cx="0" cy="0"/>
-          <a:chOff x="0" y="0"/>
-          <a:chExt cx="0" cy="0"/>
-        </a:xfrm>
-      </p:grpSpPr>
-      <p:sp>
-        <p:nvSpPr>
-          <p:cNvPr id="2" name="Title 1">
-            <a:extLst>
-              <a:ext uri="{FF2B5EF4-FFF2-40B4-BE49-F238E27FC236}">
-                <a16:creationId xmlns:a16="http://schemas.microsoft.com/office/drawing/2014/main" id="{254CC3E5-610F-4389-9680-4DF01A48A5F9}"/>
-              </a:ext>
-            </a:extLst>
-          </p:cNvPr>
-          <p:cNvSpPr>
-            <a:spLocks noGrp="1"/>
-          </p:cNvSpPr>
-          <p:nvPr>
-            <p:ph type="title"/>
-          </p:nvPr>
-        </p:nvSpPr>
-        <p:spPr/>
-        <p:txBody>
-          <a:bodyPr/>
-          <a:lstStyle/>
-          <a:p>
-            <a:r>
-              <a:rPr lang="en-US" dirty="0"/>
-              <a:t>Convex chain intersection and common tangent</a:t>
-            </a:r>
-          </a:p>
-        </p:txBody>
-      </p:sp>
-      <p:sp>
-        <p:nvSpPr>
-          <p:cNvPr id="3" name="Content Placeholder 2">
-            <a:extLst>
-              <a:ext uri="{FF2B5EF4-FFF2-40B4-BE49-F238E27FC236}">
-                <a16:creationId xmlns:a16="http://schemas.microsoft.com/office/drawing/2014/main" id="{0CCB29D8-1169-4FC3-BD8F-B68703893F56}"/>
-              </a:ext>
-            </a:extLst>
-          </p:cNvPr>
-          <p:cNvSpPr>
-            <a:spLocks noGrp="1"/>
-          </p:cNvSpPr>
-          <p:nvPr>
-            <p:ph idx="1"/>
-          </p:nvPr>
-        </p:nvSpPr>
-        <p:spPr/>
-        <p:txBody>
-          <a:bodyPr>
-            <a:normAutofit lnSpcReduction="10000"/>
-          </a:bodyPr>
-          <a:lstStyle/>
-          <a:p>
-            <a:r>
-              <a:rPr lang="he-IL" dirty="0"/>
-              <a:t>אנחנו רוצים לחסום את מספר השרשראות שנחתכות אחת עם השניה, חיתוכים אלה נקראים </a:t>
-            </a:r>
-            <a:r>
-              <a:rPr lang="en-US" dirty="0"/>
-              <a:t>“crossings”</a:t>
-            </a:r>
-            <a:r>
-              <a:rPr lang="he-IL" dirty="0"/>
-              <a:t> נעשה זאת על ידי חסימה של מספר המשיקים המשותפים בכל נקודת חיתוך</a:t>
-            </a:r>
-          </a:p>
-          <a:p>
-            <a:r>
-              <a:rPr lang="he-IL" dirty="0"/>
-              <a:t>בהנתן שתי צלעות מ</a:t>
-            </a:r>
-            <a:r>
-              <a:rPr lang="en-US" dirty="0" err="1"/>
-              <a:t>Ek</a:t>
-            </a:r>
-            <a:r>
-              <a:rPr lang="he-IL" dirty="0"/>
-              <a:t> </a:t>
-            </a:r>
-            <a:r>
-              <a:rPr lang="en-US" dirty="0" err="1"/>
-              <a:t>e,f</a:t>
-            </a:r>
-            <a:r>
-              <a:rPr lang="he-IL" dirty="0"/>
-              <a:t> שנחתכות נסתכל על שתי השרשראות שמכילות את הצלע הזו </a:t>
-            </a:r>
-            <a:r>
-              <a:rPr lang="en-US" dirty="0"/>
-              <a:t>Ci, </a:t>
-            </a:r>
-            <a:r>
-              <a:rPr lang="en-US" dirty="0" err="1"/>
-              <a:t>Cj</a:t>
-            </a:r>
-            <a:endParaRPr lang="he-IL" dirty="0"/>
-          </a:p>
-          <a:p>
-            <a:r>
-              <a:rPr lang="he-IL" dirty="0"/>
-              <a:t>נתאם עבור </a:t>
-            </a:r>
-            <a:r>
-              <a:rPr lang="en-US" dirty="0"/>
-              <a:t>Ci, </a:t>
-            </a:r>
-            <a:r>
-              <a:rPr lang="en-US" dirty="0" err="1"/>
-              <a:t>Cj</a:t>
-            </a:r>
-            <a:r>
-              <a:rPr lang="he-IL" dirty="0"/>
-              <a:t> משיק משותף ייחודי לפי הסכמה הבאה:</a:t>
-            </a:r>
-          </a:p>
-          <a:p>
-            <a:pPr lvl="1"/>
-            <a:r>
-              <a:rPr lang="he-IL" dirty="0"/>
-              <a:t>נרצה לתאם משיק משותף כך שהמשיק יחבר נקודה אחת מ</a:t>
-            </a:r>
-            <a:r>
-              <a:rPr lang="en-US" dirty="0"/>
-              <a:t>Ci</a:t>
-            </a:r>
-            <a:r>
-              <a:rPr lang="he-IL" dirty="0"/>
-              <a:t> עם נקודה מ</a:t>
-            </a:r>
-            <a:r>
-              <a:rPr lang="en-US" dirty="0" err="1"/>
-              <a:t>Cj</a:t>
-            </a:r>
-            <a:r>
-              <a:rPr lang="he-IL" dirty="0"/>
-              <a:t> כך שכל שאר הנקודות של שתיהן יהיו מתחת ל</a:t>
-            </a:r>
-            <a:r>
-              <a:rPr lang="en-US" dirty="0"/>
-              <a:t>supporting line</a:t>
-            </a:r>
-            <a:r>
-              <a:rPr lang="he-IL" dirty="0"/>
-              <a:t> של משיק זה</a:t>
-            </a:r>
-          </a:p>
-          <a:p>
-            <a:pPr lvl="1"/>
-            <a:r>
-              <a:rPr lang="he-IL" dirty="0"/>
-              <a:t>נסתכל על נקודת חיתוך </a:t>
-            </a:r>
-            <a:r>
-              <a:rPr lang="en-US" dirty="0"/>
-              <a:t>X</a:t>
-            </a:r>
-            <a:r>
-              <a:rPr lang="he-IL" dirty="0"/>
-              <a:t>, וקו האנכי שיוצא מ</a:t>
-            </a:r>
-            <a:r>
-              <a:rPr lang="en-US" dirty="0"/>
-              <a:t>X</a:t>
-            </a:r>
-            <a:r>
-              <a:rPr lang="he-IL" dirty="0"/>
-              <a:t> חותך צלע ייחודית במעטפת של החלל העליון שמעל החיתוך, צלע זו היא המשיק המשותף </a:t>
-            </a:r>
-          </a:p>
-        </p:txBody>
-      </p:sp>
-      <p:pic>
-        <p:nvPicPr>
-          <p:cNvPr id="7" name="Picture 6" descr="A picture containing map, text, wire, bird&#10;&#10;Description automatically generated">
-            <a:extLst>
-              <a:ext uri="{FF2B5EF4-FFF2-40B4-BE49-F238E27FC236}">
-                <a16:creationId xmlns:a16="http://schemas.microsoft.com/office/drawing/2014/main" id="{45486F96-BFB3-4FB7-92A7-25AD7077674D}"/>
-              </a:ext>
-            </a:extLst>
-          </p:cNvPr>
-          <p:cNvPicPr>
-            <a:picLocks noChangeAspect="1"/>
-          </p:cNvPicPr>
-          <p:nvPr/>
-        </p:nvPicPr>
-        <p:blipFill>
-          <a:blip r:embed="rId2"/>
-          <a:stretch>
-            <a:fillRect/>
-          </a:stretch>
-        </p:blipFill>
-        <p:spPr>
-          <a:xfrm>
-            <a:off x="592607" y="5384991"/>
-            <a:ext cx="3277057" cy="1324160"/>
-          </a:xfrm>
-          <a:prstGeom prst="rect">
-            <a:avLst/>
-          </a:prstGeom>
-        </p:spPr>
-      </p:pic>
-    </p:spTree>
-    <p:extLst>
-      <p:ext uri="{BB962C8B-B14F-4D97-AF65-F5344CB8AC3E}">
-        <p14:creationId xmlns:p14="http://schemas.microsoft.com/office/powerpoint/2010/main" val="2383138185"/>
-      </p:ext>
-    </p:extLst>
-  </p:cSld>
-  <p:clrMapOvr>
-    <a:masterClrMapping/>
-  </p:clrMapOvr>
-</p:sld>
-</file>
-
-<file path=ppt/slides/slide18.xml><?xml version="1.0" encoding="utf-8"?>
-<p:sld xmlns:a="http://schemas.openxmlformats.org/drawingml/2006/main" xmlns:r="http://schemas.openxmlformats.org/officeDocument/2006/relationships" xmlns:p="http://schemas.openxmlformats.org/presentationml/2006/main">
-  <p:cSld>
-    <p:spTree>
-      <p:nvGrpSpPr>
-        <p:cNvPr id="1" name=""/>
-        <p:cNvGrpSpPr/>
-        <p:nvPr/>
-      </p:nvGrpSpPr>
-      <p:grpSpPr>
-        <a:xfrm>
-          <a:off x="0" y="0"/>
-          <a:ext cx="0" cy="0"/>
-          <a:chOff x="0" y="0"/>
-          <a:chExt cx="0" cy="0"/>
-        </a:xfrm>
-      </p:grpSpPr>
-      <p:sp>
-        <p:nvSpPr>
-          <p:cNvPr id="2" name="Title 1">
-            <a:extLst>
-              <a:ext uri="{FF2B5EF4-FFF2-40B4-BE49-F238E27FC236}">
-                <a16:creationId xmlns:a16="http://schemas.microsoft.com/office/drawing/2014/main" id="{53606D23-0D3B-4F9D-9A51-351B90D19E25}"/>
-              </a:ext>
-            </a:extLst>
-          </p:cNvPr>
-          <p:cNvSpPr>
-            <a:spLocks noGrp="1"/>
-          </p:cNvSpPr>
-          <p:nvPr>
-            <p:ph type="title"/>
-          </p:nvPr>
-        </p:nvSpPr>
-        <p:spPr>
-          <a:xfrm>
-            <a:off x="2231136" y="666309"/>
-            <a:ext cx="7729728" cy="1188720"/>
-          </a:xfrm>
-        </p:spPr>
-        <p:txBody>
-          <a:bodyPr/>
-          <a:lstStyle/>
-          <a:p>
-            <a:r>
-              <a:rPr lang="en-US" dirty="0"/>
-              <a:t>Convex chain intersection and common tangent (</a:t>
-            </a:r>
-            <a:r>
-              <a:rPr lang="en-US" dirty="0" err="1"/>
-              <a:t>cont</a:t>
-            </a:r>
-            <a:r>
-              <a:rPr lang="en-US" dirty="0"/>
-              <a:t>’) </a:t>
-            </a:r>
-          </a:p>
-        </p:txBody>
-      </p:sp>
-      <p:sp>
-        <p:nvSpPr>
-          <p:cNvPr id="3" name="Content Placeholder 2">
-            <a:extLst>
-              <a:ext uri="{FF2B5EF4-FFF2-40B4-BE49-F238E27FC236}">
-                <a16:creationId xmlns:a16="http://schemas.microsoft.com/office/drawing/2014/main" id="{7AC8C01E-0551-420B-A3DD-B81157CBEB89}"/>
-              </a:ext>
-            </a:extLst>
-          </p:cNvPr>
-          <p:cNvSpPr>
-            <a:spLocks noGrp="1"/>
-          </p:cNvSpPr>
-          <p:nvPr>
-            <p:ph idx="1"/>
-          </p:nvPr>
-        </p:nvSpPr>
-        <p:spPr>
-          <a:xfrm>
-            <a:off x="2231136" y="2234211"/>
-            <a:ext cx="7729728" cy="3445122"/>
-          </a:xfrm>
-        </p:spPr>
-        <p:txBody>
-          <a:bodyPr>
-            <a:normAutofit fontScale="92500" lnSpcReduction="20000"/>
-          </a:bodyPr>
-          <a:lstStyle/>
-          <a:p>
-            <a:r>
-              <a:rPr lang="en-US" dirty="0"/>
-              <a:t>Lemma 3</a:t>
-            </a:r>
-            <a:r>
-              <a:rPr lang="he-IL" dirty="0"/>
-              <a:t>- כל משיק משותף מתואם רק פעם אחת עבור כל זוגות של ה</a:t>
-            </a:r>
-            <a:r>
-              <a:rPr lang="en-US" dirty="0"/>
-              <a:t>convex chains</a:t>
-            </a:r>
-          </a:p>
-          <a:p>
-            <a:r>
-              <a:rPr lang="he-IL" dirty="0"/>
-              <a:t>הוכחה:</a:t>
-            </a:r>
-          </a:p>
-          <a:p>
-            <a:pPr lvl="1"/>
-            <a:r>
-              <a:rPr lang="he-IL" dirty="0"/>
-              <a:t>נניח בשלילה שמשיק </a:t>
-            </a:r>
-            <a:r>
-              <a:rPr lang="en-US" dirty="0"/>
-              <a:t>T</a:t>
-            </a:r>
-            <a:r>
-              <a:rPr lang="he-IL" dirty="0"/>
-              <a:t> מתואם עבור 2 זוגות שונים של שרשראות </a:t>
-            </a:r>
-            <a:r>
-              <a:rPr lang="en-US" dirty="0"/>
-              <a:t>Ci1, Cj1</a:t>
-            </a:r>
-            <a:r>
-              <a:rPr lang="he-IL" dirty="0"/>
-              <a:t> ו</a:t>
-            </a:r>
-            <a:r>
-              <a:rPr lang="en-US" dirty="0"/>
-              <a:t>Ci2, Cj2</a:t>
-            </a:r>
-          </a:p>
-          <a:p>
-            <a:pPr lvl="1"/>
-            <a:r>
-              <a:rPr lang="he-IL" dirty="0"/>
-              <a:t>נסתכל על נקודה </a:t>
-            </a:r>
-            <a:r>
-              <a:rPr lang="en-US" dirty="0"/>
-              <a:t>p</a:t>
-            </a:r>
-            <a:r>
-              <a:rPr lang="he-IL" dirty="0"/>
-              <a:t> שהיא הנקודה השמאלית של </a:t>
-            </a:r>
-            <a:r>
-              <a:rPr lang="en-US" dirty="0"/>
-              <a:t>T</a:t>
-            </a:r>
-            <a:r>
-              <a:rPr lang="he-IL" dirty="0"/>
-              <a:t>, </a:t>
-            </a:r>
-            <a:r>
-              <a:rPr lang="en-US" dirty="0"/>
-              <a:t>p</a:t>
-            </a:r>
-            <a:r>
-              <a:rPr lang="he-IL" dirty="0"/>
-              <a:t> היא לא הנקודה הראשונה של שרשרת אחת בוודאות לפי למה - 2 נניח ששרשרת </a:t>
-            </a:r>
-            <a:r>
-              <a:rPr lang="en-US" dirty="0"/>
-              <a:t>Ci1</a:t>
-            </a:r>
-          </a:p>
-          <a:p>
-            <a:pPr lvl="1"/>
-            <a:r>
-              <a:rPr lang="he-IL" dirty="0"/>
-              <a:t>נסמן ב</a:t>
-            </a:r>
-            <a:r>
-              <a:rPr lang="en-US" dirty="0"/>
-              <a:t>ei1</a:t>
-            </a:r>
-            <a:r>
-              <a:rPr lang="he-IL" dirty="0"/>
-              <a:t> ו</a:t>
-            </a:r>
-            <a:r>
-              <a:rPr lang="en-US" dirty="0"/>
-              <a:t>fi1</a:t>
-            </a:r>
-            <a:r>
-              <a:rPr lang="he-IL" dirty="0"/>
-              <a:t> את הצלע הנכנסת והיוצאת של </a:t>
-            </a:r>
-            <a:r>
-              <a:rPr lang="en-US" dirty="0"/>
-              <a:t>Ci1</a:t>
-            </a:r>
-            <a:r>
-              <a:rPr lang="he-IL" dirty="0"/>
-              <a:t> מנקודה</a:t>
-            </a:r>
-            <a:r>
-              <a:rPr lang="en-US" dirty="0"/>
-              <a:t>p </a:t>
-            </a:r>
-            <a:r>
-              <a:rPr lang="he-IL" dirty="0"/>
-              <a:t> ונסמן ב</a:t>
-            </a:r>
-            <a:r>
-              <a:rPr lang="en-US" dirty="0"/>
-              <a:t>fi2</a:t>
-            </a:r>
-            <a:r>
-              <a:rPr lang="he-IL" dirty="0"/>
-              <a:t> את הצלע היוצאת של </a:t>
-            </a:r>
-            <a:r>
-              <a:rPr lang="en-US" dirty="0"/>
-              <a:t>Ci2</a:t>
-            </a:r>
-          </a:p>
-          <a:p>
-            <a:pPr lvl="1"/>
-            <a:r>
-              <a:rPr lang="he-IL" dirty="0"/>
-              <a:t>בכלל ש</a:t>
-            </a:r>
-            <a:r>
-              <a:rPr lang="en-US" dirty="0"/>
-              <a:t>T</a:t>
-            </a:r>
-            <a:r>
-              <a:rPr lang="he-IL" dirty="0"/>
-              <a:t> הוא המשיק המשותף של של </a:t>
-            </a:r>
-            <a:r>
-              <a:rPr lang="en-US" dirty="0"/>
-              <a:t>Ci1, Ci2</a:t>
-            </a:r>
-            <a:r>
-              <a:rPr lang="he-IL" dirty="0"/>
-              <a:t> אזי חייב להתקיים ש</a:t>
-            </a:r>
-            <a:r>
-              <a:rPr lang="en-US" dirty="0"/>
-              <a:t>s(ei1)&gt;s(fi1)&gt;s(fi2)</a:t>
-            </a:r>
-            <a:r>
-              <a:rPr lang="he-IL" dirty="0"/>
-              <a:t> או </a:t>
-            </a:r>
-            <a:r>
-              <a:rPr lang="en-US" dirty="0"/>
-              <a:t>s(ei1)&gt;s(fi2)&gt;s(fi1)</a:t>
-            </a:r>
-            <a:r>
-              <a:rPr lang="he-IL" dirty="0"/>
-              <a:t> כי אחרת הנקודה </a:t>
-            </a:r>
-            <a:r>
-              <a:rPr lang="en-US" dirty="0"/>
-              <a:t>p</a:t>
-            </a:r>
-            <a:r>
-              <a:rPr lang="he-IL" dirty="0"/>
-              <a:t> לא הייתה נקודת ההתחלה של </a:t>
-            </a:r>
-            <a:r>
-              <a:rPr lang="en-US" dirty="0"/>
-              <a:t>T</a:t>
-            </a:r>
-            <a:endParaRPr lang="he-IL" dirty="0"/>
-          </a:p>
-          <a:p>
-            <a:pPr lvl="1"/>
-            <a:r>
-              <a:rPr lang="he-IL" dirty="0"/>
-              <a:t>האופצייה הראשונה לא יכולה להתקיים בגלל העובדה שמתקיים </a:t>
-            </a:r>
-            <a:r>
-              <a:rPr lang="en-US" dirty="0"/>
-              <a:t>ei1Rfi1</a:t>
-            </a:r>
-            <a:r>
-              <a:rPr lang="he-IL" dirty="0"/>
-              <a:t> </a:t>
-            </a:r>
-          </a:p>
-          <a:p>
-            <a:pPr lvl="1"/>
-            <a:r>
-              <a:rPr lang="he-IL" dirty="0"/>
-              <a:t>בשביל האופצייה השנייה צריך שתהיה צלע נכנסת </a:t>
-            </a:r>
-            <a:r>
-              <a:rPr lang="en-US" dirty="0"/>
-              <a:t>ei2</a:t>
-            </a:r>
-            <a:r>
-              <a:rPr lang="he-IL" dirty="0"/>
-              <a:t> של </a:t>
-            </a:r>
-            <a:r>
-              <a:rPr lang="en-US" dirty="0"/>
-              <a:t>Ci2</a:t>
-            </a:r>
-            <a:r>
-              <a:rPr lang="he-IL" dirty="0"/>
-              <a:t> כך ש</a:t>
-            </a:r>
-            <a:r>
-              <a:rPr lang="en-US" dirty="0"/>
-              <a:t>s(fi1)&gt;s(ei2)&gt;s(fi2)</a:t>
-            </a:r>
-            <a:r>
-              <a:rPr lang="he-IL" dirty="0"/>
-              <a:t> (התכונה של </a:t>
-            </a:r>
-            <a:r>
-              <a:rPr lang="en-US" dirty="0" err="1"/>
-              <a:t>Lov’asz</a:t>
-            </a:r>
-            <a:r>
-              <a:rPr lang="he-IL" dirty="0"/>
-              <a:t>) אבל אם זה המצב </a:t>
-            </a:r>
-            <a:r>
-              <a:rPr lang="en-US" dirty="0"/>
-              <a:t>T</a:t>
-            </a:r>
-            <a:r>
-              <a:rPr lang="he-IL" dirty="0"/>
-              <a:t> לא יכול להיות המשיק של </a:t>
-            </a:r>
-            <a:r>
-              <a:rPr lang="en-US" dirty="0"/>
-              <a:t>Ci2</a:t>
-            </a:r>
-            <a:r>
-              <a:rPr lang="he-IL" dirty="0"/>
-              <a:t> (כי נקודת ההתחלה של </a:t>
-            </a:r>
-            <a:r>
-              <a:rPr lang="en-US" dirty="0"/>
-              <a:t>ei2</a:t>
-            </a:r>
-            <a:r>
-              <a:rPr lang="he-IL" dirty="0"/>
-              <a:t> לא </a:t>
-            </a:r>
-            <a:br>
-              <a:rPr lang="en-US" dirty="0"/>
-            </a:br>
-            <a:r>
-              <a:rPr lang="he-IL" dirty="0"/>
-              <a:t>תהיה מתחת למשיק כי </a:t>
-            </a:r>
-            <a:r>
-              <a:rPr lang="en-US" dirty="0"/>
-              <a:t>s(ei1)&gt;s(ei2)</a:t>
-            </a:r>
-            <a:r>
-              <a:rPr lang="he-IL" dirty="0"/>
-              <a:t>)</a:t>
-            </a:r>
-          </a:p>
-        </p:txBody>
-      </p:sp>
-      <p:pic>
-        <p:nvPicPr>
-          <p:cNvPr id="7" name="Picture 6" descr="A picture containing object, clock&#10;&#10;Description automatically generated">
-            <a:extLst>
-              <a:ext uri="{FF2B5EF4-FFF2-40B4-BE49-F238E27FC236}">
-                <a16:creationId xmlns:a16="http://schemas.microsoft.com/office/drawing/2014/main" id="{E340E616-836D-4EDB-9491-2FDD8B05109B}"/>
-              </a:ext>
-            </a:extLst>
-          </p:cNvPr>
-          <p:cNvPicPr>
-            <a:picLocks noChangeAspect="1"/>
-          </p:cNvPicPr>
-          <p:nvPr/>
-        </p:nvPicPr>
-        <p:blipFill>
-          <a:blip r:embed="rId2"/>
-          <a:stretch>
-            <a:fillRect/>
-          </a:stretch>
-        </p:blipFill>
-        <p:spPr>
-          <a:xfrm>
-            <a:off x="561257" y="5218574"/>
-            <a:ext cx="3173345" cy="1534572"/>
-          </a:xfrm>
-          <a:prstGeom prst="rect">
-            <a:avLst/>
-          </a:prstGeom>
-        </p:spPr>
-      </p:pic>
-    </p:spTree>
-    <p:extLst>
-      <p:ext uri="{BB962C8B-B14F-4D97-AF65-F5344CB8AC3E}">
-        <p14:creationId xmlns:p14="http://schemas.microsoft.com/office/powerpoint/2010/main" val="2945932210"/>
-      </p:ext>
-    </p:extLst>
-  </p:cSld>
-  <p:clrMapOvr>
-    <a:masterClrMapping/>
-  </p:clrMapOvr>
-</p:sld>
-</file>
-
-<file path=ppt/slides/slide19.xml><?xml version="1.0" encoding="utf-8"?>
-<p:sld xmlns:a="http://schemas.openxmlformats.org/drawingml/2006/main" xmlns:r="http://schemas.openxmlformats.org/officeDocument/2006/relationships" xmlns:p="http://schemas.openxmlformats.org/presentationml/2006/main">
-  <p:cSld>
-    <p:spTree>
-      <p:nvGrpSpPr>
-        <p:cNvPr id="1" name=""/>
-        <p:cNvGrpSpPr/>
-        <p:nvPr/>
-      </p:nvGrpSpPr>
-      <p:grpSpPr>
-        <a:xfrm>
-          <a:off x="0" y="0"/>
-          <a:ext cx="0" cy="0"/>
-          <a:chOff x="0" y="0"/>
-          <a:chExt cx="0" cy="0"/>
-        </a:xfrm>
-      </p:grpSpPr>
-      <p:sp>
-        <p:nvSpPr>
-          <p:cNvPr id="2" name="Title 1">
-            <a:extLst>
-              <a:ext uri="{FF2B5EF4-FFF2-40B4-BE49-F238E27FC236}">
-                <a16:creationId xmlns:a16="http://schemas.microsoft.com/office/drawing/2014/main" id="{53606D23-0D3B-4F9D-9A51-351B90D19E25}"/>
-              </a:ext>
-            </a:extLst>
-          </p:cNvPr>
-          <p:cNvSpPr>
-            <a:spLocks noGrp="1"/>
-          </p:cNvSpPr>
-          <p:nvPr>
-            <p:ph type="title"/>
-          </p:nvPr>
-        </p:nvSpPr>
-        <p:spPr>
-          <a:xfrm>
-            <a:off x="2231136" y="666309"/>
-            <a:ext cx="7729728" cy="1188720"/>
-          </a:xfrm>
-        </p:spPr>
-        <p:txBody>
-          <a:bodyPr/>
-          <a:lstStyle/>
-          <a:p>
-            <a:r>
-              <a:rPr lang="en-US" dirty="0"/>
-              <a:t>Convex chain intersection and common tangent (</a:t>
-            </a:r>
-            <a:r>
-              <a:rPr lang="en-US" dirty="0" err="1"/>
-              <a:t>cont</a:t>
-            </a:r>
-            <a:r>
-              <a:rPr lang="en-US" dirty="0"/>
-              <a:t>’) </a:t>
-            </a:r>
-          </a:p>
-        </p:txBody>
-      </p:sp>
-      <p:sp>
-        <p:nvSpPr>
-          <p:cNvPr id="3" name="Content Placeholder 2">
-            <a:extLst>
-              <a:ext uri="{FF2B5EF4-FFF2-40B4-BE49-F238E27FC236}">
-                <a16:creationId xmlns:a16="http://schemas.microsoft.com/office/drawing/2014/main" id="{7AC8C01E-0551-420B-A3DD-B81157CBEB89}"/>
-              </a:ext>
-            </a:extLst>
-          </p:cNvPr>
-          <p:cNvSpPr>
-            <a:spLocks noGrp="1"/>
-          </p:cNvSpPr>
-          <p:nvPr>
-            <p:ph idx="1"/>
-          </p:nvPr>
-        </p:nvSpPr>
-        <p:spPr>
-          <a:xfrm>
-            <a:off x="2231136" y="2234211"/>
-            <a:ext cx="7729728" cy="3445122"/>
-          </a:xfrm>
-        </p:spPr>
-        <p:txBody>
-          <a:bodyPr>
-            <a:normAutofit/>
-          </a:bodyPr>
-          <a:lstStyle/>
-          <a:p>
-            <a:r>
-              <a:rPr lang="en-US" dirty="0"/>
-              <a:t>Lemma 4</a:t>
-            </a:r>
-            <a:r>
-              <a:rPr lang="he-IL" dirty="0"/>
-              <a:t>- יש בסה"כ מקסימום </a:t>
-            </a:r>
-            <a:r>
-              <a:rPr lang="en-US" dirty="0"/>
-              <a:t>n(k+1)</a:t>
-            </a:r>
-            <a:r>
-              <a:rPr lang="he-IL" dirty="0"/>
-              <a:t> משיקים משותפים</a:t>
-            </a:r>
-          </a:p>
-          <a:p>
-            <a:r>
-              <a:rPr lang="he-IL" dirty="0"/>
-              <a:t>הוכחה:</a:t>
-            </a:r>
-          </a:p>
-          <a:p>
-            <a:pPr lvl="1"/>
-            <a:r>
-              <a:rPr lang="he-IL" dirty="0"/>
-              <a:t>כל נקודה </a:t>
-            </a:r>
-            <a:r>
-              <a:rPr lang="en-US" dirty="0"/>
-              <a:t>p</a:t>
-            </a:r>
-            <a:r>
-              <a:rPr lang="he-IL" dirty="0"/>
-              <a:t> ב</a:t>
-            </a:r>
-            <a:r>
-              <a:rPr lang="en-US" dirty="0" err="1"/>
-              <a:t>Gk</a:t>
-            </a:r>
-            <a:r>
-              <a:rPr lang="he-IL" dirty="0"/>
-              <a:t> יכולה לשמש במקסימום פעם אחת בתור הנקודה השמאלית ביותר של כל משיק משותף לכל </a:t>
-            </a:r>
-            <a:r>
-              <a:rPr lang="en-US" dirty="0"/>
-              <a:t>convex chain</a:t>
-            </a:r>
-            <a:r>
-              <a:rPr lang="he-IL" dirty="0"/>
-              <a:t> שלא מכיל את </a:t>
-            </a:r>
-            <a:r>
-              <a:rPr lang="en-US" dirty="0"/>
-              <a:t>p</a:t>
-            </a:r>
-          </a:p>
-          <a:p>
-            <a:pPr lvl="1"/>
-            <a:r>
-              <a:rPr lang="he-IL" dirty="0"/>
-              <a:t>בגלל שיש </a:t>
-            </a:r>
-            <a:r>
-              <a:rPr lang="en-US" dirty="0"/>
-              <a:t>n</a:t>
-            </a:r>
-            <a:r>
-              <a:rPr lang="he-IL" dirty="0"/>
-              <a:t> נקודות ו</a:t>
-            </a:r>
-            <a:r>
-              <a:rPr lang="en-US" dirty="0"/>
-              <a:t>k+1</a:t>
-            </a:r>
-            <a:r>
-              <a:rPr lang="he-IL" dirty="0"/>
-              <a:t> </a:t>
-            </a:r>
-            <a:r>
-              <a:rPr lang="en-US" dirty="0"/>
-              <a:t>convex chains</a:t>
-            </a:r>
-            <a:r>
-              <a:rPr lang="he-IL" dirty="0"/>
-              <a:t> לפי למה 2 הטענה מתקיימת </a:t>
-            </a:r>
-          </a:p>
-        </p:txBody>
-      </p:sp>
-    </p:spTree>
-    <p:extLst>
-      <p:ext uri="{BB962C8B-B14F-4D97-AF65-F5344CB8AC3E}">
-        <p14:creationId xmlns:p14="http://schemas.microsoft.com/office/powerpoint/2010/main" val="4230362361"/>
-      </p:ext>
-    </p:extLst>
-  </p:cSld>
-  <p:clrMapOvr>
-    <a:masterClrMapping/>
-  </p:clrMapOvr>
-</p:sld>
-</file>
-
 <file path=ppt/slides/slide2.xml><?xml version="1.0" encoding="utf-8"?>
 <p:sld xmlns:a="http://schemas.openxmlformats.org/drawingml/2006/main" xmlns:r="http://schemas.openxmlformats.org/officeDocument/2006/relationships" xmlns:p="http://schemas.openxmlformats.org/presentationml/2006/main">
   <p:cSld>
@@ -6209,7 +5980,7 @@
             <a:pPr algn="r" rtl="1"/>
             <a:r>
               <a:rPr lang="he-IL" dirty="0"/>
-              <a:t>לדוגמא, עבור קבוצה בגודל 12 ו</a:t>
+              <a:t>לדוגמא, עבור קבוצה בגודל 12 עבור </a:t>
             </a:r>
             <a:r>
               <a:rPr lang="en-US" dirty="0"/>
@@ -6306,6 +6077,1296 @@
           <p:cNvPr id="2" name="Title 1">
             <a:extLst>
               <a:ext uri="{FF2B5EF4-FFF2-40B4-BE49-F238E27FC236}">
+                <a16:creationId xmlns:a16="http://schemas.microsoft.com/office/drawing/2014/main" id="{9659BF35-3A32-4FD5-A109-BCC3D3563180}"/>
+              </a:ext>
+            </a:extLst>
+          </p:cNvPr>
+          <p:cNvSpPr>
+            <a:spLocks noGrp="1"/>
+          </p:cNvSpPr>
+          <p:nvPr>
+            <p:ph type="title"/>
+          </p:nvPr>
+        </p:nvSpPr>
+        <p:spPr/>
+        <p:txBody>
+          <a:bodyPr/>
+          <a:lstStyle/>
+          <a:p>
+            <a:r>
+              <a:rPr lang="en-US" dirty="0"/>
+              <a:t>Convex chain </a:t>
+            </a:r>
+            <a:r>
+              <a:rPr lang="en-US" dirty="0" err="1"/>
+              <a:t>cont</a:t>
+            </a:r>
+            <a:r>
+              <a:rPr lang="en-US" dirty="0"/>
+              <a:t>’ (lemma 1)</a:t>
+            </a:r>
+          </a:p>
+        </p:txBody>
+      </p:sp>
+      <p:sp>
+        <p:nvSpPr>
+          <p:cNvPr id="3" name="Content Placeholder 2">
+            <a:extLst>
+              <a:ext uri="{FF2B5EF4-FFF2-40B4-BE49-F238E27FC236}">
+                <a16:creationId xmlns:a16="http://schemas.microsoft.com/office/drawing/2014/main" id="{CEB31987-0421-4A48-BAB5-2D2C26A07E90}"/>
+              </a:ext>
+            </a:extLst>
+          </p:cNvPr>
+          <p:cNvSpPr>
+            <a:spLocks noGrp="1"/>
+          </p:cNvSpPr>
+          <p:nvPr>
+            <p:ph idx="1"/>
+          </p:nvPr>
+        </p:nvSpPr>
+        <p:spPr>
+          <a:xfrm>
+            <a:off x="2231136" y="2638044"/>
+            <a:ext cx="8058270" cy="3551000"/>
+          </a:xfrm>
+        </p:spPr>
+        <p:txBody>
+          <a:bodyPr/>
+          <a:lstStyle/>
+          <a:p>
+            <a:r>
+              <a:rPr lang="en-US" dirty="0"/>
+              <a:t>Lemma</a:t>
+            </a:r>
+            <a:r>
+              <a:rPr lang="he-IL" dirty="0"/>
+              <a:t>- לא קיימת אף צלע </a:t>
+            </a:r>
+            <a:r>
+              <a:rPr lang="en-US" dirty="0"/>
+              <a:t>f</a:t>
+            </a:r>
+            <a:r>
+              <a:rPr lang="he-IL" dirty="0"/>
+              <a:t> כך שמתקיים </a:t>
+            </a:r>
+            <a:r>
+              <a:rPr lang="en-US" dirty="0" err="1"/>
+              <a:t>eRf</a:t>
+            </a:r>
+            <a:r>
+              <a:rPr lang="he-IL" dirty="0"/>
+              <a:t> וגם מתקיים </a:t>
+            </a:r>
+            <a:r>
+              <a:rPr lang="en-US" dirty="0" err="1"/>
+              <a:t>gRf</a:t>
+            </a:r>
+            <a:r>
+              <a:rPr lang="he-IL" dirty="0"/>
+              <a:t> עבור </a:t>
+            </a:r>
+            <a:r>
+              <a:rPr lang="en-US" dirty="0"/>
+              <a:t>g!=e</a:t>
+            </a:r>
+          </a:p>
+          <a:p>
+            <a:r>
+              <a:rPr lang="he-IL" dirty="0"/>
+              <a:t>הוכחה:</a:t>
+            </a:r>
+            <a:endParaRPr lang="en-US" dirty="0"/>
+          </a:p>
+          <a:p>
+            <a:pPr lvl="1"/>
+            <a:r>
+              <a:rPr lang="he-IL" dirty="0"/>
+              <a:t> נניח שקיים </a:t>
+            </a:r>
+            <a:r>
+              <a:rPr lang="en-US" dirty="0"/>
+              <a:t>f</a:t>
+            </a:r>
+            <a:r>
+              <a:rPr lang="he-IL" dirty="0"/>
+              <a:t> כזה, יהיו </a:t>
+            </a:r>
+            <a:r>
+              <a:rPr lang="en-US" dirty="0" err="1"/>
+              <a:t>g,e</a:t>
+            </a:r>
+            <a:r>
+              <a:rPr lang="he-IL" dirty="0"/>
+              <a:t> כך ש</a:t>
+            </a:r>
+            <a:r>
+              <a:rPr lang="en-US" dirty="0"/>
+              <a:t>s(e)&gt;s(g)</a:t>
+            </a:r>
+            <a:r>
+              <a:rPr lang="he-IL" dirty="0"/>
+              <a:t> </a:t>
+            </a:r>
+            <a:endParaRPr lang="en-US" dirty="0"/>
+          </a:p>
+          <a:p>
+            <a:pPr lvl="1"/>
+            <a:r>
+              <a:rPr lang="he-IL" dirty="0"/>
+              <a:t>לפי ההגדה </a:t>
+            </a:r>
+            <a:r>
+              <a:rPr lang="en-US" dirty="0"/>
+              <a:t>s(g)&gt;s(f)</a:t>
+            </a:r>
+            <a:r>
+              <a:rPr lang="he-IL" dirty="0"/>
+              <a:t> וגם </a:t>
+            </a:r>
+            <a:r>
+              <a:rPr lang="en-US" dirty="0"/>
+              <a:t>s(e)&gt;s(f)</a:t>
+            </a:r>
+          </a:p>
+          <a:p>
+            <a:pPr lvl="1"/>
+            <a:r>
+              <a:rPr lang="he-IL" dirty="0"/>
+              <a:t>לפי התכונה של </a:t>
+            </a:r>
+            <a:r>
+              <a:rPr lang="en-US" dirty="0" err="1"/>
+              <a:t>Lov’asz</a:t>
+            </a:r>
+            <a:r>
+              <a:rPr lang="he-IL" dirty="0"/>
+              <a:t> חייבת להיות צלע יוצאת </a:t>
+            </a:r>
+            <a:r>
+              <a:rPr lang="en-US" dirty="0"/>
+              <a:t>f’</a:t>
+            </a:r>
+            <a:r>
+              <a:rPr lang="he-IL" dirty="0"/>
+              <a:t> כך ש</a:t>
+            </a:r>
+            <a:r>
+              <a:rPr lang="en-US" dirty="0"/>
+              <a:t>s(e)&gt;s(f’)&gt;s(g)</a:t>
+            </a:r>
+          </a:p>
+          <a:p>
+            <a:pPr lvl="1"/>
+            <a:r>
+              <a:rPr lang="he-IL" dirty="0"/>
+              <a:t>לכן נקבל ש</a:t>
+            </a:r>
+            <a:r>
+              <a:rPr lang="en-US" dirty="0"/>
+              <a:t>s(e)&gt;s(f’)&gt;s(g)&gt;s(f)</a:t>
+            </a:r>
+            <a:r>
+              <a:rPr lang="he-IL" dirty="0"/>
+              <a:t> אבל זו סתירה ל</a:t>
+            </a:r>
+            <a:r>
+              <a:rPr lang="en-US" dirty="0" err="1"/>
+              <a:t>eRf</a:t>
+            </a:r>
+            <a:endParaRPr lang="en-US" dirty="0"/>
+          </a:p>
+          <a:p>
+            <a:r>
+              <a:rPr lang="he-IL" dirty="0"/>
+              <a:t>קבוצת היחסים הרפלקסיבית </a:t>
+            </a:r>
+            <a:r>
+              <a:rPr lang="en-US" dirty="0"/>
+              <a:t>R*</a:t>
+            </a:r>
+            <a:r>
+              <a:rPr lang="he-IL" dirty="0"/>
+              <a:t> מחלקת את </a:t>
+            </a:r>
+            <a:r>
+              <a:rPr lang="en-US" dirty="0" err="1"/>
+              <a:t>Ek</a:t>
+            </a:r>
+            <a:r>
+              <a:rPr lang="he-IL" dirty="0"/>
+              <a:t> לשרשראות לא חופפות לפי הלמה ובנוסף לי הגדרת היחס </a:t>
+            </a:r>
+            <a:r>
+              <a:rPr lang="en-US" dirty="0"/>
+              <a:t>R</a:t>
+            </a:r>
+            <a:r>
+              <a:rPr lang="he-IL" dirty="0"/>
+              <a:t> כל שרשרת כזאת היא קונבקסית (תמיד פונים רק ימינה)</a:t>
+            </a:r>
+            <a:endParaRPr lang="en-US" dirty="0"/>
+          </a:p>
+        </p:txBody>
+      </p:sp>
+    </p:spTree>
+    <p:extLst>
+      <p:ext uri="{BB962C8B-B14F-4D97-AF65-F5344CB8AC3E}">
+        <p14:creationId xmlns:p14="http://schemas.microsoft.com/office/powerpoint/2010/main" val="2295642179"/>
+      </p:ext>
+    </p:extLst>
+  </p:cSld>
+  <p:clrMapOvr>
+    <a:masterClrMapping/>
+  </p:clrMapOvr>
+</p:sld>
+</file>
+
+<file path=ppt/slides/slide21.xml><?xml version="1.0" encoding="utf-8"?>
+<p:sld xmlns:a="http://schemas.openxmlformats.org/drawingml/2006/main" xmlns:r="http://schemas.openxmlformats.org/officeDocument/2006/relationships" xmlns:p="http://schemas.openxmlformats.org/presentationml/2006/main">
+  <p:cSld>
+    <p:spTree>
+      <p:nvGrpSpPr>
+        <p:cNvPr id="1" name=""/>
+        <p:cNvGrpSpPr/>
+        <p:nvPr/>
+      </p:nvGrpSpPr>
+      <p:grpSpPr>
+        <a:xfrm>
+          <a:off x="0" y="0"/>
+          <a:ext cx="0" cy="0"/>
+          <a:chOff x="0" y="0"/>
+          <a:chExt cx="0" cy="0"/>
+        </a:xfrm>
+      </p:grpSpPr>
+      <p:sp>
+        <p:nvSpPr>
+          <p:cNvPr id="2" name="Title 1">
+            <a:extLst>
+              <a:ext uri="{FF2B5EF4-FFF2-40B4-BE49-F238E27FC236}">
+                <a16:creationId xmlns:a16="http://schemas.microsoft.com/office/drawing/2014/main" id="{830960BC-AAC1-42A9-86CF-77F226E2A9DA}"/>
+              </a:ext>
+            </a:extLst>
+          </p:cNvPr>
+          <p:cNvSpPr>
+            <a:spLocks noGrp="1"/>
+          </p:cNvSpPr>
+          <p:nvPr>
+            <p:ph type="title"/>
+          </p:nvPr>
+        </p:nvSpPr>
+        <p:spPr>
+          <a:xfrm>
+            <a:off x="2163486" y="971044"/>
+            <a:ext cx="7865027" cy="1206644"/>
+          </a:xfrm>
+        </p:spPr>
+        <p:txBody>
+          <a:bodyPr/>
+          <a:lstStyle/>
+          <a:p>
+            <a:r>
+              <a:rPr lang="en-US" dirty="0"/>
+              <a:t>Number of convex chains (lemma 2)</a:t>
+            </a:r>
+          </a:p>
+        </p:txBody>
+      </p:sp>
+      <p:sp>
+        <p:nvSpPr>
+          <p:cNvPr id="3" name="Content Placeholder 2">
+            <a:extLst>
+              <a:ext uri="{FF2B5EF4-FFF2-40B4-BE49-F238E27FC236}">
+                <a16:creationId xmlns:a16="http://schemas.microsoft.com/office/drawing/2014/main" id="{8BF5B453-641D-4331-8876-A8AFFA7755B1}"/>
+              </a:ext>
+            </a:extLst>
+          </p:cNvPr>
+          <p:cNvSpPr>
+            <a:spLocks noGrp="1"/>
+          </p:cNvSpPr>
+          <p:nvPr>
+            <p:ph idx="1"/>
+          </p:nvPr>
+        </p:nvSpPr>
+        <p:spPr/>
+        <p:txBody>
+          <a:bodyPr/>
+          <a:lstStyle/>
+          <a:p>
+            <a:r>
+              <a:rPr lang="he-IL" dirty="0"/>
+              <a:t>נרצה להוכיח שיש עד </a:t>
+            </a:r>
+            <a:r>
+              <a:rPr lang="en-US" dirty="0"/>
+              <a:t>k+1</a:t>
+            </a:r>
+            <a:r>
+              <a:rPr lang="he-IL" dirty="0"/>
+              <a:t> </a:t>
+            </a:r>
+            <a:r>
+              <a:rPr lang="en-US" dirty="0"/>
+              <a:t>convex chains</a:t>
+            </a:r>
+            <a:r>
+              <a:rPr lang="he-IL" dirty="0"/>
+              <a:t> עבור כל סט נקודות</a:t>
+            </a:r>
+          </a:p>
+          <a:p>
+            <a:r>
+              <a:rPr lang="en-US" dirty="0"/>
+              <a:t>Lemma 2</a:t>
+            </a:r>
+            <a:r>
+              <a:rPr lang="he-IL" dirty="0"/>
+              <a:t>- בהנתן </a:t>
+            </a:r>
+            <a:r>
+              <a:rPr lang="en-US" dirty="0"/>
+              <a:t>C1, C2…Cm</a:t>
+            </a:r>
+            <a:r>
+              <a:rPr lang="he-IL" dirty="0"/>
+              <a:t> </a:t>
+            </a:r>
+            <a:r>
+              <a:rPr lang="en-US" dirty="0"/>
+              <a:t>convex chains</a:t>
+            </a:r>
+            <a:r>
+              <a:rPr lang="he-IL" dirty="0"/>
+              <a:t> שהתקבלו על ידי היחס </a:t>
+            </a:r>
+            <a:r>
+              <a:rPr lang="en-US" dirty="0"/>
+              <a:t>R*</a:t>
+            </a:r>
+            <a:r>
+              <a:rPr lang="he-IL" dirty="0"/>
+              <a:t>, כל </a:t>
+            </a:r>
+            <a:r>
+              <a:rPr lang="en-US" dirty="0"/>
+              <a:t>Ci</a:t>
+            </a:r>
+            <a:r>
+              <a:rPr lang="he-IL" dirty="0"/>
+              <a:t> מתחיל בנקודה ייחודית שהיא אחת מתוך </a:t>
+            </a:r>
+            <a:r>
+              <a:rPr lang="en-US" dirty="0"/>
+              <a:t>k+1</a:t>
+            </a:r>
+            <a:r>
+              <a:rPr lang="he-IL" dirty="0"/>
+              <a:t> הנקודות ההכי שמאליות ב</a:t>
+            </a:r>
+            <a:r>
+              <a:rPr lang="en-US" dirty="0"/>
+              <a:t>P</a:t>
+            </a:r>
+            <a:endParaRPr lang="he-IL" dirty="0"/>
+          </a:p>
+          <a:p>
+            <a:r>
+              <a:rPr lang="he-IL" dirty="0"/>
+              <a:t>מפה ניתן להסיק שיש לכל היותר </a:t>
+            </a:r>
+            <a:r>
+              <a:rPr lang="en-US" dirty="0"/>
+              <a:t>k+1</a:t>
+            </a:r>
+            <a:r>
+              <a:rPr lang="he-IL" dirty="0"/>
+              <a:t> </a:t>
+            </a:r>
+            <a:r>
+              <a:rPr lang="en-US" dirty="0"/>
+              <a:t>convex chains</a:t>
+            </a:r>
+            <a:endParaRPr lang="he-IL" dirty="0"/>
+          </a:p>
+          <a:p>
+            <a:r>
+              <a:rPr lang="he-IL" dirty="0"/>
+              <a:t> </a:t>
+            </a:r>
+            <a:r>
+              <a:rPr lang="he-IL" sz="5400" dirty="0">
+                <a:solidFill>
+                  <a:srgbClr val="FF0000"/>
+                </a:solidFill>
+              </a:rPr>
+              <a:t>להוסיף הוכחה</a:t>
+            </a:r>
+            <a:endParaRPr lang="en-US" dirty="0"/>
+          </a:p>
+        </p:txBody>
+      </p:sp>
+    </p:spTree>
+    <p:extLst>
+      <p:ext uri="{BB962C8B-B14F-4D97-AF65-F5344CB8AC3E}">
+        <p14:creationId xmlns:p14="http://schemas.microsoft.com/office/powerpoint/2010/main" val="138650407"/>
+      </p:ext>
+    </p:extLst>
+  </p:cSld>
+  <p:clrMapOvr>
+    <a:masterClrMapping/>
+  </p:clrMapOvr>
+</p:sld>
+</file>
+
+<file path=ppt/slides/slide22.xml><?xml version="1.0" encoding="utf-8"?>
+<p:sld xmlns:a="http://schemas.openxmlformats.org/drawingml/2006/main" xmlns:r="http://schemas.openxmlformats.org/officeDocument/2006/relationships" xmlns:p="http://schemas.openxmlformats.org/presentationml/2006/main">
+  <p:cSld>
+    <p:spTree>
+      <p:nvGrpSpPr>
+        <p:cNvPr id="1" name=""/>
+        <p:cNvGrpSpPr/>
+        <p:nvPr/>
+      </p:nvGrpSpPr>
+      <p:grpSpPr>
+        <a:xfrm>
+          <a:off x="0" y="0"/>
+          <a:ext cx="0" cy="0"/>
+          <a:chOff x="0" y="0"/>
+          <a:chExt cx="0" cy="0"/>
+        </a:xfrm>
+      </p:grpSpPr>
+      <p:sp>
+        <p:nvSpPr>
+          <p:cNvPr id="2" name="Title 1">
+            <a:extLst>
+              <a:ext uri="{FF2B5EF4-FFF2-40B4-BE49-F238E27FC236}">
+                <a16:creationId xmlns:a16="http://schemas.microsoft.com/office/drawing/2014/main" id="{254CC3E5-610F-4389-9680-4DF01A48A5F9}"/>
+              </a:ext>
+            </a:extLst>
+          </p:cNvPr>
+          <p:cNvSpPr>
+            <a:spLocks noGrp="1"/>
+          </p:cNvSpPr>
+          <p:nvPr>
+            <p:ph type="title"/>
+          </p:nvPr>
+        </p:nvSpPr>
+        <p:spPr/>
+        <p:txBody>
+          <a:bodyPr/>
+          <a:lstStyle/>
+          <a:p>
+            <a:r>
+              <a:rPr lang="en-US" dirty="0"/>
+              <a:t>Convex chain intersection and common tangent</a:t>
+            </a:r>
+          </a:p>
+        </p:txBody>
+      </p:sp>
+      <p:sp>
+        <p:nvSpPr>
+          <p:cNvPr id="3" name="Content Placeholder 2">
+            <a:extLst>
+              <a:ext uri="{FF2B5EF4-FFF2-40B4-BE49-F238E27FC236}">
+                <a16:creationId xmlns:a16="http://schemas.microsoft.com/office/drawing/2014/main" id="{0CCB29D8-1169-4FC3-BD8F-B68703893F56}"/>
+              </a:ext>
+            </a:extLst>
+          </p:cNvPr>
+          <p:cNvSpPr>
+            <a:spLocks noGrp="1"/>
+          </p:cNvSpPr>
+          <p:nvPr>
+            <p:ph idx="1"/>
+          </p:nvPr>
+        </p:nvSpPr>
+        <p:spPr/>
+        <p:txBody>
+          <a:bodyPr>
+            <a:normAutofit lnSpcReduction="10000"/>
+          </a:bodyPr>
+          <a:lstStyle/>
+          <a:p>
+            <a:r>
+              <a:rPr lang="he-IL" dirty="0"/>
+              <a:t>אנחנו רוצים לחסום את מספר השרשראות שנחתכות אחת עם השניה, חיתוכים אלה נקראים </a:t>
+            </a:r>
+            <a:r>
+              <a:rPr lang="en-US" dirty="0"/>
+              <a:t>“crossings”</a:t>
+            </a:r>
+            <a:r>
+              <a:rPr lang="he-IL" dirty="0"/>
+              <a:t> נעשה זאת על ידי חסימה של מספר המשיקים המשותפים בכל נקודת חיתוך</a:t>
+            </a:r>
+          </a:p>
+          <a:p>
+            <a:r>
+              <a:rPr lang="he-IL" dirty="0"/>
+              <a:t>בהנתן שתי צלעות מ</a:t>
+            </a:r>
+            <a:r>
+              <a:rPr lang="en-US" dirty="0" err="1"/>
+              <a:t>Ek</a:t>
+            </a:r>
+            <a:r>
+              <a:rPr lang="he-IL" dirty="0"/>
+              <a:t> </a:t>
+            </a:r>
+            <a:r>
+              <a:rPr lang="en-US" dirty="0" err="1"/>
+              <a:t>e,f</a:t>
+            </a:r>
+            <a:r>
+              <a:rPr lang="he-IL" dirty="0"/>
+              <a:t> שנחתכות נסתכל על שתי השרשראות שמכילות את הצלע הזו </a:t>
+            </a:r>
+            <a:r>
+              <a:rPr lang="en-US" dirty="0"/>
+              <a:t>Ci, </a:t>
+            </a:r>
+            <a:r>
+              <a:rPr lang="en-US" dirty="0" err="1"/>
+              <a:t>Cj</a:t>
+            </a:r>
+            <a:endParaRPr lang="he-IL" dirty="0"/>
+          </a:p>
+          <a:p>
+            <a:r>
+              <a:rPr lang="he-IL" dirty="0"/>
+              <a:t>נתאם עבור </a:t>
+            </a:r>
+            <a:r>
+              <a:rPr lang="en-US" dirty="0"/>
+              <a:t>Ci, </a:t>
+            </a:r>
+            <a:r>
+              <a:rPr lang="en-US" dirty="0" err="1"/>
+              <a:t>Cj</a:t>
+            </a:r>
+            <a:r>
+              <a:rPr lang="he-IL" dirty="0"/>
+              <a:t> משיק משותף ייחודי לפי הסכמה הבאה:</a:t>
+            </a:r>
+          </a:p>
+          <a:p>
+            <a:pPr lvl="1"/>
+            <a:r>
+              <a:rPr lang="he-IL" dirty="0"/>
+              <a:t>נרצה לתאם משיק משותף כך שהמשיק יחבר נקודה אחת מ</a:t>
+            </a:r>
+            <a:r>
+              <a:rPr lang="en-US" dirty="0"/>
+              <a:t>Ci</a:t>
+            </a:r>
+            <a:r>
+              <a:rPr lang="he-IL" dirty="0"/>
+              <a:t> עם נקודה מ</a:t>
+            </a:r>
+            <a:r>
+              <a:rPr lang="en-US" dirty="0" err="1"/>
+              <a:t>Cj</a:t>
+            </a:r>
+            <a:r>
+              <a:rPr lang="he-IL" dirty="0"/>
+              <a:t> כך שכל שאר הנקודות של שתיהן יהיו מתחת ל</a:t>
+            </a:r>
+            <a:r>
+              <a:rPr lang="en-US" dirty="0"/>
+              <a:t>supporting line</a:t>
+            </a:r>
+            <a:r>
+              <a:rPr lang="he-IL" dirty="0"/>
+              <a:t> של משיק זה</a:t>
+            </a:r>
+          </a:p>
+          <a:p>
+            <a:pPr lvl="1"/>
+            <a:r>
+              <a:rPr lang="he-IL" dirty="0"/>
+              <a:t>נסתכל על נקודת חיתוך </a:t>
+            </a:r>
+            <a:r>
+              <a:rPr lang="en-US" dirty="0"/>
+              <a:t>X</a:t>
+            </a:r>
+            <a:r>
+              <a:rPr lang="he-IL" dirty="0"/>
+              <a:t>, וקו האנכי שיוצא מ</a:t>
+            </a:r>
+            <a:r>
+              <a:rPr lang="en-US" dirty="0"/>
+              <a:t>X</a:t>
+            </a:r>
+            <a:r>
+              <a:rPr lang="he-IL" dirty="0"/>
+              <a:t> חותך צלע ייחודית במעטפת של החלל העליון שמעל החיתוך, צלע זו היא המשיק המשותף </a:t>
+            </a:r>
+          </a:p>
+        </p:txBody>
+      </p:sp>
+      <p:pic>
+        <p:nvPicPr>
+          <p:cNvPr id="7" name="Picture 6" descr="A picture containing map, text, wire, bird&#10;&#10;Description automatically generated">
+            <a:extLst>
+              <a:ext uri="{FF2B5EF4-FFF2-40B4-BE49-F238E27FC236}">
+                <a16:creationId xmlns:a16="http://schemas.microsoft.com/office/drawing/2014/main" id="{45486F96-BFB3-4FB7-92A7-25AD7077674D}"/>
+              </a:ext>
+            </a:extLst>
+          </p:cNvPr>
+          <p:cNvPicPr>
+            <a:picLocks noChangeAspect="1"/>
+          </p:cNvPicPr>
+          <p:nvPr/>
+        </p:nvPicPr>
+        <p:blipFill>
+          <a:blip r:embed="rId2"/>
+          <a:stretch>
+            <a:fillRect/>
+          </a:stretch>
+        </p:blipFill>
+        <p:spPr>
+          <a:xfrm>
+            <a:off x="592607" y="5384991"/>
+            <a:ext cx="3277057" cy="1324160"/>
+          </a:xfrm>
+          <a:prstGeom prst="rect">
+            <a:avLst/>
+          </a:prstGeom>
+        </p:spPr>
+      </p:pic>
+    </p:spTree>
+    <p:extLst>
+      <p:ext uri="{BB962C8B-B14F-4D97-AF65-F5344CB8AC3E}">
+        <p14:creationId xmlns:p14="http://schemas.microsoft.com/office/powerpoint/2010/main" val="2383138185"/>
+      </p:ext>
+    </p:extLst>
+  </p:cSld>
+  <p:clrMapOvr>
+    <a:masterClrMapping/>
+  </p:clrMapOvr>
+</p:sld>
+</file>
+
+<file path=ppt/slides/slide23.xml><?xml version="1.0" encoding="utf-8"?>
+<p:sld xmlns:a="http://schemas.openxmlformats.org/drawingml/2006/main" xmlns:r="http://schemas.openxmlformats.org/officeDocument/2006/relationships" xmlns:p="http://schemas.openxmlformats.org/presentationml/2006/main">
+  <p:cSld>
+    <p:spTree>
+      <p:nvGrpSpPr>
+        <p:cNvPr id="1" name=""/>
+        <p:cNvGrpSpPr/>
+        <p:nvPr/>
+      </p:nvGrpSpPr>
+      <p:grpSpPr>
+        <a:xfrm>
+          <a:off x="0" y="0"/>
+          <a:ext cx="0" cy="0"/>
+          <a:chOff x="0" y="0"/>
+          <a:chExt cx="0" cy="0"/>
+        </a:xfrm>
+      </p:grpSpPr>
+      <p:sp>
+        <p:nvSpPr>
+          <p:cNvPr id="2" name="Title 1">
+            <a:extLst>
+              <a:ext uri="{FF2B5EF4-FFF2-40B4-BE49-F238E27FC236}">
+                <a16:creationId xmlns:a16="http://schemas.microsoft.com/office/drawing/2014/main" id="{53606D23-0D3B-4F9D-9A51-351B90D19E25}"/>
+              </a:ext>
+            </a:extLst>
+          </p:cNvPr>
+          <p:cNvSpPr>
+            <a:spLocks noGrp="1"/>
+          </p:cNvSpPr>
+          <p:nvPr>
+            <p:ph type="title"/>
+          </p:nvPr>
+        </p:nvSpPr>
+        <p:spPr>
+          <a:xfrm>
+            <a:off x="2231136" y="666309"/>
+            <a:ext cx="7729728" cy="1188720"/>
+          </a:xfrm>
+        </p:spPr>
+        <p:txBody>
+          <a:bodyPr/>
+          <a:lstStyle/>
+          <a:p>
+            <a:r>
+              <a:rPr lang="en-US" dirty="0"/>
+              <a:t>Convex chain intersection and common tangent (</a:t>
+            </a:r>
+            <a:r>
+              <a:rPr lang="en-US" dirty="0" err="1"/>
+              <a:t>cont</a:t>
+            </a:r>
+            <a:r>
+              <a:rPr lang="en-US" dirty="0"/>
+              <a:t>’) </a:t>
+            </a:r>
+          </a:p>
+        </p:txBody>
+      </p:sp>
+      <p:sp>
+        <p:nvSpPr>
+          <p:cNvPr id="3" name="Content Placeholder 2">
+            <a:extLst>
+              <a:ext uri="{FF2B5EF4-FFF2-40B4-BE49-F238E27FC236}">
+                <a16:creationId xmlns:a16="http://schemas.microsoft.com/office/drawing/2014/main" id="{7AC8C01E-0551-420B-A3DD-B81157CBEB89}"/>
+              </a:ext>
+            </a:extLst>
+          </p:cNvPr>
+          <p:cNvSpPr>
+            <a:spLocks noGrp="1"/>
+          </p:cNvSpPr>
+          <p:nvPr>
+            <p:ph idx="1"/>
+          </p:nvPr>
+        </p:nvSpPr>
+        <p:spPr>
+          <a:xfrm>
+            <a:off x="2231136" y="2234211"/>
+            <a:ext cx="7729728" cy="3445122"/>
+          </a:xfrm>
+        </p:spPr>
+        <p:txBody>
+          <a:bodyPr>
+            <a:normAutofit fontScale="92500" lnSpcReduction="20000"/>
+          </a:bodyPr>
+          <a:lstStyle/>
+          <a:p>
+            <a:r>
+              <a:rPr lang="en-US" dirty="0"/>
+              <a:t>Lemma 3</a:t>
+            </a:r>
+            <a:r>
+              <a:rPr lang="he-IL" dirty="0"/>
+              <a:t>- כל משיק משותף מתואם רק פעם אחת עבור כל זוגות של ה</a:t>
+            </a:r>
+            <a:r>
+              <a:rPr lang="en-US" dirty="0"/>
+              <a:t>convex chains</a:t>
+            </a:r>
+          </a:p>
+          <a:p>
+            <a:r>
+              <a:rPr lang="he-IL" dirty="0"/>
+              <a:t>הוכחה:</a:t>
+            </a:r>
+          </a:p>
+          <a:p>
+            <a:pPr lvl="1"/>
+            <a:r>
+              <a:rPr lang="he-IL" dirty="0"/>
+              <a:t>נניח בשלילה שמשיק </a:t>
+            </a:r>
+            <a:r>
+              <a:rPr lang="en-US" dirty="0"/>
+              <a:t>T</a:t>
+            </a:r>
+            <a:r>
+              <a:rPr lang="he-IL" dirty="0"/>
+              <a:t> מתואם עבור 2 זוגות שונים של שרשראות </a:t>
+            </a:r>
+            <a:r>
+              <a:rPr lang="en-US" dirty="0"/>
+              <a:t>Ci1, Cj1</a:t>
+            </a:r>
+            <a:r>
+              <a:rPr lang="he-IL" dirty="0"/>
+              <a:t> ו</a:t>
+            </a:r>
+            <a:r>
+              <a:rPr lang="en-US" dirty="0"/>
+              <a:t>Ci2, Cj2</a:t>
+            </a:r>
+          </a:p>
+          <a:p>
+            <a:pPr lvl="1"/>
+            <a:r>
+              <a:rPr lang="he-IL" dirty="0"/>
+              <a:t>נסתכל על נקודה </a:t>
+            </a:r>
+            <a:r>
+              <a:rPr lang="en-US" dirty="0"/>
+              <a:t>p</a:t>
+            </a:r>
+            <a:r>
+              <a:rPr lang="he-IL" dirty="0"/>
+              <a:t> שהיא הנקודה השמאלית של </a:t>
+            </a:r>
+            <a:r>
+              <a:rPr lang="en-US" dirty="0"/>
+              <a:t>T</a:t>
+            </a:r>
+            <a:r>
+              <a:rPr lang="he-IL" dirty="0"/>
+              <a:t>, </a:t>
+            </a:r>
+            <a:r>
+              <a:rPr lang="en-US" dirty="0"/>
+              <a:t>p</a:t>
+            </a:r>
+            <a:r>
+              <a:rPr lang="he-IL" dirty="0"/>
+              <a:t> היא לא הנקודה הראשונה של שרשרת אחת בוודאות לפי למה - 2 נניח ששרשרת </a:t>
+            </a:r>
+            <a:r>
+              <a:rPr lang="en-US" dirty="0"/>
+              <a:t>Ci1</a:t>
+            </a:r>
+          </a:p>
+          <a:p>
+            <a:pPr lvl="1"/>
+            <a:r>
+              <a:rPr lang="he-IL" dirty="0"/>
+              <a:t>נסמן ב</a:t>
+            </a:r>
+            <a:r>
+              <a:rPr lang="en-US" dirty="0"/>
+              <a:t>ei1</a:t>
+            </a:r>
+            <a:r>
+              <a:rPr lang="he-IL" dirty="0"/>
+              <a:t> ו</a:t>
+            </a:r>
+            <a:r>
+              <a:rPr lang="en-US" dirty="0"/>
+              <a:t>fi1</a:t>
+            </a:r>
+            <a:r>
+              <a:rPr lang="he-IL" dirty="0"/>
+              <a:t> את הצלע הנכנסת והיוצאת של </a:t>
+            </a:r>
+            <a:r>
+              <a:rPr lang="en-US" dirty="0"/>
+              <a:t>Ci1</a:t>
+            </a:r>
+            <a:r>
+              <a:rPr lang="he-IL" dirty="0"/>
+              <a:t> מנקודה</a:t>
+            </a:r>
+            <a:r>
+              <a:rPr lang="en-US" dirty="0"/>
+              <a:t>p </a:t>
+            </a:r>
+            <a:r>
+              <a:rPr lang="he-IL" dirty="0"/>
+              <a:t> ונסמן ב</a:t>
+            </a:r>
+            <a:r>
+              <a:rPr lang="en-US" dirty="0"/>
+              <a:t>fi2</a:t>
+            </a:r>
+            <a:r>
+              <a:rPr lang="he-IL" dirty="0"/>
+              <a:t> את הצלע היוצאת של </a:t>
+            </a:r>
+            <a:r>
+              <a:rPr lang="en-US" dirty="0"/>
+              <a:t>Ci2</a:t>
+            </a:r>
+          </a:p>
+          <a:p>
+            <a:pPr lvl="1"/>
+            <a:r>
+              <a:rPr lang="he-IL" dirty="0"/>
+              <a:t>בכלל ש</a:t>
+            </a:r>
+            <a:r>
+              <a:rPr lang="en-US" dirty="0"/>
+              <a:t>T</a:t>
+            </a:r>
+            <a:r>
+              <a:rPr lang="he-IL" dirty="0"/>
+              <a:t> הוא המשיק המשותף של של </a:t>
+            </a:r>
+            <a:r>
+              <a:rPr lang="en-US" dirty="0"/>
+              <a:t>Ci1, Ci2</a:t>
+            </a:r>
+            <a:r>
+              <a:rPr lang="he-IL" dirty="0"/>
+              <a:t> אזי חייב להתקיים ש</a:t>
+            </a:r>
+            <a:r>
+              <a:rPr lang="en-US" dirty="0"/>
+              <a:t>s(ei1)&gt;s(fi1)&gt;s(fi2)</a:t>
+            </a:r>
+            <a:r>
+              <a:rPr lang="he-IL" dirty="0"/>
+              <a:t> או </a:t>
+            </a:r>
+            <a:r>
+              <a:rPr lang="en-US" dirty="0"/>
+              <a:t>s(ei1)&gt;s(fi2)&gt;s(fi1)</a:t>
+            </a:r>
+            <a:r>
+              <a:rPr lang="he-IL" dirty="0"/>
+              <a:t> כי אחרת הנקודה </a:t>
+            </a:r>
+            <a:r>
+              <a:rPr lang="en-US" dirty="0"/>
+              <a:t>p</a:t>
+            </a:r>
+            <a:r>
+              <a:rPr lang="he-IL" dirty="0"/>
+              <a:t> לא הייתה נקודת ההתחלה של </a:t>
+            </a:r>
+            <a:r>
+              <a:rPr lang="en-US" dirty="0"/>
+              <a:t>T</a:t>
+            </a:r>
+            <a:endParaRPr lang="he-IL" dirty="0"/>
+          </a:p>
+          <a:p>
+            <a:pPr lvl="1"/>
+            <a:r>
+              <a:rPr lang="he-IL" dirty="0"/>
+              <a:t>האופצייה הראשונה לא יכולה להתקיים בגלל העובדה שמתקיים </a:t>
+            </a:r>
+            <a:r>
+              <a:rPr lang="en-US" dirty="0"/>
+              <a:t>ei1Rfi1</a:t>
+            </a:r>
+            <a:r>
+              <a:rPr lang="he-IL" dirty="0"/>
+              <a:t> </a:t>
+            </a:r>
+          </a:p>
+          <a:p>
+            <a:pPr lvl="1"/>
+            <a:r>
+              <a:rPr lang="he-IL" dirty="0"/>
+              <a:t>בשביל האופצייה השנייה צריך שתהיה צלע נכנסת </a:t>
+            </a:r>
+            <a:r>
+              <a:rPr lang="en-US" dirty="0"/>
+              <a:t>ei2</a:t>
+            </a:r>
+            <a:r>
+              <a:rPr lang="he-IL" dirty="0"/>
+              <a:t> של </a:t>
+            </a:r>
+            <a:r>
+              <a:rPr lang="en-US" dirty="0"/>
+              <a:t>Ci2</a:t>
+            </a:r>
+            <a:r>
+              <a:rPr lang="he-IL" dirty="0"/>
+              <a:t> כך ש</a:t>
+            </a:r>
+            <a:r>
+              <a:rPr lang="en-US" dirty="0"/>
+              <a:t>s(fi1)&gt;s(ei2)&gt;s(fi2)</a:t>
+            </a:r>
+            <a:r>
+              <a:rPr lang="he-IL" dirty="0"/>
+              <a:t> (התכונה של </a:t>
+            </a:r>
+            <a:r>
+              <a:rPr lang="en-US" dirty="0" err="1"/>
+              <a:t>Lov’asz</a:t>
+            </a:r>
+            <a:r>
+              <a:rPr lang="he-IL" dirty="0"/>
+              <a:t>) אבל אם זה המצב </a:t>
+            </a:r>
+            <a:r>
+              <a:rPr lang="en-US" dirty="0"/>
+              <a:t>T</a:t>
+            </a:r>
+            <a:r>
+              <a:rPr lang="he-IL" dirty="0"/>
+              <a:t> לא יכול להיות המשיק של </a:t>
+            </a:r>
+            <a:r>
+              <a:rPr lang="en-US" dirty="0"/>
+              <a:t>Ci2</a:t>
+            </a:r>
+            <a:r>
+              <a:rPr lang="he-IL" dirty="0"/>
+              <a:t> (כי נקודת ההתחלה של </a:t>
+            </a:r>
+            <a:r>
+              <a:rPr lang="en-US" dirty="0"/>
+              <a:t>ei2</a:t>
+            </a:r>
+            <a:r>
+              <a:rPr lang="he-IL" dirty="0"/>
+              <a:t> לא </a:t>
+            </a:r>
+            <a:br>
+              <a:rPr lang="en-US" dirty="0"/>
+            </a:br>
+            <a:r>
+              <a:rPr lang="he-IL" dirty="0"/>
+              <a:t>תהיה מתחת למשיק כי </a:t>
+            </a:r>
+            <a:r>
+              <a:rPr lang="en-US" dirty="0"/>
+              <a:t>s(ei1)&gt;s(ei2)</a:t>
+            </a:r>
+            <a:r>
+              <a:rPr lang="he-IL" dirty="0"/>
+              <a:t>)</a:t>
+            </a:r>
+          </a:p>
+        </p:txBody>
+      </p:sp>
+      <p:pic>
+        <p:nvPicPr>
+          <p:cNvPr id="7" name="Picture 6" descr="A picture containing object, clock&#10;&#10;Description automatically generated">
+            <a:extLst>
+              <a:ext uri="{FF2B5EF4-FFF2-40B4-BE49-F238E27FC236}">
+                <a16:creationId xmlns:a16="http://schemas.microsoft.com/office/drawing/2014/main" id="{E340E616-836D-4EDB-9491-2FDD8B05109B}"/>
+              </a:ext>
+            </a:extLst>
+          </p:cNvPr>
+          <p:cNvPicPr>
+            <a:picLocks noChangeAspect="1"/>
+          </p:cNvPicPr>
+          <p:nvPr/>
+        </p:nvPicPr>
+        <p:blipFill>
+          <a:blip r:embed="rId2"/>
+          <a:stretch>
+            <a:fillRect/>
+          </a:stretch>
+        </p:blipFill>
+        <p:spPr>
+          <a:xfrm>
+            <a:off x="561257" y="5218574"/>
+            <a:ext cx="3173345" cy="1534572"/>
+          </a:xfrm>
+          <a:prstGeom prst="rect">
+            <a:avLst/>
+          </a:prstGeom>
+        </p:spPr>
+      </p:pic>
+    </p:spTree>
+    <p:extLst>
+      <p:ext uri="{BB962C8B-B14F-4D97-AF65-F5344CB8AC3E}">
+        <p14:creationId xmlns:p14="http://schemas.microsoft.com/office/powerpoint/2010/main" val="2945932210"/>
+      </p:ext>
+    </p:extLst>
+  </p:cSld>
+  <p:clrMapOvr>
+    <a:masterClrMapping/>
+  </p:clrMapOvr>
+</p:sld>
+</file>
+
+<file path=ppt/slides/slide24.xml><?xml version="1.0" encoding="utf-8"?>
+<p:sld xmlns:a="http://schemas.openxmlformats.org/drawingml/2006/main" xmlns:r="http://schemas.openxmlformats.org/officeDocument/2006/relationships" xmlns:p="http://schemas.openxmlformats.org/presentationml/2006/main">
+  <p:cSld>
+    <p:spTree>
+      <p:nvGrpSpPr>
+        <p:cNvPr id="1" name=""/>
+        <p:cNvGrpSpPr/>
+        <p:nvPr/>
+      </p:nvGrpSpPr>
+      <p:grpSpPr>
+        <a:xfrm>
+          <a:off x="0" y="0"/>
+          <a:ext cx="0" cy="0"/>
+          <a:chOff x="0" y="0"/>
+          <a:chExt cx="0" cy="0"/>
+        </a:xfrm>
+      </p:grpSpPr>
+      <p:sp>
+        <p:nvSpPr>
+          <p:cNvPr id="2" name="Title 1">
+            <a:extLst>
+              <a:ext uri="{FF2B5EF4-FFF2-40B4-BE49-F238E27FC236}">
+                <a16:creationId xmlns:a16="http://schemas.microsoft.com/office/drawing/2014/main" id="{53606D23-0D3B-4F9D-9A51-351B90D19E25}"/>
+              </a:ext>
+            </a:extLst>
+          </p:cNvPr>
+          <p:cNvSpPr>
+            <a:spLocks noGrp="1"/>
+          </p:cNvSpPr>
+          <p:nvPr>
+            <p:ph type="title"/>
+          </p:nvPr>
+        </p:nvSpPr>
+        <p:spPr>
+          <a:xfrm>
+            <a:off x="2231136" y="666309"/>
+            <a:ext cx="7729728" cy="1188720"/>
+          </a:xfrm>
+        </p:spPr>
+        <p:txBody>
+          <a:bodyPr/>
+          <a:lstStyle/>
+          <a:p>
+            <a:r>
+              <a:rPr lang="en-US" dirty="0"/>
+              <a:t>Convex chain intersection and common tangent (</a:t>
+            </a:r>
+            <a:r>
+              <a:rPr lang="en-US" dirty="0" err="1"/>
+              <a:t>cont</a:t>
+            </a:r>
+            <a:r>
+              <a:rPr lang="en-US" dirty="0"/>
+              <a:t>’) </a:t>
+            </a:r>
+          </a:p>
+        </p:txBody>
+      </p:sp>
+      <p:sp>
+        <p:nvSpPr>
+          <p:cNvPr id="3" name="Content Placeholder 2">
+            <a:extLst>
+              <a:ext uri="{FF2B5EF4-FFF2-40B4-BE49-F238E27FC236}">
+                <a16:creationId xmlns:a16="http://schemas.microsoft.com/office/drawing/2014/main" id="{7AC8C01E-0551-420B-A3DD-B81157CBEB89}"/>
+              </a:ext>
+            </a:extLst>
+          </p:cNvPr>
+          <p:cNvSpPr>
+            <a:spLocks noGrp="1"/>
+          </p:cNvSpPr>
+          <p:nvPr>
+            <p:ph idx="1"/>
+          </p:nvPr>
+        </p:nvSpPr>
+        <p:spPr>
+          <a:xfrm>
+            <a:off x="2231136" y="2234211"/>
+            <a:ext cx="7729728" cy="3445122"/>
+          </a:xfrm>
+        </p:spPr>
+        <p:txBody>
+          <a:bodyPr>
+            <a:normAutofit/>
+          </a:bodyPr>
+          <a:lstStyle/>
+          <a:p>
+            <a:r>
+              <a:rPr lang="en-US" dirty="0"/>
+              <a:t>Lemma 4</a:t>
+            </a:r>
+            <a:r>
+              <a:rPr lang="he-IL" dirty="0"/>
+              <a:t>- יש בסה"כ מקסימום </a:t>
+            </a:r>
+            <a:r>
+              <a:rPr lang="en-US" dirty="0"/>
+              <a:t>n(k+1)</a:t>
+            </a:r>
+            <a:r>
+              <a:rPr lang="he-IL" dirty="0"/>
+              <a:t> משיקים משותפים</a:t>
+            </a:r>
+          </a:p>
+          <a:p>
+            <a:r>
+              <a:rPr lang="he-IL" dirty="0"/>
+              <a:t>הוכחה:</a:t>
+            </a:r>
+          </a:p>
+          <a:p>
+            <a:pPr lvl="1"/>
+            <a:r>
+              <a:rPr lang="he-IL" dirty="0"/>
+              <a:t>כל נקודה </a:t>
+            </a:r>
+            <a:r>
+              <a:rPr lang="en-US" dirty="0"/>
+              <a:t>p</a:t>
+            </a:r>
+            <a:r>
+              <a:rPr lang="he-IL" dirty="0"/>
+              <a:t> ב</a:t>
+            </a:r>
+            <a:r>
+              <a:rPr lang="en-US" dirty="0" err="1"/>
+              <a:t>Gk</a:t>
+            </a:r>
+            <a:r>
+              <a:rPr lang="he-IL" dirty="0"/>
+              <a:t> יכולה לשמש במקסימום פעם אחת בתור הנקודה השמאלית ביותר של כל משיק משותף לכל </a:t>
+            </a:r>
+            <a:r>
+              <a:rPr lang="en-US" dirty="0"/>
+              <a:t>convex chain</a:t>
+            </a:r>
+            <a:r>
+              <a:rPr lang="he-IL" dirty="0"/>
+              <a:t> שלא מכיל את </a:t>
+            </a:r>
+            <a:r>
+              <a:rPr lang="en-US" dirty="0"/>
+              <a:t>p</a:t>
+            </a:r>
+          </a:p>
+          <a:p>
+            <a:pPr lvl="1"/>
+            <a:r>
+              <a:rPr lang="he-IL" dirty="0"/>
+              <a:t>בגלל שיש </a:t>
+            </a:r>
+            <a:r>
+              <a:rPr lang="en-US" dirty="0"/>
+              <a:t>n</a:t>
+            </a:r>
+            <a:r>
+              <a:rPr lang="he-IL" dirty="0"/>
+              <a:t> נקודות ו</a:t>
+            </a:r>
+            <a:r>
+              <a:rPr lang="en-US" dirty="0"/>
+              <a:t>k+1</a:t>
+            </a:r>
+            <a:r>
+              <a:rPr lang="he-IL" dirty="0"/>
+              <a:t> </a:t>
+            </a:r>
+            <a:r>
+              <a:rPr lang="en-US" dirty="0"/>
+              <a:t>convex chains</a:t>
+            </a:r>
+            <a:r>
+              <a:rPr lang="he-IL" dirty="0"/>
+              <a:t> לפי למה 2 הטענה מתקיימת </a:t>
+            </a:r>
+          </a:p>
+        </p:txBody>
+      </p:sp>
+    </p:spTree>
+    <p:extLst>
+      <p:ext uri="{BB962C8B-B14F-4D97-AF65-F5344CB8AC3E}">
+        <p14:creationId xmlns:p14="http://schemas.microsoft.com/office/powerpoint/2010/main" val="4230362361"/>
+      </p:ext>
+    </p:extLst>
+  </p:cSld>
+  <p:clrMapOvr>
+    <a:masterClrMapping/>
+  </p:clrMapOvr>
+</p:sld>
+</file>
+
+<file path=ppt/slides/slide25.xml><?xml version="1.0" encoding="utf-8"?>
+<p:sld xmlns:a="http://schemas.openxmlformats.org/drawingml/2006/main" xmlns:r="http://schemas.openxmlformats.org/officeDocument/2006/relationships" xmlns:p="http://schemas.openxmlformats.org/presentationml/2006/main">
+  <p:cSld>
+    <p:spTree>
+      <p:nvGrpSpPr>
+        <p:cNvPr id="1" name=""/>
+        <p:cNvGrpSpPr/>
+        <p:nvPr/>
+      </p:nvGrpSpPr>
+      <p:grpSpPr>
+        <a:xfrm>
+          <a:off x="0" y="0"/>
+          <a:ext cx="0" cy="0"/>
+          <a:chOff x="0" y="0"/>
+          <a:chExt cx="0" cy="0"/>
+        </a:xfrm>
+      </p:grpSpPr>
+      <p:sp>
+        <p:nvSpPr>
+          <p:cNvPr id="2" name="Title 1">
+            <a:extLst>
+              <a:ext uri="{FF2B5EF4-FFF2-40B4-BE49-F238E27FC236}">
                 <a16:creationId xmlns:a16="http://schemas.microsoft.com/office/drawing/2014/main" id="{65844BFE-89C4-465C-9CBA-37DD078B291A}"/>
               </a:ext>
             </a:extLst>
@@ -6949,6 +8010,79 @@
           </a:p>
         </p:txBody>
       </p:sp>
+      <p:pic>
+        <p:nvPicPr>
+          <p:cNvPr id="7" name="Picture 6">
+            <a:extLst>
+              <a:ext uri="{FF2B5EF4-FFF2-40B4-BE49-F238E27FC236}">
+                <a16:creationId xmlns:a16="http://schemas.microsoft.com/office/drawing/2014/main" id="{F96AB75E-8C5A-4056-B338-AAC566835DF2}"/>
+              </a:ext>
+            </a:extLst>
+          </p:cNvPr>
+          <p:cNvPicPr>
+            <a:picLocks noChangeAspect="1"/>
+          </p:cNvPicPr>
+          <p:nvPr/>
+        </p:nvPicPr>
+        <p:blipFill>
+          <a:blip r:embed="rId2"/>
+          <a:stretch>
+            <a:fillRect/>
+          </a:stretch>
+        </p:blipFill>
+        <p:spPr>
+          <a:xfrm>
+            <a:off x="159391" y="4859259"/>
+            <a:ext cx="5532861" cy="1998741"/>
+          </a:xfrm>
+          <a:prstGeom prst="rect">
+            <a:avLst/>
+          </a:prstGeom>
+        </p:spPr>
+      </p:pic>
+      <p:sp>
+        <p:nvSpPr>
+          <p:cNvPr id="8" name="TextBox 7">
+            <a:extLst>
+              <a:ext uri="{FF2B5EF4-FFF2-40B4-BE49-F238E27FC236}">
+                <a16:creationId xmlns:a16="http://schemas.microsoft.com/office/drawing/2014/main" id="{3463A623-58CA-4343-8844-4490DBA442E8}"/>
+              </a:ext>
+            </a:extLst>
+          </p:cNvPr>
+          <p:cNvSpPr txBox="1"/>
+          <p:nvPr/>
+        </p:nvSpPr>
+        <p:spPr>
+          <a:xfrm>
+            <a:off x="5569897" y="5416861"/>
+            <a:ext cx="3976382" cy="1200329"/>
+          </a:xfrm>
+          <a:prstGeom prst="rect">
+            <a:avLst/>
+          </a:prstGeom>
+          <a:noFill/>
+        </p:spPr>
+        <p:txBody>
+          <a:bodyPr wrap="square" rtlCol="1">
+            <a:spAutoFit/>
+          </a:bodyPr>
+          <a:lstStyle/>
+          <a:p>
+            <a:pPr algn="r" rtl="1"/>
+            <a:r>
+              <a:rPr lang="he-IL" dirty="0"/>
+              <a:t>מימין – מישור דו מימדי מפריד נקודות במרחב תלת מימדי</a:t>
+            </a:r>
+          </a:p>
+          <a:p>
+            <a:pPr algn="r" rtl="1"/>
+            <a:r>
+              <a:rPr lang="he-IL" dirty="0"/>
+              <a:t>משמאל – ישר מפריד בין נקודות במישור דו מימדי</a:t>
+            </a:r>
+          </a:p>
+        </p:txBody>
+      </p:sp>
     </p:spTree>
     <p:extLst>
       <p:ext uri="{BB962C8B-B14F-4D97-AF65-F5344CB8AC3E}">
@@ -7073,7 +8207,7 @@
             </a:r>
             <a:r>
               <a:rPr lang="he-IL" dirty="0"/>
-              <a:t> </a:t>
+              <a:t>, </a:t>
             </a:r>
             <a:r>
               <a:rPr lang="en-US" dirty="0"/>
@@ -7127,7 +8261,7 @@
             </a:r>
             <a:r>
               <a:rPr lang="he-IL" dirty="0"/>
-              <a:t> או בעברית – חצי מרחב, הוא אחד משני החלקים שמתקבלים מחלוקת המרחב ל2 ע"י על-מישור, בפרט במישור (דו-מימד) חצי המרחב הוא </a:t>
+              <a:t> או בעברית – "חצי מרחב", הוא אחד משני החלקים שמתקבלים מחלוקת המרחב ל2 ע"י "על-מישור", בפרט במישור (דו-מימד) חצי המרחב הוא </a:t>
             </a:r>
             <a:r>
               <a:rPr lang="he-IL" b="1" dirty="0"/>
@@ -7253,7 +8387,12 @@
             <p:ph idx="1"/>
           </p:nvPr>
         </p:nvSpPr>
-        <p:spPr/>
+        <p:spPr>
+          <a:xfrm>
+            <a:off x="3615320" y="2319262"/>
+            <a:ext cx="7729728" cy="3101983"/>
+          </a:xfrm>
+        </p:spPr>
         <p:txBody>
           <a:bodyPr/>
           <a:lstStyle/>
@@ -7346,6 +8485,96 @@
           </a:p>
           <a:p>
             <a:endParaRPr lang="he-IL" dirty="0"/>
+          </a:p>
+        </p:txBody>
+      </p:sp>
+      <p:pic>
+        <p:nvPicPr>
+          <p:cNvPr id="5" name="Picture 4">
+            <a:extLst>
+              <a:ext uri="{FF2B5EF4-FFF2-40B4-BE49-F238E27FC236}">
+                <a16:creationId xmlns:a16="http://schemas.microsoft.com/office/drawing/2014/main" id="{A8C20BA2-B3B0-4610-A25E-A21AEFB9C928}"/>
+              </a:ext>
+            </a:extLst>
+          </p:cNvPr>
+          <p:cNvPicPr>
+            <a:picLocks noChangeAspect="1"/>
+          </p:cNvPicPr>
+          <p:nvPr/>
+        </p:nvPicPr>
+        <p:blipFill>
+          <a:blip r:embed="rId2"/>
+          <a:stretch>
+            <a:fillRect/>
+          </a:stretch>
+        </p:blipFill>
+        <p:spPr>
+          <a:xfrm>
+            <a:off x="151002" y="3429000"/>
+            <a:ext cx="3363985" cy="3418650"/>
+          </a:xfrm>
+          <a:prstGeom prst="rect">
+            <a:avLst/>
+          </a:prstGeom>
+        </p:spPr>
+      </p:pic>
+      <p:sp>
+        <p:nvSpPr>
+          <p:cNvPr id="6" name="TextBox 5">
+            <a:extLst>
+              <a:ext uri="{FF2B5EF4-FFF2-40B4-BE49-F238E27FC236}">
+                <a16:creationId xmlns:a16="http://schemas.microsoft.com/office/drawing/2014/main" id="{69D45962-9ABA-4363-AE30-92D2FAB3CA28}"/>
+              </a:ext>
+            </a:extLst>
+          </p:cNvPr>
+          <p:cNvSpPr txBox="1"/>
+          <p:nvPr/>
+        </p:nvSpPr>
+        <p:spPr>
+          <a:xfrm>
+            <a:off x="3246539" y="5089543"/>
+            <a:ext cx="4392063" cy="1200329"/>
+          </a:xfrm>
+          <a:prstGeom prst="rect">
+            <a:avLst/>
+          </a:prstGeom>
+          <a:noFill/>
+        </p:spPr>
+        <p:txBody>
+          <a:bodyPr wrap="square" rtlCol="1">
+            <a:spAutoFit/>
+          </a:bodyPr>
+          <a:lstStyle/>
+          <a:p>
+            <a:pPr algn="r" rtl="1"/>
+            <a:r>
+              <a:rPr lang="he-IL" dirty="0"/>
+              <a:t>דוגמא לקבוצה בגודל 6 נקודות כאשר </a:t>
+            </a:r>
+            <a:r>
+              <a:rPr lang="en-US" dirty="0"/>
+              <a:t>k=2</a:t>
+            </a:r>
+            <a:r>
+              <a:rPr lang="he-IL" dirty="0"/>
+              <a:t> – הקווים מייצגים את כל הישרים שמחלקים את הקבוצה ל-</a:t>
+            </a:r>
+            <a:r>
+              <a:rPr lang="en-US" dirty="0"/>
+              <a:t>2-sets</a:t>
+            </a:r>
+            <a:r>
+              <a:rPr lang="he-IL" dirty="0"/>
+              <a:t>, העיגולים את הקבוצות עצמן במקרה הזה – בסה"כ 6 </a:t>
+            </a:r>
+            <a:r>
+              <a:rPr lang="en-US" dirty="0"/>
+              <a:t>2-sets</a:t>
+            </a:r>
+            <a:r>
+              <a:rPr lang="he-IL" dirty="0"/>
+              <a:t> כאלה</a:t>
+            </a:r>
           </a:p>
         </p:txBody>
       </p:sp>
@@ -7472,7 +8701,7 @@
             </a:r>
             <a:r>
               <a:rPr lang="he-IL" dirty="0"/>
-              <a:t> במרחב יותר מדו מימדי, אין כמעט התקדמות בנושא, כלומר קשה מאד להוכיח חסמים עבור הבעיה – מה שכבר הופך אותה למעניינת</a:t>
+              <a:t> במרחב יותר מדו מימדי, אין כמעט התקדמות בנושא, כלומר קשה מאד להדק חסמים עבור הבעיה – מה שכבר הופך אותה למעניינת</a:t>
             </a:r>
           </a:p>
           <a:p>
@@ -7504,7 +8733,7 @@
             </a:r>
             <a:r>
               <a:rPr lang="he-IL" dirty="0"/>
-              <a:t> מקיימים "דואליוט" (דימיון, סימטריה) עם בעיות אחרות כמו</a:t>
+              <a:t> מקיימים "דואליות" (דימיון, סימטריה) עם בעיות אחרות כמו</a:t>
             </a:r>
           </a:p>
           <a:p>
@@ -7572,13 +8801,16 @@
           <a:p>
             <a:r>
               <a:rPr lang="he-IL" dirty="0"/>
-              <a:t>בעיות קשורות ואפליקציות של </a:t>
-            </a:r>
-            <a:r>
-              <a:rPr lang="en-US" dirty="0"/>
-              <a:t>  (1)K-SETS</a:t>
-            </a:r>
-            <a:endParaRPr lang="he-IL" dirty="0"/>
+              <a:t>דואליות (</a:t>
+            </a:r>
+            <a:r>
+              <a:rPr lang="en-US" dirty="0"/>
+              <a:t>duality</a:t>
+            </a:r>
+            <a:r>
+              <a:rPr lang="he-IL" dirty="0"/>
+              <a:t>) גאומטרית</a:t>
+            </a:r>
           </a:p>
         </p:txBody>
       </p:sp>
@@ -7598,14 +8830,29 @@
             <p:ph idx="1"/>
           </p:nvPr>
         </p:nvSpPr>
-        <p:spPr/>
-        <p:txBody>
-          <a:bodyPr/>
-          <a:lstStyle/>
-          <a:p>
-            <a:r>
-              <a:rPr lang="he-IL" dirty="0"/>
-              <a:t>ע"מ להסביר כיצד בעיות גאו' אחרות קשורות לבעיה המתוארת, נצטרך להציג את מושג ה-</a:t>
+        <p:spPr>
+          <a:xfrm>
+            <a:off x="4353550" y="2241826"/>
+            <a:ext cx="7729728" cy="3101983"/>
+          </a:xfrm>
+        </p:spPr>
+        <p:txBody>
+          <a:bodyPr>
+            <a:normAutofit fontScale="85000" lnSpcReduction="10000"/>
+          </a:bodyPr>
+          <a:lstStyle/>
+          <a:p>
+            <a:r>
+              <a:rPr lang="he-IL" dirty="0"/>
+              <a:t>ע"מ להסביר כיצד בעיות גאו' אחרות קשורות לכמות ה</a:t>
+            </a:r>
+            <a:r>
+              <a:rPr lang="en-US" dirty="0"/>
+              <a:t>K-SETS</a:t>
+            </a:r>
+            <a:r>
+              <a:rPr lang="he-IL" dirty="0"/>
+              <a:t>, נצטרך להציג את מושג ה-</a:t>
             </a:r>
             <a:r>
               <a:rPr lang="en-US" dirty="0"/>
@@ -7623,51 +8870,133 @@
             </a:r>
             <a:r>
               <a:rPr lang="he-IL" dirty="0"/>
-              <a:t> הוא הרעיון של "להמיר" קונספטים, משפטים ומבנים מתמטיים לקונספטים, משפטים ומבנים שונים מהם, בצורה חח"ע, בגאו' – בעיקר ב</a:t>
-            </a:r>
-            <a:r>
-              <a:rPr lang="he-IL" b="1" dirty="0"/>
-              <a:t>מישורים פרויקטיבים, דואליות היא היכולת למפות נקודות לישרים וישירם לנקודות – בין שני מרחבים של בעיות שונות ע"י פונ חח"ע, דוגמא לפונ כזו בכיוון שמנקודות לישירים היא: כל נקודה (</a:t>
-            </a:r>
-            <a:r>
-              <a:rPr lang="en-US" b="1" dirty="0" err="1"/>
+              <a:t> הוא הרעיון של "להמיר" קונספטים, משפטים ומבנים מתמטיים ל-קונספטים, משפטים ומבנים </a:t>
+            </a:r>
+            <a:r>
+              <a:rPr lang="he-IL" u="sng" dirty="0"/>
+              <a:t>שונים מהם</a:t>
+            </a:r>
+            <a:r>
+              <a:rPr lang="he-IL" dirty="0"/>
+              <a:t>, בצורה </a:t>
+            </a:r>
+            <a:r>
+              <a:rPr lang="he-IL" u="sng" dirty="0"/>
+              <a:t>חח"ע.</a:t>
+            </a:r>
+          </a:p>
+          <a:p>
+            <a:r>
+              <a:rPr lang="he-IL" dirty="0"/>
+              <a:t> בגאו' – בעיקר במישורים פרויקטיבים (בגדול – מרחבים שהוגדרו עליהם אקסיומות מסויימות), דואליות היא היכולת למפות נקודות לישרים וישירם לנקודות, כלומר להחליף את התפקידים של הנקודות והישירים בין משפטים שונים – בין שני מרחבים של בעיות שונות ע"י פונ חח"ע, דוגמא לפונ כזו בכיוון ש</a:t>
+            </a:r>
+            <a:r>
+              <a:rPr lang="he-IL" u="sng" dirty="0"/>
+              <a:t>מנקודות לישירים</a:t>
+            </a:r>
+            <a:r>
+              <a:rPr lang="he-IL" dirty="0"/>
+              <a:t> היא: כל נקודה (</a:t>
+            </a:r>
+            <a:r>
+              <a:rPr lang="en-US" dirty="0" err="1"/>
               <a:t>a,b</a:t>
             </a:r>
             <a:r>
-              <a:rPr lang="he-IL" b="1" dirty="0"/>
+              <a:rPr lang="he-IL" dirty="0"/>
               <a:t>) נמפה לישר </a:t>
             </a:r>
             <a:r>
-              <a:rPr lang="en-US" b="1" dirty="0"/>
+              <a:rPr lang="en-US" dirty="0"/>
               <a:t>y=ax-b</a:t>
             </a:r>
             <a:r>
-              <a:rPr lang="he-IL" b="1" dirty="0"/>
-              <a:t>, בשביל לעבור מישרים לנקודות נפעיל את הפונ ההפוכה, מ-</a:t>
-            </a:r>
-            <a:r>
-              <a:rPr lang="en-US" b="1" dirty="0"/>
+              <a:rPr lang="he-IL" dirty="0"/>
+              <a:t>, בשביל לעבור </a:t>
+            </a:r>
+            <a:r>
+              <a:rPr lang="he-IL" u="sng" dirty="0"/>
+              <a:t>מישרים לנקודות</a:t>
+            </a:r>
+            <a:r>
+              <a:rPr lang="he-IL" dirty="0"/>
+              <a:t> נפעיל את הפונ ההפוכה, מ-</a:t>
+            </a:r>
+            <a:r>
+              <a:rPr lang="en-US" dirty="0"/>
               <a:t> y=ax-b</a:t>
             </a:r>
             <a:r>
-              <a:rPr lang="he-IL" b="1" dirty="0"/>
+              <a:rPr lang="he-IL" dirty="0"/>
               <a:t> ל- (</a:t>
             </a:r>
             <a:r>
-              <a:rPr lang="en-US" b="1" dirty="0" err="1"/>
+              <a:rPr lang="en-US" dirty="0" err="1"/>
               <a:t>a,b</a:t>
             </a:r>
             <a:r>
-              <a:rPr lang="he-IL" b="1" dirty="0"/>
+              <a:rPr lang="he-IL" dirty="0"/>
               <a:t>).</a:t>
             </a:r>
+          </a:p>
+          <a:p>
+            <a:r>
+              <a:rPr lang="he-IL" dirty="0"/>
+              <a:t>דוגמא לקונספט – משמאל ניתן לראות 4 ישרים עליהם מונחות 6 נקודות, ולחלופין – בצורה דואלית 6 ישרים ועליהם מונחות 4 נקודות </a:t>
+            </a:r>
+          </a:p>
+          <a:p>
             <a:endParaRPr lang="he-IL" dirty="0"/>
           </a:p>
-          <a:p>
-            <a:endParaRPr lang="he-IL" dirty="0"/>
-          </a:p>
-        </p:txBody>
-      </p:sp>
+        </p:txBody>
+      </p:sp>
+      <p:pic>
+        <p:nvPicPr>
+          <p:cNvPr id="1026" name="Picture 2">
+            <a:extLst>
+              <a:ext uri="{FF2B5EF4-FFF2-40B4-BE49-F238E27FC236}">
+                <a16:creationId xmlns:a16="http://schemas.microsoft.com/office/drawing/2014/main" id="{695E7B84-58C7-44A4-8203-BC18DAA9FBFC}"/>
+              </a:ext>
+            </a:extLst>
+          </p:cNvPr>
+          <p:cNvPicPr>
+            <a:picLocks noChangeAspect="1" noChangeArrowheads="1"/>
+          </p:cNvPicPr>
+          <p:nvPr/>
+        </p:nvPicPr>
+        <p:blipFill>
+          <a:blip r:embed="rId2">
+            <a:extLst>
+              <a:ext uri="{28A0092B-C50C-407E-A947-70E740481C1C}">
+                <a14:useLocalDpi xmlns:a14="http://schemas.microsoft.com/office/drawing/2010/main" val="0"/>
+              </a:ext>
+            </a:extLst>
+          </a:blip>
+          <a:srcRect/>
+          <a:stretch>
+            <a:fillRect/>
+          </a:stretch>
+        </p:blipFill>
+        <p:spPr bwMode="auto">
+          <a:xfrm>
+            <a:off x="-1" y="4303552"/>
+            <a:ext cx="5276675" cy="2399514"/>
+          </a:xfrm>
+          <a:prstGeom prst="rect">
+            <a:avLst/>
+          </a:prstGeom>
+          <a:noFill/>
+          <a:extLst>
+            <a:ext uri="{909E8E84-426E-40DD-AFC4-6F175D3DCCD1}">
+              <a14:hiddenFill xmlns:a14="http://schemas.microsoft.com/office/drawing/2010/main">
+                <a:solidFill>
+                  <a:srgbClr val="FFFFFF"/>
+                </a:solidFill>
+              </a14:hiddenFill>
+            </a:ext>
+          </a:extLst>
+        </p:spPr>
+      </p:pic>
     </p:spTree>
     <p:extLst>
       <p:ext uri="{BB962C8B-B14F-4D97-AF65-F5344CB8AC3E}">
@@ -7703,7 +9032,7 @@
           <p:cNvPr id="2" name="Title 1">
             <a:extLst>
               <a:ext uri="{FF2B5EF4-FFF2-40B4-BE49-F238E27FC236}">
-                <a16:creationId xmlns:a16="http://schemas.microsoft.com/office/drawing/2014/main" id="{3B221E8D-B790-422D-8EF1-9617095647D6}"/>
+                <a16:creationId xmlns:a16="http://schemas.microsoft.com/office/drawing/2014/main" id="{D57BAA60-6142-4B12-818E-6C92B5F28B5B}"/>
               </a:ext>
             </a:extLst>
           </p:cNvPr>
@@ -7721,80 +9050,190 @@
           <a:p>
             <a:r>
               <a:rPr lang="he-IL" dirty="0"/>
-              <a:t>בעיות קשורות ואפליקציות של </a:t>
-            </a:r>
-            <a:r>
-              <a:rPr lang="en-US" dirty="0"/>
-              <a:t>  (2)K-SETS</a:t>
-            </a:r>
-            <a:endParaRPr lang="he-IL" dirty="0"/>
-          </a:p>
-        </p:txBody>
-      </p:sp>
-      <p:sp>
-        <p:nvSpPr>
-          <p:cNvPr id="3" name="Content Placeholder 2">
+              <a:t>דוגמא להפעלת "פונ' דואלית" כזו על           </a:t>
+            </a:r>
+            <a:r>
+              <a:rPr lang="en-US" dirty="0"/>
+              <a:t>K-SET</a:t>
+            </a:r>
+            <a:r>
+              <a:rPr lang="he-IL" dirty="0"/>
+              <a:t>(1)</a:t>
+            </a:r>
+          </a:p>
+        </p:txBody>
+      </p:sp>
+      <p:sp>
+        <p:nvSpPr>
+          <p:cNvPr id="5" name="TextBox 4">
             <a:extLst>
               <a:ext uri="{FF2B5EF4-FFF2-40B4-BE49-F238E27FC236}">
-                <a16:creationId xmlns:a16="http://schemas.microsoft.com/office/drawing/2014/main" id="{1D1C6748-7F69-4891-83A4-CD2F70205774}"/>
+                <a16:creationId xmlns:a16="http://schemas.microsoft.com/office/drawing/2014/main" id="{4DD83EF1-BE82-498B-83CA-F6CF3430690F}"/>
               </a:ext>
             </a:extLst>
           </p:cNvPr>
-          <p:cNvSpPr>
-            <a:spLocks noGrp="1"/>
-          </p:cNvSpPr>
-          <p:nvPr>
-            <p:ph idx="1"/>
-          </p:nvPr>
-        </p:nvSpPr>
-        <p:spPr/>
-        <p:txBody>
-          <a:bodyPr/>
-          <a:lstStyle/>
-          <a:p>
-            <a:r>
-              <a:rPr lang="he-IL" dirty="0"/>
-              <a:t>ע"י שימוש בפונ' ההמרה הדואליט שהראינו בשקף הקודם, נוכל להמיר את בעיית ה</a:t>
-            </a:r>
-            <a:r>
-              <a:rPr lang="en-US" dirty="0"/>
-              <a:t>K-SETS</a:t>
-            </a:r>
-            <a:r>
-              <a:rPr lang="he-IL" dirty="0"/>
-              <a:t> לבעיית ה</a:t>
-            </a:r>
-            <a:r>
-              <a:rPr lang="en-US" dirty="0"/>
-              <a:t>K-LEVELS</a:t>
-            </a:r>
-            <a:endParaRPr lang="he-IL" dirty="0"/>
-          </a:p>
-          <a:p>
-            <a:r>
-              <a:rPr lang="he-IL" dirty="0"/>
-              <a:t>הגדרה: קבוצת כל הנקודות על ישרים נתונים שיש להם בדיוק </a:t>
-            </a:r>
-            <a:r>
-              <a:rPr lang="en-US" dirty="0"/>
-              <a:t>K</a:t>
-            </a:r>
+          <p:cNvSpPr txBox="1"/>
+          <p:nvPr/>
+        </p:nvSpPr>
+        <p:spPr>
+          <a:xfrm>
+            <a:off x="7994657" y="2172309"/>
+            <a:ext cx="3812169" cy="584775"/>
+          </a:xfrm>
+          <a:prstGeom prst="rect">
+            <a:avLst/>
+          </a:prstGeom>
+          <a:noFill/>
+        </p:spPr>
+        <p:txBody>
+          <a:bodyPr wrap="square" rtlCol="1">
+            <a:spAutoFit/>
+          </a:bodyPr>
+          <a:lstStyle/>
+          <a:p>
+            <a:pPr algn="r" rtl="1"/>
+            <a:r>
+              <a:rPr lang="he-IL" sz="1600" dirty="0"/>
+              <a:t>נניח שקיבלנו את קבוצת הנ"ק הבאה – זו דוגמא פרטית לקבוצת נקודות עבור </a:t>
+            </a:r>
+            <a:r>
+              <a:rPr lang="en-US" sz="1600" dirty="0"/>
+              <a:t>n=5</a:t>
+            </a:r>
+            <a:endParaRPr lang="he-IL" sz="1600" dirty="0"/>
+          </a:p>
+        </p:txBody>
+      </p:sp>
+      <p:pic>
+        <p:nvPicPr>
+          <p:cNvPr id="8" name="Picture 7">
+            <a:extLst>
+              <a:ext uri="{FF2B5EF4-FFF2-40B4-BE49-F238E27FC236}">
+                <a16:creationId xmlns:a16="http://schemas.microsoft.com/office/drawing/2014/main" id="{B3F6EB8C-2E76-4F17-865D-1DD6E72E2822}"/>
+              </a:ext>
+            </a:extLst>
+          </p:cNvPr>
+          <p:cNvPicPr>
+            <a:picLocks noChangeAspect="1"/>
+          </p:cNvPicPr>
+          <p:nvPr/>
+        </p:nvPicPr>
+        <p:blipFill>
+          <a:blip r:embed="rId2"/>
+          <a:stretch>
+            <a:fillRect/>
+          </a:stretch>
+        </p:blipFill>
+        <p:spPr>
+          <a:xfrm>
+            <a:off x="7054399" y="2775981"/>
+            <a:ext cx="4951356" cy="3889772"/>
+          </a:xfrm>
+          <a:prstGeom prst="rect">
+            <a:avLst/>
+          </a:prstGeom>
+        </p:spPr>
+      </p:pic>
+      <p:sp>
+        <p:nvSpPr>
+          <p:cNvPr id="9" name="TextBox 8">
+            <a:extLst>
+              <a:ext uri="{FF2B5EF4-FFF2-40B4-BE49-F238E27FC236}">
+                <a16:creationId xmlns:a16="http://schemas.microsoft.com/office/drawing/2014/main" id="{2CB7D2B5-1959-4512-804B-F7EFDF134D56}"/>
+              </a:ext>
+            </a:extLst>
+          </p:cNvPr>
+          <p:cNvSpPr txBox="1"/>
+          <p:nvPr/>
+        </p:nvSpPr>
+        <p:spPr>
+          <a:xfrm>
+            <a:off x="1451687" y="2211676"/>
+            <a:ext cx="3422710" cy="923330"/>
+          </a:xfrm>
+          <a:prstGeom prst="rect">
+            <a:avLst/>
+          </a:prstGeom>
+          <a:noFill/>
+        </p:spPr>
+        <p:txBody>
+          <a:bodyPr wrap="square" rtlCol="1">
+            <a:spAutoFit/>
+          </a:bodyPr>
+          <a:lstStyle/>
+          <a:p>
+            <a:pPr algn="r" rtl="1"/>
+            <a:r>
+              <a:rPr lang="he-IL" dirty="0"/>
+              <a:t>כעת נניח לצורך הפשטות ש-</a:t>
+            </a:r>
+            <a:r>
+              <a:rPr lang="en-US" dirty="0"/>
+              <a:t>K=2</a:t>
+            </a:r>
+            <a:r>
+              <a:rPr lang="he-IL" dirty="0"/>
+              <a:t>.</a:t>
+            </a:r>
+          </a:p>
+          <a:p>
+            <a:pPr algn="r" rtl="1"/>
+            <a:r>
+              <a:rPr lang="he-IL" dirty="0"/>
+              <a:t>ישר מפריד לדוגמא יכול להיות</a:t>
+            </a:r>
+          </a:p>
+          <a:p>
+            <a:pPr algn="r" rtl="1"/>
             <a:r>
               <a:rPr lang="he-IL" dirty="0"/>
               <a:t> </a:t>
             </a:r>
             <a:r>
-              <a:rPr lang="he-IL"/>
-              <a:t>ישרים מתחתיהם </a:t>
-            </a:r>
-            <a:endParaRPr lang="he-IL" dirty="0"/>
-          </a:p>
-        </p:txBody>
-      </p:sp>
+              <a:rPr lang="en-US" dirty="0"/>
+              <a:t>y=-x+10</a:t>
+            </a:r>
+            <a:r>
+              <a:rPr lang="he-IL" dirty="0"/>
+              <a:t>, כפי שאפשר לראות:</a:t>
+            </a:r>
+          </a:p>
+        </p:txBody>
+      </p:sp>
+      <p:pic>
+        <p:nvPicPr>
+          <p:cNvPr id="10" name="Picture 9">
+            <a:extLst>
+              <a:ext uri="{FF2B5EF4-FFF2-40B4-BE49-F238E27FC236}">
+                <a16:creationId xmlns:a16="http://schemas.microsoft.com/office/drawing/2014/main" id="{AC8A3626-270A-4CF4-8098-23BB8B9787B0}"/>
+              </a:ext>
+            </a:extLst>
+          </p:cNvPr>
+          <p:cNvPicPr>
+            <a:picLocks noChangeAspect="1"/>
+          </p:cNvPicPr>
+          <p:nvPr/>
+        </p:nvPicPr>
+        <p:blipFill>
+          <a:blip r:embed="rId3"/>
+          <a:stretch>
+            <a:fillRect/>
+          </a:stretch>
+        </p:blipFill>
+        <p:spPr>
+          <a:xfrm>
+            <a:off x="1188483" y="3169002"/>
+            <a:ext cx="3949119" cy="3384959"/>
+          </a:xfrm>
+          <a:prstGeom prst="rect">
+            <a:avLst/>
+          </a:prstGeom>
+        </p:spPr>
+      </p:pic>
     </p:spTree>
     <p:extLst>
       <p:ext uri="{BB962C8B-B14F-4D97-AF65-F5344CB8AC3E}">
-        <p14:creationId xmlns:p14="http://schemas.microsoft.com/office/powerpoint/2010/main" val="223484381"/>
+        <p14:creationId xmlns:p14="http://schemas.microsoft.com/office/powerpoint/2010/main" val="47169371"/>
       </p:ext>
     </p:extLst>
   </p:cSld>

--- a/first part/Improved bounds for planar k-sets.pptx
+++ b/first part/Improved bounds for planar k-sets.pptx
@@ -19,17 +19,20 @@
     <p:sldId id="278" r:id="rId13"/>
     <p:sldId id="279" r:id="rId14"/>
     <p:sldId id="280" r:id="rId15"/>
-    <p:sldId id="262" r:id="rId16"/>
-    <p:sldId id="266" r:id="rId17"/>
-    <p:sldId id="267" r:id="rId18"/>
-    <p:sldId id="268" r:id="rId19"/>
-    <p:sldId id="269" r:id="rId20"/>
-    <p:sldId id="270" r:id="rId21"/>
-    <p:sldId id="271" r:id="rId22"/>
-    <p:sldId id="272" r:id="rId23"/>
-    <p:sldId id="273" r:id="rId24"/>
-    <p:sldId id="275" r:id="rId25"/>
-    <p:sldId id="274" r:id="rId26"/>
+    <p:sldId id="281" r:id="rId16"/>
+    <p:sldId id="282" r:id="rId17"/>
+    <p:sldId id="283" r:id="rId18"/>
+    <p:sldId id="262" r:id="rId19"/>
+    <p:sldId id="266" r:id="rId20"/>
+    <p:sldId id="267" r:id="rId21"/>
+    <p:sldId id="268" r:id="rId22"/>
+    <p:sldId id="269" r:id="rId23"/>
+    <p:sldId id="270" r:id="rId24"/>
+    <p:sldId id="271" r:id="rId25"/>
+    <p:sldId id="272" r:id="rId26"/>
+    <p:sldId id="273" r:id="rId27"/>
+    <p:sldId id="275" r:id="rId28"/>
+    <p:sldId id="274" r:id="rId29"/>
   </p:sldIdLst>
   <p:sldSz cx="12192000" cy="6858000"/>
   <p:notesSz cx="6858000" cy="9144000"/>
@@ -3765,7 +3768,7 @@
           <a:p>
             <a:r>
               <a:rPr lang="he-IL" dirty="0"/>
-              <a:t>ע"י שימוש בפונ' ההמרה הדואלית שהראינו בשקף הקודם, נוכל להמיר את בעיית ה</a:t>
+              <a:t>ע"י שימוש בפונ' המיפוי הדואלי בין נקודות לישירים (הנפוך) שהראינו בשקף הקודם, נוכל להמיר את בעיית ה</a:t>
             </a:r>
             <a:r>
               <a:rPr lang="en-US" dirty="0"/>
@@ -3971,7 +3974,10 @@
           <a:bodyPr/>
           <a:lstStyle/>
           <a:p>
-            <a:endParaRPr lang="he-IL" dirty="0"/>
+            <a:r>
+              <a:rPr lang="he-IL" dirty="0"/>
+              <a:t>להבין את החרא הזה שאלוהים יקח אותי</a:t>
+            </a:r>
           </a:p>
         </p:txBody>
       </p:sp>
@@ -4378,7 +4384,7 @@
             </a:r>
             <a:r>
               <a:rPr lang="he-IL" dirty="0"/>
-              <a:t> מצולעים קמורים, הצלעות שלהם לא נחתכות והם מורכבים מ</a:t>
+              <a:t> מצולעים קמורים, שהצלעות שלהם לא חופפות והם מורכבים מ</a:t>
             </a:r>
             <a:r>
               <a:rPr lang="en-US" dirty="0"/>
@@ -4494,7 +4500,7 @@
           <p:cNvPr id="2" name="Title 1">
             <a:extLst>
               <a:ext uri="{FF2B5EF4-FFF2-40B4-BE49-F238E27FC236}">
-                <a16:creationId xmlns:a16="http://schemas.microsoft.com/office/drawing/2014/main" id="{0ED3C801-6C96-4123-BDB9-1AD8CF3EC460}"/>
+                <a16:creationId xmlns:a16="http://schemas.microsoft.com/office/drawing/2014/main" id="{B67B127D-9304-4565-8E80-919F8E477D19}"/>
               </a:ext>
             </a:extLst>
           </p:cNvPr>
@@ -4505,15 +4511,41 @@
             <p:ph type="title"/>
           </p:nvPr>
         </p:nvSpPr>
-        <p:spPr/>
-        <p:txBody>
-          <a:bodyPr/>
-          <a:lstStyle/>
-          <a:p>
-            <a:r>
-              <a:rPr lang="he-IL" dirty="0"/>
-              <a:t>היסטוריה</a:t>
-            </a:r>
+        <p:spPr>
+          <a:xfrm>
+            <a:off x="2231136" y="192947"/>
+            <a:ext cx="7729728" cy="1650073"/>
+          </a:xfrm>
+        </p:spPr>
+        <p:txBody>
+          <a:bodyPr>
+            <a:normAutofit fontScale="90000"/>
+          </a:bodyPr>
+          <a:lstStyle/>
+          <a:p>
+            <a:r>
+              <a:rPr lang="he-IL" dirty="0"/>
+              <a:t>בעיות קשורות ואפליקציות של </a:t>
+            </a:r>
+            <a:r>
+              <a:rPr lang="en-US" dirty="0"/>
+              <a:t>  </a:t>
+            </a:r>
+            <a:br>
+              <a:rPr lang="en-US" dirty="0"/>
+            </a:br>
+            <a:r>
+              <a:rPr lang="en-US" dirty="0"/>
+              <a:t>:K-SETS</a:t>
+            </a:r>
+            <a:br>
+              <a:rPr lang="en-US" dirty="0"/>
+            </a:br>
+            <a:r>
+              <a:rPr lang="en-US" dirty="0"/>
+              <a:t>Convex Polygons and Matroid Optimization</a:t>
+            </a:r>
+            <a:endParaRPr lang="he-IL" dirty="0"/>
           </a:p>
         </p:txBody>
       </p:sp>
@@ -4522,7 +4554,7 @@
           <p:cNvPr id="3" name="Content Placeholder 2">
             <a:extLst>
               <a:ext uri="{FF2B5EF4-FFF2-40B4-BE49-F238E27FC236}">
-                <a16:creationId xmlns:a16="http://schemas.microsoft.com/office/drawing/2014/main" id="{8DE18717-999B-498B-B6D5-5F0AC39DFDD1}"/>
+                <a16:creationId xmlns:a16="http://schemas.microsoft.com/office/drawing/2014/main" id="{1E455BB2-45DE-490F-B790-912EC9EF6271}"/>
               </a:ext>
             </a:extLst>
           </p:cNvPr>
@@ -4533,324 +4565,153 @@
             <p:ph idx="1"/>
           </p:nvPr>
         </p:nvSpPr>
+        <p:spPr/>
+        <p:txBody>
+          <a:bodyPr/>
+          <a:lstStyle/>
+          <a:p>
+            <a:r>
+              <a:rPr lang="he-IL" dirty="0"/>
+              <a:t>נגדיר את </a:t>
+            </a:r>
+            <a:r>
+              <a:rPr lang="he-IL" u="sng" dirty="0"/>
+              <a:t>הסיבוכיות</a:t>
+            </a:r>
+            <a:r>
+              <a:rPr lang="he-IL" dirty="0"/>
+              <a:t> של המצולעים האלו להיות כמות </a:t>
+            </a:r>
+            <a:r>
+              <a:rPr lang="he-IL" u="sng" dirty="0"/>
+              <a:t>הקודקודים</a:t>
+            </a:r>
+            <a:r>
+              <a:rPr lang="he-IL" dirty="0"/>
+              <a:t> שיש לכלל המצולעים בסה"כ, אם המצולעים זרים "מבפנים", כלומר מבחינת ה-"ביפנוכו" שלהם, כפי שהדגמנו בשקף הקודם – ידוע חסם אופטימלי של </a:t>
+            </a:r>
+            <a:r>
+              <a:rPr lang="el-GR" dirty="0"/>
+              <a:t>  Θ</a:t>
+            </a:r>
+            <a:r>
+              <a:rPr lang="en-US" dirty="0"/>
+              <a:t>(n^{2/3}k^{2/3} + n)</a:t>
+            </a:r>
+            <a:r>
+              <a:rPr lang="he-IL" dirty="0"/>
+              <a:t>(שוב, </a:t>
+            </a:r>
+            <a:r>
+              <a:rPr lang="en-US" dirty="0"/>
+              <a:t>n</a:t>
+            </a:r>
+            <a:r>
+              <a:rPr lang="he-IL" dirty="0"/>
+              <a:t> – כמות קטעים מהם מורכב כל מצולע, </a:t>
+            </a:r>
+            <a:r>
+              <a:rPr lang="en-US" dirty="0"/>
+              <a:t>k</a:t>
+            </a:r>
+            <a:r>
+              <a:rPr lang="he-IL" dirty="0"/>
+              <a:t>- כמות מצולעים בסה"כ)</a:t>
+            </a:r>
+            <a:endParaRPr lang="en-US" dirty="0"/>
+          </a:p>
+          <a:p>
+            <a:r>
+              <a:rPr lang="he-IL" dirty="0"/>
+              <a:t>אם המצולעים "חופפים" מבחינת ה-"בפנים" שלהם, בצורה הבאה - </a:t>
+            </a:r>
+          </a:p>
+          <a:p>
+            <a:r>
+              <a:rPr lang="he-IL" dirty="0"/>
+              <a:t>שיטות ההוכחה שעובדות על החסם הקודם – לא עובדות יותר, ניתן להוכיח - </a:t>
+            </a:r>
+          </a:p>
+          <a:p>
+            <a:pPr marL="0" indent="0">
+              <a:buNone/>
+            </a:pPr>
+            <a:r>
+              <a:rPr lang="he-IL" dirty="0"/>
+              <a:t>חסם הדוק של </a:t>
+            </a:r>
+            <a:r>
+              <a:rPr lang="el-GR" dirty="0"/>
+              <a:t>Θ</a:t>
+            </a:r>
+            <a:r>
+              <a:rPr lang="en-US" dirty="0"/>
+              <a:t>(</a:t>
+            </a:r>
+            <a:r>
+              <a:rPr lang="en-US" dirty="0" err="1"/>
+              <a:t>nk</a:t>
+            </a:r>
+            <a:r>
+              <a:rPr lang="en-US" dirty="0"/>
+              <a:t>^{1/3}+n^{2/3}k^{2/3})</a:t>
+            </a:r>
+            <a:r>
+              <a:rPr lang="el-GR" dirty="0"/>
+              <a:t> </a:t>
+            </a:r>
+            <a:r>
+              <a:rPr lang="he-IL" dirty="0"/>
+              <a:t> בשימוש בטכניקת ההוכחה שהשתמשנו בה עבור ה</a:t>
+            </a:r>
+            <a:r>
+              <a:rPr lang="en-US" dirty="0"/>
+              <a:t>K-SETS</a:t>
+            </a:r>
+            <a:endParaRPr lang="he-IL" dirty="0"/>
+          </a:p>
+          <a:p>
+            <a:pPr marL="0" indent="0">
+              <a:buNone/>
+            </a:pPr>
+            <a:endParaRPr lang="he-IL" dirty="0"/>
+          </a:p>
+        </p:txBody>
+      </p:sp>
+      <p:pic>
+        <p:nvPicPr>
+          <p:cNvPr id="6" name="Picture 5">
+            <a:extLst>
+              <a:ext uri="{FF2B5EF4-FFF2-40B4-BE49-F238E27FC236}">
+                <a16:creationId xmlns:a16="http://schemas.microsoft.com/office/drawing/2014/main" id="{48DC7E04-CF02-4D19-8138-67667D0D0A5B}"/>
+              </a:ext>
+            </a:extLst>
+          </p:cNvPr>
+          <p:cNvPicPr>
+            <a:picLocks noChangeAspect="1"/>
+          </p:cNvPicPr>
+          <p:nvPr/>
+        </p:nvPicPr>
+        <p:blipFill>
+          <a:blip r:embed="rId2"/>
+          <a:stretch>
+            <a:fillRect/>
+          </a:stretch>
+        </p:blipFill>
         <p:spPr>
           <a:xfrm>
-            <a:off x="2231136" y="2319262"/>
-            <a:ext cx="7729728" cy="3930536"/>
+            <a:off x="183261" y="3305699"/>
+            <a:ext cx="2047875" cy="1504950"/>
           </a:xfrm>
+          <a:prstGeom prst="rect">
+            <a:avLst/>
+          </a:prstGeom>
         </p:spPr>
-        <p:txBody>
-          <a:bodyPr>
-            <a:normAutofit lnSpcReduction="10000"/>
-          </a:bodyPr>
-          <a:lstStyle/>
-          <a:p>
-            <a:r>
-              <a:rPr lang="he-IL" dirty="0"/>
-              <a:t>החסם הראשון שאי פעם הוצע לבעיה הוצע על ידי </a:t>
-            </a:r>
-            <a:r>
-              <a:rPr lang="en-US" dirty="0"/>
-              <a:t>László </a:t>
-            </a:r>
-            <a:r>
-              <a:rPr lang="en-US" dirty="0" err="1"/>
-              <a:t>Lovász</a:t>
-            </a:r>
-            <a:r>
-              <a:rPr lang="he-IL" dirty="0"/>
-              <a:t> (מתמטיקאי הונגרי זוכה פרס וולף) ב-1971, בפועל החסם נקבע עבור בעיה שהוכח בהמשך שכל חסם עליה שווה גם לחסם של </a:t>
-            </a:r>
-            <a:r>
-              <a:rPr lang="en-US" dirty="0"/>
-              <a:t>k-sets</a:t>
-            </a:r>
-            <a:r>
-              <a:rPr lang="he-IL" dirty="0"/>
-              <a:t> והיא </a:t>
-            </a:r>
-            <a:r>
-              <a:rPr lang="en-US" dirty="0"/>
-              <a:t>halving lines</a:t>
-            </a:r>
-            <a:r>
-              <a:rPr lang="he-IL" dirty="0"/>
-              <a:t> (עוד על בעיות קשורות בהמשך)</a:t>
-            </a:r>
-          </a:p>
-          <a:p>
-            <a:r>
-              <a:rPr lang="he-IL" dirty="0"/>
-              <a:t>הגדרה: עבור קבוצה </a:t>
-            </a:r>
-            <a:r>
-              <a:rPr lang="en-US" dirty="0"/>
-              <a:t>S</a:t>
-            </a:r>
-            <a:r>
-              <a:rPr lang="he-IL" dirty="0"/>
-              <a:t> בגודל </a:t>
-            </a:r>
-            <a:r>
-              <a:rPr lang="en-US" dirty="0"/>
-              <a:t>n</a:t>
-            </a:r>
-            <a:r>
-              <a:rPr lang="he-IL" dirty="0"/>
-              <a:t> של נקודות במישור </a:t>
-            </a:r>
-            <a:r>
-              <a:rPr lang="en-US" dirty="0"/>
-              <a:t>halving line</a:t>
-            </a:r>
-            <a:r>
-              <a:rPr lang="he-IL" dirty="0"/>
-              <a:t> הוא קטע שעובר בין שני נקודות של </a:t>
-            </a:r>
-            <a:r>
-              <a:rPr lang="en-US" dirty="0"/>
-              <a:t>S</a:t>
-            </a:r>
-            <a:r>
-              <a:rPr lang="he-IL" dirty="0"/>
-              <a:t> ומחלק את קבוצה </a:t>
-            </a:r>
-            <a:r>
-              <a:rPr lang="en-US" dirty="0"/>
-              <a:t>S</a:t>
-            </a:r>
-            <a:r>
-              <a:rPr lang="he-IL" dirty="0"/>
-              <a:t> לשני חלקים שווים.</a:t>
-            </a:r>
-          </a:p>
-          <a:p>
-            <a:r>
-              <a:rPr lang="he-IL" i="1" dirty="0"/>
-              <a:t>כמות </a:t>
-            </a:r>
-            <a:r>
-              <a:rPr lang="en-US" i="1" dirty="0"/>
-              <a:t>halving lines</a:t>
-            </a:r>
-            <a:r>
-              <a:rPr lang="he-IL" i="1" dirty="0"/>
-              <a:t> מקסימלית בקבוצה בגודל </a:t>
-            </a:r>
-            <a:r>
-              <a:rPr lang="en-US" i="1" dirty="0"/>
-              <a:t>n</a:t>
-            </a:r>
-            <a:r>
-              <a:rPr lang="he-IL" i="1" dirty="0"/>
-              <a:t>: </a:t>
-            </a:r>
-            <a:r>
-              <a:rPr lang="en-US" i="1" dirty="0"/>
-              <a:t>O(n</a:t>
-            </a:r>
-            <a:r>
-              <a:rPr lang="en-US" i="1" baseline="30000" dirty="0"/>
-              <a:t>3/2</a:t>
-            </a:r>
-            <a:r>
-              <a:rPr lang="en-US" i="1" dirty="0"/>
-              <a:t>)</a:t>
-            </a:r>
-          </a:p>
-          <a:p>
-            <a:r>
-              <a:rPr lang="he-IL" i="1" dirty="0"/>
-              <a:t>מאוחר יותר, ב1973 </a:t>
-            </a:r>
-            <a:r>
-              <a:rPr lang="en-US" dirty="0"/>
-              <a:t> </a:t>
-            </a:r>
-            <a:r>
-              <a:rPr lang="en-US" dirty="0" err="1"/>
-              <a:t>Erdõs</a:t>
-            </a:r>
-            <a:r>
-              <a:rPr lang="en-US" dirty="0"/>
-              <a:t>, </a:t>
-            </a:r>
-            <a:r>
-              <a:rPr lang="en-US" dirty="0" err="1"/>
-              <a:t>Lovász</a:t>
-            </a:r>
-            <a:r>
-              <a:rPr lang="en-US" dirty="0"/>
-              <a:t>, Simmons</a:t>
-            </a:r>
-            <a:r>
-              <a:rPr lang="he-IL" dirty="0"/>
-              <a:t> ו-</a:t>
-            </a:r>
-            <a:r>
-              <a:rPr lang="en-US" dirty="0"/>
-              <a:t> Strauss </a:t>
-            </a:r>
-            <a:r>
-              <a:rPr lang="he-IL" dirty="0"/>
-              <a:t> שיפרו את החסם עבור </a:t>
-            </a:r>
-            <a:r>
-              <a:rPr lang="en-US" dirty="0"/>
-              <a:t>k-sets</a:t>
-            </a:r>
-            <a:r>
-              <a:rPr lang="he-IL" dirty="0"/>
-              <a:t> לכל מספר </a:t>
-            </a:r>
-            <a:r>
-              <a:rPr lang="en-US" dirty="0"/>
-              <a:t>k</a:t>
-            </a:r>
-            <a:r>
-              <a:rPr lang="he-IL" dirty="0"/>
-              <a:t> ולכל </a:t>
-            </a:r>
-            <a:r>
-              <a:rPr lang="en-US" dirty="0"/>
-              <a:t>n</a:t>
-            </a:r>
-            <a:r>
-              <a:rPr lang="he-IL" dirty="0"/>
-              <a:t> להיות - </a:t>
-            </a:r>
-            <a:r>
-              <a:rPr lang="en-US" i="1" dirty="0"/>
-              <a:t>O(n k</a:t>
-            </a:r>
-            <a:r>
-              <a:rPr lang="en-US" i="1" baseline="30000" dirty="0"/>
-              <a:t>1/2</a:t>
-            </a:r>
-            <a:r>
-              <a:rPr lang="en-US" i="1" dirty="0"/>
-              <a:t>)</a:t>
-            </a:r>
-            <a:r>
-              <a:rPr lang="he-IL" i="1" dirty="0"/>
-              <a:t> – חסם הדוק יותר.</a:t>
-            </a:r>
-          </a:p>
-          <a:p>
-            <a:r>
-              <a:rPr lang="he-IL" i="1" dirty="0"/>
-              <a:t>החסם הנ"ל לא שופר עד 1989 – בה </a:t>
-            </a:r>
-            <a:r>
-              <a:rPr lang="en-US" dirty="0"/>
-              <a:t> </a:t>
-            </a:r>
-            <a:r>
-              <a:rPr lang="en-US" dirty="0" err="1"/>
-              <a:t>Pach</a:t>
-            </a:r>
-            <a:r>
-              <a:rPr lang="en-US" dirty="0"/>
-              <a:t>, </a:t>
-            </a:r>
-            <a:r>
-              <a:rPr lang="en-US" dirty="0" err="1"/>
-              <a:t>Steiger</a:t>
-            </a:r>
-            <a:r>
-              <a:rPr lang="he-IL" dirty="0"/>
-              <a:t> ו-</a:t>
-            </a:r>
-            <a:r>
-              <a:rPr lang="en-US" dirty="0"/>
-              <a:t> </a:t>
-            </a:r>
-            <a:r>
-              <a:rPr lang="en-US" dirty="0" err="1"/>
-              <a:t>Szemerédi</a:t>
-            </a:r>
-            <a:r>
-              <a:rPr lang="en-US" dirty="0"/>
-              <a:t> </a:t>
-            </a:r>
-            <a:r>
-              <a:rPr lang="he-IL" i="1" dirty="0"/>
-              <a:t> הצליחו להדק אותו ל-</a:t>
-            </a:r>
-            <a:r>
-              <a:rPr lang="pt-BR" i="1" dirty="0"/>
-              <a:t> O(n k</a:t>
-            </a:r>
-            <a:r>
-              <a:rPr lang="pt-BR" i="1" baseline="30000" dirty="0"/>
-              <a:t>1/2</a:t>
-            </a:r>
-            <a:r>
-              <a:rPr lang="pt-BR" i="1" dirty="0"/>
-              <a:t> / log</a:t>
-            </a:r>
-            <a:r>
-              <a:rPr lang="pt-BR" i="1" baseline="30000" dirty="0"/>
-              <a:t>*</a:t>
-            </a:r>
-            <a:r>
-              <a:rPr lang="pt-BR" i="1" dirty="0"/>
-              <a:t>n)</a:t>
-            </a:r>
-            <a:r>
-              <a:rPr lang="he-IL" i="1" dirty="0"/>
-              <a:t> – לא שיפור גדול כ"כ ביחס ל16 שנים</a:t>
-            </a:r>
-          </a:p>
-          <a:p>
-            <a:r>
-              <a:rPr lang="he-IL" i="1" dirty="0"/>
-              <a:t>המאמר שלנו מדבר על החסם הטוב ביותר שקיים עד היום </a:t>
-            </a:r>
-            <a:r>
-              <a:rPr lang="en-US" i="1" dirty="0"/>
-              <a:t>O</a:t>
-            </a:r>
-            <a:r>
-              <a:rPr lang="en-US" dirty="0"/>
-              <a:t>(</a:t>
-            </a:r>
-            <a:r>
-              <a:rPr lang="en-US" i="1" dirty="0"/>
-              <a:t>nk</a:t>
-            </a:r>
-            <a:r>
-              <a:rPr lang="en-US" baseline="30000" dirty="0"/>
-              <a:t>1/3</a:t>
-            </a:r>
-            <a:r>
-              <a:rPr lang="en-US" dirty="0"/>
-              <a:t>)</a:t>
-            </a:r>
-            <a:r>
-              <a:rPr lang="he-IL" dirty="0"/>
-              <a:t>- הוכח בשנת 1998 ע"י </a:t>
-            </a:r>
-            <a:r>
-              <a:rPr lang="en-US" b="1" dirty="0" err="1"/>
-              <a:t>Tamal</a:t>
-            </a:r>
-            <a:r>
-              <a:rPr lang="en-US" b="1" dirty="0"/>
-              <a:t> Krishna Dey</a:t>
-            </a:r>
-            <a:r>
-              <a:rPr lang="he-IL" b="1" dirty="0"/>
-              <a:t> פרופ' למדעי המחשב באונ' אוהיו.</a:t>
-            </a:r>
-            <a:endParaRPr lang="he-IL" dirty="0"/>
-          </a:p>
-        </p:txBody>
-      </p:sp>
+      </p:pic>
     </p:spTree>
     <p:extLst>
       <p:ext uri="{BB962C8B-B14F-4D97-AF65-F5344CB8AC3E}">
-        <p14:creationId xmlns:p14="http://schemas.microsoft.com/office/powerpoint/2010/main" val="1346651604"/>
+        <p14:creationId xmlns:p14="http://schemas.microsoft.com/office/powerpoint/2010/main" val="2067917691"/>
       </p:ext>
     </p:extLst>
   </p:cSld>
@@ -4882,6 +4743,929 @@
           <p:cNvPr id="2" name="Title 1">
             <a:extLst>
               <a:ext uri="{FF2B5EF4-FFF2-40B4-BE49-F238E27FC236}">
+                <a16:creationId xmlns:a16="http://schemas.microsoft.com/office/drawing/2014/main" id="{98A8A83B-59F6-4BA4-8738-F90085804EBE}"/>
+              </a:ext>
+            </a:extLst>
+          </p:cNvPr>
+          <p:cNvSpPr>
+            <a:spLocks noGrp="1"/>
+          </p:cNvSpPr>
+          <p:nvPr>
+            <p:ph type="title"/>
+          </p:nvPr>
+        </p:nvSpPr>
+        <p:spPr>
+          <a:xfrm>
+            <a:off x="2231136" y="360727"/>
+            <a:ext cx="7729728" cy="1792685"/>
+          </a:xfrm>
+        </p:spPr>
+        <p:txBody>
+          <a:bodyPr>
+            <a:normAutofit fontScale="90000"/>
+          </a:bodyPr>
+          <a:lstStyle/>
+          <a:p>
+            <a:r>
+              <a:rPr lang="he-IL" dirty="0"/>
+              <a:t>בעיות קשורות ואפליקציות של </a:t>
+            </a:r>
+            <a:r>
+              <a:rPr lang="en-US" dirty="0"/>
+              <a:t>  </a:t>
+            </a:r>
+            <a:br>
+              <a:rPr lang="en-US" dirty="0"/>
+            </a:br>
+            <a:r>
+              <a:rPr lang="en-US" dirty="0"/>
+              <a:t>:K-SETS</a:t>
+            </a:r>
+            <a:br>
+              <a:rPr lang="en-US" dirty="0"/>
+            </a:br>
+            <a:r>
+              <a:rPr lang="en-US" dirty="0"/>
+              <a:t>Convex Polygons and Matroid Optimization</a:t>
+            </a:r>
+            <a:endParaRPr lang="he-IL" dirty="0"/>
+          </a:p>
+        </p:txBody>
+      </p:sp>
+      <p:sp>
+        <p:nvSpPr>
+          <p:cNvPr id="3" name="Content Placeholder 2">
+            <a:extLst>
+              <a:ext uri="{FF2B5EF4-FFF2-40B4-BE49-F238E27FC236}">
+                <a16:creationId xmlns:a16="http://schemas.microsoft.com/office/drawing/2014/main" id="{9DE32AD8-F9A7-49DD-BC0A-C15120730AA2}"/>
+              </a:ext>
+            </a:extLst>
+          </p:cNvPr>
+          <p:cNvSpPr>
+            <a:spLocks noGrp="1"/>
+          </p:cNvSpPr>
+          <p:nvPr>
+            <p:ph idx="1"/>
+          </p:nvPr>
+        </p:nvSpPr>
+        <p:spPr/>
+        <p:txBody>
+          <a:bodyPr/>
+          <a:lstStyle/>
+          <a:p>
+            <a:r>
+              <a:rPr lang="he-IL" dirty="0"/>
+              <a:t>הוכחה על החסם הזה כוס עמ עמק </a:t>
+            </a:r>
+          </a:p>
+        </p:txBody>
+      </p:sp>
+    </p:spTree>
+    <p:extLst>
+      <p:ext uri="{BB962C8B-B14F-4D97-AF65-F5344CB8AC3E}">
+        <p14:creationId xmlns:p14="http://schemas.microsoft.com/office/powerpoint/2010/main" val="2515538919"/>
+      </p:ext>
+    </p:extLst>
+  </p:cSld>
+  <p:clrMapOvr>
+    <a:masterClrMapping/>
+  </p:clrMapOvr>
+</p:sld>
+</file>
+
+<file path=ppt/slides/slide17.xml><?xml version="1.0" encoding="utf-8"?>
+<p:sld xmlns:a="http://schemas.openxmlformats.org/drawingml/2006/main" xmlns:r="http://schemas.openxmlformats.org/officeDocument/2006/relationships" xmlns:p="http://schemas.openxmlformats.org/presentationml/2006/main">
+  <p:cSld>
+    <p:spTree>
+      <p:nvGrpSpPr>
+        <p:cNvPr id="1" name=""/>
+        <p:cNvGrpSpPr/>
+        <p:nvPr/>
+      </p:nvGrpSpPr>
+      <p:grpSpPr>
+        <a:xfrm>
+          <a:off x="0" y="0"/>
+          <a:ext cx="0" cy="0"/>
+          <a:chOff x="0" y="0"/>
+          <a:chExt cx="0" cy="0"/>
+        </a:xfrm>
+      </p:grpSpPr>
+      <p:sp>
+        <p:nvSpPr>
+          <p:cNvPr id="2" name="Title 1">
+            <a:extLst>
+              <a:ext uri="{FF2B5EF4-FFF2-40B4-BE49-F238E27FC236}">
+                <a16:creationId xmlns:a16="http://schemas.microsoft.com/office/drawing/2014/main" id="{0E841BA4-42C2-4A5D-8382-9D1CD36C96AF}"/>
+              </a:ext>
+            </a:extLst>
+          </p:cNvPr>
+          <p:cNvSpPr>
+            <a:spLocks noGrp="1"/>
+          </p:cNvSpPr>
+          <p:nvPr>
+            <p:ph type="title"/>
+          </p:nvPr>
+        </p:nvSpPr>
+        <p:spPr>
+          <a:xfrm>
+            <a:off x="2231136" y="394283"/>
+            <a:ext cx="7729728" cy="1759129"/>
+          </a:xfrm>
+        </p:spPr>
+        <p:txBody>
+          <a:bodyPr>
+            <a:normAutofit fontScale="90000"/>
+          </a:bodyPr>
+          <a:lstStyle/>
+          <a:p>
+            <a:r>
+              <a:rPr lang="he-IL" dirty="0"/>
+              <a:t>בעיות קשורות ואפליקציות של </a:t>
+            </a:r>
+            <a:r>
+              <a:rPr lang="en-US" dirty="0"/>
+              <a:t>  </a:t>
+            </a:r>
+            <a:br>
+              <a:rPr lang="en-US" dirty="0"/>
+            </a:br>
+            <a:r>
+              <a:rPr lang="en-US" dirty="0"/>
+              <a:t>:K-SETS</a:t>
+            </a:r>
+            <a:br>
+              <a:rPr lang="en-US" dirty="0"/>
+            </a:br>
+            <a:r>
+              <a:rPr lang="en-US" dirty="0"/>
+              <a:t>Complexity of j Consecutive Levels</a:t>
+            </a:r>
+            <a:endParaRPr lang="he-IL" dirty="0"/>
+          </a:p>
+        </p:txBody>
+      </p:sp>
+      <p:sp>
+        <p:nvSpPr>
+          <p:cNvPr id="3" name="Content Placeholder 2">
+            <a:extLst>
+              <a:ext uri="{FF2B5EF4-FFF2-40B4-BE49-F238E27FC236}">
+                <a16:creationId xmlns:a16="http://schemas.microsoft.com/office/drawing/2014/main" id="{037438B0-578E-4B51-BAC0-B8463FB17914}"/>
+              </a:ext>
+            </a:extLst>
+          </p:cNvPr>
+          <p:cNvSpPr>
+            <a:spLocks noGrp="1"/>
+          </p:cNvSpPr>
+          <p:nvPr>
+            <p:ph idx="1"/>
+          </p:nvPr>
+        </p:nvSpPr>
+        <p:spPr>
+          <a:xfrm>
+            <a:off x="2231136" y="2638044"/>
+            <a:ext cx="7729728" cy="3938925"/>
+          </a:xfrm>
+        </p:spPr>
+        <p:txBody>
+          <a:bodyPr>
+            <a:normAutofit fontScale="62500" lnSpcReduction="20000"/>
+          </a:bodyPr>
+          <a:lstStyle/>
+          <a:p>
+            <a:r>
+              <a:rPr lang="he-IL" dirty="0"/>
+              <a:t>יהיו </a:t>
+            </a:r>
+            <a:r>
+              <a:rPr lang="en-US" dirty="0"/>
+              <a:t>Lk,Lk-1,Lk-2,…,Lk-j+1</a:t>
+            </a:r>
+            <a:r>
+              <a:rPr lang="he-IL" dirty="0"/>
+              <a:t> עבור </a:t>
+            </a:r>
+            <a:r>
+              <a:rPr lang="en-US" dirty="0"/>
+              <a:t>j&gt;0</a:t>
+            </a:r>
+            <a:r>
+              <a:rPr lang="he-IL" dirty="0"/>
+              <a:t> "רמות" רציפות מסודרות ב</a:t>
+            </a:r>
+            <a:r>
+              <a:rPr lang="en-US" dirty="0"/>
+              <a:t>n</a:t>
+            </a:r>
+            <a:r>
+              <a:rPr lang="he-IL" dirty="0"/>
+              <a:t> ישרים</a:t>
+            </a:r>
+          </a:p>
+          <a:p>
+            <a:r>
+              <a:rPr lang="he-IL" dirty="0"/>
+              <a:t>אנחנו מעוניינים להכריע מה הסיבוכיות של </a:t>
+            </a:r>
+            <a:r>
+              <a:rPr lang="en-US" dirty="0"/>
+              <a:t>j</a:t>
+            </a:r>
+            <a:r>
+              <a:rPr lang="he-IL" dirty="0"/>
+              <a:t> הרמות בסה"כ</a:t>
+            </a:r>
+          </a:p>
+          <a:p>
+            <a:r>
+              <a:rPr lang="he-IL" dirty="0"/>
+              <a:t>לפי דואליות, הסיבוכיות הזו רחוקה לכל היותר בקבוע מכמות ה</a:t>
+            </a:r>
+            <a:r>
+              <a:rPr lang="en-US" dirty="0"/>
+              <a:t>l-sets</a:t>
+            </a:r>
+            <a:r>
+              <a:rPr lang="he-IL" dirty="0"/>
+              <a:t> המתקבלת מהפעלת הפונ הדואלית, כאשר –</a:t>
+            </a:r>
+            <a:r>
+              <a:rPr lang="en-US" dirty="0"/>
+              <a:t>k-j+1 ≥l ≥k </a:t>
+            </a:r>
+            <a:endParaRPr lang="he-IL" dirty="0"/>
+          </a:p>
+          <a:p>
+            <a:r>
+              <a:rPr lang="he-IL" dirty="0"/>
+              <a:t>נשקול את החלוקה</a:t>
+            </a:r>
+            <a:r>
+              <a:rPr lang="en-US" dirty="0"/>
+              <a:t>El </a:t>
+            </a:r>
+            <a:r>
+              <a:rPr lang="he-IL" dirty="0"/>
+              <a:t> ל-</a:t>
+            </a:r>
+            <a:r>
+              <a:rPr lang="en-US" dirty="0"/>
+              <a:t>convex chains</a:t>
+            </a:r>
+            <a:endParaRPr lang="he-IL" dirty="0"/>
+          </a:p>
+          <a:p>
+            <a:r>
+              <a:rPr lang="he-IL" dirty="0"/>
+              <a:t>עבור כל </a:t>
+            </a:r>
+            <a:r>
+              <a:rPr lang="en-US" dirty="0"/>
+              <a:t>l</a:t>
+            </a:r>
+            <a:r>
+              <a:rPr lang="he-IL" dirty="0"/>
+              <a:t> שמקיים </a:t>
+            </a:r>
+            <a:r>
+              <a:rPr lang="en-US" dirty="0"/>
+              <a:t>k-j+1 ≥l ≥k </a:t>
+            </a:r>
+            <a:endParaRPr lang="he-IL" dirty="0"/>
+          </a:p>
+          <a:p>
+            <a:r>
+              <a:rPr lang="he-IL" dirty="0"/>
+              <a:t>נשתמש בחלקים 2  ו-3 של ההוכחה הקודמת על </a:t>
+            </a:r>
+            <a:r>
+              <a:rPr lang="en-US" dirty="0"/>
+              <a:t>O(</a:t>
+            </a:r>
+            <a:r>
+              <a:rPr lang="en-US" dirty="0" err="1"/>
+              <a:t>jk</a:t>
+            </a:r>
+            <a:r>
+              <a:rPr lang="en-US" dirty="0"/>
+              <a:t>)</a:t>
+            </a:r>
+            <a:r>
+              <a:rPr lang="he-IL" dirty="0"/>
+              <a:t> ה-</a:t>
+            </a:r>
+            <a:r>
+              <a:rPr lang="en-US" dirty="0"/>
+              <a:t>convex chains</a:t>
+            </a:r>
+            <a:endParaRPr lang="he-IL" dirty="0"/>
+          </a:p>
+          <a:p>
+            <a:r>
+              <a:rPr lang="he-IL" dirty="0"/>
+              <a:t>כיוון שכל משיק משותף שניצור הוא </a:t>
+            </a:r>
+            <a:r>
+              <a:rPr lang="en-US" dirty="0"/>
+              <a:t>m-set-edge</a:t>
+            </a:r>
+            <a:r>
+              <a:rPr lang="he-IL" dirty="0"/>
+              <a:t> עבור </a:t>
+            </a:r>
+            <a:r>
+              <a:rPr lang="en-US" dirty="0"/>
+              <a:t>m&gt;k</a:t>
+            </a:r>
+            <a:r>
+              <a:rPr lang="he-IL" dirty="0"/>
+              <a:t> נקבל </a:t>
+            </a:r>
+            <a:r>
+              <a:rPr lang="en-US" dirty="0"/>
+              <a:t>O(</a:t>
+            </a:r>
+            <a:r>
+              <a:rPr lang="en-US" dirty="0" err="1"/>
+              <a:t>nk</a:t>
+            </a:r>
+            <a:r>
+              <a:rPr lang="en-US" dirty="0"/>
+              <a:t>)</a:t>
+            </a:r>
+            <a:r>
+              <a:rPr lang="he-IL" dirty="0"/>
+              <a:t> משיקים שנוצרו</a:t>
+            </a:r>
+          </a:p>
+          <a:p>
+            <a:r>
+              <a:rPr lang="he-IL" dirty="0"/>
+              <a:t>כעת, אנחנו טוענים שכל משיק מתאים לכל היותר </a:t>
+            </a:r>
+            <a:r>
+              <a:rPr lang="en-US" dirty="0"/>
+              <a:t>O(j^2)</a:t>
+            </a:r>
+            <a:r>
+              <a:rPr lang="he-IL" dirty="0"/>
+              <a:t> פעמים</a:t>
+            </a:r>
+          </a:p>
+          <a:p>
+            <a:r>
+              <a:rPr lang="he-IL" dirty="0"/>
+              <a:t>משיק </a:t>
+            </a:r>
+            <a:r>
+              <a:rPr lang="en-US" dirty="0"/>
+              <a:t>T</a:t>
+            </a:r>
+            <a:r>
+              <a:rPr lang="he-IL" dirty="0"/>
+              <a:t> לא יכול להיווצר עבור שני זוגות - </a:t>
+            </a:r>
+            <a:r>
+              <a:rPr lang="en-US" dirty="0"/>
+              <a:t>C1 C2</a:t>
+            </a:r>
+            <a:r>
+              <a:rPr lang="he-IL" dirty="0"/>
+              <a:t> ו-</a:t>
+            </a:r>
+            <a:r>
+              <a:rPr lang="en-US" dirty="0"/>
+              <a:t>C3 C4</a:t>
+            </a:r>
+            <a:r>
+              <a:rPr lang="he-IL" dirty="0"/>
+              <a:t> כאשר </a:t>
+            </a:r>
+            <a:r>
+              <a:rPr lang="en-US" dirty="0"/>
+              <a:t>C1 C3</a:t>
+            </a:r>
+            <a:r>
+              <a:rPr lang="he-IL" dirty="0"/>
+              <a:t> עוברים דרך נק הקצה השמאלית של </a:t>
+            </a:r>
+            <a:r>
+              <a:rPr lang="en-US" dirty="0"/>
+              <a:t>T</a:t>
+            </a:r>
+            <a:r>
+              <a:rPr lang="he-IL" dirty="0"/>
+              <a:t> או </a:t>
+            </a:r>
+            <a:r>
+              <a:rPr lang="en-US" dirty="0"/>
+              <a:t>C2 C4</a:t>
+            </a:r>
+            <a:r>
+              <a:rPr lang="he-IL" dirty="0"/>
+              <a:t> עוברים דרך נקודת הקצה הימנית, זה קורה לפי -</a:t>
+            </a:r>
+          </a:p>
+          <a:p>
+            <a:r>
+              <a:rPr lang="en-US" dirty="0"/>
+              <a:t>lemma 3.1</a:t>
+            </a:r>
+            <a:r>
+              <a:rPr lang="he-IL" dirty="0"/>
+              <a:t> כלומר, יש לכל היותר </a:t>
+            </a:r>
+            <a:r>
+              <a:rPr lang="en-US" dirty="0"/>
+              <a:t>j choose 2</a:t>
+            </a:r>
+            <a:r>
+              <a:rPr lang="he-IL" dirty="0"/>
+              <a:t> זוגות שונים שיכולים ליצור את</a:t>
+            </a:r>
+            <a:r>
+              <a:rPr lang="en-US" dirty="0"/>
+              <a:t> </a:t>
+            </a:r>
+            <a:r>
+              <a:rPr lang="he-IL" dirty="0"/>
+              <a:t> </a:t>
+            </a:r>
+            <a:r>
+              <a:rPr lang="en-US" dirty="0"/>
+              <a:t>T</a:t>
+            </a:r>
+            <a:r>
+              <a:rPr lang="he-IL" dirty="0"/>
+              <a:t> </a:t>
+            </a:r>
+          </a:p>
+          <a:p>
+            <a:r>
+              <a:rPr lang="he-IL" dirty="0"/>
+              <a:t>כעת נותר רק להציב באי שיוויון – </a:t>
+            </a:r>
+          </a:p>
+          <a:p>
+            <a:pPr marL="0" indent="0">
+              <a:buNone/>
+            </a:pPr>
+            <a:r>
+              <a:rPr lang="en-US" dirty="0"/>
+              <a:t>T^{3}/n^{2}&lt;</a:t>
+            </a:r>
+            <a:r>
+              <a:rPr lang="en-US" dirty="0" err="1"/>
+              <a:t>cnj</a:t>
+            </a:r>
+            <a:r>
+              <a:rPr lang="en-US" dirty="0"/>
+              <a:t>^{2}(k+1)                                                         </a:t>
+            </a:r>
+          </a:p>
+          <a:p>
+            <a:r>
+              <a:rPr lang="he-IL" dirty="0"/>
+              <a:t>עבור </a:t>
+            </a:r>
+            <a:r>
+              <a:rPr lang="en-US" dirty="0"/>
+              <a:t>c&gt;0</a:t>
+            </a:r>
+            <a:r>
+              <a:rPr lang="he-IL" dirty="0"/>
+              <a:t> מתאים נקבל – </a:t>
+            </a:r>
+            <a:r>
+              <a:rPr lang="en-US"/>
+              <a:t>t=O(n(k+1)^{1/3}j^{2/3})</a:t>
+            </a:r>
+            <a:endParaRPr lang="he-IL" dirty="0"/>
+          </a:p>
+        </p:txBody>
+      </p:sp>
+    </p:spTree>
+    <p:extLst>
+      <p:ext uri="{BB962C8B-B14F-4D97-AF65-F5344CB8AC3E}">
+        <p14:creationId xmlns:p14="http://schemas.microsoft.com/office/powerpoint/2010/main" val="1820227415"/>
+      </p:ext>
+    </p:extLst>
+  </p:cSld>
+  <p:clrMapOvr>
+    <a:masterClrMapping/>
+  </p:clrMapOvr>
+</p:sld>
+</file>
+
+<file path=ppt/slides/slide18.xml><?xml version="1.0" encoding="utf-8"?>
+<p:sld xmlns:a="http://schemas.openxmlformats.org/drawingml/2006/main" xmlns:r="http://schemas.openxmlformats.org/officeDocument/2006/relationships" xmlns:p="http://schemas.openxmlformats.org/presentationml/2006/main">
+  <p:cSld>
+    <p:spTree>
+      <p:nvGrpSpPr>
+        <p:cNvPr id="1" name=""/>
+        <p:cNvGrpSpPr/>
+        <p:nvPr/>
+      </p:nvGrpSpPr>
+      <p:grpSpPr>
+        <a:xfrm>
+          <a:off x="0" y="0"/>
+          <a:ext cx="0" cy="0"/>
+          <a:chOff x="0" y="0"/>
+          <a:chExt cx="0" cy="0"/>
+        </a:xfrm>
+      </p:grpSpPr>
+      <p:sp>
+        <p:nvSpPr>
+          <p:cNvPr id="2" name="Title 1">
+            <a:extLst>
+              <a:ext uri="{FF2B5EF4-FFF2-40B4-BE49-F238E27FC236}">
+                <a16:creationId xmlns:a16="http://schemas.microsoft.com/office/drawing/2014/main" id="{0ED3C801-6C96-4123-BDB9-1AD8CF3EC460}"/>
+              </a:ext>
+            </a:extLst>
+          </p:cNvPr>
+          <p:cNvSpPr>
+            <a:spLocks noGrp="1"/>
+          </p:cNvSpPr>
+          <p:nvPr>
+            <p:ph type="title"/>
+          </p:nvPr>
+        </p:nvSpPr>
+        <p:spPr/>
+        <p:txBody>
+          <a:bodyPr/>
+          <a:lstStyle/>
+          <a:p>
+            <a:r>
+              <a:rPr lang="he-IL" dirty="0"/>
+              <a:t>היסטוריה</a:t>
+            </a:r>
+          </a:p>
+        </p:txBody>
+      </p:sp>
+      <p:sp>
+        <p:nvSpPr>
+          <p:cNvPr id="3" name="Content Placeholder 2">
+            <a:extLst>
+              <a:ext uri="{FF2B5EF4-FFF2-40B4-BE49-F238E27FC236}">
+                <a16:creationId xmlns:a16="http://schemas.microsoft.com/office/drawing/2014/main" id="{8DE18717-999B-498B-B6D5-5F0AC39DFDD1}"/>
+              </a:ext>
+            </a:extLst>
+          </p:cNvPr>
+          <p:cNvSpPr>
+            <a:spLocks noGrp="1"/>
+          </p:cNvSpPr>
+          <p:nvPr>
+            <p:ph idx="1"/>
+          </p:nvPr>
+        </p:nvSpPr>
+        <p:spPr>
+          <a:xfrm>
+            <a:off x="2231136" y="2319262"/>
+            <a:ext cx="7729728" cy="3930536"/>
+          </a:xfrm>
+        </p:spPr>
+        <p:txBody>
+          <a:bodyPr>
+            <a:normAutofit lnSpcReduction="10000"/>
+          </a:bodyPr>
+          <a:lstStyle/>
+          <a:p>
+            <a:r>
+              <a:rPr lang="he-IL" dirty="0"/>
+              <a:t>החסם הראשון שאי פעם הוצע לבעיה הוצע על ידי </a:t>
+            </a:r>
+            <a:r>
+              <a:rPr lang="en-US" dirty="0"/>
+              <a:t>László </a:t>
+            </a:r>
+            <a:r>
+              <a:rPr lang="en-US" dirty="0" err="1"/>
+              <a:t>Lovász</a:t>
+            </a:r>
+            <a:r>
+              <a:rPr lang="he-IL" dirty="0"/>
+              <a:t> (מתמטיקאי הונגרי זוכה פרס וולף) ב-1971, בפועל החסם נקבע עבור בעיה שהוכח בהמשך שכל חסם עליה שווה גם לחסם של </a:t>
+            </a:r>
+            <a:r>
+              <a:rPr lang="en-US" dirty="0"/>
+              <a:t>k-sets</a:t>
+            </a:r>
+            <a:r>
+              <a:rPr lang="he-IL" dirty="0"/>
+              <a:t> והיא </a:t>
+            </a:r>
+            <a:r>
+              <a:rPr lang="en-US" dirty="0"/>
+              <a:t>halving lines</a:t>
+            </a:r>
+            <a:r>
+              <a:rPr lang="he-IL" dirty="0"/>
+              <a:t> (עוד על בעיות קשורות בהמשך)</a:t>
+            </a:r>
+          </a:p>
+          <a:p>
+            <a:r>
+              <a:rPr lang="he-IL" dirty="0"/>
+              <a:t>הגדרה: עבור קבוצה </a:t>
+            </a:r>
+            <a:r>
+              <a:rPr lang="en-US" dirty="0"/>
+              <a:t>S</a:t>
+            </a:r>
+            <a:r>
+              <a:rPr lang="he-IL" dirty="0"/>
+              <a:t> בגודל </a:t>
+            </a:r>
+            <a:r>
+              <a:rPr lang="en-US" dirty="0"/>
+              <a:t>n</a:t>
+            </a:r>
+            <a:r>
+              <a:rPr lang="he-IL" dirty="0"/>
+              <a:t> של נקודות במישור </a:t>
+            </a:r>
+            <a:r>
+              <a:rPr lang="en-US" dirty="0"/>
+              <a:t>halving line</a:t>
+            </a:r>
+            <a:r>
+              <a:rPr lang="he-IL" dirty="0"/>
+              <a:t> הוא קטע שעובר בין שני נקודות של </a:t>
+            </a:r>
+            <a:r>
+              <a:rPr lang="en-US" dirty="0"/>
+              <a:t>S</a:t>
+            </a:r>
+            <a:r>
+              <a:rPr lang="he-IL" dirty="0"/>
+              <a:t> ומחלק את קבוצה </a:t>
+            </a:r>
+            <a:r>
+              <a:rPr lang="en-US" dirty="0"/>
+              <a:t>S</a:t>
+            </a:r>
+            <a:r>
+              <a:rPr lang="he-IL" dirty="0"/>
+              <a:t> לשני חלקים שווים.</a:t>
+            </a:r>
+          </a:p>
+          <a:p>
+            <a:r>
+              <a:rPr lang="he-IL" i="1" dirty="0"/>
+              <a:t>כמות </a:t>
+            </a:r>
+            <a:r>
+              <a:rPr lang="en-US" i="1" dirty="0"/>
+              <a:t>halving lines</a:t>
+            </a:r>
+            <a:r>
+              <a:rPr lang="he-IL" i="1" dirty="0"/>
+              <a:t> מקסימלית בקבוצה בגודל </a:t>
+            </a:r>
+            <a:r>
+              <a:rPr lang="en-US" i="1" dirty="0"/>
+              <a:t>n</a:t>
+            </a:r>
+            <a:r>
+              <a:rPr lang="he-IL" i="1" dirty="0"/>
+              <a:t>: </a:t>
+            </a:r>
+            <a:r>
+              <a:rPr lang="en-US" i="1" dirty="0"/>
+              <a:t>O(n</a:t>
+            </a:r>
+            <a:r>
+              <a:rPr lang="en-US" i="1" baseline="30000" dirty="0"/>
+              <a:t>3/2</a:t>
+            </a:r>
+            <a:r>
+              <a:rPr lang="en-US" i="1" dirty="0"/>
+              <a:t>)</a:t>
+            </a:r>
+          </a:p>
+          <a:p>
+            <a:r>
+              <a:rPr lang="he-IL" i="1" dirty="0"/>
+              <a:t>מאוחר יותר, ב1973 </a:t>
+            </a:r>
+            <a:r>
+              <a:rPr lang="en-US" dirty="0"/>
+              <a:t> </a:t>
+            </a:r>
+            <a:r>
+              <a:rPr lang="en-US" dirty="0" err="1"/>
+              <a:t>Erdõs</a:t>
+            </a:r>
+            <a:r>
+              <a:rPr lang="en-US" dirty="0"/>
+              <a:t>, </a:t>
+            </a:r>
+            <a:r>
+              <a:rPr lang="en-US" dirty="0" err="1"/>
+              <a:t>Lovász</a:t>
+            </a:r>
+            <a:r>
+              <a:rPr lang="en-US" dirty="0"/>
+              <a:t>, Simmons</a:t>
+            </a:r>
+            <a:r>
+              <a:rPr lang="he-IL" dirty="0"/>
+              <a:t> ו-</a:t>
+            </a:r>
+            <a:r>
+              <a:rPr lang="en-US" dirty="0"/>
+              <a:t> Strauss </a:t>
+            </a:r>
+            <a:r>
+              <a:rPr lang="he-IL" dirty="0"/>
+              <a:t> שיפרו את החסם עבור </a:t>
+            </a:r>
+            <a:r>
+              <a:rPr lang="en-US" dirty="0"/>
+              <a:t>k-sets</a:t>
+            </a:r>
+            <a:r>
+              <a:rPr lang="he-IL" dirty="0"/>
+              <a:t> לכל מספר </a:t>
+            </a:r>
+            <a:r>
+              <a:rPr lang="en-US" dirty="0"/>
+              <a:t>k</a:t>
+            </a:r>
+            <a:r>
+              <a:rPr lang="he-IL" dirty="0"/>
+              <a:t> ולכל </a:t>
+            </a:r>
+            <a:r>
+              <a:rPr lang="en-US" dirty="0"/>
+              <a:t>n</a:t>
+            </a:r>
+            <a:r>
+              <a:rPr lang="he-IL" dirty="0"/>
+              <a:t> להיות - </a:t>
+            </a:r>
+            <a:r>
+              <a:rPr lang="en-US" i="1" dirty="0"/>
+              <a:t>O(n k</a:t>
+            </a:r>
+            <a:r>
+              <a:rPr lang="en-US" i="1" baseline="30000" dirty="0"/>
+              <a:t>1/2</a:t>
+            </a:r>
+            <a:r>
+              <a:rPr lang="en-US" i="1" dirty="0"/>
+              <a:t>)</a:t>
+            </a:r>
+            <a:r>
+              <a:rPr lang="he-IL" i="1" dirty="0"/>
+              <a:t> – חסם הדוק יותר.</a:t>
+            </a:r>
+          </a:p>
+          <a:p>
+            <a:r>
+              <a:rPr lang="he-IL" i="1" dirty="0"/>
+              <a:t>החסם הנ"ל לא שופר עד 1989 – בה </a:t>
+            </a:r>
+            <a:r>
+              <a:rPr lang="en-US" dirty="0"/>
+              <a:t> </a:t>
+            </a:r>
+            <a:r>
+              <a:rPr lang="en-US" dirty="0" err="1"/>
+              <a:t>Pach</a:t>
+            </a:r>
+            <a:r>
+              <a:rPr lang="en-US" dirty="0"/>
+              <a:t>, </a:t>
+            </a:r>
+            <a:r>
+              <a:rPr lang="en-US" dirty="0" err="1"/>
+              <a:t>Steiger</a:t>
+            </a:r>
+            <a:r>
+              <a:rPr lang="he-IL" dirty="0"/>
+              <a:t> ו-</a:t>
+            </a:r>
+            <a:r>
+              <a:rPr lang="en-US" dirty="0"/>
+              <a:t> </a:t>
+            </a:r>
+            <a:r>
+              <a:rPr lang="en-US" dirty="0" err="1"/>
+              <a:t>Szemerédi</a:t>
+            </a:r>
+            <a:r>
+              <a:rPr lang="en-US" dirty="0"/>
+              <a:t> </a:t>
+            </a:r>
+            <a:r>
+              <a:rPr lang="he-IL" i="1" dirty="0"/>
+              <a:t> הצליחו להדק אותו ל-</a:t>
+            </a:r>
+            <a:r>
+              <a:rPr lang="pt-BR" i="1" dirty="0"/>
+              <a:t> O(n k</a:t>
+            </a:r>
+            <a:r>
+              <a:rPr lang="pt-BR" i="1" baseline="30000" dirty="0"/>
+              <a:t>1/2</a:t>
+            </a:r>
+            <a:r>
+              <a:rPr lang="pt-BR" i="1" dirty="0"/>
+              <a:t> / log</a:t>
+            </a:r>
+            <a:r>
+              <a:rPr lang="pt-BR" i="1" baseline="30000" dirty="0"/>
+              <a:t>*</a:t>
+            </a:r>
+            <a:r>
+              <a:rPr lang="pt-BR" i="1" dirty="0"/>
+              <a:t>n)</a:t>
+            </a:r>
+            <a:r>
+              <a:rPr lang="he-IL" i="1" dirty="0"/>
+              <a:t> – לא שיפור גדול כ"כ ביחס ל16 שנים</a:t>
+            </a:r>
+          </a:p>
+          <a:p>
+            <a:r>
+              <a:rPr lang="he-IL" i="1" dirty="0"/>
+              <a:t>המאמר שלנו מדבר על החסם הטוב ביותר שקיים עד היום </a:t>
+            </a:r>
+            <a:r>
+              <a:rPr lang="en-US" i="1" dirty="0"/>
+              <a:t>O</a:t>
+            </a:r>
+            <a:r>
+              <a:rPr lang="en-US" dirty="0"/>
+              <a:t>(</a:t>
+            </a:r>
+            <a:r>
+              <a:rPr lang="en-US" i="1" dirty="0"/>
+              <a:t>nk</a:t>
+            </a:r>
+            <a:r>
+              <a:rPr lang="en-US" baseline="30000" dirty="0"/>
+              <a:t>1/3</a:t>
+            </a:r>
+            <a:r>
+              <a:rPr lang="en-US" dirty="0"/>
+              <a:t>)</a:t>
+            </a:r>
+            <a:r>
+              <a:rPr lang="he-IL" dirty="0"/>
+              <a:t>- הוכח בשנת 1998 ע"י </a:t>
+            </a:r>
+            <a:r>
+              <a:rPr lang="en-US" b="1" dirty="0" err="1"/>
+              <a:t>Tamal</a:t>
+            </a:r>
+            <a:r>
+              <a:rPr lang="en-US" b="1" dirty="0"/>
+              <a:t> Krishna Dey</a:t>
+            </a:r>
+            <a:r>
+              <a:rPr lang="he-IL" b="1" dirty="0"/>
+              <a:t> פרופ' למדעי המחשב באונ' אוהיו.</a:t>
+            </a:r>
+            <a:endParaRPr lang="he-IL" dirty="0"/>
+          </a:p>
+        </p:txBody>
+      </p:sp>
+    </p:spTree>
+    <p:extLst>
+      <p:ext uri="{BB962C8B-B14F-4D97-AF65-F5344CB8AC3E}">
+        <p14:creationId xmlns:p14="http://schemas.microsoft.com/office/powerpoint/2010/main" val="1346651604"/>
+      </p:ext>
+    </p:extLst>
+  </p:cSld>
+  <p:clrMapOvr>
+    <a:masterClrMapping/>
+  </p:clrMapOvr>
+</p:sld>
+</file>
+
+<file path=ppt/slides/slide19.xml><?xml version="1.0" encoding="utf-8"?>
+<p:sld xmlns:a="http://schemas.openxmlformats.org/drawingml/2006/main" xmlns:r="http://schemas.openxmlformats.org/officeDocument/2006/relationships" xmlns:p="http://schemas.openxmlformats.org/presentationml/2006/main">
+  <p:cSld>
+    <p:spTree>
+      <p:nvGrpSpPr>
+        <p:cNvPr id="1" name=""/>
+        <p:cNvGrpSpPr/>
+        <p:nvPr/>
+      </p:nvGrpSpPr>
+      <p:grpSpPr>
+        <a:xfrm>
+          <a:off x="0" y="0"/>
+          <a:ext cx="0" cy="0"/>
+          <a:chOff x="0" y="0"/>
+          <a:chExt cx="0" cy="0"/>
+        </a:xfrm>
+      </p:grpSpPr>
+      <p:sp>
+        <p:nvSpPr>
+          <p:cNvPr id="2" name="Title 1">
+            <a:extLst>
+              <a:ext uri="{FF2B5EF4-FFF2-40B4-BE49-F238E27FC236}">
                 <a16:creationId xmlns:a16="http://schemas.microsoft.com/office/drawing/2014/main" id="{CEB86A80-141A-4ABC-A8F0-B9062A0C2B85}"/>
               </a:ext>
             </a:extLst>
@@ -4989,7 +5773,243 @@
 </p:sld>
 </file>
 
-<file path=ppt/slides/slide17.xml><?xml version="1.0" encoding="utf-8"?>
+<file path=ppt/slides/slide2.xml><?xml version="1.0" encoding="utf-8"?>
+<p:sld xmlns:a="http://schemas.openxmlformats.org/drawingml/2006/main" xmlns:r="http://schemas.openxmlformats.org/officeDocument/2006/relationships" xmlns:p="http://schemas.openxmlformats.org/presentationml/2006/main">
+  <p:cSld>
+    <p:spTree>
+      <p:nvGrpSpPr>
+        <p:cNvPr id="1" name=""/>
+        <p:cNvGrpSpPr/>
+        <p:nvPr/>
+      </p:nvGrpSpPr>
+      <p:grpSpPr>
+        <a:xfrm>
+          <a:off x="0" y="0"/>
+          <a:ext cx="0" cy="0"/>
+          <a:chOff x="0" y="0"/>
+          <a:chExt cx="0" cy="0"/>
+        </a:xfrm>
+      </p:grpSpPr>
+      <p:sp>
+        <p:nvSpPr>
+          <p:cNvPr id="2" name="Title 1">
+            <a:extLst>
+              <a:ext uri="{FF2B5EF4-FFF2-40B4-BE49-F238E27FC236}">
+                <a16:creationId xmlns:a16="http://schemas.microsoft.com/office/drawing/2014/main" id="{05AE25FC-4EFC-4295-9A3C-6DCB52DDB3A8}"/>
+              </a:ext>
+            </a:extLst>
+          </p:cNvPr>
+          <p:cNvSpPr>
+            <a:spLocks noGrp="1"/>
+          </p:cNvSpPr>
+          <p:nvPr>
+            <p:ph type="title"/>
+          </p:nvPr>
+        </p:nvSpPr>
+        <p:spPr/>
+        <p:txBody>
+          <a:bodyPr/>
+          <a:lstStyle/>
+          <a:p>
+            <a:r>
+              <a:rPr lang="en-US" dirty="0"/>
+              <a:t>k-set</a:t>
+            </a:r>
+            <a:endParaRPr lang="he-IL" dirty="0"/>
+          </a:p>
+        </p:txBody>
+      </p:sp>
+      <p:sp>
+        <p:nvSpPr>
+          <p:cNvPr id="3" name="Content Placeholder 2">
+            <a:extLst>
+              <a:ext uri="{FF2B5EF4-FFF2-40B4-BE49-F238E27FC236}">
+                <a16:creationId xmlns:a16="http://schemas.microsoft.com/office/drawing/2014/main" id="{C386DD75-7F4C-49E7-B324-1AFE02C7D3CE}"/>
+              </a:ext>
+            </a:extLst>
+          </p:cNvPr>
+          <p:cNvSpPr>
+            <a:spLocks noGrp="1"/>
+          </p:cNvSpPr>
+          <p:nvPr>
+            <p:ph idx="1"/>
+          </p:nvPr>
+        </p:nvSpPr>
+        <p:spPr>
+          <a:xfrm>
+            <a:off x="2231136" y="2585543"/>
+            <a:ext cx="7729728" cy="1188720"/>
+          </a:xfrm>
+        </p:spPr>
+        <p:txBody>
+          <a:bodyPr>
+            <a:normAutofit/>
+          </a:bodyPr>
+          <a:lstStyle/>
+          <a:p>
+            <a:pPr algn="r"/>
+            <a:r>
+              <a:rPr lang="he-IL" sz="2000" b="1" u="sng" dirty="0"/>
+              <a:t>הגדרה: </a:t>
+            </a:r>
+          </a:p>
+          <a:p>
+            <a:pPr algn="r"/>
+            <a:r>
+              <a:rPr lang="en-US" sz="1600" dirty="0"/>
+              <a:t>K-SET</a:t>
+            </a:r>
+            <a:r>
+              <a:rPr lang="he-IL" sz="1600" dirty="0"/>
+              <a:t> של קבוצת נקודות סופית </a:t>
+            </a:r>
+            <a:r>
+              <a:rPr lang="en-US" sz="1600" dirty="0"/>
+              <a:t>P</a:t>
+            </a:r>
+            <a:r>
+              <a:rPr lang="he-IL" sz="1600" dirty="0"/>
+              <a:t> במישור (דו-מימד) היא תת קבוצה של </a:t>
+            </a:r>
+            <a:r>
+              <a:rPr lang="en-US" sz="1600" dirty="0"/>
+              <a:t>P</a:t>
+            </a:r>
+            <a:r>
+              <a:rPr lang="he-IL" sz="1600" dirty="0"/>
+              <a:t> בגודל </a:t>
+            </a:r>
+            <a:r>
+              <a:rPr lang="en-US" sz="1600" dirty="0"/>
+              <a:t>K</a:t>
+            </a:r>
+            <a:r>
+              <a:rPr lang="he-IL" sz="1600" dirty="0"/>
+              <a:t> שניתן להפריד אותה משאר הנקודות ב</a:t>
+            </a:r>
+            <a:r>
+              <a:rPr lang="en-US" sz="1600" dirty="0"/>
+              <a:t>P</a:t>
+            </a:r>
+            <a:r>
+              <a:rPr lang="he-IL" sz="1600" dirty="0"/>
+              <a:t> ע"י ישר</a:t>
+            </a:r>
+            <a:endParaRPr lang="en-US" sz="1600" dirty="0"/>
+          </a:p>
+          <a:p>
+            <a:pPr algn="l" rtl="0"/>
+            <a:endParaRPr lang="he-IL" sz="1600" dirty="0"/>
+          </a:p>
+        </p:txBody>
+      </p:sp>
+      <p:sp>
+        <p:nvSpPr>
+          <p:cNvPr id="7" name="TextBox 6">
+            <a:extLst>
+              <a:ext uri="{FF2B5EF4-FFF2-40B4-BE49-F238E27FC236}">
+                <a16:creationId xmlns:a16="http://schemas.microsoft.com/office/drawing/2014/main" id="{34AEB813-003C-41AF-A473-69090BE8DA1A}"/>
+              </a:ext>
+            </a:extLst>
+          </p:cNvPr>
+          <p:cNvSpPr txBox="1"/>
+          <p:nvPr/>
+        </p:nvSpPr>
+        <p:spPr>
+          <a:xfrm>
+            <a:off x="5245773" y="4375367"/>
+            <a:ext cx="4782012" cy="1200329"/>
+          </a:xfrm>
+          <a:prstGeom prst="rect">
+            <a:avLst/>
+          </a:prstGeom>
+          <a:noFill/>
+        </p:spPr>
+        <p:txBody>
+          <a:bodyPr wrap="square" rtlCol="1">
+            <a:spAutoFit/>
+          </a:bodyPr>
+          <a:lstStyle/>
+          <a:p>
+            <a:pPr algn="r" rtl="1"/>
+            <a:r>
+              <a:rPr lang="he-IL" dirty="0"/>
+              <a:t>לדוגמא, עבור קבוצה בגודל 12 עבור </a:t>
+            </a:r>
+            <a:r>
+              <a:rPr lang="en-US" dirty="0"/>
+              <a:t>k=5</a:t>
+            </a:r>
+          </a:p>
+          <a:p>
+            <a:pPr algn="r" rtl="1"/>
+            <a:endParaRPr lang="en-US" dirty="0"/>
+          </a:p>
+          <a:p>
+            <a:pPr algn="r" rtl="1"/>
+            <a:r>
+              <a:rPr lang="he-IL" dirty="0"/>
+              <a:t>*חשוב לשים לב שכל צד הוא </a:t>
+            </a:r>
+            <a:r>
+              <a:rPr lang="en-US" dirty="0"/>
+              <a:t>5-set</a:t>
+            </a:r>
+            <a:r>
+              <a:rPr lang="he-IL" dirty="0"/>
+              <a:t> בפני עצמו</a:t>
+            </a:r>
+          </a:p>
+          <a:p>
+            <a:pPr algn="r" rtl="1"/>
+            <a:endParaRPr lang="he-IL" dirty="0"/>
+          </a:p>
+        </p:txBody>
+      </p:sp>
+      <p:pic>
+        <p:nvPicPr>
+          <p:cNvPr id="9" name="Picture 8">
+            <a:extLst>
+              <a:ext uri="{FF2B5EF4-FFF2-40B4-BE49-F238E27FC236}">
+                <a16:creationId xmlns:a16="http://schemas.microsoft.com/office/drawing/2014/main" id="{32C75766-767A-45EE-AB56-A12138B62FDD}"/>
+              </a:ext>
+            </a:extLst>
+          </p:cNvPr>
+          <p:cNvPicPr>
+            <a:picLocks noChangeAspect="1"/>
+          </p:cNvPicPr>
+          <p:nvPr/>
+        </p:nvPicPr>
+        <p:blipFill>
+          <a:blip r:embed="rId2"/>
+          <a:stretch>
+            <a:fillRect/>
+          </a:stretch>
+        </p:blipFill>
+        <p:spPr>
+          <a:xfrm>
+            <a:off x="699082" y="3888914"/>
+            <a:ext cx="5038987" cy="2167937"/>
+          </a:xfrm>
+          <a:prstGeom prst="rect">
+            <a:avLst/>
+          </a:prstGeom>
+        </p:spPr>
+      </p:pic>
+    </p:spTree>
+    <p:extLst>
+      <p:ext uri="{BB962C8B-B14F-4D97-AF65-F5344CB8AC3E}">
+        <p14:creationId xmlns:p14="http://schemas.microsoft.com/office/powerpoint/2010/main" val="2976200407"/>
+      </p:ext>
+    </p:extLst>
+  </p:cSld>
+  <p:clrMapOvr>
+    <a:masterClrMapping/>
+  </p:clrMapOvr>
+</p:sld>
+</file>
+
+<file path=ppt/slides/slide20.xml><?xml version="1.0" encoding="utf-8"?>
 <p:sld xmlns:a="http://schemas.openxmlformats.org/drawingml/2006/main" xmlns:r="http://schemas.openxmlformats.org/officeDocument/2006/relationships" xmlns:p="http://schemas.openxmlformats.org/presentationml/2006/main">
   <p:cSld>
     <p:spTree>
@@ -5220,7 +6240,7 @@
 </p:sld>
 </file>
 
-<file path=ppt/slides/slide18.xml><?xml version="1.0" encoding="utf-8"?>
+<file path=ppt/slides/slide21.xml><?xml version="1.0" encoding="utf-8"?>
 <p:sld xmlns:a="http://schemas.openxmlformats.org/drawingml/2006/main" xmlns:r="http://schemas.openxmlformats.org/officeDocument/2006/relationships" xmlns:p="http://schemas.openxmlformats.org/presentationml/2006/main">
   <p:cSld>
     <p:spTree>
@@ -5571,7 +6591,7 @@
 </p:sld>
 </file>
 
-<file path=ppt/slides/slide19.xml><?xml version="1.0" encoding="utf-8"?>
+<file path=ppt/slides/slide22.xml><?xml version="1.0" encoding="utf-8"?>
 <p:sld xmlns:a="http://schemas.openxmlformats.org/drawingml/2006/main" xmlns:r="http://schemas.openxmlformats.org/officeDocument/2006/relationships" xmlns:p="http://schemas.openxmlformats.org/presentationml/2006/main">
   <p:cSld>
     <p:spTree>
@@ -5819,7 +6839,7 @@
 </p:sld>
 </file>
 
-<file path=ppt/slides/slide2.xml><?xml version="1.0" encoding="utf-8"?>
+<file path=ppt/slides/slide23.xml><?xml version="1.0" encoding="utf-8"?>
 <p:sld xmlns:a="http://schemas.openxmlformats.org/drawingml/2006/main" xmlns:r="http://schemas.openxmlformats.org/officeDocument/2006/relationships" xmlns:p="http://schemas.openxmlformats.org/presentationml/2006/main">
   <p:cSld>
     <p:spTree>
@@ -5841,7 +6861,7 @@
           <p:cNvPr id="2" name="Title 1">
             <a:extLst>
               <a:ext uri="{FF2B5EF4-FFF2-40B4-BE49-F238E27FC236}">
-                <a16:creationId xmlns:a16="http://schemas.microsoft.com/office/drawing/2014/main" id="{05AE25FC-4EFC-4295-9A3C-6DCB52DDB3A8}"/>
+                <a16:creationId xmlns:a16="http://schemas.microsoft.com/office/drawing/2014/main" id="{9659BF35-3A32-4FD5-A109-BCC3D3563180}"/>
               </a:ext>
             </a:extLst>
           </p:cNvPr>
@@ -5859,9 +6879,16 @@
           <a:p>
             <a:r>
               <a:rPr lang="en-US" dirty="0"/>
-              <a:t>k-set</a:t>
-            </a:r>
-            <a:endParaRPr lang="he-IL" dirty="0"/>
+              <a:t>Convex chain </a:t>
+            </a:r>
+            <a:r>
+              <a:rPr lang="en-US" dirty="0" err="1"/>
+              <a:t>cont</a:t>
+            </a:r>
+            <a:r>
+              <a:rPr lang="en-US" dirty="0"/>
+              <a:t>’ (lemma 1)</a:t>
+            </a:r>
           </a:p>
         </p:txBody>
       </p:sp>
@@ -5870,7 +6897,7 @@
           <p:cNvPr id="3" name="Content Placeholder 2">
             <a:extLst>
               <a:ext uri="{FF2B5EF4-FFF2-40B4-BE49-F238E27FC236}">
-                <a16:creationId xmlns:a16="http://schemas.microsoft.com/office/drawing/2014/main" id="{C386DD75-7F4C-49E7-B324-1AFE02C7D3CE}"/>
+                <a16:creationId xmlns:a16="http://schemas.microsoft.com/office/drawing/2014/main" id="{CEB31987-0421-4A48-BAB5-2D2C26A07E90}"/>
               </a:ext>
             </a:extLst>
           </p:cNvPr>
@@ -5883,169 +6910,193 @@
         </p:nvSpPr>
         <p:spPr>
           <a:xfrm>
-            <a:off x="2231136" y="2585543"/>
-            <a:ext cx="7729728" cy="1188720"/>
+            <a:off x="2231136" y="2638044"/>
+            <a:ext cx="8058270" cy="3551000"/>
           </a:xfrm>
         </p:spPr>
         <p:txBody>
-          <a:bodyPr>
-            <a:normAutofit/>
-          </a:bodyPr>
-          <a:lstStyle/>
-          <a:p>
-            <a:pPr algn="r"/>
-            <a:r>
-              <a:rPr lang="he-IL" sz="2000" b="1" u="sng" dirty="0"/>
-              <a:t>הגדרה: </a:t>
-            </a:r>
-          </a:p>
-          <a:p>
-            <a:pPr algn="r"/>
-            <a:r>
-              <a:rPr lang="en-US" sz="1600" dirty="0"/>
-              <a:t>K-SET</a:t>
-            </a:r>
-            <a:r>
-              <a:rPr lang="he-IL" sz="1600" dirty="0"/>
-              <a:t> של קבוצת נקודות סופית </a:t>
-            </a:r>
-            <a:r>
-              <a:rPr lang="en-US" sz="1600" dirty="0"/>
-              <a:t>P</a:t>
-            </a:r>
-            <a:r>
-              <a:rPr lang="he-IL" sz="1600" dirty="0"/>
-              <a:t> במישור (דו-מימד) היא תת קבוצה של </a:t>
-            </a:r>
-            <a:r>
-              <a:rPr lang="en-US" sz="1600" dirty="0"/>
-              <a:t>P</a:t>
-            </a:r>
-            <a:r>
-              <a:rPr lang="he-IL" sz="1600" dirty="0"/>
-              <a:t> בגודל </a:t>
-            </a:r>
-            <a:r>
-              <a:rPr lang="en-US" sz="1600" dirty="0"/>
-              <a:t>K</a:t>
-            </a:r>
-            <a:r>
-              <a:rPr lang="he-IL" sz="1600" dirty="0"/>
-              <a:t> שניתן להפריד אותה משאר הנקודות ב</a:t>
-            </a:r>
-            <a:r>
-              <a:rPr lang="en-US" sz="1600" dirty="0"/>
-              <a:t>P</a:t>
-            </a:r>
-            <a:r>
-              <a:rPr lang="he-IL" sz="1600" dirty="0"/>
-              <a:t> ע"י ישר</a:t>
-            </a:r>
-            <a:endParaRPr lang="en-US" sz="1600" dirty="0"/>
-          </a:p>
-          <a:p>
-            <a:pPr algn="l" rtl="0"/>
-            <a:endParaRPr lang="he-IL" sz="1600" dirty="0"/>
-          </a:p>
-        </p:txBody>
-      </p:sp>
-      <p:sp>
-        <p:nvSpPr>
-          <p:cNvPr id="7" name="TextBox 6">
-            <a:extLst>
-              <a:ext uri="{FF2B5EF4-FFF2-40B4-BE49-F238E27FC236}">
-                <a16:creationId xmlns:a16="http://schemas.microsoft.com/office/drawing/2014/main" id="{34AEB813-003C-41AF-A473-69090BE8DA1A}"/>
-              </a:ext>
-            </a:extLst>
-          </p:cNvPr>
-          <p:cNvSpPr txBox="1"/>
-          <p:nvPr/>
-        </p:nvSpPr>
-        <p:spPr>
-          <a:xfrm>
-            <a:off x="5245773" y="4375367"/>
-            <a:ext cx="4782012" cy="1200329"/>
-          </a:xfrm>
-          <a:prstGeom prst="rect">
-            <a:avLst/>
-          </a:prstGeom>
-          <a:noFill/>
-        </p:spPr>
-        <p:txBody>
-          <a:bodyPr wrap="square" rtlCol="1">
-            <a:spAutoFit/>
-          </a:bodyPr>
-          <a:lstStyle/>
-          <a:p>
-            <a:pPr algn="r" rtl="1"/>
-            <a:r>
-              <a:rPr lang="he-IL" dirty="0"/>
-              <a:t>לדוגמא, עבור קבוצה בגודל 12 עבור </a:t>
-            </a:r>
-            <a:r>
-              <a:rPr lang="en-US" dirty="0"/>
-              <a:t>k=5</a:t>
-            </a:r>
-          </a:p>
-          <a:p>
-            <a:pPr algn="r" rtl="1"/>
+          <a:bodyPr/>
+          <a:lstStyle/>
+          <a:p>
+            <a:r>
+              <a:rPr lang="en-US" dirty="0"/>
+              <a:t>Lemma</a:t>
+            </a:r>
+            <a:r>
+              <a:rPr lang="he-IL" dirty="0"/>
+              <a:t>- לא קיימת אף צלע </a:t>
+            </a:r>
+            <a:r>
+              <a:rPr lang="en-US" dirty="0"/>
+              <a:t>f</a:t>
+            </a:r>
+            <a:r>
+              <a:rPr lang="he-IL" dirty="0"/>
+              <a:t> כך שמתקיים </a:t>
+            </a:r>
+            <a:r>
+              <a:rPr lang="en-US" dirty="0" err="1"/>
+              <a:t>eRf</a:t>
+            </a:r>
+            <a:r>
+              <a:rPr lang="he-IL" dirty="0"/>
+              <a:t> וגם מתקיים </a:t>
+            </a:r>
+            <a:r>
+              <a:rPr lang="en-US" dirty="0" err="1"/>
+              <a:t>gRf</a:t>
+            </a:r>
+            <a:r>
+              <a:rPr lang="he-IL" dirty="0"/>
+              <a:t> עבור </a:t>
+            </a:r>
+            <a:r>
+              <a:rPr lang="en-US" dirty="0"/>
+              <a:t>g!=e</a:t>
+            </a:r>
+          </a:p>
+          <a:p>
+            <a:r>
+              <a:rPr lang="he-IL" dirty="0"/>
+              <a:t>הוכחה:</a:t>
+            </a:r>
             <a:endParaRPr lang="en-US" dirty="0"/>
           </a:p>
           <a:p>
-            <a:pPr algn="r" rtl="1"/>
-            <a:r>
-              <a:rPr lang="he-IL" dirty="0"/>
-              <a:t>*חשוב לשים לב שכל צד הוא </a:t>
-            </a:r>
-            <a:r>
-              <a:rPr lang="en-US" dirty="0"/>
-              <a:t>5-set</a:t>
-            </a:r>
-            <a:r>
-              <a:rPr lang="he-IL" dirty="0"/>
-              <a:t> בפני עצמו</a:t>
-            </a:r>
-          </a:p>
-          <a:p>
-            <a:pPr algn="r" rtl="1"/>
-            <a:endParaRPr lang="he-IL" dirty="0"/>
-          </a:p>
-        </p:txBody>
-      </p:sp>
-      <p:pic>
-        <p:nvPicPr>
-          <p:cNvPr id="9" name="Picture 8">
-            <a:extLst>
-              <a:ext uri="{FF2B5EF4-FFF2-40B4-BE49-F238E27FC236}">
-                <a16:creationId xmlns:a16="http://schemas.microsoft.com/office/drawing/2014/main" id="{32C75766-767A-45EE-AB56-A12138B62FDD}"/>
-              </a:ext>
-            </a:extLst>
-          </p:cNvPr>
-          <p:cNvPicPr>
-            <a:picLocks noChangeAspect="1"/>
-          </p:cNvPicPr>
-          <p:nvPr/>
-        </p:nvPicPr>
-        <p:blipFill>
-          <a:blip r:embed="rId2"/>
-          <a:stretch>
-            <a:fillRect/>
-          </a:stretch>
-        </p:blipFill>
-        <p:spPr>
-          <a:xfrm>
-            <a:off x="699082" y="3888914"/>
-            <a:ext cx="5038987" cy="2167937"/>
-          </a:xfrm>
-          <a:prstGeom prst="rect">
-            <a:avLst/>
-          </a:prstGeom>
-        </p:spPr>
-      </p:pic>
+            <a:pPr lvl="1"/>
+            <a:r>
+              <a:rPr lang="he-IL" dirty="0"/>
+              <a:t> נניח שקיים </a:t>
+            </a:r>
+            <a:r>
+              <a:rPr lang="en-US" dirty="0"/>
+              <a:t>f</a:t>
+            </a:r>
+            <a:r>
+              <a:rPr lang="he-IL" dirty="0"/>
+              <a:t> כזה, יהיו </a:t>
+            </a:r>
+            <a:r>
+              <a:rPr lang="en-US" dirty="0" err="1"/>
+              <a:t>g,e</a:t>
+            </a:r>
+            <a:r>
+              <a:rPr lang="he-IL" dirty="0"/>
+              <a:t> כך ש</a:t>
+            </a:r>
+            <a:r>
+              <a:rPr lang="en-US" dirty="0"/>
+              <a:t>s(e)&gt;s(g)</a:t>
+            </a:r>
+            <a:r>
+              <a:rPr lang="he-IL" dirty="0"/>
+              <a:t> </a:t>
+            </a:r>
+            <a:endParaRPr lang="en-US" dirty="0"/>
+          </a:p>
+          <a:p>
+            <a:pPr lvl="1"/>
+            <a:r>
+              <a:rPr lang="he-IL" dirty="0"/>
+              <a:t>לפי ההגדה </a:t>
+            </a:r>
+            <a:r>
+              <a:rPr lang="en-US" dirty="0"/>
+              <a:t>s(g)&gt;s(f)</a:t>
+            </a:r>
+            <a:r>
+              <a:rPr lang="he-IL" dirty="0"/>
+              <a:t> וגם </a:t>
+            </a:r>
+            <a:r>
+              <a:rPr lang="en-US" dirty="0"/>
+              <a:t>s(e)&gt;s(f)</a:t>
+            </a:r>
+          </a:p>
+          <a:p>
+            <a:pPr lvl="1"/>
+            <a:r>
+              <a:rPr lang="he-IL" dirty="0"/>
+              <a:t>לפי התכונה של </a:t>
+            </a:r>
+            <a:r>
+              <a:rPr lang="en-US" dirty="0" err="1"/>
+              <a:t>Lov’asz</a:t>
+            </a:r>
+            <a:r>
+              <a:rPr lang="he-IL" dirty="0"/>
+              <a:t> חייבת להיות צלע יוצאת </a:t>
+            </a:r>
+            <a:r>
+              <a:rPr lang="en-US" dirty="0"/>
+              <a:t>f’</a:t>
+            </a:r>
+            <a:r>
+              <a:rPr lang="he-IL" dirty="0"/>
+              <a:t> כך ש</a:t>
+            </a:r>
+            <a:r>
+              <a:rPr lang="en-US" dirty="0"/>
+              <a:t>s(e)&gt;s(f’)&gt;s(g)</a:t>
+            </a:r>
+          </a:p>
+          <a:p>
+            <a:pPr lvl="1"/>
+            <a:r>
+              <a:rPr lang="he-IL" dirty="0"/>
+              <a:t>לכן נקבל ש</a:t>
+            </a:r>
+            <a:r>
+              <a:rPr lang="en-US" dirty="0"/>
+              <a:t>s(e)&gt;s(f’)&gt;s(g)&gt;s(f)</a:t>
+            </a:r>
+            <a:r>
+              <a:rPr lang="he-IL" dirty="0"/>
+              <a:t> אבל זו סתירה ל</a:t>
+            </a:r>
+            <a:r>
+              <a:rPr lang="en-US" dirty="0" err="1"/>
+              <a:t>eRf</a:t>
+            </a:r>
+            <a:endParaRPr lang="en-US" dirty="0"/>
+          </a:p>
+          <a:p>
+            <a:r>
+              <a:rPr lang="he-IL" dirty="0"/>
+              <a:t>קבוצת היחסים הרפלקסיבית </a:t>
+            </a:r>
+            <a:r>
+              <a:rPr lang="en-US" dirty="0"/>
+              <a:t>R*</a:t>
+            </a:r>
+            <a:r>
+              <a:rPr lang="he-IL" dirty="0"/>
+              <a:t> מחלקת את </a:t>
+            </a:r>
+            <a:r>
+              <a:rPr lang="en-US" dirty="0" err="1"/>
+              <a:t>Ek</a:t>
+            </a:r>
+            <a:r>
+              <a:rPr lang="he-IL" dirty="0"/>
+              <a:t> לשרשראות לא חופפות לפי הלמה ובנוסף לי הגדרת היחס </a:t>
+            </a:r>
+            <a:r>
+              <a:rPr lang="en-US" dirty="0"/>
+              <a:t>R</a:t>
+            </a:r>
+            <a:r>
+              <a:rPr lang="he-IL" dirty="0"/>
+              <a:t> כל שרשרת כזאת היא קונבקסית (תמיד פונים רק ימינה)</a:t>
+            </a:r>
+            <a:endParaRPr lang="en-US" dirty="0"/>
+          </a:p>
+        </p:txBody>
+      </p:sp>
     </p:spTree>
     <p:extLst>
       <p:ext uri="{BB962C8B-B14F-4D97-AF65-F5344CB8AC3E}">
-        <p14:creationId xmlns:p14="http://schemas.microsoft.com/office/powerpoint/2010/main" val="2976200407"/>
+        <p14:creationId xmlns:p14="http://schemas.microsoft.com/office/powerpoint/2010/main" val="2295642179"/>
       </p:ext>
     </p:extLst>
   </p:cSld>
@@ -6055,7 +7106,7 @@
 </p:sld>
 </file>
 
-<file path=ppt/slides/slide20.xml><?xml version="1.0" encoding="utf-8"?>
+<file path=ppt/slides/slide24.xml><?xml version="1.0" encoding="utf-8"?>
 <p:sld xmlns:a="http://schemas.openxmlformats.org/drawingml/2006/main" xmlns:r="http://schemas.openxmlformats.org/officeDocument/2006/relationships" xmlns:p="http://schemas.openxmlformats.org/presentationml/2006/main">
   <p:cSld>
     <p:spTree>
@@ -6077,273 +7128,6 @@
           <p:cNvPr id="2" name="Title 1">
             <a:extLst>
               <a:ext uri="{FF2B5EF4-FFF2-40B4-BE49-F238E27FC236}">
-                <a16:creationId xmlns:a16="http://schemas.microsoft.com/office/drawing/2014/main" id="{9659BF35-3A32-4FD5-A109-BCC3D3563180}"/>
-              </a:ext>
-            </a:extLst>
-          </p:cNvPr>
-          <p:cNvSpPr>
-            <a:spLocks noGrp="1"/>
-          </p:cNvSpPr>
-          <p:nvPr>
-            <p:ph type="title"/>
-          </p:nvPr>
-        </p:nvSpPr>
-        <p:spPr/>
-        <p:txBody>
-          <a:bodyPr/>
-          <a:lstStyle/>
-          <a:p>
-            <a:r>
-              <a:rPr lang="en-US" dirty="0"/>
-              <a:t>Convex chain </a:t>
-            </a:r>
-            <a:r>
-              <a:rPr lang="en-US" dirty="0" err="1"/>
-              <a:t>cont</a:t>
-            </a:r>
-            <a:r>
-              <a:rPr lang="en-US" dirty="0"/>
-              <a:t>’ (lemma 1)</a:t>
-            </a:r>
-          </a:p>
-        </p:txBody>
-      </p:sp>
-      <p:sp>
-        <p:nvSpPr>
-          <p:cNvPr id="3" name="Content Placeholder 2">
-            <a:extLst>
-              <a:ext uri="{FF2B5EF4-FFF2-40B4-BE49-F238E27FC236}">
-                <a16:creationId xmlns:a16="http://schemas.microsoft.com/office/drawing/2014/main" id="{CEB31987-0421-4A48-BAB5-2D2C26A07E90}"/>
-              </a:ext>
-            </a:extLst>
-          </p:cNvPr>
-          <p:cNvSpPr>
-            <a:spLocks noGrp="1"/>
-          </p:cNvSpPr>
-          <p:nvPr>
-            <p:ph idx="1"/>
-          </p:nvPr>
-        </p:nvSpPr>
-        <p:spPr>
-          <a:xfrm>
-            <a:off x="2231136" y="2638044"/>
-            <a:ext cx="8058270" cy="3551000"/>
-          </a:xfrm>
-        </p:spPr>
-        <p:txBody>
-          <a:bodyPr/>
-          <a:lstStyle/>
-          <a:p>
-            <a:r>
-              <a:rPr lang="en-US" dirty="0"/>
-              <a:t>Lemma</a:t>
-            </a:r>
-            <a:r>
-              <a:rPr lang="he-IL" dirty="0"/>
-              <a:t>- לא קיימת אף צלע </a:t>
-            </a:r>
-            <a:r>
-              <a:rPr lang="en-US" dirty="0"/>
-              <a:t>f</a:t>
-            </a:r>
-            <a:r>
-              <a:rPr lang="he-IL" dirty="0"/>
-              <a:t> כך שמתקיים </a:t>
-            </a:r>
-            <a:r>
-              <a:rPr lang="en-US" dirty="0" err="1"/>
-              <a:t>eRf</a:t>
-            </a:r>
-            <a:r>
-              <a:rPr lang="he-IL" dirty="0"/>
-              <a:t> וגם מתקיים </a:t>
-            </a:r>
-            <a:r>
-              <a:rPr lang="en-US" dirty="0" err="1"/>
-              <a:t>gRf</a:t>
-            </a:r>
-            <a:r>
-              <a:rPr lang="he-IL" dirty="0"/>
-              <a:t> עבור </a:t>
-            </a:r>
-            <a:r>
-              <a:rPr lang="en-US" dirty="0"/>
-              <a:t>g!=e</a:t>
-            </a:r>
-          </a:p>
-          <a:p>
-            <a:r>
-              <a:rPr lang="he-IL" dirty="0"/>
-              <a:t>הוכחה:</a:t>
-            </a:r>
-            <a:endParaRPr lang="en-US" dirty="0"/>
-          </a:p>
-          <a:p>
-            <a:pPr lvl="1"/>
-            <a:r>
-              <a:rPr lang="he-IL" dirty="0"/>
-              <a:t> נניח שקיים </a:t>
-            </a:r>
-            <a:r>
-              <a:rPr lang="en-US" dirty="0"/>
-              <a:t>f</a:t>
-            </a:r>
-            <a:r>
-              <a:rPr lang="he-IL" dirty="0"/>
-              <a:t> כזה, יהיו </a:t>
-            </a:r>
-            <a:r>
-              <a:rPr lang="en-US" dirty="0" err="1"/>
-              <a:t>g,e</a:t>
-            </a:r>
-            <a:r>
-              <a:rPr lang="he-IL" dirty="0"/>
-              <a:t> כך ש</a:t>
-            </a:r>
-            <a:r>
-              <a:rPr lang="en-US" dirty="0"/>
-              <a:t>s(e)&gt;s(g)</a:t>
-            </a:r>
-            <a:r>
-              <a:rPr lang="he-IL" dirty="0"/>
-              <a:t> </a:t>
-            </a:r>
-            <a:endParaRPr lang="en-US" dirty="0"/>
-          </a:p>
-          <a:p>
-            <a:pPr lvl="1"/>
-            <a:r>
-              <a:rPr lang="he-IL" dirty="0"/>
-              <a:t>לפי ההגדה </a:t>
-            </a:r>
-            <a:r>
-              <a:rPr lang="en-US" dirty="0"/>
-              <a:t>s(g)&gt;s(f)</a:t>
-            </a:r>
-            <a:r>
-              <a:rPr lang="he-IL" dirty="0"/>
-              <a:t> וגם </a:t>
-            </a:r>
-            <a:r>
-              <a:rPr lang="en-US" dirty="0"/>
-              <a:t>s(e)&gt;s(f)</a:t>
-            </a:r>
-          </a:p>
-          <a:p>
-            <a:pPr lvl="1"/>
-            <a:r>
-              <a:rPr lang="he-IL" dirty="0"/>
-              <a:t>לפי התכונה של </a:t>
-            </a:r>
-            <a:r>
-              <a:rPr lang="en-US" dirty="0" err="1"/>
-              <a:t>Lov’asz</a:t>
-            </a:r>
-            <a:r>
-              <a:rPr lang="he-IL" dirty="0"/>
-              <a:t> חייבת להיות צלע יוצאת </a:t>
-            </a:r>
-            <a:r>
-              <a:rPr lang="en-US" dirty="0"/>
-              <a:t>f’</a:t>
-            </a:r>
-            <a:r>
-              <a:rPr lang="he-IL" dirty="0"/>
-              <a:t> כך ש</a:t>
-            </a:r>
-            <a:r>
-              <a:rPr lang="en-US" dirty="0"/>
-              <a:t>s(e)&gt;s(f’)&gt;s(g)</a:t>
-            </a:r>
-          </a:p>
-          <a:p>
-            <a:pPr lvl="1"/>
-            <a:r>
-              <a:rPr lang="he-IL" dirty="0"/>
-              <a:t>לכן נקבל ש</a:t>
-            </a:r>
-            <a:r>
-              <a:rPr lang="en-US" dirty="0"/>
-              <a:t>s(e)&gt;s(f’)&gt;s(g)&gt;s(f)</a:t>
-            </a:r>
-            <a:r>
-              <a:rPr lang="he-IL" dirty="0"/>
-              <a:t> אבל זו סתירה ל</a:t>
-            </a:r>
-            <a:r>
-              <a:rPr lang="en-US" dirty="0" err="1"/>
-              <a:t>eRf</a:t>
-            </a:r>
-            <a:endParaRPr lang="en-US" dirty="0"/>
-          </a:p>
-          <a:p>
-            <a:r>
-              <a:rPr lang="he-IL" dirty="0"/>
-              <a:t>קבוצת היחסים הרפלקסיבית </a:t>
-            </a:r>
-            <a:r>
-              <a:rPr lang="en-US" dirty="0"/>
-              <a:t>R*</a:t>
-            </a:r>
-            <a:r>
-              <a:rPr lang="he-IL" dirty="0"/>
-              <a:t> מחלקת את </a:t>
-            </a:r>
-            <a:r>
-              <a:rPr lang="en-US" dirty="0" err="1"/>
-              <a:t>Ek</a:t>
-            </a:r>
-            <a:r>
-              <a:rPr lang="he-IL" dirty="0"/>
-              <a:t> לשרשראות לא חופפות לפי הלמה ובנוסף לי הגדרת היחס </a:t>
-            </a:r>
-            <a:r>
-              <a:rPr lang="en-US" dirty="0"/>
-              <a:t>R</a:t>
-            </a:r>
-            <a:r>
-              <a:rPr lang="he-IL" dirty="0"/>
-              <a:t> כל שרשרת כזאת היא קונבקסית (תמיד פונים רק ימינה)</a:t>
-            </a:r>
-            <a:endParaRPr lang="en-US" dirty="0"/>
-          </a:p>
-        </p:txBody>
-      </p:sp>
-    </p:spTree>
-    <p:extLst>
-      <p:ext uri="{BB962C8B-B14F-4D97-AF65-F5344CB8AC3E}">
-        <p14:creationId xmlns:p14="http://schemas.microsoft.com/office/powerpoint/2010/main" val="2295642179"/>
-      </p:ext>
-    </p:extLst>
-  </p:cSld>
-  <p:clrMapOvr>
-    <a:masterClrMapping/>
-  </p:clrMapOvr>
-</p:sld>
-</file>
-
-<file path=ppt/slides/slide21.xml><?xml version="1.0" encoding="utf-8"?>
-<p:sld xmlns:a="http://schemas.openxmlformats.org/drawingml/2006/main" xmlns:r="http://schemas.openxmlformats.org/officeDocument/2006/relationships" xmlns:p="http://schemas.openxmlformats.org/presentationml/2006/main">
-  <p:cSld>
-    <p:spTree>
-      <p:nvGrpSpPr>
-        <p:cNvPr id="1" name=""/>
-        <p:cNvGrpSpPr/>
-        <p:nvPr/>
-      </p:nvGrpSpPr>
-      <p:grpSpPr>
-        <a:xfrm>
-          <a:off x="0" y="0"/>
-          <a:ext cx="0" cy="0"/>
-          <a:chOff x="0" y="0"/>
-          <a:chExt cx="0" cy="0"/>
-        </a:xfrm>
-      </p:grpSpPr>
-      <p:sp>
-        <p:nvSpPr>
-          <p:cNvPr id="2" name="Title 1">
-            <a:extLst>
-              <a:ext uri="{FF2B5EF4-FFF2-40B4-BE49-F238E27FC236}">
                 <a16:creationId xmlns:a16="http://schemas.microsoft.com/office/drawing/2014/main" id="{830960BC-AAC1-42A9-86CF-77F226E2A9DA}"/>
               </a:ext>
             </a:extLst>
@@ -6518,7 +7302,7 @@
 </p:sld>
 </file>
 
-<file path=ppt/slides/slide22.xml><?xml version="1.0" encoding="utf-8"?>
+<file path=ppt/slides/slide25.xml><?xml version="1.0" encoding="utf-8"?>
 <p:sld xmlns:a="http://schemas.openxmlformats.org/drawingml/2006/main" xmlns:r="http://schemas.openxmlformats.org/officeDocument/2006/relationships" xmlns:p="http://schemas.openxmlformats.org/presentationml/2006/main">
   <p:cSld>
     <p:spTree>
@@ -6747,7 +7531,7 @@
 </p:sld>
 </file>
 
-<file path=ppt/slides/slide23.xml><?xml version="1.0" encoding="utf-8"?>
+<file path=ppt/slides/slide26.xml><?xml version="1.0" encoding="utf-8"?>
 <p:sld xmlns:a="http://schemas.openxmlformats.org/drawingml/2006/main" xmlns:r="http://schemas.openxmlformats.org/officeDocument/2006/relationships" xmlns:p="http://schemas.openxmlformats.org/presentationml/2006/main">
   <p:cSld>
     <p:spTree>
@@ -7155,7 +7939,7 @@
 </p:sld>
 </file>
 
-<file path=ppt/slides/slide24.xml><?xml version="1.0" encoding="utf-8"?>
+<file path=ppt/slides/slide27.xml><?xml version="1.0" encoding="utf-8"?>
 <p:sld xmlns:a="http://schemas.openxmlformats.org/drawingml/2006/main" xmlns:r="http://schemas.openxmlformats.org/officeDocument/2006/relationships" xmlns:p="http://schemas.openxmlformats.org/presentationml/2006/main">
   <p:cSld>
     <p:spTree>
@@ -7345,7 +8129,7 @@
 </p:sld>
 </file>
 
-<file path=ppt/slides/slide25.xml><?xml version="1.0" encoding="utf-8"?>
+<file path=ppt/slides/slide28.xml><?xml version="1.0" encoding="utf-8"?>
 <p:sld xmlns:a="http://schemas.openxmlformats.org/drawingml/2006/main" xmlns:r="http://schemas.openxmlformats.org/officeDocument/2006/relationships" xmlns:p="http://schemas.openxmlformats.org/presentationml/2006/main">
   <p:cSld>
     <p:spTree>

--- a/first part/Improved bounds for planar k-sets.pptx
+++ b/first part/Improved bounds for planar k-sets.pptx
@@ -9413,11 +9413,145 @@
           <a:p>
             <a:r>
               <a:rPr lang="he-IL" dirty="0"/>
-              <a:t>להבין את החרא הזה שאלוהים יקח אותי</a:t>
-            </a:r>
-          </a:p>
-        </p:txBody>
-      </p:sp>
+              <a:t>בהנתן סט של קטעים </a:t>
+            </a:r>
+            <a:r>
+              <a:rPr lang="en-US" dirty="0"/>
+              <a:t>S</a:t>
+            </a:r>
+            <a:r>
+              <a:rPr lang="he-IL" dirty="0"/>
+              <a:t>, </a:t>
+            </a:r>
+            <a:r>
+              <a:rPr lang="en-US" dirty="0"/>
+              <a:t>k-level</a:t>
+            </a:r>
+            <a:r>
+              <a:rPr lang="he-IL" dirty="0"/>
+              <a:t> מוגדר להיות אוסף הנקודות כך שמתחת לחיבור של כל הקטעים של נקודות אלו יהיו </a:t>
+            </a:r>
+            <a:r>
+              <a:rPr lang="en-US" dirty="0"/>
+              <a:t>k</a:t>
+            </a:r>
+            <a:r>
+              <a:rPr lang="he-IL" dirty="0"/>
+              <a:t> קטעים</a:t>
+            </a:r>
+          </a:p>
+          <a:p>
+            <a:r>
+              <a:rPr lang="he-IL" dirty="0"/>
+              <a:t>יתכן שיהיו רווחים בין הקטעים כאשר הנקודות מתרחקות אחד מהשני בצורה אנכית </a:t>
+            </a:r>
+            <a:r>
+              <a:rPr lang="en-US" dirty="0"/>
+              <a:t>)</a:t>
+            </a:r>
+            <a:r>
+              <a:rPr lang="he-IL" dirty="0"/>
+              <a:t>כמו מתמונה, למטה משמאל שם מראים את ה</a:t>
+            </a:r>
+            <a:r>
+              <a:rPr lang="en-US" dirty="0"/>
+              <a:t>k level</a:t>
+            </a:r>
+            <a:r>
+              <a:rPr lang="he-IL" dirty="0"/>
+              <a:t> הראשון</a:t>
+            </a:r>
+            <a:r>
+              <a:rPr lang="en-US" dirty="0"/>
+              <a:t>(</a:t>
+            </a:r>
+          </a:p>
+          <a:p>
+            <a:r>
+              <a:rPr lang="he-IL" dirty="0"/>
+              <a:t>סט הנקודות מוגדר להיות הנקודות שמגדירות את הרמה</a:t>
+            </a:r>
+            <a:r>
+              <a:rPr lang="en-US" dirty="0"/>
+              <a:t>k </a:t>
+            </a:r>
+            <a:r>
+              <a:rPr lang="he-IL" dirty="0"/>
+              <a:t> איחוד עם הנקודות שמגדירות את הרמה ה</a:t>
+            </a:r>
+            <a:r>
+              <a:rPr lang="en-US" dirty="0"/>
+              <a:t>k-1</a:t>
+            </a:r>
+          </a:p>
+          <a:p>
+            <a:endParaRPr lang="he-IL" dirty="0"/>
+          </a:p>
+          <a:p>
+            <a:endParaRPr lang="he-IL" dirty="0"/>
+          </a:p>
+        </p:txBody>
+      </p:sp>
+      <p:pic>
+        <p:nvPicPr>
+          <p:cNvPr id="7" name="Picture 6" descr="A picture containing wire, line, bird, sitting&#10;&#10;Description automatically generated">
+            <a:extLst>
+              <a:ext uri="{FF2B5EF4-FFF2-40B4-BE49-F238E27FC236}">
+                <a16:creationId xmlns:a16="http://schemas.microsoft.com/office/drawing/2014/main" id="{C610B897-4E74-4600-94C7-057CE71DEEFB}"/>
+              </a:ext>
+            </a:extLst>
+          </p:cNvPr>
+          <p:cNvPicPr>
+            <a:picLocks noChangeAspect="1"/>
+          </p:cNvPicPr>
+          <p:nvPr/>
+        </p:nvPicPr>
+        <p:blipFill>
+          <a:blip r:embed="rId2"/>
+          <a:stretch>
+            <a:fillRect/>
+          </a:stretch>
+        </p:blipFill>
+        <p:spPr>
+          <a:xfrm>
+            <a:off x="730739" y="4704589"/>
+            <a:ext cx="3000794" cy="1648055"/>
+          </a:xfrm>
+          <a:prstGeom prst="rect">
+            <a:avLst/>
+          </a:prstGeom>
+        </p:spPr>
+      </p:pic>
+      <p:pic>
+        <p:nvPicPr>
+          <p:cNvPr id="9" name="Picture 8" descr="A picture containing object, antenna&#10;&#10;Description automatically generated">
+            <a:extLst>
+              <a:ext uri="{FF2B5EF4-FFF2-40B4-BE49-F238E27FC236}">
+                <a16:creationId xmlns:a16="http://schemas.microsoft.com/office/drawing/2014/main" id="{90509473-CFC8-41F6-81E5-2C093AE8FE39}"/>
+              </a:ext>
+            </a:extLst>
+          </p:cNvPr>
+          <p:cNvPicPr>
+            <a:picLocks noChangeAspect="1"/>
+          </p:cNvPicPr>
+          <p:nvPr/>
+        </p:nvPicPr>
+        <p:blipFill>
+          <a:blip r:embed="rId3"/>
+          <a:stretch>
+            <a:fillRect/>
+          </a:stretch>
+        </p:blipFill>
+        <p:spPr>
+          <a:xfrm>
+            <a:off x="4869180" y="4704589"/>
+            <a:ext cx="4681479" cy="1743841"/>
+          </a:xfrm>
+          <a:prstGeom prst="rect">
+            <a:avLst/>
+          </a:prstGeom>
+        </p:spPr>
+      </p:pic>
     </p:spTree>
     <p:extLst>
       <p:ext uri="{BB962C8B-B14F-4D97-AF65-F5344CB8AC3E}">

--- a/first part/Improved bounds for planar k-sets.pptx
+++ b/first part/Improved bounds for planar k-sets.pptx
@@ -32,7 +32,7 @@
     <p:sldId id="279" r:id="rId26"/>
     <p:sldId id="280" r:id="rId27"/>
     <p:sldId id="281" r:id="rId28"/>
-    <p:sldId id="282" r:id="rId29"/>
+    <p:sldId id="288" r:id="rId29"/>
     <p:sldId id="265" r:id="rId30"/>
     <p:sldId id="278" r:id="rId31"/>
     <p:sldId id="283" r:id="rId32"/>
@@ -8975,20 +8975,202 @@
         </p:nvSpPr>
         <p:spPr/>
         <p:txBody>
-          <a:bodyPr/>
+          <a:bodyPr>
+            <a:normAutofit fontScale="70000" lnSpcReduction="20000"/>
+          </a:bodyPr>
           <a:lstStyle/>
           <a:p>
             <a:r>
               <a:rPr lang="he-IL" dirty="0"/>
-              <a:t>הוכחה על החסם הזה כוס עמ עמק </a:t>
-            </a:r>
+              <a:t>אפשר להסתכל על כל מצולע קמור כזה בתור שרשרת קונבקסית עליונה ותחתונה</a:t>
+            </a:r>
+          </a:p>
+          <a:p>
+            <a:r>
+              <a:rPr lang="he-IL" dirty="0"/>
+              <a:t>אם נמשיך את צלעות הקצה של השרשראות עד לאינסוף שלילי וחיובי בהתאמה – נוכל להפעיל את פונ הדואליות ולקבל </a:t>
+            </a:r>
+            <a:r>
+              <a:rPr lang="en-US" dirty="0"/>
+              <a:t>k</a:t>
+            </a:r>
+            <a:r>
+              <a:rPr lang="he-IL" dirty="0"/>
+              <a:t> שרשראות שמורכבות מ</a:t>
+            </a:r>
+            <a:r>
+              <a:rPr lang="en-US" dirty="0"/>
+              <a:t>n</a:t>
+            </a:r>
+            <a:r>
+              <a:rPr lang="he-IL" dirty="0"/>
+              <a:t> קודקודים</a:t>
+            </a:r>
+          </a:p>
+          <a:p>
+            <a:r>
+              <a:rPr lang="he-IL" dirty="0"/>
+              <a:t>מכאן, נוכל להפעיל את </a:t>
+            </a:r>
+            <a:r>
+              <a:rPr lang="en-US" dirty="0"/>
+              <a:t>Lemma 3.1</a:t>
+            </a:r>
+            <a:r>
+              <a:rPr lang="he-IL" dirty="0"/>
+              <a:t>, בשינוי קל, כיוון שעכשיו לא בטוח שהשרשראות מסתיימות בנקודות ייחודיות – יתכן כי משיק </a:t>
+            </a:r>
+            <a:r>
+              <a:rPr lang="en-US" dirty="0"/>
+              <a:t>T</a:t>
+            </a:r>
+            <a:r>
+              <a:rPr lang="he-IL" dirty="0"/>
+              <a:t> יתואם על יותר מפעם אחת, זה יקרה רק במידה והוא מחבר נקודות שהן נקודות קצה של כמה שרשראות</a:t>
+            </a:r>
+          </a:p>
+          <a:p>
+            <a:r>
+              <a:rPr lang="he-IL" dirty="0"/>
+              <a:t>במקרה כזה, </a:t>
+            </a:r>
+            <a:r>
+              <a:rPr lang="en-US" dirty="0"/>
+              <a:t>T</a:t>
+            </a:r>
+            <a:r>
+              <a:rPr lang="he-IL" dirty="0"/>
+              <a:t> מתואם על כל זוג שרשראות שיש להן נקודת קצה שנפגשת עם נקודת הקצה של </a:t>
+            </a:r>
+            <a:r>
+              <a:rPr lang="en-US" dirty="0"/>
+              <a:t>T</a:t>
+            </a:r>
+          </a:p>
+          <a:p>
+            <a:r>
+              <a:rPr lang="he-IL" dirty="0"/>
+              <a:t>הכמות שלהם לא יכולה לעלות על </a:t>
+            </a:r>
+            <a:r>
+              <a:rPr lang="en-US" dirty="0"/>
+              <a:t>k choose 2</a:t>
+            </a:r>
+            <a:r>
+              <a:rPr lang="he-IL" dirty="0"/>
+              <a:t> או </a:t>
+            </a:r>
+            <a:r>
+              <a:rPr lang="en-US" dirty="0"/>
+              <a:t>O(k^2)</a:t>
+            </a:r>
+            <a:r>
+              <a:rPr lang="he-IL" dirty="0"/>
+              <a:t> בסה"כ</a:t>
+            </a:r>
+          </a:p>
+          <a:p>
+            <a:r>
+              <a:rPr lang="he-IL" dirty="0"/>
+              <a:t>נשלב את החסם הנ"ל עם החסם התחתון על כמות ה</a:t>
+            </a:r>
+            <a:r>
+              <a:rPr lang="en-US" dirty="0"/>
+              <a:t>crossings</a:t>
+            </a:r>
+            <a:r>
+              <a:rPr lang="he-IL" dirty="0"/>
+              <a:t> כפי שעשינו בהוכחה של ה</a:t>
+            </a:r>
+            <a:r>
+              <a:rPr lang="en-US" dirty="0"/>
+              <a:t>k-sets</a:t>
+            </a:r>
+            <a:r>
+              <a:rPr lang="he-IL" dirty="0"/>
+              <a:t> ונקבל </a:t>
+            </a:r>
+            <a:r>
+              <a:rPr lang="el-GR" dirty="0"/>
+              <a:t>Θ</a:t>
+            </a:r>
+            <a:r>
+              <a:rPr lang="en-US" dirty="0"/>
+              <a:t>(</a:t>
+            </a:r>
+            <a:r>
+              <a:rPr lang="en-US" dirty="0" err="1"/>
+              <a:t>nk</a:t>
+            </a:r>
+            <a:r>
+              <a:rPr lang="en-US" dirty="0"/>
+              <a:t>^{1/3}+n^{2/3}k^{2/3})</a:t>
+            </a:r>
+            <a:endParaRPr lang="he-IL" dirty="0"/>
+          </a:p>
+          <a:p>
+            <a:r>
+              <a:rPr lang="he-IL" dirty="0"/>
+              <a:t>להוכיח שהחסם הנ"ל הדוק ביותר זה קל, עבור – </a:t>
+            </a:r>
+            <a:r>
+              <a:rPr lang="en-US" dirty="0"/>
+              <a:t>n&gt;k</a:t>
+            </a:r>
+            <a:r>
+              <a:rPr lang="he-IL" dirty="0"/>
+              <a:t> הערך </a:t>
+            </a:r>
+            <a:r>
+              <a:rPr lang="en-US" dirty="0" err="1"/>
+              <a:t>nk</a:t>
+            </a:r>
+            <a:r>
+              <a:rPr lang="en-US" dirty="0"/>
+              <a:t>^{1/3}</a:t>
+            </a:r>
+            <a:r>
+              <a:rPr lang="he-IL" dirty="0"/>
+              <a:t> הוא הדומיננטי, והוכח חסם תחתון שווה</a:t>
+            </a:r>
+          </a:p>
+          <a:p>
+            <a:r>
+              <a:rPr lang="he-IL" dirty="0"/>
+              <a:t>עבור </a:t>
+            </a:r>
+            <a:r>
+              <a:rPr lang="en-US" dirty="0"/>
+              <a:t>k&gt;n</a:t>
+            </a:r>
+            <a:r>
+              <a:rPr lang="he-IL" dirty="0"/>
+              <a:t> הביטוי השני במכפלה - </a:t>
+            </a:r>
+            <a:r>
+              <a:rPr lang="en-US" dirty="0"/>
+              <a:t>n^{2/3}k^{2/3})</a:t>
+            </a:r>
+            <a:r>
+              <a:rPr lang="he-IL" dirty="0"/>
+              <a:t> הוא הדומיננטי וחסם תחתון שווה הוכח </a:t>
+            </a:r>
+          </a:p>
+          <a:p>
+            <a:endParaRPr lang="he-IL" dirty="0"/>
+          </a:p>
+          <a:p>
+            <a:endParaRPr lang="he-IL" dirty="0"/>
+          </a:p>
+          <a:p>
+            <a:endParaRPr lang="he-IL" dirty="0"/>
           </a:p>
         </p:txBody>
       </p:sp>
     </p:spTree>
     <p:extLst>
       <p:ext uri="{BB962C8B-B14F-4D97-AF65-F5344CB8AC3E}">
-        <p14:creationId xmlns:p14="http://schemas.microsoft.com/office/powerpoint/2010/main" val="2327897651"/>
+        <p14:creationId xmlns:p14="http://schemas.microsoft.com/office/powerpoint/2010/main" val="293839466"/>
       </p:ext>
     </p:extLst>
   </p:cSld>
@@ -9031,14 +9213,43 @@
             <p:ph type="title"/>
           </p:nvPr>
         </p:nvSpPr>
-        <p:spPr/>
-        <p:txBody>
-          <a:bodyPr/>
+        <p:spPr>
+          <a:xfrm>
+            <a:off x="2231136" y="360727"/>
+            <a:ext cx="8011822" cy="1792685"/>
+          </a:xfrm>
+        </p:spPr>
+        <p:txBody>
+          <a:bodyPr>
+            <a:normAutofit fontScale="90000"/>
+          </a:bodyPr>
           <a:lstStyle/>
           <a:p>
             <a:r>
               <a:rPr lang="he-IL" dirty="0"/>
-              <a:t>בעיות קשורות ואפליקציות של </a:t>
+              <a:t>בעיות קשורות ואפליקציות שבעיות קשורות ואפליקציות של </a:t>
+            </a:r>
+            <a:r>
+              <a:rPr lang="en-US" dirty="0"/>
+              <a:t>  </a:t>
+            </a:r>
+            <a:br>
+              <a:rPr lang="en-US" dirty="0"/>
+            </a:br>
+            <a:r>
+              <a:rPr lang="en-US" dirty="0"/>
+              <a:t>:K-SETS</a:t>
+            </a:r>
+            <a:br>
+              <a:rPr lang="en-US" dirty="0"/>
+            </a:br>
+            <a:r>
+              <a:rPr lang="en-US" dirty="0"/>
+              <a:t>k-Levels in Arrangement of Line Segments</a:t>
+            </a:r>
+            <a:r>
+              <a:rPr lang="he-IL" dirty="0"/>
+              <a:t>ל </a:t>
             </a:r>
             <a:r>
               <a:rPr lang="en-US" dirty="0"/>

--- a/first part/Improved bounds for planar k-sets.pptx
+++ b/first part/Improved bounds for planar k-sets.pptx
@@ -3466,8 +3466,13 @@
             </a:r>
             <a:r>
               <a:rPr lang="en-US" dirty="0"/>
-              <a:t>GK</a:t>
-            </a:r>
+              <a:t>G</a:t>
+            </a:r>
+            <a:r>
+              <a:rPr lang="en-US" sz="1400" dirty="0"/>
+              <a:t>K</a:t>
+            </a:r>
+            <a:endParaRPr lang="en-US" dirty="0"/>
           </a:p>
         </p:txBody>
       </p:sp>

--- a/first part/Improved bounds for planar k-sets.pptx
+++ b/first part/Improved bounds for planar k-sets.pptx
@@ -10727,12 +10727,16 @@
           </a:p>
           <a:p>
             <a:r>
-              <a:rPr lang="en-US" dirty="0"/>
+              <a:rPr lang="en-US" u="sng" dirty="0"/>
               <a:t>HALF-SPACE</a:t>
             </a:r>
             <a:r>
-              <a:rPr lang="he-IL" dirty="0"/>
-              <a:t> או בעברית – "חצי מרחב", הוא אחד משני החלקים שמתקבלים מחלוקת המרחב ל2 ע"י "על-מישור", בפרט במישור (דו-מימד) חצי המרחב הוא </a:t>
+              <a:rPr lang="he-IL" u="sng" dirty="0"/>
+              <a:t> או בעברית – "חצי מרחב"</a:t>
+            </a:r>
+            <a:r>
+              <a:rPr lang="he-IL" dirty="0"/>
+              <a:t>, הוא אחד משני החלקים שמתקבלים מחלוקת המרחב ל2 ע"י "על-מישור", בפרט במישור (דו-מימד) חצי המרחב הוא </a:t>
             </a:r>
             <a:r>
               <a:rPr lang="he-IL" b="1" dirty="0"/>
@@ -11134,13 +11138,13 @@
         <p:spPr/>
         <p:txBody>
           <a:bodyPr>
-            <a:normAutofit lnSpcReduction="10000"/>
+            <a:normAutofit fontScale="92500" lnSpcReduction="10000"/>
           </a:bodyPr>
           <a:lstStyle/>
           <a:p>
             <a:r>
               <a:rPr lang="he-IL" dirty="0"/>
-              <a:t>ראשית, נתינת חסם עליון הדוק ביותר לכמות ה</a:t>
+              <a:t>ראשית, נתינת חסם עליון הדוק ביותר (אופטימלי) לכמות ה</a:t>
             </a:r>
             <a:r>
               <a:rPr lang="en-US" dirty="0"/>
@@ -11148,7 +11152,7 @@
             </a:r>
             <a:r>
               <a:rPr lang="he-IL" dirty="0"/>
-              <a:t> על כל קבוצה של </a:t>
+              <a:t> על כל קבוצה כללית של </a:t>
             </a:r>
             <a:r>
               <a:rPr lang="en-US" dirty="0"/>
@@ -11164,7 +11168,27 @@
             </a:r>
             <a:r>
               <a:rPr lang="he-IL" dirty="0"/>
-              <a:t>1998 השנה בה הוכח החסם ההדוק ביותר – החסם שאנחנו מציגים, לא ניתן חסם הדוק יותר ולא הוכח שהחסם הנ"ל הוא ההדוק ביותר האפשרי, בנוסף, עבור </a:t>
+              <a:t>1998 השנה בה הוכח החסם ההדוק ביותר עד היום – החסם שאנחנו מציגים, לא ניתן חסם הדוק יותר ולא הוכח שהחסם הנ"ל הוא ההדוק ביותר האפשרי – מה שמאד לא סביר כיוון שעדיין רחוק יחסית מהחסם התחתון המוכר – </a:t>
+            </a:r>
+            <a:r>
+              <a:rPr lang="el-GR" dirty="0"/>
+              <a:t>Ω</a:t>
+            </a:r>
+            <a:r>
+              <a:rPr lang="en-US" dirty="0"/>
+              <a:t>(</a:t>
+            </a:r>
+            <a:r>
+              <a:rPr lang="en-US" dirty="0" err="1"/>
+              <a:t>nlog</a:t>
+            </a:r>
+            <a:r>
+              <a:rPr lang="en-US" dirty="0"/>
+              <a:t>(k+1))</a:t>
+            </a:r>
+            <a:r>
+              <a:rPr lang="he-IL" dirty="0"/>
+              <a:t>, בנוסף, עבור </a:t>
             </a:r>
             <a:r>
               <a:rPr lang="en-US" dirty="0"/>
@@ -11295,13 +11319,13 @@
         </p:nvSpPr>
         <p:spPr>
           <a:xfrm>
-            <a:off x="2231136" y="2319262"/>
-            <a:ext cx="7729728" cy="3930536"/>
+            <a:off x="5217952" y="2243762"/>
+            <a:ext cx="6974048" cy="3720810"/>
           </a:xfrm>
         </p:spPr>
         <p:txBody>
           <a:bodyPr>
-            <a:normAutofit lnSpcReduction="10000"/>
+            <a:normAutofit fontScale="92500" lnSpcReduction="20000"/>
           </a:bodyPr>
           <a:lstStyle/>
           <a:p>
@@ -11340,8 +11364,12 @@
           </a:p>
           <a:p>
             <a:r>
-              <a:rPr lang="he-IL" dirty="0"/>
-              <a:t>הגדרה: עבור קבוצה </a:t>
+              <a:rPr lang="he-IL" u="sng" dirty="0"/>
+              <a:t>הגדרה</a:t>
+            </a:r>
+            <a:r>
+              <a:rPr lang="he-IL" dirty="0"/>
+              <a:t>: עבור קבוצה </a:t>
             </a:r>
             <a:r>
               <a:rPr lang="en-US" dirty="0"/>
@@ -11365,7 +11393,7 @@
             </a:r>
             <a:r>
               <a:rPr lang="he-IL" dirty="0"/>
-              <a:t> הוא קטע שעובר בין שני נקודות של </a:t>
+              <a:t> הוא ישר שעובר בין שני נקודות של </a:t>
             </a:r>
             <a:r>
               <a:rPr lang="en-US" dirty="0"/>
@@ -11611,6 +11639,36 @@
           </a:p>
         </p:txBody>
       </p:sp>
+      <p:pic>
+        <p:nvPicPr>
+          <p:cNvPr id="6" name="Picture 5">
+            <a:extLst>
+              <a:ext uri="{FF2B5EF4-FFF2-40B4-BE49-F238E27FC236}">
+                <a16:creationId xmlns:a16="http://schemas.microsoft.com/office/drawing/2014/main" id="{B629AF3E-A82F-4C1F-A2CD-41FF71E1BCB0}"/>
+              </a:ext>
+            </a:extLst>
+          </p:cNvPr>
+          <p:cNvPicPr>
+            <a:picLocks noChangeAspect="1"/>
+          </p:cNvPicPr>
+          <p:nvPr/>
+        </p:nvPicPr>
+        <p:blipFill>
+          <a:blip r:embed="rId2"/>
+          <a:stretch>
+            <a:fillRect/>
+          </a:stretch>
+        </p:blipFill>
+        <p:spPr>
+          <a:xfrm>
+            <a:off x="176169" y="2758907"/>
+            <a:ext cx="4907560" cy="2646673"/>
+          </a:xfrm>
+          <a:prstGeom prst="rect">
+            <a:avLst/>
+          </a:prstGeom>
+        </p:spPr>
+      </p:pic>
     </p:spTree>
     <p:extLst>
       <p:ext uri="{BB962C8B-B14F-4D97-AF65-F5344CB8AC3E}">
@@ -11863,6 +11921,42 @@
           </a:prstGeom>
         </p:spPr>
       </p:pic>
+      <p:sp>
+        <p:nvSpPr>
+          <p:cNvPr id="4" name="TextBox 3">
+            <a:extLst>
+              <a:ext uri="{FF2B5EF4-FFF2-40B4-BE49-F238E27FC236}">
+                <a16:creationId xmlns:a16="http://schemas.microsoft.com/office/drawing/2014/main" id="{C54A0630-D38E-4F16-AB55-6E0DAA0906A2}"/>
+              </a:ext>
+            </a:extLst>
+          </p:cNvPr>
+          <p:cNvSpPr txBox="1"/>
+          <p:nvPr/>
+        </p:nvSpPr>
+        <p:spPr>
+          <a:xfrm>
+            <a:off x="1423474" y="2717372"/>
+            <a:ext cx="550151" cy="369332"/>
+          </a:xfrm>
+          <a:prstGeom prst="rect">
+            <a:avLst/>
+          </a:prstGeom>
+          <a:noFill/>
+        </p:spPr>
+        <p:txBody>
+          <a:bodyPr wrap="none" rtlCol="1">
+            <a:spAutoFit/>
+          </a:bodyPr>
+          <a:lstStyle/>
+          <a:p>
+            <a:r>
+              <a:rPr lang="en-US" dirty="0"/>
+              <a:t>n=7</a:t>
+            </a:r>
+            <a:endParaRPr lang="he-IL" dirty="0"/>
+          </a:p>
+        </p:txBody>
+      </p:sp>
     </p:spTree>
     <p:extLst>
       <p:ext uri="{BB962C8B-B14F-4D97-AF65-F5344CB8AC3E}">

--- a/first part/Improved bounds for planar k-sets.pptx
+++ b/first part/Improved bounds for planar k-sets.pptx
@@ -11797,7 +11797,7 @@
             </a:r>
             <a:r>
               <a:rPr lang="he-IL" dirty="0"/>
-              <a:t> (הישר שמכיל את שתי הנקודות </a:t>
+              <a:t> (הישר שמכיל את הקטע שבין שתי הנקודות </a:t>
             </a:r>
             <a:r>
               <a:rPr lang="en-US" dirty="0" err="1"/>

--- a/first part/Improved bounds for planar k-sets.pptx
+++ b/first part/Improved bounds for planar k-sets.pptx
@@ -11751,13 +11751,21 @@
         </p:spPr>
         <p:txBody>
           <a:bodyPr>
-            <a:normAutofit lnSpcReduction="10000"/>
+            <a:normAutofit fontScale="92500" lnSpcReduction="10000"/>
           </a:bodyPr>
           <a:lstStyle/>
           <a:p>
             <a:r>
               <a:rPr lang="he-IL" dirty="0"/>
-              <a:t>בהנתן סט נקודות במיקומים כלליים במישור </a:t>
+              <a:t>בהנתן סט נקודות במיקומים כלליים במישור</a:t>
+            </a:r>
+            <a:r>
+              <a:rPr lang="en-US" dirty="0"/>
+              <a:t> </a:t>
+            </a:r>
+            <a:r>
+              <a:rPr lang="he-IL" dirty="0"/>
+              <a:t> </a:t>
             </a:r>
             <a:r>
               <a:rPr lang="en-US" dirty="0"/>
@@ -11765,7 +11773,15 @@
             </a:r>
             <a:r>
               <a:rPr lang="he-IL" dirty="0"/>
-              <a:t>, </a:t>
+              <a:t> (הוכח שנקודות במיקום כללי – ממקסמות את כמות ה</a:t>
+            </a:r>
+            <a:r>
+              <a:rPr lang="en-US" dirty="0"/>
+              <a:t>k-sets</a:t>
+            </a:r>
+            <a:r>
+              <a:rPr lang="he-IL"/>
+              <a:t>), </a:t>
             </a:r>
             <a:r>
               <a:rPr lang="en-US" dirty="0"/>

--- a/first part/Improved bounds for planar k-sets.pptx
+++ b/first part/Improved bounds for planar k-sets.pptx
@@ -11756,8 +11756,12 @@
           <a:lstStyle/>
           <a:p>
             <a:r>
-              <a:rPr lang="he-IL" dirty="0"/>
-              <a:t>בהנתן סט נקודות במיקומים כלליים במישור</a:t>
+              <a:rPr lang="he-IL"/>
+              <a:t>בהנתן קבוצת </a:t>
+            </a:r>
+            <a:r>
+              <a:rPr lang="he-IL" dirty="0"/>
+              <a:t>נקודות במיקומים כלליים במישור</a:t>
             </a:r>
             <a:r>
               <a:rPr lang="en-US" dirty="0"/>
@@ -11780,7 +11784,7 @@
               <a:t>k-sets</a:t>
             </a:r>
             <a:r>
-              <a:rPr lang="he-IL"/>
+              <a:rPr lang="he-IL" dirty="0"/>
               <a:t>), </a:t>
             </a:r>
             <a:r>

--- a/first part/Improved bounds for planar k-sets.pptx
+++ b/first part/Improved bounds for planar k-sets.pptx
@@ -11168,7 +11168,15 @@
             </a:r>
             <a:r>
               <a:rPr lang="he-IL" dirty="0"/>
-              <a:t>1998 השנה בה הוכח החסם ההדוק ביותר עד היום – החסם שאנחנו מציגים, לא ניתן חסם הדוק יותר ולא הוכח שהחסם הנ"ל הוא ההדוק ביותר האפשרי – מה שמאד לא סביר כיוון שעדיין רחוק יחסית מהחסם התחתון המוכר – </a:t>
+              <a:t>1998 השנה בה הוכח החסם ההדוק ביותר עד היום – החסם שאנחנו מציגים, לא ניתן חסם הדוק יותר ולא הוכח שהחסם הנ"ל הוא ההדוק ביותר האפשרי – </a:t>
+            </a:r>
+            <a:r>
+              <a:rPr lang="he-IL"/>
+              <a:t>מה שלא </a:t>
+            </a:r>
+            <a:r>
+              <a:rPr lang="he-IL" dirty="0"/>
+              <a:t>סביר כיוון שעדיין רחוק יחסית מהחסם התחתון המוכר – </a:t>
             </a:r>
             <a:r>
               <a:rPr lang="el-GR" dirty="0"/>

--- a/first part/Improved bounds for planar k-sets.pptx
+++ b/first part/Improved bounds for planar k-sets.pptx
@@ -11764,12 +11764,8 @@
           <a:lstStyle/>
           <a:p>
             <a:r>
-              <a:rPr lang="he-IL"/>
-              <a:t>בהנתן קבוצת </a:t>
-            </a:r>
-            <a:r>
-              <a:rPr lang="he-IL" dirty="0"/>
-              <a:t>נקודות במיקומים כלליים במישור</a:t>
+              <a:rPr lang="he-IL" dirty="0"/>
+              <a:t>בהנתן קבוצת נקודות במיקומים כלליים במישור</a:t>
             </a:r>
             <a:r>
               <a:rPr lang="en-US" dirty="0"/>
@@ -11921,10 +11917,10 @@
       </p:sp>
       <p:pic>
         <p:nvPicPr>
-          <p:cNvPr id="7" name="Picture 6" descr="A picture containing red, photo, different, flying&#10;&#10;Description automatically generated">
+          <p:cNvPr id="6" name="Picture 5">
             <a:extLst>
               <a:ext uri="{FF2B5EF4-FFF2-40B4-BE49-F238E27FC236}">
-                <a16:creationId xmlns:a16="http://schemas.microsoft.com/office/drawing/2014/main" id="{8A602723-78A0-4FAB-97E9-29DFFC0DE30F}"/>
+                <a16:creationId xmlns:a16="http://schemas.microsoft.com/office/drawing/2014/main" id="{ADEF1E28-110D-4FC8-A9F2-094FD9D67ADA}"/>
               </a:ext>
             </a:extLst>
           </p:cNvPr>
@@ -11941,8 +11937,8 @@
         </p:blipFill>
         <p:spPr>
           <a:xfrm>
-            <a:off x="208665" y="2717372"/>
-            <a:ext cx="2845546" cy="2343392"/>
+            <a:off x="313835" y="2642531"/>
+            <a:ext cx="3116926" cy="2552307"/>
           </a:xfrm>
           <a:prstGeom prst="rect">
             <a:avLst/>
@@ -11951,10 +11947,10 @@
       </p:pic>
       <p:sp>
         <p:nvSpPr>
-          <p:cNvPr id="4" name="TextBox 3">
+          <p:cNvPr id="8" name="TextBox 7">
             <a:extLst>
               <a:ext uri="{FF2B5EF4-FFF2-40B4-BE49-F238E27FC236}">
-                <a16:creationId xmlns:a16="http://schemas.microsoft.com/office/drawing/2014/main" id="{C54A0630-D38E-4F16-AB55-6E0DAA0906A2}"/>
+                <a16:creationId xmlns:a16="http://schemas.microsoft.com/office/drawing/2014/main" id="{4A827518-FB67-4FFF-8B46-C27C780E6747}"/>
               </a:ext>
             </a:extLst>
           </p:cNvPr>
@@ -11963,8 +11959,8 @@
         </p:nvSpPr>
         <p:spPr>
           <a:xfrm>
-            <a:off x="1423474" y="2717372"/>
-            <a:ext cx="550151" cy="369332"/>
+            <a:off x="335560" y="5194839"/>
+            <a:ext cx="2045438" cy="1477328"/>
           </a:xfrm>
           <a:prstGeom prst="rect">
             <a:avLst/>
@@ -11972,16 +11968,138 @@
           <a:noFill/>
         </p:spPr>
         <p:txBody>
+          <a:bodyPr wrap="square" rtlCol="1">
+            <a:spAutoFit/>
+          </a:bodyPr>
+          <a:lstStyle/>
+          <a:p>
+            <a:pPr algn="r" rtl="1"/>
+            <a:r>
+              <a:rPr lang="he-IL" dirty="0"/>
+              <a:t>בתמונה – בשחור הקטע שבין </a:t>
+            </a:r>
+            <a:r>
+              <a:rPr lang="en-US" dirty="0"/>
+              <a:t>p</a:t>
+            </a:r>
+            <a:r>
+              <a:rPr lang="he-IL" dirty="0"/>
+              <a:t> ל-</a:t>
+            </a:r>
+            <a:r>
+              <a:rPr lang="en-US" dirty="0"/>
+              <a:t>q</a:t>
+            </a:r>
+            <a:r>
+              <a:rPr lang="he-IL" dirty="0"/>
+              <a:t>, בכתום ה</a:t>
+            </a:r>
+            <a:r>
+              <a:rPr lang="en-US" dirty="0"/>
+              <a:t>supporting line</a:t>
+            </a:r>
+            <a:r>
+              <a:rPr lang="he-IL" dirty="0"/>
+              <a:t> ומצד "יד שמאל" של הישר – 3 נקודות </a:t>
+            </a:r>
+          </a:p>
+        </p:txBody>
+      </p:sp>
+      <p:sp>
+        <p:nvSpPr>
+          <p:cNvPr id="10" name="Oval 9">
+            <a:extLst>
+              <a:ext uri="{FF2B5EF4-FFF2-40B4-BE49-F238E27FC236}">
+                <a16:creationId xmlns:a16="http://schemas.microsoft.com/office/drawing/2014/main" id="{A2676BCB-C63E-4D76-8A1B-C43C2462C674}"/>
+              </a:ext>
+            </a:extLst>
+          </p:cNvPr>
+          <p:cNvSpPr/>
+          <p:nvPr/>
+        </p:nvSpPr>
+        <p:spPr>
+          <a:xfrm>
+            <a:off x="1140566" y="3800213"/>
+            <a:ext cx="2290195" cy="1199626"/>
+          </a:xfrm>
+          <a:prstGeom prst="ellipse">
+            <a:avLst/>
+          </a:prstGeom>
+          <a:solidFill>
+            <a:schemeClr val="bg1"/>
+          </a:solidFill>
+          <a:ln>
+            <a:solidFill>
+              <a:schemeClr val="bg1"/>
+            </a:solidFill>
+          </a:ln>
+        </p:spPr>
+        <p:style>
+          <a:lnRef idx="2">
+            <a:schemeClr val="accent1">
+              <a:shade val="50000"/>
+            </a:schemeClr>
+          </a:lnRef>
+          <a:fillRef idx="1">
+            <a:schemeClr val="accent1"/>
+          </a:fillRef>
+          <a:effectRef idx="0">
+            <a:schemeClr val="accent1"/>
+          </a:effectRef>
+          <a:fontRef idx="minor">
+            <a:schemeClr val="lt1"/>
+          </a:fontRef>
+        </p:style>
+        <p:txBody>
+          <a:bodyPr rtlCol="1" anchor="ctr"/>
+          <a:lstStyle/>
+          <a:p>
+            <a:pPr algn="ctr"/>
+            <a:endParaRPr lang="he-IL"/>
+          </a:p>
+        </p:txBody>
+      </p:sp>
+      <p:sp>
+        <p:nvSpPr>
+          <p:cNvPr id="11" name="TextBox 10">
+            <a:extLst>
+              <a:ext uri="{FF2B5EF4-FFF2-40B4-BE49-F238E27FC236}">
+                <a16:creationId xmlns:a16="http://schemas.microsoft.com/office/drawing/2014/main" id="{9DD8C544-0BBF-43A0-ACBD-9A68059AADE4}"/>
+              </a:ext>
+            </a:extLst>
+          </p:cNvPr>
+          <p:cNvSpPr txBox="1"/>
+          <p:nvPr/>
+        </p:nvSpPr>
+        <p:spPr>
+          <a:xfrm>
+            <a:off x="1050598" y="2223000"/>
+            <a:ext cx="1643400" cy="369332"/>
+          </a:xfrm>
+          <a:prstGeom prst="rect">
+            <a:avLst/>
+          </a:prstGeom>
+          <a:noFill/>
+        </p:spPr>
+        <p:txBody>
           <a:bodyPr wrap="none" rtlCol="1">
             <a:spAutoFit/>
           </a:bodyPr>
           <a:lstStyle/>
           <a:p>
-            <a:r>
-              <a:rPr lang="en-US" dirty="0"/>
-              <a:t>n=7</a:t>
-            </a:r>
-            <a:endParaRPr lang="he-IL" dirty="0"/>
+            <a:pPr algn="r" rtl="1"/>
+            <a:r>
+              <a:rPr lang="he-IL" dirty="0"/>
+              <a:t>דוגמא עבור </a:t>
+            </a:r>
+            <a:r>
+              <a:rPr lang="en-US" dirty="0"/>
+              <a:t>k</a:t>
+            </a:r>
+            <a:r>
+              <a:rPr lang="he-IL" dirty="0"/>
+              <a:t>=3</a:t>
+            </a:r>
           </a:p>
         </p:txBody>
       </p:sp>

--- a/first part/Improved bounds for planar k-sets.pptx
+++ b/first part/Improved bounds for planar k-sets.pptx
@@ -3847,9 +3847,16 @@
             <p:ph idx="1"/>
           </p:nvPr>
         </p:nvSpPr>
-        <p:spPr/>
-        <p:txBody>
-          <a:bodyPr/>
+        <p:spPr>
+          <a:xfrm>
+            <a:off x="2231136" y="2638045"/>
+            <a:ext cx="7575594" cy="2244348"/>
+          </a:xfrm>
+        </p:spPr>
+        <p:txBody>
+          <a:bodyPr>
+            <a:normAutofit fontScale="92500" lnSpcReduction="10000"/>
+          </a:bodyPr>
           <a:lstStyle/>
           <a:p>
             <a:r>
@@ -3933,7 +3940,7 @@
             </a:r>
             <a:r>
               <a:rPr lang="he-IL" dirty="0"/>
-              <a:t>, למעשה בוחרים את הצלע היוצאת שהשיפוע שלה הוא הקרוב ביותר לצלע הנכנסת</a:t>
+              <a:t>, למעשה בוחרים את הצלע היוצאת שהשיפוע שלה הוא הקרוב ביותר לצלע הנכנסת – מה שיוצר מעיין סדרה יורדת של שיפועים משמאל לימין, כאשר השיפוע של הצלע השמאלית ביותר הוא הגבוה ביותר – ושל הימנית ביותר – הנמוך ביותר, זה מה שיוצר את הצורה הקמורה של ה-"שרשרת"(סדר) </a:t>
             </a:r>
             <a:endParaRPr lang="en-US" dirty="0"/>
           </a:p>
@@ -4283,7 +4290,7 @@
             </a:r>
             <a:r>
               <a:rPr lang="he-IL" dirty="0"/>
-              <a:t> כל שרשרת כזאת היא קונבקסית (תמיד פונים רק ימינה)</a:t>
+              <a:t> כל שרשרת כזאת היא קונבקסית (תמיד פונים רק ימינה ויורדים בשיפוע – כפי שהסברנו)</a:t>
             </a:r>
             <a:endParaRPr lang="en-US" dirty="0"/>
           </a:p>

--- a/first part/Improved bounds for planar k-sets.pptx
+++ b/first part/Improved bounds for planar k-sets.pptx
@@ -25,17 +25,19 @@
     <p:sldId id="273" r:id="rId19"/>
     <p:sldId id="275" r:id="rId20"/>
     <p:sldId id="274" r:id="rId21"/>
-    <p:sldId id="284" r:id="rId22"/>
-    <p:sldId id="264" r:id="rId23"/>
-    <p:sldId id="276" r:id="rId24"/>
-    <p:sldId id="277" r:id="rId25"/>
-    <p:sldId id="279" r:id="rId26"/>
-    <p:sldId id="280" r:id="rId27"/>
-    <p:sldId id="281" r:id="rId28"/>
-    <p:sldId id="288" r:id="rId29"/>
-    <p:sldId id="265" r:id="rId30"/>
-    <p:sldId id="278" r:id="rId31"/>
-    <p:sldId id="283" r:id="rId32"/>
+    <p:sldId id="289" r:id="rId22"/>
+    <p:sldId id="290" r:id="rId23"/>
+    <p:sldId id="284" r:id="rId24"/>
+    <p:sldId id="264" r:id="rId25"/>
+    <p:sldId id="276" r:id="rId26"/>
+    <p:sldId id="277" r:id="rId27"/>
+    <p:sldId id="279" r:id="rId28"/>
+    <p:sldId id="280" r:id="rId29"/>
+    <p:sldId id="281" r:id="rId30"/>
+    <p:sldId id="288" r:id="rId31"/>
+    <p:sldId id="265" r:id="rId32"/>
+    <p:sldId id="278" r:id="rId33"/>
+    <p:sldId id="283" r:id="rId34"/>
   </p:sldIdLst>
   <p:sldSz cx="12192000" cy="6858000"/>
   <p:notesSz cx="6858000" cy="9144000"/>
@@ -305,7 +307,7 @@
           <a:p>
             <a:fld id="{1160EA64-D806-43AC-9DF2-F8C432F32B4C}" type="datetimeFigureOut">
               <a:rPr lang="en-US" smtClean="0"/>
-              <a:t>5/26/2020</a:t>
+              <a:t>5/27/2020</a:t>
             </a:fld>
             <a:endParaRPr lang="en-US" dirty="0"/>
           </a:p>
@@ -476,7 +478,7 @@
           <a:p>
             <a:fld id="{E9F9C37B-1D36-470B-8223-D6C91242EC14}" type="datetimeFigureOut">
               <a:rPr lang="en-US" smtClean="0"/>
-              <a:t>5/26/2020</a:t>
+              <a:t>5/27/2020</a:t>
             </a:fld>
             <a:endParaRPr lang="en-US" dirty="0"/>
           </a:p>
@@ -656,7 +658,7 @@
           <a:p>
             <a:fld id="{67C6F52A-A82B-47A2-A83A-8C4C91F2D59F}" type="datetimeFigureOut">
               <a:rPr lang="en-US" smtClean="0"/>
-              <a:t>5/26/2020</a:t>
+              <a:t>5/27/2020</a:t>
             </a:fld>
             <a:endParaRPr lang="en-US" dirty="0"/>
           </a:p>
@@ -826,7 +828,7 @@
           <a:p>
             <a:fld id="{F070A7B3-6521-4DCA-87E5-044747A908C1}" type="datetimeFigureOut">
               <a:rPr lang="en-US" smtClean="0"/>
-              <a:t>5/26/2020</a:t>
+              <a:t>5/27/2020</a:t>
             </a:fld>
             <a:endParaRPr lang="en-US" dirty="0"/>
           </a:p>
@@ -1095,7 +1097,7 @@
           <a:p>
             <a:fld id="{1160EA64-D806-43AC-9DF2-F8C432F32B4C}" type="datetimeFigureOut">
               <a:rPr lang="en-US" smtClean="0"/>
-              <a:t>5/26/2020</a:t>
+              <a:t>5/27/2020</a:t>
             </a:fld>
             <a:endParaRPr lang="en-US" dirty="0"/>
           </a:p>
@@ -1328,7 +1330,7 @@
           <a:p>
             <a:fld id="{AB134690-1557-4C89-A502-4959FE7FAD70}" type="datetimeFigureOut">
               <a:rPr lang="en-US" smtClean="0"/>
-              <a:t>5/26/2020</a:t>
+              <a:t>5/27/2020</a:t>
             </a:fld>
             <a:endParaRPr lang="en-US" dirty="0"/>
           </a:p>
@@ -1687,7 +1689,7 @@
           <a:p>
             <a:fld id="{4F7D4976-E339-4826-83B7-FBD03F55ECF8}" type="datetimeFigureOut">
               <a:rPr lang="en-US" smtClean="0"/>
-              <a:t>5/26/2020</a:t>
+              <a:t>5/27/2020</a:t>
             </a:fld>
             <a:endParaRPr lang="en-US" dirty="0"/>
           </a:p>
@@ -1828,7 +1830,7 @@
           <a:p>
             <a:fld id="{E1037C31-9E7A-4F99-8774-A0E530DE1A42}" type="datetimeFigureOut">
               <a:rPr lang="en-US" smtClean="0"/>
-              <a:t>5/26/2020</a:t>
+              <a:t>5/27/2020</a:t>
             </a:fld>
             <a:endParaRPr lang="en-US" dirty="0"/>
           </a:p>
@@ -1923,7 +1925,7 @@
           <a:p>
             <a:fld id="{C278504F-A551-4DE0-9316-4DCD1D8CC752}" type="datetimeFigureOut">
               <a:rPr lang="en-US" smtClean="0"/>
-              <a:t>5/26/2020</a:t>
+              <a:t>5/27/2020</a:t>
             </a:fld>
             <a:endParaRPr lang="en-US" dirty="0"/>
           </a:p>
@@ -2280,7 +2282,7 @@
           <a:p>
             <a:fld id="{D1BE4249-C0D0-4B06-8692-E8BB871AF643}" type="datetimeFigureOut">
               <a:rPr lang="en-US" smtClean="0"/>
-              <a:t>5/26/2020</a:t>
+              <a:t>5/27/2020</a:t>
             </a:fld>
             <a:endParaRPr lang="en-US" dirty="0"/>
           </a:p>
@@ -2637,7 +2639,7 @@
           <a:p>
             <a:fld id="{042B0DB6-F5C7-45FB-8CF3-31B45F9C2DAC}" type="datetimeFigureOut">
               <a:rPr lang="en-US" smtClean="0"/>
-              <a:t>5/26/2020</a:t>
+              <a:t>5/27/2020</a:t>
             </a:fld>
             <a:endParaRPr lang="en-US" dirty="0"/>
           </a:p>
@@ -2879,7 +2881,7 @@
           <a:p>
             <a:fld id="{1160EA64-D806-43AC-9DF2-F8C432F32B4C}" type="datetimeFigureOut">
               <a:rPr lang="en-US" smtClean="0"/>
-              <a:t>5/26/2020</a:t>
+              <a:t>5/27/2020</a:t>
             </a:fld>
             <a:endParaRPr lang="en-US" dirty="0"/>
           </a:p>
@@ -7369,6 +7371,605 @@
           <p:cNvPr id="2" name="Title 1">
             <a:extLst>
               <a:ext uri="{FF2B5EF4-FFF2-40B4-BE49-F238E27FC236}">
+                <a16:creationId xmlns:a16="http://schemas.microsoft.com/office/drawing/2014/main" id="{B6F26F4B-CD17-4E0D-A69E-8E3AD640E104}"/>
+              </a:ext>
+            </a:extLst>
+          </p:cNvPr>
+          <p:cNvSpPr>
+            <a:spLocks noGrp="1"/>
+          </p:cNvSpPr>
+          <p:nvPr>
+            <p:ph type="title"/>
+          </p:nvPr>
+        </p:nvSpPr>
+        <p:spPr>
+          <a:xfrm>
+            <a:off x="1895576" y="612354"/>
+            <a:ext cx="7729728" cy="1188720"/>
+          </a:xfrm>
+        </p:spPr>
+        <p:txBody>
+          <a:bodyPr/>
+          <a:lstStyle/>
+          <a:p>
+            <a:r>
+              <a:rPr lang="he-IL" dirty="0"/>
+              <a:t>משמעות החסם החדש וההדוק יותר</a:t>
+            </a:r>
+          </a:p>
+        </p:txBody>
+      </p:sp>
+      <p:sp>
+        <p:nvSpPr>
+          <p:cNvPr id="3" name="Content Placeholder 2">
+            <a:extLst>
+              <a:ext uri="{FF2B5EF4-FFF2-40B4-BE49-F238E27FC236}">
+                <a16:creationId xmlns:a16="http://schemas.microsoft.com/office/drawing/2014/main" id="{F0F308D3-3302-4709-A64C-EA7758993403}"/>
+              </a:ext>
+            </a:extLst>
+          </p:cNvPr>
+          <p:cNvSpPr>
+            <a:spLocks noGrp="1"/>
+          </p:cNvSpPr>
+          <p:nvPr>
+            <p:ph idx="1"/>
+          </p:nvPr>
+        </p:nvSpPr>
+        <p:spPr>
+          <a:xfrm>
+            <a:off x="2046578" y="2092760"/>
+            <a:ext cx="7729728" cy="3101983"/>
+          </a:xfrm>
+        </p:spPr>
+        <p:txBody>
+          <a:bodyPr>
+            <a:normAutofit fontScale="85000" lnSpcReduction="10000"/>
+          </a:bodyPr>
+          <a:lstStyle/>
+          <a:p>
+            <a:r>
+              <a:rPr lang="he-IL" dirty="0"/>
+              <a:t>החסם העליון הטריוויאלי ביותר שניתן לתת הוא כמובן </a:t>
+            </a:r>
+            <a:r>
+              <a:rPr lang="en-US" dirty="0"/>
+              <a:t>n choose k</a:t>
+            </a:r>
+            <a:r>
+              <a:rPr lang="he-IL" dirty="0"/>
+              <a:t> ששקול ל- </a:t>
+            </a:r>
+            <a:r>
+              <a:rPr lang="en-US" dirty="0"/>
+              <a:t>O(</a:t>
+            </a:r>
+            <a:r>
+              <a:rPr lang="en-US" dirty="0" err="1"/>
+              <a:t>n^k</a:t>
+            </a:r>
+            <a:r>
+              <a:rPr lang="en-US" dirty="0"/>
+              <a:t>)</a:t>
+            </a:r>
+            <a:r>
+              <a:rPr lang="he-IL" dirty="0"/>
+              <a:t> </a:t>
+            </a:r>
+          </a:p>
+          <a:p>
+            <a:r>
+              <a:rPr lang="he-IL" dirty="0"/>
+              <a:t>כמובן שהחסם הראשוני שציינו הדוק יותר מהחסם הנ"ל - </a:t>
+            </a:r>
+            <a:r>
+              <a:rPr lang="en-US" i="1" dirty="0"/>
+              <a:t>O(n</a:t>
+            </a:r>
+            <a:r>
+              <a:rPr lang="en-US" i="1" baseline="30000" dirty="0"/>
+              <a:t>3/2</a:t>
+            </a:r>
+            <a:r>
+              <a:rPr lang="en-US" i="1" dirty="0"/>
+              <a:t>)</a:t>
+            </a:r>
+            <a:r>
+              <a:rPr lang="he-IL" i="1" dirty="0"/>
+              <a:t>, </a:t>
+            </a:r>
+            <a:r>
+              <a:rPr lang="he-IL" dirty="0"/>
+              <a:t>למרות שנשים לב, עבור </a:t>
+            </a:r>
+            <a:r>
+              <a:rPr lang="en-US" dirty="0"/>
+              <a:t>k=2</a:t>
+            </a:r>
+            <a:r>
+              <a:rPr lang="he-IL" dirty="0"/>
+              <a:t> החסמים קרובים מאד, מה שמעיד על ה-"מוצלחות" של החסם כחסם הדוק ביותר</a:t>
+            </a:r>
+            <a:endParaRPr lang="en-US" dirty="0"/>
+          </a:p>
+          <a:p>
+            <a:r>
+              <a:rPr lang="he-IL" dirty="0"/>
+              <a:t>השיפור הבא היה </a:t>
+            </a:r>
+            <a:r>
+              <a:rPr lang="en-US" i="1" dirty="0"/>
+              <a:t>O(n k</a:t>
+            </a:r>
+            <a:r>
+              <a:rPr lang="en-US" i="1" baseline="30000" dirty="0"/>
+              <a:t>1/2</a:t>
+            </a:r>
+            <a:r>
+              <a:rPr lang="en-US" i="1" dirty="0"/>
+              <a:t>)</a:t>
+            </a:r>
+            <a:r>
+              <a:rPr lang="he-IL" i="1" dirty="0"/>
+              <a:t>  </a:t>
+            </a:r>
+            <a:r>
+              <a:rPr lang="he-IL" dirty="0"/>
+              <a:t>בהתחשב בעובדה ש</a:t>
+            </a:r>
+            <a:r>
+              <a:rPr lang="en-US" dirty="0"/>
+              <a:t>n-</a:t>
+            </a:r>
+            <a:r>
+              <a:rPr lang="he-IL" dirty="0"/>
+              <a:t> יכול להיות קבוצה גדולה ככל שתהיה ו</a:t>
+            </a:r>
+            <a:r>
+              <a:rPr lang="en-US" dirty="0"/>
+              <a:t>k</a:t>
+            </a:r>
+            <a:r>
+              <a:rPr lang="he-IL" dirty="0"/>
+              <a:t> מוגבל עד הגודל של </a:t>
+            </a:r>
+            <a:r>
+              <a:rPr lang="en-US" dirty="0"/>
+              <a:t>n</a:t>
+            </a:r>
+            <a:r>
+              <a:rPr lang="he-IL" dirty="0"/>
+              <a:t> (שכן צריך הרי להיות תת קבוצה שלו) – גם אם נבחר </a:t>
+            </a:r>
+            <a:r>
+              <a:rPr lang="en-US" dirty="0"/>
+              <a:t>k=n</a:t>
+            </a:r>
+            <a:r>
+              <a:rPr lang="he-IL" dirty="0"/>
+              <a:t> קל לראות שזה חסם הדוק יותר</a:t>
+            </a:r>
+          </a:p>
+          <a:p>
+            <a:r>
+              <a:rPr lang="he-IL" dirty="0"/>
+              <a:t>16 שנים אח"כ החסם שופר ל - </a:t>
+            </a:r>
+            <a:r>
+              <a:rPr lang="pt-BR" i="1" dirty="0"/>
+              <a:t>O(n k</a:t>
+            </a:r>
+            <a:r>
+              <a:rPr lang="pt-BR" i="1" baseline="30000" dirty="0"/>
+              <a:t>1/2</a:t>
+            </a:r>
+            <a:r>
+              <a:rPr lang="pt-BR" i="1" dirty="0"/>
+              <a:t> / log</a:t>
+            </a:r>
+            <a:r>
+              <a:rPr lang="pt-BR" i="1" baseline="30000" dirty="0"/>
+              <a:t>*</a:t>
+            </a:r>
+            <a:r>
+              <a:rPr lang="pt-BR" i="1" dirty="0"/>
+              <a:t>n)</a:t>
+            </a:r>
+            <a:r>
+              <a:rPr lang="he-IL" i="1" dirty="0"/>
+              <a:t> , קל לראות כמובן שההבדל הוא חילוק בסדר גודל של </a:t>
+            </a:r>
+            <a:r>
+              <a:rPr lang="en-US" i="1" dirty="0" err="1"/>
+              <a:t>logn</a:t>
+            </a:r>
+            <a:r>
+              <a:rPr lang="he-IL" i="1" dirty="0"/>
+              <a:t> – שיפור יחסית לא מאד משמעותי, אבל ביחס לעובדה שקשה מאד להדק חסמים עבור הבעיה – זה אכן שיפור שיש לשקול</a:t>
+            </a:r>
+          </a:p>
+          <a:p>
+            <a:r>
+              <a:rPr lang="he-IL" i="1" dirty="0"/>
+              <a:t>אנחנו הוכחנו חסם של </a:t>
+            </a:r>
+            <a:r>
+              <a:rPr lang="en-US" i="1" dirty="0"/>
+              <a:t>O</a:t>
+            </a:r>
+            <a:r>
+              <a:rPr lang="en-US" dirty="0"/>
+              <a:t>(</a:t>
+            </a:r>
+            <a:r>
+              <a:rPr lang="en-US" i="1" dirty="0"/>
+              <a:t>nk</a:t>
+            </a:r>
+            <a:r>
+              <a:rPr lang="en-US" baseline="30000" dirty="0"/>
+              <a:t>1/3</a:t>
+            </a:r>
+            <a:r>
+              <a:rPr lang="en-US" dirty="0"/>
+              <a:t>)</a:t>
+            </a:r>
+            <a:r>
+              <a:rPr lang="he-IL" dirty="0"/>
+              <a:t> – החסם ההדוק ביותר עד היום, כאשר הצלחנו להוריד את החסם הקודם בסדר גודל של </a:t>
+            </a:r>
+            <a:r>
+              <a:rPr lang="en-US" dirty="0"/>
+              <a:t>k^1\6</a:t>
+            </a:r>
+            <a:r>
+              <a:rPr lang="he-IL" dirty="0"/>
+              <a:t> – ביחס לשיפורים הקודמים - זה לא רע, זה אכן שיפור משמעותי יחסית, אבל, בהינתן שהחסם התחתון האופטימלי שהוכח הוא </a:t>
+            </a:r>
+            <a:r>
+              <a:rPr lang="el-GR" dirty="0"/>
+              <a:t>Ω</a:t>
+            </a:r>
+            <a:r>
+              <a:rPr lang="en-US" dirty="0"/>
+              <a:t>(</a:t>
+            </a:r>
+            <a:r>
+              <a:rPr lang="en-US" dirty="0" err="1"/>
+              <a:t>nlog</a:t>
+            </a:r>
+            <a:r>
+              <a:rPr lang="en-US" dirty="0"/>
+              <a:t>(k+1))</a:t>
+            </a:r>
+            <a:r>
+              <a:rPr lang="he-IL" dirty="0"/>
+              <a:t> יש לנו עוד לאן להתקדם</a:t>
+            </a:r>
+            <a:endParaRPr lang="he-IL" i="1" dirty="0"/>
+          </a:p>
+          <a:p>
+            <a:endParaRPr lang="he-IL" dirty="0"/>
+          </a:p>
+          <a:p>
+            <a:endParaRPr lang="he-IL" dirty="0"/>
+          </a:p>
+          <a:p>
+            <a:endParaRPr lang="he-IL" dirty="0"/>
+          </a:p>
+        </p:txBody>
+      </p:sp>
+      <p:pic>
+        <p:nvPicPr>
+          <p:cNvPr id="5" name="Picture 4">
+            <a:extLst>
+              <a:ext uri="{FF2B5EF4-FFF2-40B4-BE49-F238E27FC236}">
+                <a16:creationId xmlns:a16="http://schemas.microsoft.com/office/drawing/2014/main" id="{61F29267-AB12-4BEC-8E5D-8B170C4BB19B}"/>
+              </a:ext>
+            </a:extLst>
+          </p:cNvPr>
+          <p:cNvPicPr>
+            <a:picLocks noChangeAspect="1"/>
+          </p:cNvPicPr>
+          <p:nvPr/>
+        </p:nvPicPr>
+        <p:blipFill>
+          <a:blip r:embed="rId2"/>
+          <a:stretch>
+            <a:fillRect/>
+          </a:stretch>
+        </p:blipFill>
+        <p:spPr>
+          <a:xfrm>
+            <a:off x="8489834" y="5281423"/>
+            <a:ext cx="1638300" cy="1219200"/>
+          </a:xfrm>
+          <a:prstGeom prst="rect">
+            <a:avLst/>
+          </a:prstGeom>
+        </p:spPr>
+      </p:pic>
+      <p:pic>
+        <p:nvPicPr>
+          <p:cNvPr id="6" name="Picture 5">
+            <a:extLst>
+              <a:ext uri="{FF2B5EF4-FFF2-40B4-BE49-F238E27FC236}">
+                <a16:creationId xmlns:a16="http://schemas.microsoft.com/office/drawing/2014/main" id="{B9DCD5B9-2A2E-449E-86D6-74DD74213C97}"/>
+              </a:ext>
+            </a:extLst>
+          </p:cNvPr>
+          <p:cNvPicPr>
+            <a:picLocks noChangeAspect="1"/>
+          </p:cNvPicPr>
+          <p:nvPr/>
+        </p:nvPicPr>
+        <p:blipFill>
+          <a:blip r:embed="rId3"/>
+          <a:stretch>
+            <a:fillRect/>
+          </a:stretch>
+        </p:blipFill>
+        <p:spPr>
+          <a:xfrm>
+            <a:off x="1938033" y="5194743"/>
+            <a:ext cx="6551801" cy="1421267"/>
+          </a:xfrm>
+          <a:prstGeom prst="rect">
+            <a:avLst/>
+          </a:prstGeom>
+        </p:spPr>
+      </p:pic>
+      <p:sp>
+        <p:nvSpPr>
+          <p:cNvPr id="7" name="TextBox 6">
+            <a:extLst>
+              <a:ext uri="{FF2B5EF4-FFF2-40B4-BE49-F238E27FC236}">
+                <a16:creationId xmlns:a16="http://schemas.microsoft.com/office/drawing/2014/main" id="{4F3B1AA1-EADA-4F4C-BC0A-23607FBCC990}"/>
+              </a:ext>
+            </a:extLst>
+          </p:cNvPr>
+          <p:cNvSpPr txBox="1"/>
+          <p:nvPr/>
+        </p:nvSpPr>
+        <p:spPr>
+          <a:xfrm>
+            <a:off x="-8742" y="5138682"/>
+            <a:ext cx="2055320" cy="1477328"/>
+          </a:xfrm>
+          <a:prstGeom prst="rect">
+            <a:avLst/>
+          </a:prstGeom>
+          <a:noFill/>
+        </p:spPr>
+        <p:txBody>
+          <a:bodyPr wrap="square" rtlCol="1">
+            <a:spAutoFit/>
+          </a:bodyPr>
+          <a:lstStyle/>
+          <a:p>
+            <a:pPr algn="r" rtl="1"/>
+            <a:r>
+              <a:rPr lang="he-IL" dirty="0"/>
+              <a:t>בתמונה – </a:t>
+            </a:r>
+            <a:br>
+              <a:rPr lang="en-US" dirty="0"/>
+            </a:br>
+            <a:r>
+              <a:rPr lang="he-IL" dirty="0"/>
+              <a:t> בשחור </a:t>
+            </a:r>
+            <a:r>
+              <a:rPr lang="en-US" dirty="0"/>
+              <a:t>x^{1/3}</a:t>
+            </a:r>
+            <a:r>
+              <a:rPr lang="he-IL" dirty="0"/>
+              <a:t> ובכחול </a:t>
+            </a:r>
+            <a:r>
+              <a:rPr lang="en-US" dirty="0" err="1"/>
+              <a:t>logx</a:t>
+            </a:r>
+            <a:r>
+              <a:rPr lang="he-IL" dirty="0"/>
+              <a:t> – השוואה בין החסם הנוכחי למינימלי</a:t>
+            </a:r>
+          </a:p>
+        </p:txBody>
+      </p:sp>
+    </p:spTree>
+    <p:extLst>
+      <p:ext uri="{BB962C8B-B14F-4D97-AF65-F5344CB8AC3E}">
+        <p14:creationId xmlns:p14="http://schemas.microsoft.com/office/powerpoint/2010/main" val="1443596805"/>
+      </p:ext>
+    </p:extLst>
+  </p:cSld>
+  <p:clrMapOvr>
+    <a:masterClrMapping/>
+  </p:clrMapOvr>
+</p:sld>
+</file>
+
+<file path=ppt/slides/slide22.xml><?xml version="1.0" encoding="utf-8"?>
+<p:sld xmlns:a="http://schemas.openxmlformats.org/drawingml/2006/main" xmlns:r="http://schemas.openxmlformats.org/officeDocument/2006/relationships" xmlns:p="http://schemas.openxmlformats.org/presentationml/2006/main">
+  <p:cSld>
+    <p:spTree>
+      <p:nvGrpSpPr>
+        <p:cNvPr id="1" name=""/>
+        <p:cNvGrpSpPr/>
+        <p:nvPr/>
+      </p:nvGrpSpPr>
+      <p:grpSpPr>
+        <a:xfrm>
+          <a:off x="0" y="0"/>
+          <a:ext cx="0" cy="0"/>
+          <a:chOff x="0" y="0"/>
+          <a:chExt cx="0" cy="0"/>
+        </a:xfrm>
+      </p:grpSpPr>
+      <p:sp>
+        <p:nvSpPr>
+          <p:cNvPr id="2" name="Title 1">
+            <a:extLst>
+              <a:ext uri="{FF2B5EF4-FFF2-40B4-BE49-F238E27FC236}">
+                <a16:creationId xmlns:a16="http://schemas.microsoft.com/office/drawing/2014/main" id="{DFFA76EC-663A-4286-A561-2E00F0775CA6}"/>
+              </a:ext>
+            </a:extLst>
+          </p:cNvPr>
+          <p:cNvSpPr>
+            <a:spLocks noGrp="1"/>
+          </p:cNvSpPr>
+          <p:nvPr>
+            <p:ph type="title"/>
+          </p:nvPr>
+        </p:nvSpPr>
+        <p:spPr/>
+        <p:txBody>
+          <a:bodyPr/>
+          <a:lstStyle/>
+          <a:p>
+            <a:r>
+              <a:rPr lang="he-IL" dirty="0"/>
+              <a:t>השוואה בין החסם הראשוני לחסם הנוכחי</a:t>
+            </a:r>
+          </a:p>
+        </p:txBody>
+      </p:sp>
+      <p:sp>
+        <p:nvSpPr>
+          <p:cNvPr id="3" name="Content Placeholder 2">
+            <a:extLst>
+              <a:ext uri="{FF2B5EF4-FFF2-40B4-BE49-F238E27FC236}">
+                <a16:creationId xmlns:a16="http://schemas.microsoft.com/office/drawing/2014/main" id="{E9429F1D-C807-46B2-9E54-6A9A2A75CF96}"/>
+              </a:ext>
+            </a:extLst>
+          </p:cNvPr>
+          <p:cNvSpPr>
+            <a:spLocks noGrp="1"/>
+          </p:cNvSpPr>
+          <p:nvPr>
+            <p:ph idx="1"/>
+          </p:nvPr>
+        </p:nvSpPr>
+        <p:spPr/>
+        <p:txBody>
+          <a:bodyPr/>
+          <a:lstStyle/>
+          <a:p>
+            <a:r>
+              <a:rPr lang="he-IL" dirty="0"/>
+              <a:t>בחרנו את </a:t>
+            </a:r>
+            <a:r>
+              <a:rPr lang="en-US" dirty="0"/>
+              <a:t>k</a:t>
+            </a:r>
+            <a:r>
+              <a:rPr lang="he-IL" dirty="0"/>
+              <a:t> להיות 10 עבור הדוגמא הספציפית הזו – בכחול החסם שלנו, בשחור, החסם הראשוני שניתן – אפשר בהחלט לראות </a:t>
+            </a:r>
+            <a:r>
+              <a:rPr lang="he-IL"/>
+              <a:t>הבדל גדול (בשאיפה לאינסוף כמובן)</a:t>
+            </a:r>
+            <a:endParaRPr lang="he-IL" dirty="0"/>
+          </a:p>
+        </p:txBody>
+      </p:sp>
+      <p:pic>
+        <p:nvPicPr>
+          <p:cNvPr id="4" name="Picture 3">
+            <a:extLst>
+              <a:ext uri="{FF2B5EF4-FFF2-40B4-BE49-F238E27FC236}">
+                <a16:creationId xmlns:a16="http://schemas.microsoft.com/office/drawing/2014/main" id="{EEB2E3D3-56EC-4DD9-87E8-5A131F1B2B14}"/>
+              </a:ext>
+            </a:extLst>
+          </p:cNvPr>
+          <p:cNvPicPr>
+            <a:picLocks noChangeAspect="1"/>
+          </p:cNvPicPr>
+          <p:nvPr/>
+        </p:nvPicPr>
+        <p:blipFill>
+          <a:blip r:embed="rId2"/>
+          <a:stretch>
+            <a:fillRect/>
+          </a:stretch>
+        </p:blipFill>
+        <p:spPr>
+          <a:xfrm>
+            <a:off x="1207446" y="3544106"/>
+            <a:ext cx="6434925" cy="3132437"/>
+          </a:xfrm>
+          <a:prstGeom prst="rect">
+            <a:avLst/>
+          </a:prstGeom>
+        </p:spPr>
+      </p:pic>
+      <p:pic>
+        <p:nvPicPr>
+          <p:cNvPr id="5" name="Picture 4">
+            <a:extLst>
+              <a:ext uri="{FF2B5EF4-FFF2-40B4-BE49-F238E27FC236}">
+                <a16:creationId xmlns:a16="http://schemas.microsoft.com/office/drawing/2014/main" id="{93B04676-DA97-4876-BFB3-16CCDCDA6F61}"/>
+              </a:ext>
+            </a:extLst>
+          </p:cNvPr>
+          <p:cNvPicPr>
+            <a:picLocks noChangeAspect="1"/>
+          </p:cNvPicPr>
+          <p:nvPr/>
+        </p:nvPicPr>
+        <p:blipFill>
+          <a:blip r:embed="rId3"/>
+          <a:stretch>
+            <a:fillRect/>
+          </a:stretch>
+        </p:blipFill>
+        <p:spPr>
+          <a:xfrm>
+            <a:off x="7642371" y="3560385"/>
+            <a:ext cx="4257675" cy="1257300"/>
+          </a:xfrm>
+          <a:prstGeom prst="rect">
+            <a:avLst/>
+          </a:prstGeom>
+        </p:spPr>
+      </p:pic>
+    </p:spTree>
+    <p:extLst>
+      <p:ext uri="{BB962C8B-B14F-4D97-AF65-F5344CB8AC3E}">
+        <p14:creationId xmlns:p14="http://schemas.microsoft.com/office/powerpoint/2010/main" val="1917657423"/>
+      </p:ext>
+    </p:extLst>
+  </p:cSld>
+  <p:clrMapOvr>
+    <a:masterClrMapping/>
+  </p:clrMapOvr>
+</p:sld>
+</file>
+
+<file path=ppt/slides/slide23.xml><?xml version="1.0" encoding="utf-8"?>
+<p:sld xmlns:a="http://schemas.openxmlformats.org/drawingml/2006/main" xmlns:r="http://schemas.openxmlformats.org/officeDocument/2006/relationships" xmlns:p="http://schemas.openxmlformats.org/presentationml/2006/main">
+  <p:cSld>
+    <p:spTree>
+      <p:nvGrpSpPr>
+        <p:cNvPr id="1" name=""/>
+        <p:cNvGrpSpPr/>
+        <p:nvPr/>
+      </p:nvGrpSpPr>
+      <p:grpSpPr>
+        <a:xfrm>
+          <a:off x="0" y="0"/>
+          <a:ext cx="0" cy="0"/>
+          <a:chOff x="0" y="0"/>
+          <a:chExt cx="0" cy="0"/>
+        </a:xfrm>
+      </p:grpSpPr>
+      <p:sp>
+        <p:nvSpPr>
+          <p:cNvPr id="2" name="Title 1">
+            <a:extLst>
+              <a:ext uri="{FF2B5EF4-FFF2-40B4-BE49-F238E27FC236}">
                 <a16:creationId xmlns:a16="http://schemas.microsoft.com/office/drawing/2014/main" id="{EB954C55-C8BC-4166-BB8E-2FEE7037BC4C}"/>
               </a:ext>
             </a:extLst>
@@ -7411,7 +8012,7 @@
 </p:sld>
 </file>
 
-<file path=ppt/slides/slide22.xml><?xml version="1.0" encoding="utf-8"?>
+<file path=ppt/slides/slide24.xml><?xml version="1.0" encoding="utf-8"?>
 <p:sld xmlns:a="http://schemas.openxmlformats.org/drawingml/2006/main" xmlns:r="http://schemas.openxmlformats.org/officeDocument/2006/relationships" xmlns:p="http://schemas.openxmlformats.org/presentationml/2006/main">
   <p:cSld>
     <p:spTree>
@@ -7660,7 +8261,7 @@
 </p:sld>
 </file>
 
-<file path=ppt/slides/slide23.xml><?xml version="1.0" encoding="utf-8"?>
+<file path=ppt/slides/slide25.xml><?xml version="1.0" encoding="utf-8"?>
 <p:sld xmlns:a="http://schemas.openxmlformats.org/drawingml/2006/main" xmlns:r="http://schemas.openxmlformats.org/officeDocument/2006/relationships" xmlns:p="http://schemas.openxmlformats.org/presentationml/2006/main">
   <p:cSld>
     <p:spTree>
@@ -7893,7 +8494,7 @@
 </p:sld>
 </file>
 
-<file path=ppt/slides/slide24.xml><?xml version="1.0" encoding="utf-8"?>
+<file path=ppt/slides/slide26.xml><?xml version="1.0" encoding="utf-8"?>
 <p:sld xmlns:a="http://schemas.openxmlformats.org/drawingml/2006/main" xmlns:r="http://schemas.openxmlformats.org/officeDocument/2006/relationships" xmlns:p="http://schemas.openxmlformats.org/presentationml/2006/main">
   <p:cSld>
     <p:spTree>
@@ -8169,7 +8770,7 @@
 </p:sld>
 </file>
 
-<file path=ppt/slides/slide25.xml><?xml version="1.0" encoding="utf-8"?>
+<file path=ppt/slides/slide27.xml><?xml version="1.0" encoding="utf-8"?>
 <p:sld xmlns:a="http://schemas.openxmlformats.org/drawingml/2006/main" xmlns:r="http://schemas.openxmlformats.org/officeDocument/2006/relationships" xmlns:p="http://schemas.openxmlformats.org/presentationml/2006/main">
   <p:cSld>
     <p:spTree>
@@ -8457,7 +9058,7 @@
 </p:sld>
 </file>
 
-<file path=ppt/slides/slide26.xml><?xml version="1.0" encoding="utf-8"?>
+<file path=ppt/slides/slide28.xml><?xml version="1.0" encoding="utf-8"?>
 <p:sld xmlns:a="http://schemas.openxmlformats.org/drawingml/2006/main" xmlns:r="http://schemas.openxmlformats.org/officeDocument/2006/relationships" xmlns:p="http://schemas.openxmlformats.org/presentationml/2006/main">
   <p:cSld>
     <p:spTree>
@@ -8653,7 +9254,7 @@
 </p:sld>
 </file>
 
-<file path=ppt/slides/slide27.xml><?xml version="1.0" encoding="utf-8"?>
+<file path=ppt/slides/slide29.xml><?xml version="1.0" encoding="utf-8"?>
 <p:sld xmlns:a="http://schemas.openxmlformats.org/drawingml/2006/main" xmlns:r="http://schemas.openxmlformats.org/officeDocument/2006/relationships" xmlns:p="http://schemas.openxmlformats.org/presentationml/2006/main">
   <p:cSld>
     <p:spTree>
@@ -8898,516 +9499,6 @@
 </p:sld>
 </file>
 
-<file path=ppt/slides/slide28.xml><?xml version="1.0" encoding="utf-8"?>
-<p:sld xmlns:a="http://schemas.openxmlformats.org/drawingml/2006/main" xmlns:r="http://schemas.openxmlformats.org/officeDocument/2006/relationships" xmlns:p="http://schemas.openxmlformats.org/presentationml/2006/main">
-  <p:cSld>
-    <p:spTree>
-      <p:nvGrpSpPr>
-        <p:cNvPr id="1" name=""/>
-        <p:cNvGrpSpPr/>
-        <p:nvPr/>
-      </p:nvGrpSpPr>
-      <p:grpSpPr>
-        <a:xfrm>
-          <a:off x="0" y="0"/>
-          <a:ext cx="0" cy="0"/>
-          <a:chOff x="0" y="0"/>
-          <a:chExt cx="0" cy="0"/>
-        </a:xfrm>
-      </p:grpSpPr>
-      <p:sp>
-        <p:nvSpPr>
-          <p:cNvPr id="2" name="Title 1">
-            <a:extLst>
-              <a:ext uri="{FF2B5EF4-FFF2-40B4-BE49-F238E27FC236}">
-                <a16:creationId xmlns:a16="http://schemas.microsoft.com/office/drawing/2014/main" id="{98A8A83B-59F6-4BA4-8738-F90085804EBE}"/>
-              </a:ext>
-            </a:extLst>
-          </p:cNvPr>
-          <p:cNvSpPr>
-            <a:spLocks noGrp="1"/>
-          </p:cNvSpPr>
-          <p:nvPr>
-            <p:ph type="title"/>
-          </p:nvPr>
-        </p:nvSpPr>
-        <p:spPr>
-          <a:xfrm>
-            <a:off x="2231136" y="360727"/>
-            <a:ext cx="7729728" cy="1792685"/>
-          </a:xfrm>
-        </p:spPr>
-        <p:txBody>
-          <a:bodyPr>
-            <a:normAutofit fontScale="90000"/>
-          </a:bodyPr>
-          <a:lstStyle/>
-          <a:p>
-            <a:r>
-              <a:rPr lang="he-IL" dirty="0"/>
-              <a:t>בעיות קשורות ואפליקציות של </a:t>
-            </a:r>
-            <a:r>
-              <a:rPr lang="en-US" dirty="0"/>
-              <a:t>  </a:t>
-            </a:r>
-            <a:br>
-              <a:rPr lang="en-US" dirty="0"/>
-            </a:br>
-            <a:r>
-              <a:rPr lang="en-US" dirty="0"/>
-              <a:t>:K-SETS</a:t>
-            </a:r>
-            <a:br>
-              <a:rPr lang="en-US" dirty="0"/>
-            </a:br>
-            <a:r>
-              <a:rPr lang="en-US" dirty="0"/>
-              <a:t>Convex Polygons and Matroid Optimization</a:t>
-            </a:r>
-            <a:endParaRPr lang="he-IL" dirty="0"/>
-          </a:p>
-        </p:txBody>
-      </p:sp>
-      <p:sp>
-        <p:nvSpPr>
-          <p:cNvPr id="3" name="Content Placeholder 2">
-            <a:extLst>
-              <a:ext uri="{FF2B5EF4-FFF2-40B4-BE49-F238E27FC236}">
-                <a16:creationId xmlns:a16="http://schemas.microsoft.com/office/drawing/2014/main" id="{9DE32AD8-F9A7-49DD-BC0A-C15120730AA2}"/>
-              </a:ext>
-            </a:extLst>
-          </p:cNvPr>
-          <p:cNvSpPr>
-            <a:spLocks noGrp="1"/>
-          </p:cNvSpPr>
-          <p:nvPr>
-            <p:ph idx="1"/>
-          </p:nvPr>
-        </p:nvSpPr>
-        <p:spPr/>
-        <p:txBody>
-          <a:bodyPr>
-            <a:normAutofit fontScale="70000" lnSpcReduction="20000"/>
-          </a:bodyPr>
-          <a:lstStyle/>
-          <a:p>
-            <a:r>
-              <a:rPr lang="he-IL" dirty="0"/>
-              <a:t>אפשר להסתכל על כל מצולע קמור כזה בתור שרשרת קונבקסית עליונה ותחתונה</a:t>
-            </a:r>
-          </a:p>
-          <a:p>
-            <a:r>
-              <a:rPr lang="he-IL" dirty="0"/>
-              <a:t>אם נמשיך את צלעות הקצה של השרשראות עד לאינסוף שלילי וחיובי בהתאמה – נוכל להפעיל את פונ הדואליות ולקבל </a:t>
-            </a:r>
-            <a:r>
-              <a:rPr lang="en-US" dirty="0"/>
-              <a:t>k</a:t>
-            </a:r>
-            <a:r>
-              <a:rPr lang="he-IL" dirty="0"/>
-              <a:t> שרשראות שמורכבות מ</a:t>
-            </a:r>
-            <a:r>
-              <a:rPr lang="en-US" dirty="0"/>
-              <a:t>n</a:t>
-            </a:r>
-            <a:r>
-              <a:rPr lang="he-IL" dirty="0"/>
-              <a:t> קודקודים</a:t>
-            </a:r>
-          </a:p>
-          <a:p>
-            <a:r>
-              <a:rPr lang="he-IL" dirty="0"/>
-              <a:t>מכאן, נוכל להפעיל את </a:t>
-            </a:r>
-            <a:r>
-              <a:rPr lang="en-US" dirty="0"/>
-              <a:t>Lemma 3.1</a:t>
-            </a:r>
-            <a:r>
-              <a:rPr lang="he-IL" dirty="0"/>
-              <a:t>, בשינוי קל, כיוון שעכשיו לא בטוח שהשרשראות מסתיימות בנקודות ייחודיות – יתכן כי משיק </a:t>
-            </a:r>
-            <a:r>
-              <a:rPr lang="en-US" dirty="0"/>
-              <a:t>T</a:t>
-            </a:r>
-            <a:r>
-              <a:rPr lang="he-IL" dirty="0"/>
-              <a:t> יתואם על יותר מפעם אחת, זה יקרה רק במידה והוא מחבר נקודות שהן נקודות קצה של כמה שרשראות</a:t>
-            </a:r>
-          </a:p>
-          <a:p>
-            <a:r>
-              <a:rPr lang="he-IL" dirty="0"/>
-              <a:t>במקרה כזה, </a:t>
-            </a:r>
-            <a:r>
-              <a:rPr lang="en-US" dirty="0"/>
-              <a:t>T</a:t>
-            </a:r>
-            <a:r>
-              <a:rPr lang="he-IL" dirty="0"/>
-              <a:t> מתואם על כל זוג שרשראות שיש להן נקודת קצה שנפגשת עם נקודת הקצה של </a:t>
-            </a:r>
-            <a:r>
-              <a:rPr lang="en-US" dirty="0"/>
-              <a:t>T</a:t>
-            </a:r>
-          </a:p>
-          <a:p>
-            <a:r>
-              <a:rPr lang="he-IL" dirty="0"/>
-              <a:t>הכמות שלהם לא יכולה לעלות על </a:t>
-            </a:r>
-            <a:r>
-              <a:rPr lang="en-US" dirty="0"/>
-              <a:t>k choose 2</a:t>
-            </a:r>
-            <a:r>
-              <a:rPr lang="he-IL" dirty="0"/>
-              <a:t> או </a:t>
-            </a:r>
-            <a:r>
-              <a:rPr lang="en-US" dirty="0"/>
-              <a:t>O(k^2)</a:t>
-            </a:r>
-            <a:r>
-              <a:rPr lang="he-IL" dirty="0"/>
-              <a:t> בסה"כ</a:t>
-            </a:r>
-          </a:p>
-          <a:p>
-            <a:r>
-              <a:rPr lang="he-IL" dirty="0"/>
-              <a:t>נשלב את החסם הנ"ל עם החסם התחתון על כמות ה</a:t>
-            </a:r>
-            <a:r>
-              <a:rPr lang="en-US" dirty="0"/>
-              <a:t>crossings</a:t>
-            </a:r>
-            <a:r>
-              <a:rPr lang="he-IL" dirty="0"/>
-              <a:t> כפי שעשינו בהוכחה של ה</a:t>
-            </a:r>
-            <a:r>
-              <a:rPr lang="en-US" dirty="0"/>
-              <a:t>k-sets</a:t>
-            </a:r>
-            <a:r>
-              <a:rPr lang="he-IL" dirty="0"/>
-              <a:t> ונקבל </a:t>
-            </a:r>
-            <a:r>
-              <a:rPr lang="el-GR" dirty="0"/>
-              <a:t>Θ</a:t>
-            </a:r>
-            <a:r>
-              <a:rPr lang="en-US" dirty="0"/>
-              <a:t>(</a:t>
-            </a:r>
-            <a:r>
-              <a:rPr lang="en-US" dirty="0" err="1"/>
-              <a:t>nk</a:t>
-            </a:r>
-            <a:r>
-              <a:rPr lang="en-US" dirty="0"/>
-              <a:t>^{1/3}+n^{2/3}k^{2/3})</a:t>
-            </a:r>
-            <a:endParaRPr lang="he-IL" dirty="0"/>
-          </a:p>
-          <a:p>
-            <a:r>
-              <a:rPr lang="he-IL" dirty="0"/>
-              <a:t>להוכיח שהחסם הנ"ל הדוק ביותר זה קל, עבור – </a:t>
-            </a:r>
-            <a:r>
-              <a:rPr lang="en-US" dirty="0"/>
-              <a:t>n&gt;k</a:t>
-            </a:r>
-            <a:r>
-              <a:rPr lang="he-IL" dirty="0"/>
-              <a:t> הערך </a:t>
-            </a:r>
-            <a:r>
-              <a:rPr lang="en-US" dirty="0" err="1"/>
-              <a:t>nk</a:t>
-            </a:r>
-            <a:r>
-              <a:rPr lang="en-US" dirty="0"/>
-              <a:t>^{1/3}</a:t>
-            </a:r>
-            <a:r>
-              <a:rPr lang="he-IL" dirty="0"/>
-              <a:t> הוא הדומיננטי, והוכח חסם תחתון שווה</a:t>
-            </a:r>
-          </a:p>
-          <a:p>
-            <a:r>
-              <a:rPr lang="he-IL" dirty="0"/>
-              <a:t>עבור </a:t>
-            </a:r>
-            <a:r>
-              <a:rPr lang="en-US" dirty="0"/>
-              <a:t>k&gt;n</a:t>
-            </a:r>
-            <a:r>
-              <a:rPr lang="he-IL" dirty="0"/>
-              <a:t> הביטוי השני במכפלה - </a:t>
-            </a:r>
-            <a:r>
-              <a:rPr lang="en-US" dirty="0"/>
-              <a:t>n^{2/3}k^{2/3})</a:t>
-            </a:r>
-            <a:r>
-              <a:rPr lang="he-IL" dirty="0"/>
-              <a:t> הוא הדומיננטי וחסם תחתון שווה הוכח </a:t>
-            </a:r>
-          </a:p>
-          <a:p>
-            <a:endParaRPr lang="he-IL" dirty="0"/>
-          </a:p>
-          <a:p>
-            <a:endParaRPr lang="he-IL" dirty="0"/>
-          </a:p>
-          <a:p>
-            <a:endParaRPr lang="he-IL" dirty="0"/>
-          </a:p>
-        </p:txBody>
-      </p:sp>
-    </p:spTree>
-    <p:extLst>
-      <p:ext uri="{BB962C8B-B14F-4D97-AF65-F5344CB8AC3E}">
-        <p14:creationId xmlns:p14="http://schemas.microsoft.com/office/powerpoint/2010/main" val="293839466"/>
-      </p:ext>
-    </p:extLst>
-  </p:cSld>
-  <p:clrMapOvr>
-    <a:masterClrMapping/>
-  </p:clrMapOvr>
-</p:sld>
-</file>
-
-<file path=ppt/slides/slide29.xml><?xml version="1.0" encoding="utf-8"?>
-<p:sld xmlns:a="http://schemas.openxmlformats.org/drawingml/2006/main" xmlns:r="http://schemas.openxmlformats.org/officeDocument/2006/relationships" xmlns:p="http://schemas.openxmlformats.org/presentationml/2006/main">
-  <p:cSld>
-    <p:spTree>
-      <p:nvGrpSpPr>
-        <p:cNvPr id="1" name=""/>
-        <p:cNvGrpSpPr/>
-        <p:nvPr/>
-      </p:nvGrpSpPr>
-      <p:grpSpPr>
-        <a:xfrm>
-          <a:off x="0" y="0"/>
-          <a:ext cx="0" cy="0"/>
-          <a:chOff x="0" y="0"/>
-          <a:chExt cx="0" cy="0"/>
-        </a:xfrm>
-      </p:grpSpPr>
-      <p:sp>
-        <p:nvSpPr>
-          <p:cNvPr id="2" name="Title 1">
-            <a:extLst>
-              <a:ext uri="{FF2B5EF4-FFF2-40B4-BE49-F238E27FC236}">
-                <a16:creationId xmlns:a16="http://schemas.microsoft.com/office/drawing/2014/main" id="{3B221E8D-B790-422D-8EF1-9617095647D6}"/>
-              </a:ext>
-            </a:extLst>
-          </p:cNvPr>
-          <p:cNvSpPr>
-            <a:spLocks noGrp="1"/>
-          </p:cNvSpPr>
-          <p:nvPr>
-            <p:ph type="title"/>
-          </p:nvPr>
-        </p:nvSpPr>
-        <p:spPr>
-          <a:xfrm>
-            <a:off x="2231136" y="360727"/>
-            <a:ext cx="8011822" cy="1792685"/>
-          </a:xfrm>
-        </p:spPr>
-        <p:txBody>
-          <a:bodyPr>
-            <a:normAutofit fontScale="90000"/>
-          </a:bodyPr>
-          <a:lstStyle/>
-          <a:p>
-            <a:r>
-              <a:rPr lang="he-IL" dirty="0"/>
-              <a:t>בעיות קשורות ואפליקציות שבעיות קשורות ואפליקציות של </a:t>
-            </a:r>
-            <a:r>
-              <a:rPr lang="en-US" dirty="0"/>
-              <a:t>  </a:t>
-            </a:r>
-            <a:br>
-              <a:rPr lang="en-US" dirty="0"/>
-            </a:br>
-            <a:r>
-              <a:rPr lang="en-US" dirty="0"/>
-              <a:t>:K-SETS</a:t>
-            </a:r>
-            <a:br>
-              <a:rPr lang="en-US" dirty="0"/>
-            </a:br>
-            <a:r>
-              <a:rPr lang="en-US" dirty="0"/>
-              <a:t>k-Levels in Arrangement of Line Segments</a:t>
-            </a:r>
-            <a:r>
-              <a:rPr lang="he-IL" dirty="0"/>
-              <a:t>ל </a:t>
-            </a:r>
-            <a:r>
-              <a:rPr lang="en-US" dirty="0"/>
-              <a:t>  K-SETS</a:t>
-            </a:r>
-            <a:endParaRPr lang="he-IL" dirty="0"/>
-          </a:p>
-        </p:txBody>
-      </p:sp>
-      <p:sp>
-        <p:nvSpPr>
-          <p:cNvPr id="3" name="Content Placeholder 2">
-            <a:extLst>
-              <a:ext uri="{FF2B5EF4-FFF2-40B4-BE49-F238E27FC236}">
-                <a16:creationId xmlns:a16="http://schemas.microsoft.com/office/drawing/2014/main" id="{1D1C6748-7F69-4891-83A4-CD2F70205774}"/>
-              </a:ext>
-            </a:extLst>
-          </p:cNvPr>
-          <p:cNvSpPr>
-            <a:spLocks noGrp="1"/>
-          </p:cNvSpPr>
-          <p:nvPr>
-            <p:ph idx="1"/>
-          </p:nvPr>
-        </p:nvSpPr>
-        <p:spPr/>
-        <p:txBody>
-          <a:bodyPr/>
-          <a:lstStyle/>
-          <a:p>
-            <a:r>
-              <a:rPr lang="he-IL" dirty="0"/>
-              <a:t>ע"י שימוש בפונ' המיפוי הדואלי בין נקודות לישירים (הנפוך) שהראינו בשקף הקודם, נוכל להמיר את בעיית ה</a:t>
-            </a:r>
-            <a:r>
-              <a:rPr lang="en-US" dirty="0"/>
-              <a:t>K-SETS</a:t>
-            </a:r>
-            <a:r>
-              <a:rPr lang="he-IL" dirty="0"/>
-              <a:t> לבעיית ה</a:t>
-            </a:r>
-            <a:r>
-              <a:rPr lang="en-US" dirty="0"/>
-              <a:t>K-LEVELS</a:t>
-            </a:r>
-            <a:endParaRPr lang="he-IL" dirty="0"/>
-          </a:p>
-          <a:p>
-            <a:r>
-              <a:rPr lang="he-IL" u="sng" dirty="0"/>
-              <a:t>(1)הגדרה</a:t>
-            </a:r>
-            <a:r>
-              <a:rPr lang="he-IL" dirty="0"/>
-              <a:t>: </a:t>
-            </a:r>
-            <a:r>
-              <a:rPr lang="en-US" dirty="0"/>
-              <a:t>K-LEVELS</a:t>
-            </a:r>
-            <a:r>
-              <a:rPr lang="he-IL" dirty="0"/>
-              <a:t> הוא ה-</a:t>
-            </a:r>
-            <a:r>
-              <a:rPr lang="he-IL" sz="2400" dirty="0"/>
-              <a:t>סְגוֹר </a:t>
-            </a:r>
-            <a:r>
-              <a:rPr lang="he-IL" dirty="0"/>
-              <a:t>של כל הנקודות שנמצאות על ישרים נתונים שיש להם בדיוק </a:t>
-            </a:r>
-            <a:r>
-              <a:rPr lang="en-US" dirty="0"/>
-              <a:t>K</a:t>
-            </a:r>
-            <a:r>
-              <a:rPr lang="he-IL" dirty="0"/>
-              <a:t> ישרים מתחתיהם</a:t>
-            </a:r>
-          </a:p>
-          <a:p>
-            <a:r>
-              <a:rPr lang="he-IL" u="sng" dirty="0"/>
-              <a:t>(2)הגדרה</a:t>
-            </a:r>
-            <a:r>
-              <a:rPr lang="he-IL" dirty="0"/>
-              <a:t>: סְגוֹר של קבוצה </a:t>
-            </a:r>
-            <a:r>
-              <a:rPr lang="en-US" dirty="0"/>
-              <a:t>S</a:t>
-            </a:r>
-            <a:r>
-              <a:rPr lang="he-IL" dirty="0"/>
-              <a:t> השייכת למרחב </a:t>
-            </a:r>
-            <a:r>
-              <a:rPr lang="en-US" dirty="0"/>
-              <a:t>X</a:t>
-            </a:r>
-            <a:r>
-              <a:rPr lang="he-IL" dirty="0"/>
-              <a:t> (פחות רלוונטי לנו כרגע) – הוא הקבוצה הסגורה הקטנה ביותר המכילה את </a:t>
-            </a:r>
-            <a:r>
-              <a:rPr lang="en-US" dirty="0"/>
-              <a:t>S</a:t>
-            </a:r>
-            <a:r>
-              <a:rPr lang="he-IL" dirty="0"/>
-              <a:t> </a:t>
-            </a:r>
-          </a:p>
-          <a:p>
-            <a:r>
-              <a:rPr lang="he-IL" u="sng" dirty="0"/>
-              <a:t>(3)הגדרה</a:t>
-            </a:r>
-            <a:r>
-              <a:rPr lang="he-IL" dirty="0"/>
-              <a:t>: קבוצה סגורה, היא בגדול קבוצה שכוללת גם את הקצוות שלה – בצורה כללית יותר את "השפה שלה" - הסביבה שלה, למשל [0,1] במישור –</a:t>
-            </a:r>
-            <a:r>
-              <a:rPr lang="en-US" dirty="0"/>
-              <a:t> R^2</a:t>
-            </a:r>
-            <a:endParaRPr lang="he-IL" dirty="0"/>
-          </a:p>
-        </p:txBody>
-      </p:sp>
-    </p:spTree>
-    <p:extLst>
-      <p:ext uri="{BB962C8B-B14F-4D97-AF65-F5344CB8AC3E}">
-        <p14:creationId xmlns:p14="http://schemas.microsoft.com/office/powerpoint/2010/main" val="379031237"/>
-      </p:ext>
-    </p:extLst>
-  </p:cSld>
-  <p:clrMapOvr>
-    <a:masterClrMapping/>
-  </p:clrMapOvr>
-</p:sld>
-</file>
-
 <file path=ppt/slides/slide3.xml><?xml version="1.0" encoding="utf-8"?>
 <p:sld xmlns:a="http://schemas.openxmlformats.org/drawingml/2006/main" xmlns:r="http://schemas.openxmlformats.org/officeDocument/2006/relationships" xmlns:p="http://schemas.openxmlformats.org/presentationml/2006/main">
   <p:cSld>
@@ -9543,6 +9634,516 @@
 </file>
 
 <file path=ppt/slides/slide30.xml><?xml version="1.0" encoding="utf-8"?>
+<p:sld xmlns:a="http://schemas.openxmlformats.org/drawingml/2006/main" xmlns:r="http://schemas.openxmlformats.org/officeDocument/2006/relationships" xmlns:p="http://schemas.openxmlformats.org/presentationml/2006/main">
+  <p:cSld>
+    <p:spTree>
+      <p:nvGrpSpPr>
+        <p:cNvPr id="1" name=""/>
+        <p:cNvGrpSpPr/>
+        <p:nvPr/>
+      </p:nvGrpSpPr>
+      <p:grpSpPr>
+        <a:xfrm>
+          <a:off x="0" y="0"/>
+          <a:ext cx="0" cy="0"/>
+          <a:chOff x="0" y="0"/>
+          <a:chExt cx="0" cy="0"/>
+        </a:xfrm>
+      </p:grpSpPr>
+      <p:sp>
+        <p:nvSpPr>
+          <p:cNvPr id="2" name="Title 1">
+            <a:extLst>
+              <a:ext uri="{FF2B5EF4-FFF2-40B4-BE49-F238E27FC236}">
+                <a16:creationId xmlns:a16="http://schemas.microsoft.com/office/drawing/2014/main" id="{98A8A83B-59F6-4BA4-8738-F90085804EBE}"/>
+              </a:ext>
+            </a:extLst>
+          </p:cNvPr>
+          <p:cNvSpPr>
+            <a:spLocks noGrp="1"/>
+          </p:cNvSpPr>
+          <p:nvPr>
+            <p:ph type="title"/>
+          </p:nvPr>
+        </p:nvSpPr>
+        <p:spPr>
+          <a:xfrm>
+            <a:off x="2231136" y="360727"/>
+            <a:ext cx="7729728" cy="1792685"/>
+          </a:xfrm>
+        </p:spPr>
+        <p:txBody>
+          <a:bodyPr>
+            <a:normAutofit fontScale="90000"/>
+          </a:bodyPr>
+          <a:lstStyle/>
+          <a:p>
+            <a:r>
+              <a:rPr lang="he-IL" dirty="0"/>
+              <a:t>בעיות קשורות ואפליקציות של </a:t>
+            </a:r>
+            <a:r>
+              <a:rPr lang="en-US" dirty="0"/>
+              <a:t>  </a:t>
+            </a:r>
+            <a:br>
+              <a:rPr lang="en-US" dirty="0"/>
+            </a:br>
+            <a:r>
+              <a:rPr lang="en-US" dirty="0"/>
+              <a:t>:K-SETS</a:t>
+            </a:r>
+            <a:br>
+              <a:rPr lang="en-US" dirty="0"/>
+            </a:br>
+            <a:r>
+              <a:rPr lang="en-US" dirty="0"/>
+              <a:t>Convex Polygons and Matroid Optimization</a:t>
+            </a:r>
+            <a:endParaRPr lang="he-IL" dirty="0"/>
+          </a:p>
+        </p:txBody>
+      </p:sp>
+      <p:sp>
+        <p:nvSpPr>
+          <p:cNvPr id="3" name="Content Placeholder 2">
+            <a:extLst>
+              <a:ext uri="{FF2B5EF4-FFF2-40B4-BE49-F238E27FC236}">
+                <a16:creationId xmlns:a16="http://schemas.microsoft.com/office/drawing/2014/main" id="{9DE32AD8-F9A7-49DD-BC0A-C15120730AA2}"/>
+              </a:ext>
+            </a:extLst>
+          </p:cNvPr>
+          <p:cNvSpPr>
+            <a:spLocks noGrp="1"/>
+          </p:cNvSpPr>
+          <p:nvPr>
+            <p:ph idx="1"/>
+          </p:nvPr>
+        </p:nvSpPr>
+        <p:spPr/>
+        <p:txBody>
+          <a:bodyPr>
+            <a:normAutofit fontScale="70000" lnSpcReduction="20000"/>
+          </a:bodyPr>
+          <a:lstStyle/>
+          <a:p>
+            <a:r>
+              <a:rPr lang="he-IL" dirty="0"/>
+              <a:t>אפשר להסתכל על כל מצולע קמור כזה בתור שרשרת קונבקסית עליונה ותחתונה</a:t>
+            </a:r>
+          </a:p>
+          <a:p>
+            <a:r>
+              <a:rPr lang="he-IL" dirty="0"/>
+              <a:t>אם נמשיך את צלעות הקצה של השרשראות עד לאינסוף שלילי וחיובי בהתאמה – נוכל להפעיל את פונ הדואליות ולקבל </a:t>
+            </a:r>
+            <a:r>
+              <a:rPr lang="en-US" dirty="0"/>
+              <a:t>k</a:t>
+            </a:r>
+            <a:r>
+              <a:rPr lang="he-IL" dirty="0"/>
+              <a:t> שרשראות שמורכבות מ</a:t>
+            </a:r>
+            <a:r>
+              <a:rPr lang="en-US" dirty="0"/>
+              <a:t>n</a:t>
+            </a:r>
+            <a:r>
+              <a:rPr lang="he-IL" dirty="0"/>
+              <a:t> קודקודים</a:t>
+            </a:r>
+          </a:p>
+          <a:p>
+            <a:r>
+              <a:rPr lang="he-IL" dirty="0"/>
+              <a:t>מכאן, נוכל להפעיל את </a:t>
+            </a:r>
+            <a:r>
+              <a:rPr lang="en-US" dirty="0"/>
+              <a:t>Lemma 3.1</a:t>
+            </a:r>
+            <a:r>
+              <a:rPr lang="he-IL" dirty="0"/>
+              <a:t>, בשינוי קל, כיוון שעכשיו לא בטוח שהשרשראות מסתיימות בנקודות ייחודיות – יתכן כי משיק </a:t>
+            </a:r>
+            <a:r>
+              <a:rPr lang="en-US" dirty="0"/>
+              <a:t>T</a:t>
+            </a:r>
+            <a:r>
+              <a:rPr lang="he-IL" dirty="0"/>
+              <a:t> יתואם על יותר מפעם אחת, זה יקרה רק במידה והוא מחבר נקודות שהן נקודות קצה של כמה שרשראות</a:t>
+            </a:r>
+          </a:p>
+          <a:p>
+            <a:r>
+              <a:rPr lang="he-IL" dirty="0"/>
+              <a:t>במקרה כזה, </a:t>
+            </a:r>
+            <a:r>
+              <a:rPr lang="en-US" dirty="0"/>
+              <a:t>T</a:t>
+            </a:r>
+            <a:r>
+              <a:rPr lang="he-IL" dirty="0"/>
+              <a:t> מתואם על כל זוג שרשראות שיש להן נקודת קצה שנפגשת עם נקודת הקצה של </a:t>
+            </a:r>
+            <a:r>
+              <a:rPr lang="en-US" dirty="0"/>
+              <a:t>T</a:t>
+            </a:r>
+          </a:p>
+          <a:p>
+            <a:r>
+              <a:rPr lang="he-IL" dirty="0"/>
+              <a:t>הכמות שלהם לא יכולה לעלות על </a:t>
+            </a:r>
+            <a:r>
+              <a:rPr lang="en-US" dirty="0"/>
+              <a:t>k choose 2</a:t>
+            </a:r>
+            <a:r>
+              <a:rPr lang="he-IL" dirty="0"/>
+              <a:t> או </a:t>
+            </a:r>
+            <a:r>
+              <a:rPr lang="en-US" dirty="0"/>
+              <a:t>O(k^2)</a:t>
+            </a:r>
+            <a:r>
+              <a:rPr lang="he-IL" dirty="0"/>
+              <a:t> בסה"כ</a:t>
+            </a:r>
+          </a:p>
+          <a:p>
+            <a:r>
+              <a:rPr lang="he-IL" dirty="0"/>
+              <a:t>נשלב את החסם הנ"ל עם החסם התחתון על כמות ה</a:t>
+            </a:r>
+            <a:r>
+              <a:rPr lang="en-US" dirty="0"/>
+              <a:t>crossings</a:t>
+            </a:r>
+            <a:r>
+              <a:rPr lang="he-IL" dirty="0"/>
+              <a:t> כפי שעשינו בהוכחה של ה</a:t>
+            </a:r>
+            <a:r>
+              <a:rPr lang="en-US" dirty="0"/>
+              <a:t>k-sets</a:t>
+            </a:r>
+            <a:r>
+              <a:rPr lang="he-IL" dirty="0"/>
+              <a:t> ונקבל </a:t>
+            </a:r>
+            <a:r>
+              <a:rPr lang="el-GR" dirty="0"/>
+              <a:t>Θ</a:t>
+            </a:r>
+            <a:r>
+              <a:rPr lang="en-US" dirty="0"/>
+              <a:t>(</a:t>
+            </a:r>
+            <a:r>
+              <a:rPr lang="en-US" dirty="0" err="1"/>
+              <a:t>nk</a:t>
+            </a:r>
+            <a:r>
+              <a:rPr lang="en-US" dirty="0"/>
+              <a:t>^{1/3}+n^{2/3}k^{2/3})</a:t>
+            </a:r>
+            <a:endParaRPr lang="he-IL" dirty="0"/>
+          </a:p>
+          <a:p>
+            <a:r>
+              <a:rPr lang="he-IL" dirty="0"/>
+              <a:t>להוכיח שהחסם הנ"ל הדוק ביותר זה קל, עבור – </a:t>
+            </a:r>
+            <a:r>
+              <a:rPr lang="en-US" dirty="0"/>
+              <a:t>n&gt;k</a:t>
+            </a:r>
+            <a:r>
+              <a:rPr lang="he-IL" dirty="0"/>
+              <a:t> הערך </a:t>
+            </a:r>
+            <a:r>
+              <a:rPr lang="en-US" dirty="0" err="1"/>
+              <a:t>nk</a:t>
+            </a:r>
+            <a:r>
+              <a:rPr lang="en-US" dirty="0"/>
+              <a:t>^{1/3}</a:t>
+            </a:r>
+            <a:r>
+              <a:rPr lang="he-IL" dirty="0"/>
+              <a:t> הוא הדומיננטי, והוכח חסם תחתון שווה</a:t>
+            </a:r>
+          </a:p>
+          <a:p>
+            <a:r>
+              <a:rPr lang="he-IL" dirty="0"/>
+              <a:t>עבור </a:t>
+            </a:r>
+            <a:r>
+              <a:rPr lang="en-US" dirty="0"/>
+              <a:t>k&gt;n</a:t>
+            </a:r>
+            <a:r>
+              <a:rPr lang="he-IL" dirty="0"/>
+              <a:t> הביטוי השני במכפלה - </a:t>
+            </a:r>
+            <a:r>
+              <a:rPr lang="en-US" dirty="0"/>
+              <a:t>n^{2/3}k^{2/3})</a:t>
+            </a:r>
+            <a:r>
+              <a:rPr lang="he-IL" dirty="0"/>
+              <a:t> הוא הדומיננטי וחסם תחתון שווה הוכח </a:t>
+            </a:r>
+          </a:p>
+          <a:p>
+            <a:endParaRPr lang="he-IL" dirty="0"/>
+          </a:p>
+          <a:p>
+            <a:endParaRPr lang="he-IL" dirty="0"/>
+          </a:p>
+          <a:p>
+            <a:endParaRPr lang="he-IL" dirty="0"/>
+          </a:p>
+        </p:txBody>
+      </p:sp>
+    </p:spTree>
+    <p:extLst>
+      <p:ext uri="{BB962C8B-B14F-4D97-AF65-F5344CB8AC3E}">
+        <p14:creationId xmlns:p14="http://schemas.microsoft.com/office/powerpoint/2010/main" val="293839466"/>
+      </p:ext>
+    </p:extLst>
+  </p:cSld>
+  <p:clrMapOvr>
+    <a:masterClrMapping/>
+  </p:clrMapOvr>
+</p:sld>
+</file>
+
+<file path=ppt/slides/slide31.xml><?xml version="1.0" encoding="utf-8"?>
+<p:sld xmlns:a="http://schemas.openxmlformats.org/drawingml/2006/main" xmlns:r="http://schemas.openxmlformats.org/officeDocument/2006/relationships" xmlns:p="http://schemas.openxmlformats.org/presentationml/2006/main">
+  <p:cSld>
+    <p:spTree>
+      <p:nvGrpSpPr>
+        <p:cNvPr id="1" name=""/>
+        <p:cNvGrpSpPr/>
+        <p:nvPr/>
+      </p:nvGrpSpPr>
+      <p:grpSpPr>
+        <a:xfrm>
+          <a:off x="0" y="0"/>
+          <a:ext cx="0" cy="0"/>
+          <a:chOff x="0" y="0"/>
+          <a:chExt cx="0" cy="0"/>
+        </a:xfrm>
+      </p:grpSpPr>
+      <p:sp>
+        <p:nvSpPr>
+          <p:cNvPr id="2" name="Title 1">
+            <a:extLst>
+              <a:ext uri="{FF2B5EF4-FFF2-40B4-BE49-F238E27FC236}">
+                <a16:creationId xmlns:a16="http://schemas.microsoft.com/office/drawing/2014/main" id="{3B221E8D-B790-422D-8EF1-9617095647D6}"/>
+              </a:ext>
+            </a:extLst>
+          </p:cNvPr>
+          <p:cNvSpPr>
+            <a:spLocks noGrp="1"/>
+          </p:cNvSpPr>
+          <p:nvPr>
+            <p:ph type="title"/>
+          </p:nvPr>
+        </p:nvSpPr>
+        <p:spPr>
+          <a:xfrm>
+            <a:off x="2231136" y="360727"/>
+            <a:ext cx="8011822" cy="1792685"/>
+          </a:xfrm>
+        </p:spPr>
+        <p:txBody>
+          <a:bodyPr>
+            <a:normAutofit fontScale="90000"/>
+          </a:bodyPr>
+          <a:lstStyle/>
+          <a:p>
+            <a:r>
+              <a:rPr lang="he-IL" dirty="0"/>
+              <a:t>בעיות קשורות ואפליקציות שבעיות קשורות ואפליקציות של </a:t>
+            </a:r>
+            <a:r>
+              <a:rPr lang="en-US" dirty="0"/>
+              <a:t>  </a:t>
+            </a:r>
+            <a:br>
+              <a:rPr lang="en-US" dirty="0"/>
+            </a:br>
+            <a:r>
+              <a:rPr lang="en-US" dirty="0"/>
+              <a:t>:K-SETS</a:t>
+            </a:r>
+            <a:br>
+              <a:rPr lang="en-US" dirty="0"/>
+            </a:br>
+            <a:r>
+              <a:rPr lang="en-US" dirty="0"/>
+              <a:t>k-Levels in Arrangement of Line Segments</a:t>
+            </a:r>
+            <a:r>
+              <a:rPr lang="he-IL" dirty="0"/>
+              <a:t>ל </a:t>
+            </a:r>
+            <a:r>
+              <a:rPr lang="en-US" dirty="0"/>
+              <a:t>  K-SETS</a:t>
+            </a:r>
+            <a:endParaRPr lang="he-IL" dirty="0"/>
+          </a:p>
+        </p:txBody>
+      </p:sp>
+      <p:sp>
+        <p:nvSpPr>
+          <p:cNvPr id="3" name="Content Placeholder 2">
+            <a:extLst>
+              <a:ext uri="{FF2B5EF4-FFF2-40B4-BE49-F238E27FC236}">
+                <a16:creationId xmlns:a16="http://schemas.microsoft.com/office/drawing/2014/main" id="{1D1C6748-7F69-4891-83A4-CD2F70205774}"/>
+              </a:ext>
+            </a:extLst>
+          </p:cNvPr>
+          <p:cNvSpPr>
+            <a:spLocks noGrp="1"/>
+          </p:cNvSpPr>
+          <p:nvPr>
+            <p:ph idx="1"/>
+          </p:nvPr>
+        </p:nvSpPr>
+        <p:spPr/>
+        <p:txBody>
+          <a:bodyPr/>
+          <a:lstStyle/>
+          <a:p>
+            <a:r>
+              <a:rPr lang="he-IL" dirty="0"/>
+              <a:t>ע"י שימוש בפונ' המיפוי הדואלי בין נקודות לישירים (הנפוך) שהראינו בשקף הקודם, נוכל להמיר את בעיית ה</a:t>
+            </a:r>
+            <a:r>
+              <a:rPr lang="en-US" dirty="0"/>
+              <a:t>K-SETS</a:t>
+            </a:r>
+            <a:r>
+              <a:rPr lang="he-IL" dirty="0"/>
+              <a:t> לבעיית ה</a:t>
+            </a:r>
+            <a:r>
+              <a:rPr lang="en-US" dirty="0"/>
+              <a:t>K-LEVELS</a:t>
+            </a:r>
+            <a:endParaRPr lang="he-IL" dirty="0"/>
+          </a:p>
+          <a:p>
+            <a:r>
+              <a:rPr lang="he-IL" u="sng" dirty="0"/>
+              <a:t>(1)הגדרה</a:t>
+            </a:r>
+            <a:r>
+              <a:rPr lang="he-IL" dirty="0"/>
+              <a:t>: </a:t>
+            </a:r>
+            <a:r>
+              <a:rPr lang="en-US" dirty="0"/>
+              <a:t>K-LEVELS</a:t>
+            </a:r>
+            <a:r>
+              <a:rPr lang="he-IL" dirty="0"/>
+              <a:t> הוא ה-</a:t>
+            </a:r>
+            <a:r>
+              <a:rPr lang="he-IL" sz="2400" dirty="0"/>
+              <a:t>סְגוֹר </a:t>
+            </a:r>
+            <a:r>
+              <a:rPr lang="he-IL" dirty="0"/>
+              <a:t>של כל הנקודות שנמצאות על ישרים נתונים שיש להם בדיוק </a:t>
+            </a:r>
+            <a:r>
+              <a:rPr lang="en-US" dirty="0"/>
+              <a:t>K</a:t>
+            </a:r>
+            <a:r>
+              <a:rPr lang="he-IL" dirty="0"/>
+              <a:t> ישרים מתחתיהם</a:t>
+            </a:r>
+          </a:p>
+          <a:p>
+            <a:r>
+              <a:rPr lang="he-IL" u="sng" dirty="0"/>
+              <a:t>(2)הגדרה</a:t>
+            </a:r>
+            <a:r>
+              <a:rPr lang="he-IL" dirty="0"/>
+              <a:t>: סְגוֹר של קבוצה </a:t>
+            </a:r>
+            <a:r>
+              <a:rPr lang="en-US" dirty="0"/>
+              <a:t>S</a:t>
+            </a:r>
+            <a:r>
+              <a:rPr lang="he-IL" dirty="0"/>
+              <a:t> השייכת למרחב </a:t>
+            </a:r>
+            <a:r>
+              <a:rPr lang="en-US" dirty="0"/>
+              <a:t>X</a:t>
+            </a:r>
+            <a:r>
+              <a:rPr lang="he-IL" dirty="0"/>
+              <a:t> (פחות רלוונטי לנו כרגע) – הוא הקבוצה הסגורה הקטנה ביותר המכילה את </a:t>
+            </a:r>
+            <a:r>
+              <a:rPr lang="en-US" dirty="0"/>
+              <a:t>S</a:t>
+            </a:r>
+            <a:r>
+              <a:rPr lang="he-IL" dirty="0"/>
+              <a:t> </a:t>
+            </a:r>
+          </a:p>
+          <a:p>
+            <a:r>
+              <a:rPr lang="he-IL" u="sng" dirty="0"/>
+              <a:t>(3)הגדרה</a:t>
+            </a:r>
+            <a:r>
+              <a:rPr lang="he-IL" dirty="0"/>
+              <a:t>: קבוצה סגורה, היא בגדול קבוצה שכוללת גם את הקצוות שלה – בצורה כללית יותר את "השפה שלה" - הסביבה שלה, למשל [0,1] במישור –</a:t>
+            </a:r>
+            <a:r>
+              <a:rPr lang="en-US" dirty="0"/>
+              <a:t> R^2</a:t>
+            </a:r>
+            <a:endParaRPr lang="he-IL" dirty="0"/>
+          </a:p>
+        </p:txBody>
+      </p:sp>
+    </p:spTree>
+    <p:extLst>
+      <p:ext uri="{BB962C8B-B14F-4D97-AF65-F5344CB8AC3E}">
+        <p14:creationId xmlns:p14="http://schemas.microsoft.com/office/powerpoint/2010/main" val="379031237"/>
+      </p:ext>
+    </p:extLst>
+  </p:cSld>
+  <p:clrMapOvr>
+    <a:masterClrMapping/>
+  </p:clrMapOvr>
+</p:sld>
+</file>
+
+<file path=ppt/slides/slide32.xml><?xml version="1.0" encoding="utf-8"?>
 <p:sld xmlns:a="http://schemas.openxmlformats.org/drawingml/2006/main" xmlns:r="http://schemas.openxmlformats.org/officeDocument/2006/relationships" xmlns:p="http://schemas.openxmlformats.org/presentationml/2006/main">
   <p:cSld>
     <p:spTree>
@@ -9788,7 +10389,7 @@
 </p:sld>
 </file>
 
-<file path=ppt/slides/slide31.xml><?xml version="1.0" encoding="utf-8"?>
+<file path=ppt/slides/slide33.xml><?xml version="1.0" encoding="utf-8"?>
 <p:sld xmlns:a="http://schemas.openxmlformats.org/drawingml/2006/main" xmlns:r="http://schemas.openxmlformats.org/officeDocument/2006/relationships" xmlns:p="http://schemas.openxmlformats.org/presentationml/2006/main">
   <p:cSld>
     <p:spTree>
@@ -11175,15 +11776,7 @@
             </a:r>
             <a:r>
               <a:rPr lang="he-IL" dirty="0"/>
-              <a:t>1998 השנה בה הוכח החסם ההדוק ביותר עד היום – החסם שאנחנו מציגים, לא ניתן חסם הדוק יותר ולא הוכח שהחסם הנ"ל הוא ההדוק ביותר האפשרי – </a:t>
-            </a:r>
-            <a:r>
-              <a:rPr lang="he-IL"/>
-              <a:t>מה שלא </a:t>
-            </a:r>
-            <a:r>
-              <a:rPr lang="he-IL" dirty="0"/>
-              <a:t>סביר כיוון שעדיין רחוק יחסית מהחסם התחתון המוכר – </a:t>
+              <a:t>1998 השנה בה הוכח החסם ההדוק ביותר עד היום – החסם שאנחנו מציגים, לא ניתן חסם הדוק יותר ולא הוכח שהחסם הנ"ל הוא ההדוק ביותר האפשרי – מה שלא סביר כיוון שעדיין רחוק יחסית מהחסם התחתון המוכר – </a:t>
             </a:r>
             <a:r>
               <a:rPr lang="el-GR" dirty="0"/>
@@ -11424,7 +12017,15 @@
             </a:r>
             <a:r>
               <a:rPr lang="he-IL" dirty="0"/>
-              <a:t> לשני חלקים שווים.</a:t>
+              <a:t> לשני חלקים </a:t>
+            </a:r>
+            <a:r>
+              <a:rPr lang="he-IL" u="sng" dirty="0"/>
+              <a:t>שווים</a:t>
+            </a:r>
+            <a:r>
+              <a:rPr lang="he-IL" dirty="0"/>
+              <a:t>.</a:t>
             </a:r>
           </a:p>
           <a:p>

--- a/first part/Improved bounds for planar k-sets.pptx
+++ b/first part/Improved bounds for planar k-sets.pptx
@@ -4412,7 +4412,7 @@
           </a:p>
           <a:p>
             <a:r>
-              <a:rPr lang="en-US" dirty="0"/>
+              <a:rPr lang="en-US" b="1" u="sng" dirty="0"/>
               <a:t>Lemma 2</a:t>
             </a:r>
             <a:r>
@@ -5304,7 +5304,10 @@
           </a:bodyPr>
           <a:lstStyle/>
           <a:p>
-            <a:pPr algn="r" rtl="1"/>
+            <a:pPr marL="285750" indent="-285750" algn="r" rtl="1">
+              <a:buFont typeface="Arial" panose="020B0604020202020204" pitchFamily="34" charset="0"/>
+              <a:buChar char="•"/>
+            </a:pPr>
             <a:r>
               <a:rPr lang="he-IL" dirty="0"/>
               <a:t>במקרה הזה נשים לב שנאבד את נקודה </a:t>

--- a/first part/Improved bounds for planar k-sets.pptx
+++ b/first part/Improved bounds for planar k-sets.pptx
@@ -10594,7 +10594,19 @@
           <a:p>
             <a:r>
               <a:rPr lang="he-IL" dirty="0"/>
-              <a:t>נשתמש בחלקים 2  ו-3 של ההוכחה הקודמת על </a:t>
+              <a:t>נשתמש ב</a:t>
+            </a:r>
+            <a:r>
+              <a:rPr lang="en-US"/>
+              <a:t>lemma</a:t>
+            </a:r>
+            <a:r>
+              <a:rPr lang="he-IL"/>
+              <a:t> </a:t>
+            </a:r>
+            <a:r>
+              <a:rPr lang="he-IL" dirty="0"/>
+              <a:t>2  ו-3 של ההוכחה הקודמת על </a:t>
             </a:r>
             <a:r>
               <a:rPr lang="en-US" dirty="0"/>
@@ -10795,7 +10807,7 @@
               <a:t> מתאים נקבל – </a:t>
             </a:r>
             <a:r>
-              <a:rPr lang="en-US"/>
+              <a:rPr lang="en-US" dirty="0"/>
               <a:t>t=O(n(k+1)^{1/3}j^{2/3})</a:t>
             </a:r>
             <a:endParaRPr lang="he-IL" dirty="0"/>

--- a/first part/Improved bounds for planar k-sets.pptx
+++ b/first part/Improved bounds for planar k-sets.pptx
@@ -10270,7 +10270,7 @@
           <a:p>
             <a:r>
               <a:rPr lang="he-IL" dirty="0"/>
-              <a:t>יתכן שיהיו רווחים בין הקטעים כאשר הנקודות מתרחקות אחד מהשני בצורה אנכית </a:t>
+              <a:t>יתכן שיהיו רווחים בין הקטעים כאשר הנקודות מתרחקות אחת מהשנייה בצורה אנכית </a:t>
             </a:r>
             <a:r>
               <a:rPr lang="en-US" dirty="0"/>
@@ -10296,11 +10296,11 @@
           <a:p>
             <a:r>
               <a:rPr lang="he-IL" dirty="0"/>
-              <a:t>סט הנקודות מוגדר להיות הנקודות שמגדירות את הרמה</a:t>
-            </a:r>
-            <a:r>
-              <a:rPr lang="en-US" dirty="0"/>
-              <a:t>k </a:t>
+              <a:t>קבוצת הנקודות מוגדרת להיות הנקודות שמגדירות את הרמה</a:t>
+            </a:r>
+            <a:r>
+              <a:rPr lang="en-US" dirty="0"/>
+              <a:t>k- </a:t>
             </a:r>
             <a:r>
               <a:rPr lang="he-IL" dirty="0"/>

--- a/first part/Improved bounds for planar k-sets.pptx
+++ b/first part/Improved bounds for planar k-sets.pptx
@@ -6843,7 +6843,10 @@
               <a:rPr lang="en-US" dirty="0"/>
               <a:t>k-set</a:t>
             </a:r>
-            <a:endParaRPr lang="he-IL" dirty="0"/>
+            <a:r>
+              <a:rPr lang="he-IL" dirty="0"/>
+              <a:t> במישור</a:t>
+            </a:r>
           </a:p>
         </p:txBody>
       </p:sp>
